--- a/仮.pptx
+++ b/仮.pptx
@@ -8,26 +8,23 @@
     <p:sldId id="256" r:id="rId2"/>
     <p:sldId id="257" r:id="rId3"/>
     <p:sldId id="276" r:id="rId4"/>
-    <p:sldId id="277" r:id="rId5"/>
-    <p:sldId id="278" r:id="rId6"/>
-    <p:sldId id="279" r:id="rId7"/>
-    <p:sldId id="280" r:id="rId8"/>
-    <p:sldId id="285" r:id="rId9"/>
-    <p:sldId id="286" r:id="rId10"/>
-    <p:sldId id="291" r:id="rId11"/>
-    <p:sldId id="287" r:id="rId12"/>
-    <p:sldId id="288" r:id="rId13"/>
-    <p:sldId id="289" r:id="rId14"/>
-    <p:sldId id="290" r:id="rId15"/>
-    <p:sldId id="259" r:id="rId16"/>
-    <p:sldId id="260" r:id="rId17"/>
-    <p:sldId id="261" r:id="rId18"/>
-    <p:sldId id="262" r:id="rId19"/>
-    <p:sldId id="263" r:id="rId20"/>
-    <p:sldId id="264" r:id="rId21"/>
-    <p:sldId id="265" r:id="rId22"/>
-    <p:sldId id="266" r:id="rId23"/>
-    <p:sldId id="267" r:id="rId24"/>
+    <p:sldId id="297" r:id="rId5"/>
+    <p:sldId id="298" r:id="rId6"/>
+    <p:sldId id="277" r:id="rId7"/>
+    <p:sldId id="279" r:id="rId8"/>
+    <p:sldId id="280" r:id="rId9"/>
+    <p:sldId id="285" r:id="rId10"/>
+    <p:sldId id="286" r:id="rId11"/>
+    <p:sldId id="291" r:id="rId12"/>
+    <p:sldId id="287" r:id="rId13"/>
+    <p:sldId id="288" r:id="rId14"/>
+    <p:sldId id="289" r:id="rId15"/>
+    <p:sldId id="290" r:id="rId16"/>
+    <p:sldId id="292" r:id="rId17"/>
+    <p:sldId id="293" r:id="rId18"/>
+    <p:sldId id="294" r:id="rId19"/>
+    <p:sldId id="296" r:id="rId20"/>
+    <p:sldId id="295" r:id="rId21"/>
   </p:sldIdLst>
   <p:sldSz cx="12192000" cy="6858000"/>
   <p:notesSz cx="6858000" cy="9144000"/>
@@ -126,6 +123,11 @@
       </a:defRPr>
     </a:lvl9pPr>
   </p:defaultTextStyle>
+  <p:extLst>
+    <p:ext uri="{EFAFB233-063F-42B5-8137-9DF3F51BA10A}">
+      <p15:sldGuideLst xmlns:p15="http://schemas.microsoft.com/office/powerpoint/2012/main"/>
+    </p:ext>
+  </p:extLst>
 </p:presentation>
 </file>
 
@@ -260,7 +262,7 @@
           <a:p>
             <a:fld id="{487C76CD-BA99-4F2C-9204-8C249A874A3B}" type="datetimeFigureOut">
               <a:rPr kumimoji="1" lang="ja-JP" altLang="en-US" smtClean="0"/>
-              <a:t>2021/4/21</a:t>
+              <a:t>2021/4/27</a:t>
             </a:fld>
             <a:endParaRPr kumimoji="1" lang="ja-JP" altLang="en-US"/>
           </a:p>
@@ -462,7 +464,7 @@
           <a:p>
             <a:fld id="{487C76CD-BA99-4F2C-9204-8C249A874A3B}" type="datetimeFigureOut">
               <a:rPr kumimoji="1" lang="ja-JP" altLang="en-US" smtClean="0"/>
-              <a:t>2021/4/21</a:t>
+              <a:t>2021/4/27</a:t>
             </a:fld>
             <a:endParaRPr kumimoji="1" lang="ja-JP" altLang="en-US"/>
           </a:p>
@@ -674,7 +676,7 @@
           <a:p>
             <a:fld id="{487C76CD-BA99-4F2C-9204-8C249A874A3B}" type="datetimeFigureOut">
               <a:rPr kumimoji="1" lang="ja-JP" altLang="en-US" smtClean="0"/>
-              <a:t>2021/4/21</a:t>
+              <a:t>2021/4/27</a:t>
             </a:fld>
             <a:endParaRPr kumimoji="1" lang="ja-JP" altLang="en-US"/>
           </a:p>
@@ -876,7 +878,7 @@
           <a:p>
             <a:fld id="{487C76CD-BA99-4F2C-9204-8C249A874A3B}" type="datetimeFigureOut">
               <a:rPr kumimoji="1" lang="ja-JP" altLang="en-US" smtClean="0"/>
-              <a:t>2021/4/21</a:t>
+              <a:t>2021/4/27</a:t>
             </a:fld>
             <a:endParaRPr kumimoji="1" lang="ja-JP" altLang="en-US"/>
           </a:p>
@@ -1122,7 +1124,7 @@
           <a:p>
             <a:fld id="{487C76CD-BA99-4F2C-9204-8C249A874A3B}" type="datetimeFigureOut">
               <a:rPr kumimoji="1" lang="ja-JP" altLang="en-US" smtClean="0"/>
-              <a:t>2021/4/21</a:t>
+              <a:t>2021/4/27</a:t>
             </a:fld>
             <a:endParaRPr kumimoji="1" lang="ja-JP" altLang="en-US"/>
           </a:p>
@@ -1418,7 +1420,7 @@
           <a:p>
             <a:fld id="{487C76CD-BA99-4F2C-9204-8C249A874A3B}" type="datetimeFigureOut">
               <a:rPr kumimoji="1" lang="ja-JP" altLang="en-US" smtClean="0"/>
-              <a:t>2021/4/21</a:t>
+              <a:t>2021/4/27</a:t>
             </a:fld>
             <a:endParaRPr kumimoji="1" lang="ja-JP" altLang="en-US"/>
           </a:p>
@@ -1849,7 +1851,7 @@
           <a:p>
             <a:fld id="{487C76CD-BA99-4F2C-9204-8C249A874A3B}" type="datetimeFigureOut">
               <a:rPr kumimoji="1" lang="ja-JP" altLang="en-US" smtClean="0"/>
-              <a:t>2021/4/21</a:t>
+              <a:t>2021/4/27</a:t>
             </a:fld>
             <a:endParaRPr kumimoji="1" lang="ja-JP" altLang="en-US"/>
           </a:p>
@@ -1967,7 +1969,7 @@
           <a:p>
             <a:fld id="{487C76CD-BA99-4F2C-9204-8C249A874A3B}" type="datetimeFigureOut">
               <a:rPr kumimoji="1" lang="ja-JP" altLang="en-US" smtClean="0"/>
-              <a:t>2021/4/21</a:t>
+              <a:t>2021/4/27</a:t>
             </a:fld>
             <a:endParaRPr kumimoji="1" lang="ja-JP" altLang="en-US"/>
           </a:p>
@@ -2062,7 +2064,7 @@
           <a:p>
             <a:fld id="{487C76CD-BA99-4F2C-9204-8C249A874A3B}" type="datetimeFigureOut">
               <a:rPr kumimoji="1" lang="ja-JP" altLang="en-US" smtClean="0"/>
-              <a:t>2021/4/21</a:t>
+              <a:t>2021/4/27</a:t>
             </a:fld>
             <a:endParaRPr kumimoji="1" lang="ja-JP" altLang="en-US"/>
           </a:p>
@@ -2371,7 +2373,7 @@
           <a:p>
             <a:fld id="{487C76CD-BA99-4F2C-9204-8C249A874A3B}" type="datetimeFigureOut">
               <a:rPr kumimoji="1" lang="ja-JP" altLang="en-US" smtClean="0"/>
-              <a:t>2021/4/21</a:t>
+              <a:t>2021/4/27</a:t>
             </a:fld>
             <a:endParaRPr kumimoji="1" lang="ja-JP" altLang="en-US"/>
           </a:p>
@@ -2624,7 +2626,7 @@
           <a:p>
             <a:fld id="{487C76CD-BA99-4F2C-9204-8C249A874A3B}" type="datetimeFigureOut">
               <a:rPr kumimoji="1" lang="ja-JP" altLang="en-US" smtClean="0"/>
-              <a:t>2021/4/21</a:t>
+              <a:t>2021/4/27</a:t>
             </a:fld>
             <a:endParaRPr kumimoji="1" lang="ja-JP" altLang="en-US"/>
           </a:p>
@@ -2869,7 +2871,7 @@
           <a:p>
             <a:fld id="{487C76CD-BA99-4F2C-9204-8C249A874A3B}" type="datetimeFigureOut">
               <a:rPr kumimoji="1" lang="ja-JP" altLang="en-US" smtClean="0"/>
-              <a:t>2021/4/21</a:t>
+              <a:t>2021/4/27</a:t>
             </a:fld>
             <a:endParaRPr kumimoji="1" lang="ja-JP" altLang="en-US"/>
           </a:p>
@@ -3465,6 +3467,36 @@
           </a:p>
         </p:txBody>
       </p:sp>
+      <p:pic>
+        <p:nvPicPr>
+          <p:cNvPr id="3" name="図 2"/>
+          <p:cNvPicPr>
+            <a:picLocks noChangeAspect="1"/>
+          </p:cNvPicPr>
+          <p:nvPr/>
+        </p:nvPicPr>
+        <p:blipFill>
+          <a:blip r:embed="rId2">
+            <a:extLst>
+              <a:ext uri="{28A0092B-C50C-407E-A947-70E740481C1C}">
+                <a14:useLocalDpi xmlns:a14="http://schemas.microsoft.com/office/drawing/2010/main" val="0"/>
+              </a:ext>
+            </a:extLst>
+          </a:blip>
+          <a:stretch>
+            <a:fillRect/>
+          </a:stretch>
+        </p:blipFill>
+        <p:spPr>
+          <a:xfrm>
+            <a:off x="2016119" y="796472"/>
+            <a:ext cx="7490951" cy="3719996"/>
+          </a:xfrm>
+          <a:prstGeom prst="rect">
+            <a:avLst/>
+          </a:prstGeom>
+        </p:spPr>
+      </p:pic>
     </p:spTree>
     <p:extLst>
       <p:ext uri="{BB962C8B-B14F-4D97-AF65-F5344CB8AC3E}">
@@ -3547,7 +3579,7 @@
         <p:spPr>
           <a:xfrm>
             <a:off x="158261" y="136212"/>
-            <a:ext cx="8533105" cy="923330"/>
+            <a:ext cx="9228808" cy="923330"/>
           </a:xfrm>
           <a:prstGeom prst="rect">
             <a:avLst/>
@@ -3578,7 +3610,7 @@
                 <a:latin typeface="HGS明朝E" panose="02020900000000000000" pitchFamily="18" charset="-128"/>
                 <a:ea typeface="HGS明朝E" panose="02020900000000000000" pitchFamily="18" charset="-128"/>
               </a:rPr>
-              <a:t>説明～敵ユニット～</a:t>
+              <a:t>説明～自陣ユニット～</a:t>
             </a:r>
             <a:endParaRPr kumimoji="1" lang="ja-JP" altLang="en-US" sz="5400" b="1" dirty="0">
               <a:solidFill>
@@ -3627,92 +3659,7 @@
       </p:cxnSp>
       <p:sp>
         <p:nvSpPr>
-          <p:cNvPr id="6" name="テキスト ボックス 5"/>
-          <p:cNvSpPr txBox="1"/>
-          <p:nvPr/>
-        </p:nvSpPr>
-        <p:spPr>
-          <a:xfrm>
-            <a:off x="1237376" y="1724206"/>
-            <a:ext cx="1877437" cy="769441"/>
-          </a:xfrm>
-          <a:prstGeom prst="rect">
-            <a:avLst/>
-          </a:prstGeom>
-          <a:noFill/>
-        </p:spPr>
-        <p:txBody>
-          <a:bodyPr wrap="none" rtlCol="0">
-            <a:spAutoFit/>
-          </a:bodyPr>
-          <a:lstStyle/>
-          <a:p>
-            <a:pPr algn="ctr"/>
-            <a:r>
-              <a:rPr lang="ja-JP" altLang="en-US" sz="4400" b="1" dirty="0" smtClean="0">
-                <a:solidFill>
-                  <a:srgbClr val="FF71CC"/>
-                </a:solidFill>
-              </a:rPr>
-              <a:t>ピンク</a:t>
-            </a:r>
-            <a:endParaRPr kumimoji="1" lang="ja-JP" altLang="en-US" sz="4400" b="1" dirty="0">
-              <a:solidFill>
-                <a:srgbClr val="FF71CC"/>
-              </a:solidFill>
-            </a:endParaRPr>
-          </a:p>
-        </p:txBody>
-      </p:sp>
-      <p:sp>
-        <p:nvSpPr>
-          <p:cNvPr id="9" name="テキスト ボックス 8"/>
-          <p:cNvSpPr txBox="1"/>
-          <p:nvPr/>
-        </p:nvSpPr>
-        <p:spPr>
-          <a:xfrm>
-            <a:off x="1125413" y="5522209"/>
-            <a:ext cx="9417963" cy="707886"/>
-          </a:xfrm>
-          <a:prstGeom prst="rect">
-            <a:avLst/>
-          </a:prstGeom>
-          <a:noFill/>
-        </p:spPr>
-        <p:txBody>
-          <a:bodyPr wrap="none" rtlCol="0">
-            <a:spAutoFit/>
-          </a:bodyPr>
-          <a:lstStyle/>
-          <a:p>
-            <a:r>
-              <a:rPr kumimoji="1" lang="ja-JP" altLang="en-US" sz="4000" b="1" dirty="0" smtClean="0">
-                <a:solidFill>
-                  <a:srgbClr val="FF71CC"/>
-                </a:solidFill>
-              </a:rPr>
-              <a:t>特徴</a:t>
-            </a:r>
-            <a:r>
-              <a:rPr kumimoji="1" lang="ja-JP" altLang="en-US" sz="4000" b="1" dirty="0" smtClean="0">
-                <a:solidFill>
-                  <a:schemeClr val="bg1"/>
-                </a:solidFill>
-              </a:rPr>
-              <a:t>：コスト回復ができる支援ユニット</a:t>
-            </a:r>
-            <a:endParaRPr kumimoji="1" lang="en-US" altLang="ja-JP" sz="4000" b="1" dirty="0" smtClean="0">
-              <a:solidFill>
-                <a:srgbClr val="FFFF00"/>
-              </a:solidFill>
-            </a:endParaRPr>
-          </a:p>
-        </p:txBody>
-      </p:sp>
-      <p:sp>
-        <p:nvSpPr>
-          <p:cNvPr id="10" name="六角形 9"/>
+          <p:cNvPr id="4" name="六角形 3"/>
           <p:cNvSpPr/>
           <p:nvPr/>
         </p:nvSpPr>
@@ -3725,7 +3672,7 @@
             <a:avLst/>
           </a:prstGeom>
           <a:solidFill>
-            <a:srgbClr val="FF71CC"/>
+            <a:srgbClr val="00B050"/>
           </a:solidFill>
           <a:ln>
             <a:noFill/>
@@ -3758,14 +3705,14 @@
       </p:sp>
       <p:sp>
         <p:nvSpPr>
-          <p:cNvPr id="12" name="テキスト ボックス 11"/>
+          <p:cNvPr id="6" name="テキスト ボックス 5"/>
           <p:cNvSpPr txBox="1"/>
           <p:nvPr/>
         </p:nvSpPr>
         <p:spPr>
           <a:xfrm>
-            <a:off x="5945800" y="1724206"/>
-            <a:ext cx="5973110" cy="3170099"/>
+            <a:off x="1519503" y="1724206"/>
+            <a:ext cx="1313180" cy="769441"/>
           </a:xfrm>
           <a:prstGeom prst="rect">
             <a:avLst/>
@@ -3779,6 +3726,52 @@
           <a:lstStyle/>
           <a:p>
             <a:r>
+              <a:rPr lang="ja-JP" altLang="en-US" sz="4400" b="1" dirty="0">
+                <a:solidFill>
+                  <a:srgbClr val="00B050"/>
+                </a:solidFill>
+              </a:rPr>
+              <a:t>緑</a:t>
+            </a:r>
+            <a:r>
+              <a:rPr kumimoji="1" lang="ja-JP" altLang="en-US" sz="4400" b="1" dirty="0" smtClean="0">
+                <a:solidFill>
+                  <a:srgbClr val="00B050"/>
+                </a:solidFill>
+              </a:rPr>
+              <a:t>色</a:t>
+            </a:r>
+            <a:endParaRPr kumimoji="1" lang="ja-JP" altLang="en-US" sz="4400" b="1" dirty="0">
+              <a:solidFill>
+                <a:srgbClr val="00B050"/>
+              </a:solidFill>
+            </a:endParaRPr>
+          </a:p>
+        </p:txBody>
+      </p:sp>
+      <p:sp>
+        <p:nvSpPr>
+          <p:cNvPr id="7" name="テキスト ボックス 6"/>
+          <p:cNvSpPr txBox="1"/>
+          <p:nvPr/>
+        </p:nvSpPr>
+        <p:spPr>
+          <a:xfrm>
+            <a:off x="5945800" y="1724206"/>
+            <a:ext cx="3921266" cy="3170099"/>
+          </a:xfrm>
+          <a:prstGeom prst="rect">
+            <a:avLst/>
+          </a:prstGeom>
+          <a:noFill/>
+        </p:spPr>
+        <p:txBody>
+          <a:bodyPr wrap="none" rtlCol="0">
+            <a:spAutoFit/>
+          </a:bodyPr>
+          <a:lstStyle/>
+          <a:p>
+            <a:r>
               <a:rPr lang="ja-JP" altLang="en-US" sz="4000" b="1" dirty="0">
                 <a:solidFill>
                   <a:schemeClr val="bg1"/>
@@ -3792,7 +3785,7 @@
                   <a:schemeClr val="bg1"/>
                 </a:solidFill>
               </a:rPr>
-              <a:t>：小</a:t>
+              <a:t>：中</a:t>
             </a:r>
             <a:endParaRPr lang="en-US" altLang="ja-JP" sz="4000" b="1" dirty="0">
               <a:solidFill>
@@ -3807,7 +3800,7 @@
                   <a:schemeClr val="bg1"/>
                 </a:solidFill>
               </a:rPr>
-              <a:t>▶ 攻撃力：固定ダメージ</a:t>
+              <a:t>▶ 攻撃力：小</a:t>
             </a:r>
             <a:endParaRPr lang="en-US" altLang="ja-JP" sz="4000" b="1" dirty="0" smtClean="0">
               <a:solidFill>
@@ -3853,7 +3846,7 @@
                   <a:schemeClr val="bg1"/>
                 </a:solidFill>
               </a:rPr>
-              <a:t>▶ 攻撃速度：中</a:t>
+              <a:t>▶ 攻撃速度：小</a:t>
             </a:r>
             <a:endParaRPr kumimoji="1" lang="en-US" altLang="ja-JP" sz="4000" b="1" dirty="0" smtClean="0">
               <a:solidFill>
@@ -3871,12 +3864,97 @@
               <a:t>▶ コスト：</a:t>
             </a:r>
             <a:r>
-              <a:rPr lang="en-US" altLang="ja-JP" sz="4000" b="1" dirty="0" smtClean="0">
-                <a:solidFill>
-                  <a:schemeClr val="bg1"/>
-                </a:solidFill>
-              </a:rPr>
-              <a:t>10</a:t>
+              <a:rPr lang="en-US" altLang="ja-JP" sz="4000" b="1" dirty="0">
+                <a:solidFill>
+                  <a:schemeClr val="bg1"/>
+                </a:solidFill>
+              </a:rPr>
+              <a:t>8</a:t>
+            </a:r>
+            <a:endParaRPr kumimoji="1" lang="ja-JP" altLang="en-US" sz="4000" b="1" dirty="0">
+              <a:solidFill>
+                <a:schemeClr val="bg1"/>
+              </a:solidFill>
+            </a:endParaRPr>
+          </a:p>
+        </p:txBody>
+      </p:sp>
+      <p:sp>
+        <p:nvSpPr>
+          <p:cNvPr id="9" name="テキスト ボックス 8"/>
+          <p:cNvSpPr txBox="1"/>
+          <p:nvPr/>
+        </p:nvSpPr>
+        <p:spPr>
+          <a:xfrm>
+            <a:off x="1130538" y="5214433"/>
+            <a:ext cx="9417963" cy="1323439"/>
+          </a:xfrm>
+          <a:prstGeom prst="rect">
+            <a:avLst/>
+          </a:prstGeom>
+          <a:noFill/>
+        </p:spPr>
+        <p:txBody>
+          <a:bodyPr wrap="none" rtlCol="0">
+            <a:spAutoFit/>
+          </a:bodyPr>
+          <a:lstStyle/>
+          <a:p>
+            <a:r>
+              <a:rPr kumimoji="1" lang="ja-JP" altLang="en-US" sz="4000" b="1" dirty="0" smtClean="0">
+                <a:solidFill>
+                  <a:srgbClr val="FFFF00"/>
+                </a:solidFill>
+              </a:rPr>
+              <a:t>特徴</a:t>
+            </a:r>
+            <a:r>
+              <a:rPr kumimoji="1" lang="ja-JP" altLang="en-US" sz="4000" b="1" dirty="0" smtClean="0">
+                <a:solidFill>
+                  <a:schemeClr val="bg1"/>
+                </a:solidFill>
+              </a:rPr>
+              <a:t>：範囲攻撃ができる中距離ユニット</a:t>
+            </a:r>
+            <a:endParaRPr kumimoji="1" lang="en-US" altLang="ja-JP" sz="4000" b="1" dirty="0" smtClean="0">
+              <a:solidFill>
+                <a:srgbClr val="FFFF00"/>
+              </a:solidFill>
+            </a:endParaRPr>
+          </a:p>
+          <a:p>
+            <a:r>
+              <a:rPr kumimoji="1" lang="ja-JP" altLang="en-US" sz="4000" b="1" dirty="0" smtClean="0">
+                <a:solidFill>
+                  <a:srgbClr val="FFFF00"/>
+                </a:solidFill>
+              </a:rPr>
+              <a:t>スキル</a:t>
+            </a:r>
+            <a:r>
+              <a:rPr kumimoji="1" lang="ja-JP" altLang="en-US" sz="4000" b="1" dirty="0" smtClean="0">
+                <a:solidFill>
+                  <a:schemeClr val="bg1"/>
+                </a:solidFill>
+              </a:rPr>
+              <a:t>：攻撃力</a:t>
+            </a:r>
+            <a:r>
+              <a:rPr kumimoji="1" lang="en-US" altLang="ja-JP" sz="4000" b="1" dirty="0" smtClean="0">
+                <a:solidFill>
+                  <a:schemeClr val="bg1"/>
+                </a:solidFill>
+              </a:rPr>
+              <a:t>UP</a:t>
+            </a:r>
+            <a:r>
+              <a:rPr kumimoji="1" lang="ja-JP" altLang="en-US" sz="4000" b="1" dirty="0" smtClean="0">
+                <a:solidFill>
+                  <a:schemeClr val="bg1"/>
+                </a:solidFill>
+              </a:rPr>
+              <a:t>・移動妨害付与</a:t>
             </a:r>
             <a:endParaRPr kumimoji="1" lang="ja-JP" altLang="en-US" sz="4000" b="1" dirty="0">
               <a:solidFill>
@@ -3889,7 +3967,7 @@
     </p:spTree>
     <p:extLst>
       <p:ext uri="{BB962C8B-B14F-4D97-AF65-F5344CB8AC3E}">
-        <p14:creationId xmlns:p14="http://schemas.microsoft.com/office/powerpoint/2010/main" val="1739062984"/>
+        <p14:creationId xmlns:p14="http://schemas.microsoft.com/office/powerpoint/2010/main" val="4116797297"/>
       </p:ext>
     </p:extLst>
   </p:cSld>
@@ -4054,8 +4132,8 @@
         </p:nvSpPr>
         <p:spPr>
           <a:xfrm>
-            <a:off x="1519506" y="1724206"/>
-            <a:ext cx="1313180" cy="769441"/>
+            <a:off x="1237376" y="1724206"/>
+            <a:ext cx="1877437" cy="769441"/>
           </a:xfrm>
           <a:prstGeom prst="rect">
             <a:avLst/>
@@ -4072,29 +4150,29 @@
             <a:r>
               <a:rPr lang="ja-JP" altLang="en-US" sz="4400" b="1" dirty="0" smtClean="0">
                 <a:solidFill>
-                  <a:srgbClr val="FF0000"/>
-                </a:solidFill>
-              </a:rPr>
-              <a:t>三角</a:t>
+                  <a:srgbClr val="FF71CC"/>
+                </a:solidFill>
+              </a:rPr>
+              <a:t>ピンク</a:t>
             </a:r>
             <a:endParaRPr kumimoji="1" lang="ja-JP" altLang="en-US" sz="4400" b="1" dirty="0">
               <a:solidFill>
-                <a:srgbClr val="FF0000"/>
-              </a:solidFill>
-            </a:endParaRPr>
-          </a:p>
-        </p:txBody>
-      </p:sp>
-      <p:sp>
-        <p:nvSpPr>
-          <p:cNvPr id="7" name="テキスト ボックス 6"/>
+                <a:srgbClr val="FF71CC"/>
+              </a:solidFill>
+            </a:endParaRPr>
+          </a:p>
+        </p:txBody>
+      </p:sp>
+      <p:sp>
+        <p:nvSpPr>
+          <p:cNvPr id="9" name="テキスト ボックス 8"/>
           <p:cNvSpPr txBox="1"/>
           <p:nvPr/>
         </p:nvSpPr>
         <p:spPr>
           <a:xfrm>
-            <a:off x="5766357" y="1510110"/>
-            <a:ext cx="3921266" cy="3785652"/>
+            <a:off x="1125413" y="5522209"/>
+            <a:ext cx="9417963" cy="707886"/>
           </a:xfrm>
           <a:prstGeom prst="rect">
             <a:avLst/>
@@ -4107,135 +4185,24 @@
           </a:bodyPr>
           <a:lstStyle/>
           <a:p>
-            <a:pPr>
-              <a:lnSpc>
-                <a:spcPct val="150000"/>
-              </a:lnSpc>
-            </a:pPr>
-            <a:r>
-              <a:rPr lang="ja-JP" altLang="en-US" sz="4000" b="1" dirty="0">
-                <a:solidFill>
-                  <a:schemeClr val="bg1"/>
-                </a:solidFill>
-              </a:rPr>
-              <a:t>▶ 体力</a:t>
-            </a:r>
-            <a:r>
-              <a:rPr lang="ja-JP" altLang="en-US" sz="4000" b="1" dirty="0" smtClean="0">
-                <a:solidFill>
-                  <a:schemeClr val="bg1"/>
-                </a:solidFill>
-              </a:rPr>
-              <a:t>：中</a:t>
-            </a:r>
-            <a:endParaRPr lang="en-US" altLang="ja-JP" sz="4000" b="1" dirty="0">
-              <a:solidFill>
-                <a:schemeClr val="bg1"/>
-              </a:solidFill>
-            </a:endParaRPr>
-          </a:p>
-          <a:p>
-            <a:pPr>
-              <a:lnSpc>
-                <a:spcPct val="150000"/>
-              </a:lnSpc>
-            </a:pPr>
-            <a:r>
-              <a:rPr lang="ja-JP" altLang="en-US" sz="4000" b="1" dirty="0" smtClean="0">
-                <a:solidFill>
-                  <a:schemeClr val="bg1"/>
-                </a:solidFill>
-              </a:rPr>
-              <a:t>▶ 攻撃力：小</a:t>
-            </a:r>
-            <a:endParaRPr lang="en-US" altLang="ja-JP" sz="4000" b="1" dirty="0" smtClean="0">
-              <a:solidFill>
-                <a:schemeClr val="bg1"/>
-              </a:solidFill>
-            </a:endParaRPr>
-          </a:p>
-          <a:p>
-            <a:pPr>
-              <a:lnSpc>
-                <a:spcPct val="150000"/>
-              </a:lnSpc>
-            </a:pPr>
-            <a:r>
-              <a:rPr lang="ja-JP" altLang="en-US" sz="4000" b="1" dirty="0" smtClean="0">
-                <a:solidFill>
-                  <a:schemeClr val="bg1"/>
-                </a:solidFill>
-              </a:rPr>
-              <a:t>▶ 攻撃速度：大</a:t>
-            </a:r>
-            <a:endParaRPr lang="en-US" altLang="ja-JP" sz="4000" b="1" dirty="0">
-              <a:solidFill>
-                <a:schemeClr val="bg1"/>
-              </a:solidFill>
-            </a:endParaRPr>
-          </a:p>
-          <a:p>
-            <a:pPr>
-              <a:lnSpc>
-                <a:spcPct val="150000"/>
-              </a:lnSpc>
-            </a:pPr>
-            <a:r>
-              <a:rPr lang="ja-JP" altLang="en-US" sz="4000" b="1" dirty="0" smtClean="0">
-                <a:solidFill>
-                  <a:schemeClr val="bg1"/>
-                </a:solidFill>
-              </a:rPr>
-              <a:t>▶ 移動速度：大</a:t>
+            <a:r>
+              <a:rPr kumimoji="1" lang="ja-JP" altLang="en-US" sz="4000" b="1" dirty="0" smtClean="0">
+                <a:solidFill>
+                  <a:srgbClr val="FF71CC"/>
+                </a:solidFill>
+              </a:rPr>
+              <a:t>特徴</a:t>
+            </a:r>
+            <a:r>
+              <a:rPr kumimoji="1" lang="ja-JP" altLang="en-US" sz="4000" b="1" dirty="0" smtClean="0">
+                <a:solidFill>
+                  <a:schemeClr val="bg1"/>
+                </a:solidFill>
+              </a:rPr>
+              <a:t>：コスト回復ができる支援ユニット</a:t>
             </a:r>
             <a:endParaRPr kumimoji="1" lang="en-US" altLang="ja-JP" sz="4000" b="1" dirty="0" smtClean="0">
               <a:solidFill>
-                <a:schemeClr val="bg1"/>
-              </a:solidFill>
-            </a:endParaRPr>
-          </a:p>
-        </p:txBody>
-      </p:sp>
-      <p:sp>
-        <p:nvSpPr>
-          <p:cNvPr id="9" name="テキスト ボックス 8"/>
-          <p:cNvSpPr txBox="1"/>
-          <p:nvPr/>
-        </p:nvSpPr>
-        <p:spPr>
-          <a:xfrm>
-            <a:off x="1125413" y="5522209"/>
-            <a:ext cx="8392041" cy="707886"/>
-          </a:xfrm>
-          <a:prstGeom prst="rect">
-            <a:avLst/>
-          </a:prstGeom>
-          <a:noFill/>
-        </p:spPr>
-        <p:txBody>
-          <a:bodyPr wrap="none" rtlCol="0">
-            <a:spAutoFit/>
-          </a:bodyPr>
-          <a:lstStyle/>
-          <a:p>
-            <a:r>
-              <a:rPr kumimoji="1" lang="ja-JP" altLang="en-US" sz="4000" b="1" dirty="0" smtClean="0">
-                <a:solidFill>
-                  <a:srgbClr val="FF0000"/>
-                </a:solidFill>
-              </a:rPr>
-              <a:t>特徴</a:t>
-            </a:r>
-            <a:r>
-              <a:rPr kumimoji="1" lang="ja-JP" altLang="en-US" sz="4000" b="1" dirty="0" smtClean="0">
-                <a:solidFill>
-                  <a:schemeClr val="bg1"/>
-                </a:solidFill>
-              </a:rPr>
-              <a:t>：移動速度が速い特攻ユニット</a:t>
-            </a:r>
-            <a:endParaRPr kumimoji="1" lang="en-US" altLang="ja-JP" sz="4000" b="1" dirty="0" smtClean="0">
-              <a:solidFill>
                 <a:srgbClr val="FFFF00"/>
               </a:solidFill>
             </a:endParaRPr>
@@ -4244,22 +4211,20 @@
       </p:sp>
       <p:sp>
         <p:nvSpPr>
-          <p:cNvPr id="10" name="二等辺三角形 9"/>
+          <p:cNvPr id="10" name="六角形 9"/>
           <p:cNvSpPr/>
           <p:nvPr/>
         </p:nvSpPr>
         <p:spPr>
           <a:xfrm>
-            <a:off x="1125413" y="2725615"/>
-            <a:ext cx="2118949" cy="1894759"/>
-          </a:xfrm>
-          <a:prstGeom prst="triangle">
-            <a:avLst>
-              <a:gd name="adj" fmla="val 50829"/>
-            </a:avLst>
+            <a:off x="1125413" y="2659691"/>
+            <a:ext cx="2101361" cy="1960684"/>
+          </a:xfrm>
+          <a:prstGeom prst="hexagon">
+            <a:avLst/>
           </a:prstGeom>
           <a:solidFill>
-            <a:srgbClr val="FF0000"/>
+            <a:srgbClr val="FF71CC"/>
           </a:solidFill>
           <a:ln>
             <a:noFill/>
@@ -4290,10 +4255,140 @@
           </a:p>
         </p:txBody>
       </p:sp>
+      <p:sp>
+        <p:nvSpPr>
+          <p:cNvPr id="12" name="テキスト ボックス 11"/>
+          <p:cNvSpPr txBox="1"/>
+          <p:nvPr/>
+        </p:nvSpPr>
+        <p:spPr>
+          <a:xfrm>
+            <a:off x="5945800" y="1724206"/>
+            <a:ext cx="5973110" cy="3170099"/>
+          </a:xfrm>
+          <a:prstGeom prst="rect">
+            <a:avLst/>
+          </a:prstGeom>
+          <a:noFill/>
+        </p:spPr>
+        <p:txBody>
+          <a:bodyPr wrap="none" rtlCol="0">
+            <a:spAutoFit/>
+          </a:bodyPr>
+          <a:lstStyle/>
+          <a:p>
+            <a:r>
+              <a:rPr lang="ja-JP" altLang="en-US" sz="4000" b="1" dirty="0">
+                <a:solidFill>
+                  <a:schemeClr val="bg1"/>
+                </a:solidFill>
+              </a:rPr>
+              <a:t>▶ 体力</a:t>
+            </a:r>
+            <a:r>
+              <a:rPr lang="ja-JP" altLang="en-US" sz="4000" b="1" dirty="0" smtClean="0">
+                <a:solidFill>
+                  <a:schemeClr val="bg1"/>
+                </a:solidFill>
+              </a:rPr>
+              <a:t>：小</a:t>
+            </a:r>
+            <a:endParaRPr lang="en-US" altLang="ja-JP" sz="4000" b="1" dirty="0">
+              <a:solidFill>
+                <a:schemeClr val="bg1"/>
+              </a:solidFill>
+            </a:endParaRPr>
+          </a:p>
+          <a:p>
+            <a:r>
+              <a:rPr lang="ja-JP" altLang="en-US" sz="4000" b="1" dirty="0" smtClean="0">
+                <a:solidFill>
+                  <a:schemeClr val="bg1"/>
+                </a:solidFill>
+              </a:rPr>
+              <a:t>▶ 攻撃力：固定ダメージ</a:t>
+            </a:r>
+            <a:endParaRPr lang="en-US" altLang="ja-JP" sz="4000" b="1" dirty="0" smtClean="0">
+              <a:solidFill>
+                <a:schemeClr val="bg1"/>
+              </a:solidFill>
+            </a:endParaRPr>
+          </a:p>
+          <a:p>
+            <a:r>
+              <a:rPr lang="ja-JP" altLang="en-US" sz="4000" b="1" dirty="0" smtClean="0">
+                <a:solidFill>
+                  <a:schemeClr val="bg1"/>
+                </a:solidFill>
+              </a:rPr>
+              <a:t>▶ </a:t>
+            </a:r>
+            <a:r>
+              <a:rPr lang="ja-JP" altLang="en-US" sz="4000" b="1" dirty="0">
+                <a:solidFill>
+                  <a:schemeClr val="bg1"/>
+                </a:solidFill>
+              </a:rPr>
+              <a:t>攻撃距離</a:t>
+            </a:r>
+            <a:r>
+              <a:rPr lang="ja-JP" altLang="en-US" sz="4000" b="1" dirty="0" smtClean="0">
+                <a:solidFill>
+                  <a:schemeClr val="bg1"/>
+                </a:solidFill>
+              </a:rPr>
+              <a:t>：中</a:t>
+            </a:r>
+            <a:endParaRPr lang="en-US" altLang="ja-JP" sz="4000" b="1" dirty="0">
+              <a:solidFill>
+                <a:schemeClr val="bg1"/>
+              </a:solidFill>
+            </a:endParaRPr>
+          </a:p>
+          <a:p>
+            <a:r>
+              <a:rPr lang="ja-JP" altLang="en-US" sz="4000" b="1" dirty="0" smtClean="0">
+                <a:solidFill>
+                  <a:schemeClr val="bg1"/>
+                </a:solidFill>
+              </a:rPr>
+              <a:t>▶ 攻撃速度：中</a:t>
+            </a:r>
+            <a:endParaRPr kumimoji="1" lang="en-US" altLang="ja-JP" sz="4000" b="1" dirty="0" smtClean="0">
+              <a:solidFill>
+                <a:schemeClr val="bg1"/>
+              </a:solidFill>
+            </a:endParaRPr>
+          </a:p>
+          <a:p>
+            <a:r>
+              <a:rPr lang="ja-JP" altLang="en-US" sz="4000" b="1" dirty="0" smtClean="0">
+                <a:solidFill>
+                  <a:schemeClr val="bg1"/>
+                </a:solidFill>
+              </a:rPr>
+              <a:t>▶ コスト：</a:t>
+            </a:r>
+            <a:r>
+              <a:rPr lang="en-US" altLang="ja-JP" sz="4000" b="1" dirty="0" smtClean="0">
+                <a:solidFill>
+                  <a:schemeClr val="bg1"/>
+                </a:solidFill>
+              </a:rPr>
+              <a:t>10</a:t>
+            </a:r>
+            <a:endParaRPr kumimoji="1" lang="ja-JP" altLang="en-US" sz="4000" b="1" dirty="0">
+              <a:solidFill>
+                <a:schemeClr val="bg1"/>
+              </a:solidFill>
+            </a:endParaRPr>
+          </a:p>
+        </p:txBody>
+      </p:sp>
     </p:spTree>
     <p:extLst>
       <p:ext uri="{BB962C8B-B14F-4D97-AF65-F5344CB8AC3E}">
-        <p14:creationId xmlns:p14="http://schemas.microsoft.com/office/powerpoint/2010/main" val="1741559830"/>
+        <p14:creationId xmlns:p14="http://schemas.microsoft.com/office/powerpoint/2010/main" val="1739062984"/>
       </p:ext>
     </p:extLst>
   </p:cSld>
@@ -4479,7 +4574,7 @@
                   <a:srgbClr val="FF0000"/>
                 </a:solidFill>
               </a:rPr>
-              <a:t>四角</a:t>
+              <a:t>三角</a:t>
             </a:r>
             <a:endParaRPr kumimoji="1" lang="ja-JP" altLang="en-US" sz="4400" b="1" dirty="0">
               <a:solidFill>
@@ -4530,7 +4625,7 @@
                   <a:schemeClr val="bg1"/>
                 </a:solidFill>
               </a:rPr>
-              <a:t>：大</a:t>
+              <a:t>：中</a:t>
             </a:r>
             <a:endParaRPr lang="en-US" altLang="ja-JP" sz="4000" b="1" dirty="0">
               <a:solidFill>
@@ -4570,7 +4665,7 @@
                   <a:schemeClr val="bg1"/>
                 </a:solidFill>
               </a:rPr>
-              <a:t>▶ 攻撃速度：中</a:t>
+              <a:t>▶ 攻撃速度：大</a:t>
             </a:r>
             <a:endParaRPr lang="en-US" altLang="ja-JP" sz="4000" b="1" dirty="0">
               <a:solidFill>
@@ -4590,7 +4685,7 @@
                   <a:schemeClr val="bg1"/>
                 </a:solidFill>
               </a:rPr>
-              <a:t>▶ 移動速度：小</a:t>
+              <a:t>▶ 移動速度：大</a:t>
             </a:r>
             <a:endParaRPr kumimoji="1" lang="en-US" altLang="ja-JP" sz="4000" b="1" dirty="0" smtClean="0">
               <a:solidFill>
@@ -4609,7 +4704,7 @@
         <p:spPr>
           <a:xfrm>
             <a:off x="1125413" y="5522209"/>
-            <a:ext cx="7879080" cy="707886"/>
+            <a:ext cx="8392041" cy="707886"/>
           </a:xfrm>
           <a:prstGeom prst="rect">
             <a:avLst/>
@@ -4636,7 +4731,7 @@
                   <a:schemeClr val="bg1"/>
                 </a:solidFill>
               </a:rPr>
-              <a:t>：体力が高いタンクユニット</a:t>
+              <a:t>：移動速度が速い特攻ユニット</a:t>
             </a:r>
             <a:endParaRPr kumimoji="1" lang="en-US" altLang="ja-JP" sz="4000" b="1" dirty="0" smtClean="0">
               <a:solidFill>
@@ -4648,17 +4743,19 @@
       </p:sp>
       <p:sp>
         <p:nvSpPr>
-          <p:cNvPr id="4" name="正方形/長方形 3"/>
+          <p:cNvPr id="10" name="二等辺三角形 9"/>
           <p:cNvSpPr/>
           <p:nvPr/>
         </p:nvSpPr>
         <p:spPr>
           <a:xfrm>
-            <a:off x="1062306" y="2690446"/>
-            <a:ext cx="2182056" cy="1923646"/>
-          </a:xfrm>
-          <a:prstGeom prst="rect">
-            <a:avLst/>
+            <a:off x="1125413" y="2725615"/>
+            <a:ext cx="2118949" cy="1894759"/>
+          </a:xfrm>
+          <a:prstGeom prst="triangle">
+            <a:avLst>
+              <a:gd name="adj" fmla="val 50829"/>
+            </a:avLst>
           </a:prstGeom>
           <a:solidFill>
             <a:srgbClr val="FF0000"/>
@@ -4695,7 +4792,7 @@
     </p:spTree>
     <p:extLst>
       <p:ext uri="{BB962C8B-B14F-4D97-AF65-F5344CB8AC3E}">
-        <p14:creationId xmlns:p14="http://schemas.microsoft.com/office/powerpoint/2010/main" val="1507771107"/>
+        <p14:creationId xmlns:p14="http://schemas.microsoft.com/office/powerpoint/2010/main" val="1741559830"/>
       </p:ext>
     </p:extLst>
   </p:cSld>
@@ -4860,8 +4957,8 @@
         </p:nvSpPr>
         <p:spPr>
           <a:xfrm>
-            <a:off x="1801632" y="1724206"/>
-            <a:ext cx="748923" cy="769441"/>
+            <a:off x="1519506" y="1724206"/>
+            <a:ext cx="1313180" cy="769441"/>
           </a:xfrm>
           <a:prstGeom prst="rect">
             <a:avLst/>
@@ -4876,12 +4973,12 @@
           <a:p>
             <a:pPr algn="ctr"/>
             <a:r>
-              <a:rPr lang="ja-JP" altLang="en-US" sz="4400" b="1" dirty="0">
+              <a:rPr lang="ja-JP" altLang="en-US" sz="4400" b="1" dirty="0" smtClean="0">
                 <a:solidFill>
                   <a:srgbClr val="FF0000"/>
                 </a:solidFill>
               </a:rPr>
-              <a:t>丸</a:t>
+              <a:t>四角</a:t>
             </a:r>
             <a:endParaRPr kumimoji="1" lang="ja-JP" altLang="en-US" sz="4400" b="1" dirty="0">
               <a:solidFill>
@@ -4932,7 +5029,7 @@
                   <a:schemeClr val="bg1"/>
                 </a:solidFill>
               </a:rPr>
-              <a:t>：中</a:t>
+              <a:t>：大</a:t>
             </a:r>
             <a:endParaRPr lang="en-US" altLang="ja-JP" sz="4000" b="1" dirty="0">
               <a:solidFill>
@@ -4952,7 +5049,7 @@
                   <a:schemeClr val="bg1"/>
                 </a:solidFill>
               </a:rPr>
-              <a:t>▶ 攻撃力：中</a:t>
+              <a:t>▶ 攻撃力：小</a:t>
             </a:r>
             <a:endParaRPr lang="en-US" altLang="ja-JP" sz="4000" b="1" dirty="0" smtClean="0">
               <a:solidFill>
@@ -4992,7 +5089,7 @@
                   <a:schemeClr val="bg1"/>
                 </a:solidFill>
               </a:rPr>
-              <a:t>▶ 移動速度：中</a:t>
+              <a:t>▶ 移動速度：小</a:t>
             </a:r>
             <a:endParaRPr kumimoji="1" lang="en-US" altLang="ja-JP" sz="4000" b="1" dirty="0" smtClean="0">
               <a:solidFill>
@@ -5011,7 +5108,7 @@
         <p:spPr>
           <a:xfrm>
             <a:off x="1125413" y="5522209"/>
-            <a:ext cx="4801314" cy="707886"/>
+            <a:ext cx="7879080" cy="707886"/>
           </a:xfrm>
           <a:prstGeom prst="rect">
             <a:avLst/>
@@ -5038,7 +5135,7 @@
                   <a:schemeClr val="bg1"/>
                 </a:solidFill>
               </a:rPr>
-              <a:t>：汎用ユニット</a:t>
+              <a:t>：体力が高いタンクユニット</a:t>
             </a:r>
             <a:endParaRPr kumimoji="1" lang="en-US" altLang="ja-JP" sz="4000" b="1" dirty="0" smtClean="0">
               <a:solidFill>
@@ -5050,16 +5147,16 @@
       </p:sp>
       <p:sp>
         <p:nvSpPr>
-          <p:cNvPr id="4" name="フローチャート: 結合子 3"/>
+          <p:cNvPr id="4" name="正方形/長方形 3"/>
           <p:cNvSpPr/>
           <p:nvPr/>
         </p:nvSpPr>
         <p:spPr>
           <a:xfrm>
-            <a:off x="1125413" y="2708031"/>
-            <a:ext cx="2031025" cy="1912343"/>
-          </a:xfrm>
-          <a:prstGeom prst="flowChartConnector">
+            <a:off x="1062306" y="2690446"/>
+            <a:ext cx="2182056" cy="1923646"/>
+          </a:xfrm>
+          <a:prstGeom prst="rect">
             <a:avLst/>
           </a:prstGeom>
           <a:solidFill>
@@ -5097,7 +5194,7 @@
     </p:spTree>
     <p:extLst>
       <p:ext uri="{BB962C8B-B14F-4D97-AF65-F5344CB8AC3E}">
-        <p14:creationId xmlns:p14="http://schemas.microsoft.com/office/powerpoint/2010/main" val="692052460"/>
+        <p14:creationId xmlns:p14="http://schemas.microsoft.com/office/powerpoint/2010/main" val="1507771107"/>
       </p:ext>
     </p:extLst>
   </p:cSld>
@@ -5262,8 +5359,8 @@
         </p:nvSpPr>
         <p:spPr>
           <a:xfrm>
-            <a:off x="1237376" y="1724206"/>
-            <a:ext cx="1877437" cy="769441"/>
+            <a:off x="1801632" y="1724206"/>
+            <a:ext cx="748923" cy="769441"/>
           </a:xfrm>
           <a:prstGeom prst="rect">
             <a:avLst/>
@@ -5278,12 +5375,12 @@
           <a:p>
             <a:pPr algn="ctr"/>
             <a:r>
-              <a:rPr lang="ja-JP" altLang="en-US" sz="4400" b="1" dirty="0" smtClean="0">
+              <a:rPr lang="ja-JP" altLang="en-US" sz="4400" b="1" dirty="0">
                 <a:solidFill>
                   <a:srgbClr val="FF0000"/>
                 </a:solidFill>
               </a:rPr>
-              <a:t>五角形</a:t>
+              <a:t>丸</a:t>
             </a:r>
             <a:endParaRPr kumimoji="1" lang="ja-JP" altLang="en-US" sz="4400" b="1" dirty="0">
               <a:solidFill>
@@ -5334,7 +5431,7 @@
                   <a:schemeClr val="bg1"/>
                 </a:solidFill>
               </a:rPr>
-              <a:t>：小</a:t>
+              <a:t>：中</a:t>
             </a:r>
             <a:endParaRPr lang="en-US" altLang="ja-JP" sz="4000" b="1" dirty="0">
               <a:solidFill>
@@ -5354,7 +5451,7 @@
                   <a:schemeClr val="bg1"/>
                 </a:solidFill>
               </a:rPr>
-              <a:t>▶ 攻撃力：大</a:t>
+              <a:t>▶ 攻撃力：中</a:t>
             </a:r>
             <a:endParaRPr lang="en-US" altLang="ja-JP" sz="4000" b="1" dirty="0" smtClean="0">
               <a:solidFill>
@@ -5413,7 +5510,7 @@
         <p:spPr>
           <a:xfrm>
             <a:off x="1125413" y="5522209"/>
-            <a:ext cx="8392041" cy="707886"/>
+            <a:ext cx="4801314" cy="707886"/>
           </a:xfrm>
           <a:prstGeom prst="rect">
             <a:avLst/>
@@ -5440,7 +5537,7 @@
                   <a:schemeClr val="bg1"/>
                 </a:solidFill>
               </a:rPr>
-              <a:t>：攻撃力の高い高火力ユニット</a:t>
+              <a:t>：汎用ユニット</a:t>
             </a:r>
             <a:endParaRPr kumimoji="1" lang="en-US" altLang="ja-JP" sz="4000" b="1" dirty="0" smtClean="0">
               <a:solidFill>
@@ -5452,16 +5549,16 @@
       </p:sp>
       <p:sp>
         <p:nvSpPr>
-          <p:cNvPr id="8" name="五角形 7"/>
+          <p:cNvPr id="4" name="フローチャート: 結合子 3"/>
           <p:cNvSpPr/>
           <p:nvPr/>
         </p:nvSpPr>
         <p:spPr>
           <a:xfrm>
-            <a:off x="1125413" y="2734408"/>
-            <a:ext cx="2031025" cy="1907930"/>
-          </a:xfrm>
-          <a:prstGeom prst="pentagon">
+            <a:off x="1125413" y="2708031"/>
+            <a:ext cx="2031025" cy="1912343"/>
+          </a:xfrm>
+          <a:prstGeom prst="flowChartConnector">
             <a:avLst/>
           </a:prstGeom>
           <a:solidFill>
@@ -5499,7 +5596,7 @@
     </p:spTree>
     <p:extLst>
       <p:ext uri="{BB962C8B-B14F-4D97-AF65-F5344CB8AC3E}">
-        <p14:creationId xmlns:p14="http://schemas.microsoft.com/office/powerpoint/2010/main" val="3557706174"/>
+        <p14:creationId xmlns:p14="http://schemas.microsoft.com/office/powerpoint/2010/main" val="692052460"/>
       </p:ext>
     </p:extLst>
   </p:cSld>
@@ -5569,10 +5666,339 @@
           </a:p>
         </p:txBody>
       </p:sp>
+      <p:sp>
+        <p:nvSpPr>
+          <p:cNvPr id="3" name="テキスト ボックス 2"/>
+          <p:cNvSpPr txBox="1"/>
+          <p:nvPr/>
+        </p:nvSpPr>
+        <p:spPr>
+          <a:xfrm>
+            <a:off x="158261" y="136212"/>
+            <a:ext cx="8533105" cy="923330"/>
+          </a:xfrm>
+          <a:prstGeom prst="rect">
+            <a:avLst/>
+          </a:prstGeom>
+          <a:noFill/>
+        </p:spPr>
+        <p:txBody>
+          <a:bodyPr wrap="none" rtlCol="0">
+            <a:spAutoFit/>
+          </a:bodyPr>
+          <a:lstStyle/>
+          <a:p>
+            <a:r>
+              <a:rPr kumimoji="1" lang="ja-JP" altLang="en-US" sz="5400" b="1" dirty="0" smtClean="0">
+                <a:solidFill>
+                  <a:schemeClr val="bg1"/>
+                </a:solidFill>
+                <a:latin typeface="HGS明朝E" panose="02020900000000000000" pitchFamily="18" charset="-128"/>
+                <a:ea typeface="HGS明朝E" panose="02020900000000000000" pitchFamily="18" charset="-128"/>
+              </a:rPr>
+              <a:t>ゲーム</a:t>
+            </a:r>
+            <a:r>
+              <a:rPr lang="ja-JP" altLang="en-US" sz="5400" b="1" dirty="0" smtClean="0">
+                <a:solidFill>
+                  <a:schemeClr val="bg1"/>
+                </a:solidFill>
+                <a:latin typeface="HGS明朝E" panose="02020900000000000000" pitchFamily="18" charset="-128"/>
+                <a:ea typeface="HGS明朝E" panose="02020900000000000000" pitchFamily="18" charset="-128"/>
+              </a:rPr>
+              <a:t>説明～敵ユニット～</a:t>
+            </a:r>
+            <a:endParaRPr kumimoji="1" lang="ja-JP" altLang="en-US" sz="5400" b="1" dirty="0">
+              <a:solidFill>
+                <a:schemeClr val="bg1"/>
+              </a:solidFill>
+              <a:latin typeface="HGS明朝E" panose="02020900000000000000" pitchFamily="18" charset="-128"/>
+              <a:ea typeface="HGS明朝E" panose="02020900000000000000" pitchFamily="18" charset="-128"/>
+            </a:endParaRPr>
+          </a:p>
+        </p:txBody>
+      </p:sp>
+      <p:cxnSp>
+        <p:nvCxnSpPr>
+          <p:cNvPr id="5" name="直線コネクタ 4"/>
+          <p:cNvCxnSpPr/>
+          <p:nvPr/>
+        </p:nvCxnSpPr>
+        <p:spPr>
+          <a:xfrm flipV="1">
+            <a:off x="0" y="1195754"/>
+            <a:ext cx="10673862" cy="2"/>
+          </a:xfrm>
+          <a:prstGeom prst="line">
+            <a:avLst/>
+          </a:prstGeom>
+          <a:ln w="38100">
+            <a:solidFill>
+              <a:srgbClr val="FFFF00"/>
+            </a:solidFill>
+          </a:ln>
+        </p:spPr>
+        <p:style>
+          <a:lnRef idx="1">
+            <a:schemeClr val="accent1"/>
+          </a:lnRef>
+          <a:fillRef idx="0">
+            <a:schemeClr val="accent1"/>
+          </a:fillRef>
+          <a:effectRef idx="0">
+            <a:schemeClr val="accent1"/>
+          </a:effectRef>
+          <a:fontRef idx="minor">
+            <a:schemeClr val="tx1"/>
+          </a:fontRef>
+        </p:style>
+      </p:cxnSp>
+      <p:sp>
+        <p:nvSpPr>
+          <p:cNvPr id="6" name="テキスト ボックス 5"/>
+          <p:cNvSpPr txBox="1"/>
+          <p:nvPr/>
+        </p:nvSpPr>
+        <p:spPr>
+          <a:xfrm>
+            <a:off x="1237376" y="1724206"/>
+            <a:ext cx="1877437" cy="769441"/>
+          </a:xfrm>
+          <a:prstGeom prst="rect">
+            <a:avLst/>
+          </a:prstGeom>
+          <a:noFill/>
+        </p:spPr>
+        <p:txBody>
+          <a:bodyPr wrap="none" rtlCol="0">
+            <a:spAutoFit/>
+          </a:bodyPr>
+          <a:lstStyle/>
+          <a:p>
+            <a:pPr algn="ctr"/>
+            <a:r>
+              <a:rPr lang="ja-JP" altLang="en-US" sz="4400" b="1" dirty="0" smtClean="0">
+                <a:solidFill>
+                  <a:srgbClr val="FF0000"/>
+                </a:solidFill>
+              </a:rPr>
+              <a:t>五角形</a:t>
+            </a:r>
+            <a:endParaRPr kumimoji="1" lang="ja-JP" altLang="en-US" sz="4400" b="1" dirty="0">
+              <a:solidFill>
+                <a:srgbClr val="FF0000"/>
+              </a:solidFill>
+            </a:endParaRPr>
+          </a:p>
+        </p:txBody>
+      </p:sp>
+      <p:sp>
+        <p:nvSpPr>
+          <p:cNvPr id="7" name="テキスト ボックス 6"/>
+          <p:cNvSpPr txBox="1"/>
+          <p:nvPr/>
+        </p:nvSpPr>
+        <p:spPr>
+          <a:xfrm>
+            <a:off x="5766357" y="1510110"/>
+            <a:ext cx="3921266" cy="3785652"/>
+          </a:xfrm>
+          <a:prstGeom prst="rect">
+            <a:avLst/>
+          </a:prstGeom>
+          <a:noFill/>
+        </p:spPr>
+        <p:txBody>
+          <a:bodyPr wrap="none" rtlCol="0">
+            <a:spAutoFit/>
+          </a:bodyPr>
+          <a:lstStyle/>
+          <a:p>
+            <a:pPr>
+              <a:lnSpc>
+                <a:spcPct val="150000"/>
+              </a:lnSpc>
+            </a:pPr>
+            <a:r>
+              <a:rPr lang="ja-JP" altLang="en-US" sz="4000" b="1" dirty="0">
+                <a:solidFill>
+                  <a:schemeClr val="bg1"/>
+                </a:solidFill>
+              </a:rPr>
+              <a:t>▶ 体力</a:t>
+            </a:r>
+            <a:r>
+              <a:rPr lang="ja-JP" altLang="en-US" sz="4000" b="1" dirty="0" smtClean="0">
+                <a:solidFill>
+                  <a:schemeClr val="bg1"/>
+                </a:solidFill>
+              </a:rPr>
+              <a:t>：小</a:t>
+            </a:r>
+            <a:endParaRPr lang="en-US" altLang="ja-JP" sz="4000" b="1" dirty="0">
+              <a:solidFill>
+                <a:schemeClr val="bg1"/>
+              </a:solidFill>
+            </a:endParaRPr>
+          </a:p>
+          <a:p>
+            <a:pPr>
+              <a:lnSpc>
+                <a:spcPct val="150000"/>
+              </a:lnSpc>
+            </a:pPr>
+            <a:r>
+              <a:rPr lang="ja-JP" altLang="en-US" sz="4000" b="1" dirty="0" smtClean="0">
+                <a:solidFill>
+                  <a:schemeClr val="bg1"/>
+                </a:solidFill>
+              </a:rPr>
+              <a:t>▶ 攻撃力：大</a:t>
+            </a:r>
+            <a:endParaRPr lang="en-US" altLang="ja-JP" sz="4000" b="1" dirty="0" smtClean="0">
+              <a:solidFill>
+                <a:schemeClr val="bg1"/>
+              </a:solidFill>
+            </a:endParaRPr>
+          </a:p>
+          <a:p>
+            <a:pPr>
+              <a:lnSpc>
+                <a:spcPct val="150000"/>
+              </a:lnSpc>
+            </a:pPr>
+            <a:r>
+              <a:rPr lang="ja-JP" altLang="en-US" sz="4000" b="1" dirty="0" smtClean="0">
+                <a:solidFill>
+                  <a:schemeClr val="bg1"/>
+                </a:solidFill>
+              </a:rPr>
+              <a:t>▶ 攻撃速度：中</a:t>
+            </a:r>
+            <a:endParaRPr lang="en-US" altLang="ja-JP" sz="4000" b="1" dirty="0">
+              <a:solidFill>
+                <a:schemeClr val="bg1"/>
+              </a:solidFill>
+            </a:endParaRPr>
+          </a:p>
+          <a:p>
+            <a:pPr>
+              <a:lnSpc>
+                <a:spcPct val="150000"/>
+              </a:lnSpc>
+            </a:pPr>
+            <a:r>
+              <a:rPr lang="ja-JP" altLang="en-US" sz="4000" b="1" dirty="0" smtClean="0">
+                <a:solidFill>
+                  <a:schemeClr val="bg1"/>
+                </a:solidFill>
+              </a:rPr>
+              <a:t>▶ 移動速度：中</a:t>
+            </a:r>
+            <a:endParaRPr kumimoji="1" lang="en-US" altLang="ja-JP" sz="4000" b="1" dirty="0" smtClean="0">
+              <a:solidFill>
+                <a:schemeClr val="bg1"/>
+              </a:solidFill>
+            </a:endParaRPr>
+          </a:p>
+        </p:txBody>
+      </p:sp>
+      <p:sp>
+        <p:nvSpPr>
+          <p:cNvPr id="9" name="テキスト ボックス 8"/>
+          <p:cNvSpPr txBox="1"/>
+          <p:nvPr/>
+        </p:nvSpPr>
+        <p:spPr>
+          <a:xfrm>
+            <a:off x="1125413" y="5522209"/>
+            <a:ext cx="8392041" cy="707886"/>
+          </a:xfrm>
+          <a:prstGeom prst="rect">
+            <a:avLst/>
+          </a:prstGeom>
+          <a:noFill/>
+        </p:spPr>
+        <p:txBody>
+          <a:bodyPr wrap="none" rtlCol="0">
+            <a:spAutoFit/>
+          </a:bodyPr>
+          <a:lstStyle/>
+          <a:p>
+            <a:r>
+              <a:rPr kumimoji="1" lang="ja-JP" altLang="en-US" sz="4000" b="1" dirty="0" smtClean="0">
+                <a:solidFill>
+                  <a:srgbClr val="FF0000"/>
+                </a:solidFill>
+              </a:rPr>
+              <a:t>特徴</a:t>
+            </a:r>
+            <a:r>
+              <a:rPr kumimoji="1" lang="ja-JP" altLang="en-US" sz="4000" b="1" dirty="0" smtClean="0">
+                <a:solidFill>
+                  <a:schemeClr val="bg1"/>
+                </a:solidFill>
+              </a:rPr>
+              <a:t>：攻撃力の高い高火力ユニット</a:t>
+            </a:r>
+            <a:endParaRPr kumimoji="1" lang="en-US" altLang="ja-JP" sz="4000" b="1" dirty="0" smtClean="0">
+              <a:solidFill>
+                <a:srgbClr val="FFFF00"/>
+              </a:solidFill>
+            </a:endParaRPr>
+          </a:p>
+        </p:txBody>
+      </p:sp>
+      <p:sp>
+        <p:nvSpPr>
+          <p:cNvPr id="8" name="五角形 7"/>
+          <p:cNvSpPr/>
+          <p:nvPr/>
+        </p:nvSpPr>
+        <p:spPr>
+          <a:xfrm>
+            <a:off x="1125413" y="2734408"/>
+            <a:ext cx="2031025" cy="1907930"/>
+          </a:xfrm>
+          <a:prstGeom prst="pentagon">
+            <a:avLst/>
+          </a:prstGeom>
+          <a:solidFill>
+            <a:srgbClr val="FF0000"/>
+          </a:solidFill>
+          <a:ln>
+            <a:noFill/>
+          </a:ln>
+        </p:spPr>
+        <p:style>
+          <a:lnRef idx="2">
+            <a:schemeClr val="accent1">
+              <a:shade val="50000"/>
+            </a:schemeClr>
+          </a:lnRef>
+          <a:fillRef idx="1">
+            <a:schemeClr val="accent1"/>
+          </a:fillRef>
+          <a:effectRef idx="0">
+            <a:schemeClr val="accent1"/>
+          </a:effectRef>
+          <a:fontRef idx="minor">
+            <a:schemeClr val="lt1"/>
+          </a:fontRef>
+        </p:style>
+        <p:txBody>
+          <a:bodyPr rtlCol="0" anchor="ctr"/>
+          <a:lstStyle/>
+          <a:p>
+            <a:pPr algn="ctr"/>
+            <a:endParaRPr kumimoji="1" lang="ja-JP" altLang="en-US"/>
+          </a:p>
+        </p:txBody>
+      </p:sp>
     </p:spTree>
     <p:extLst>
       <p:ext uri="{BB962C8B-B14F-4D97-AF65-F5344CB8AC3E}">
-        <p14:creationId xmlns:p14="http://schemas.microsoft.com/office/powerpoint/2010/main" val="2406419569"/>
+        <p14:creationId xmlns:p14="http://schemas.microsoft.com/office/powerpoint/2010/main" val="3557706174"/>
       </p:ext>
     </p:extLst>
   </p:cSld>
@@ -5642,10 +6068,224 @@
           </a:p>
         </p:txBody>
       </p:sp>
+      <p:sp>
+        <p:nvSpPr>
+          <p:cNvPr id="3" name="テキスト ボックス 2"/>
+          <p:cNvSpPr txBox="1"/>
+          <p:nvPr/>
+        </p:nvSpPr>
+        <p:spPr>
+          <a:xfrm>
+            <a:off x="158261" y="136212"/>
+            <a:ext cx="9228808" cy="923330"/>
+          </a:xfrm>
+          <a:prstGeom prst="rect">
+            <a:avLst/>
+          </a:prstGeom>
+          <a:noFill/>
+        </p:spPr>
+        <p:txBody>
+          <a:bodyPr wrap="none" rtlCol="0">
+            <a:spAutoFit/>
+          </a:bodyPr>
+          <a:lstStyle/>
+          <a:p>
+            <a:r>
+              <a:rPr kumimoji="1" lang="ja-JP" altLang="en-US" sz="5400" b="1" dirty="0" smtClean="0">
+                <a:solidFill>
+                  <a:schemeClr val="bg1"/>
+                </a:solidFill>
+                <a:latin typeface="HGS明朝E" panose="02020900000000000000" pitchFamily="18" charset="-128"/>
+                <a:ea typeface="HGS明朝E" panose="02020900000000000000" pitchFamily="18" charset="-128"/>
+              </a:rPr>
+              <a:t>ゲーム</a:t>
+            </a:r>
+            <a:r>
+              <a:rPr lang="ja-JP" altLang="en-US" sz="5400" b="1" dirty="0" smtClean="0">
+                <a:solidFill>
+                  <a:schemeClr val="bg1"/>
+                </a:solidFill>
+                <a:latin typeface="HGS明朝E" panose="02020900000000000000" pitchFamily="18" charset="-128"/>
+                <a:ea typeface="HGS明朝E" panose="02020900000000000000" pitchFamily="18" charset="-128"/>
+              </a:rPr>
+              <a:t>説明</a:t>
+            </a:r>
+            <a:r>
+              <a:rPr lang="ja-JP" altLang="en-US" sz="5400" b="1" dirty="0" smtClean="0">
+                <a:solidFill>
+                  <a:schemeClr val="bg1"/>
+                </a:solidFill>
+                <a:latin typeface="HGS明朝E" panose="02020900000000000000" pitchFamily="18" charset="-128"/>
+                <a:ea typeface="HGS明朝E" panose="02020900000000000000" pitchFamily="18" charset="-128"/>
+              </a:rPr>
+              <a:t>～トラップ説明</a:t>
+            </a:r>
+            <a:r>
+              <a:rPr lang="ja-JP" altLang="en-US" sz="5400" b="1" dirty="0" smtClean="0">
+                <a:solidFill>
+                  <a:schemeClr val="bg1"/>
+                </a:solidFill>
+                <a:latin typeface="HGS明朝E" panose="02020900000000000000" pitchFamily="18" charset="-128"/>
+                <a:ea typeface="HGS明朝E" panose="02020900000000000000" pitchFamily="18" charset="-128"/>
+              </a:rPr>
+              <a:t>～</a:t>
+            </a:r>
+            <a:endParaRPr kumimoji="1" lang="ja-JP" altLang="en-US" sz="5400" b="1" dirty="0">
+              <a:solidFill>
+                <a:schemeClr val="bg1"/>
+              </a:solidFill>
+              <a:latin typeface="HGS明朝E" panose="02020900000000000000" pitchFamily="18" charset="-128"/>
+              <a:ea typeface="HGS明朝E" panose="02020900000000000000" pitchFamily="18" charset="-128"/>
+            </a:endParaRPr>
+          </a:p>
+        </p:txBody>
+      </p:sp>
+      <p:cxnSp>
+        <p:nvCxnSpPr>
+          <p:cNvPr id="5" name="直線コネクタ 4"/>
+          <p:cNvCxnSpPr/>
+          <p:nvPr/>
+        </p:nvCxnSpPr>
+        <p:spPr>
+          <a:xfrm flipV="1">
+            <a:off x="0" y="1195754"/>
+            <a:ext cx="10673862" cy="2"/>
+          </a:xfrm>
+          <a:prstGeom prst="line">
+            <a:avLst/>
+          </a:prstGeom>
+          <a:ln w="38100">
+            <a:solidFill>
+              <a:srgbClr val="FFFF00"/>
+            </a:solidFill>
+          </a:ln>
+        </p:spPr>
+        <p:style>
+          <a:lnRef idx="1">
+            <a:schemeClr val="accent1"/>
+          </a:lnRef>
+          <a:fillRef idx="0">
+            <a:schemeClr val="accent1"/>
+          </a:fillRef>
+          <a:effectRef idx="0">
+            <a:schemeClr val="accent1"/>
+          </a:effectRef>
+          <a:fontRef idx="minor">
+            <a:schemeClr val="tx1"/>
+          </a:fontRef>
+        </p:style>
+      </p:cxnSp>
+      <p:sp>
+        <p:nvSpPr>
+          <p:cNvPr id="7" name="テキスト ボックス 6"/>
+          <p:cNvSpPr txBox="1"/>
+          <p:nvPr/>
+        </p:nvSpPr>
+        <p:spPr>
+          <a:xfrm>
+            <a:off x="481501" y="2457217"/>
+            <a:ext cx="10905550" cy="3139321"/>
+          </a:xfrm>
+          <a:prstGeom prst="rect">
+            <a:avLst/>
+          </a:prstGeom>
+          <a:noFill/>
+        </p:spPr>
+        <p:txBody>
+          <a:bodyPr wrap="none" rtlCol="0">
+            <a:spAutoFit/>
+          </a:bodyPr>
+          <a:lstStyle/>
+          <a:p>
+            <a:pPr>
+              <a:lnSpc>
+                <a:spcPct val="150000"/>
+              </a:lnSpc>
+            </a:pPr>
+            <a:r>
+              <a:rPr lang="ja-JP" altLang="en-US" sz="4400" b="1" dirty="0" smtClean="0">
+                <a:solidFill>
+                  <a:schemeClr val="bg1"/>
+                </a:solidFill>
+              </a:rPr>
+              <a:t>プレイヤーは戦闘中に</a:t>
+            </a:r>
+            <a:r>
+              <a:rPr lang="ja-JP" altLang="en-US" sz="4400" b="1" dirty="0" smtClean="0">
+                <a:solidFill>
+                  <a:srgbClr val="FFFF00"/>
+                </a:solidFill>
+              </a:rPr>
+              <a:t>トラップ</a:t>
+            </a:r>
+            <a:r>
+              <a:rPr lang="ja-JP" altLang="en-US" sz="4400" b="1" dirty="0" smtClean="0">
+                <a:solidFill>
+                  <a:schemeClr val="bg1"/>
+                </a:solidFill>
+              </a:rPr>
+              <a:t>を仕掛ける</a:t>
+            </a:r>
+            <a:endParaRPr lang="en-US" altLang="ja-JP" sz="4400" b="1" dirty="0" smtClean="0">
+              <a:solidFill>
+                <a:schemeClr val="bg1"/>
+              </a:solidFill>
+            </a:endParaRPr>
+          </a:p>
+          <a:p>
+            <a:pPr>
+              <a:lnSpc>
+                <a:spcPct val="150000"/>
+              </a:lnSpc>
+            </a:pPr>
+            <a:r>
+              <a:rPr kumimoji="1" lang="ja-JP" altLang="en-US" sz="4400" b="1" dirty="0" smtClean="0">
+                <a:solidFill>
+                  <a:schemeClr val="bg1"/>
+                </a:solidFill>
+              </a:rPr>
+              <a:t>ことができ敵の妨害をすることができる。</a:t>
+            </a:r>
+            <a:endParaRPr kumimoji="1" lang="en-US" altLang="ja-JP" sz="4400" b="1" dirty="0" smtClean="0">
+              <a:solidFill>
+                <a:schemeClr val="bg1"/>
+              </a:solidFill>
+            </a:endParaRPr>
+          </a:p>
+          <a:p>
+            <a:pPr>
+              <a:lnSpc>
+                <a:spcPct val="150000"/>
+              </a:lnSpc>
+            </a:pPr>
+            <a:r>
+              <a:rPr lang="ja-JP" altLang="en-US" sz="4400" b="1" dirty="0" smtClean="0">
+                <a:solidFill>
+                  <a:srgbClr val="FFFF00"/>
+                </a:solidFill>
+              </a:rPr>
+              <a:t>トラップ</a:t>
+            </a:r>
+            <a:r>
+              <a:rPr lang="ja-JP" altLang="en-US" sz="4400" b="1" dirty="0" smtClean="0">
+                <a:solidFill>
+                  <a:schemeClr val="bg1"/>
+                </a:solidFill>
+              </a:rPr>
+              <a:t>を駆使して展開を有利に進めよう</a:t>
+            </a:r>
+            <a:endParaRPr kumimoji="1" lang="en-US" altLang="ja-JP" sz="4400" b="1" dirty="0" smtClean="0">
+              <a:solidFill>
+                <a:schemeClr val="bg1"/>
+              </a:solidFill>
+            </a:endParaRPr>
+          </a:p>
+        </p:txBody>
+      </p:sp>
     </p:spTree>
     <p:extLst>
       <p:ext uri="{BB962C8B-B14F-4D97-AF65-F5344CB8AC3E}">
-        <p14:creationId xmlns:p14="http://schemas.microsoft.com/office/powerpoint/2010/main" val="2482740599"/>
+        <p14:creationId xmlns:p14="http://schemas.microsoft.com/office/powerpoint/2010/main" val="1299384039"/>
       </p:ext>
     </p:extLst>
   </p:cSld>
@@ -5715,10 +6355,411 @@
           </a:p>
         </p:txBody>
       </p:sp>
+      <p:sp>
+        <p:nvSpPr>
+          <p:cNvPr id="3" name="テキスト ボックス 2"/>
+          <p:cNvSpPr txBox="1"/>
+          <p:nvPr/>
+        </p:nvSpPr>
+        <p:spPr>
+          <a:xfrm>
+            <a:off x="158261" y="136212"/>
+            <a:ext cx="9228808" cy="923330"/>
+          </a:xfrm>
+          <a:prstGeom prst="rect">
+            <a:avLst/>
+          </a:prstGeom>
+          <a:noFill/>
+        </p:spPr>
+        <p:txBody>
+          <a:bodyPr wrap="none" rtlCol="0">
+            <a:spAutoFit/>
+          </a:bodyPr>
+          <a:lstStyle/>
+          <a:p>
+            <a:r>
+              <a:rPr kumimoji="1" lang="ja-JP" altLang="en-US" sz="5400" b="1" dirty="0" smtClean="0">
+                <a:solidFill>
+                  <a:schemeClr val="bg1"/>
+                </a:solidFill>
+                <a:latin typeface="HGS明朝E" panose="02020900000000000000" pitchFamily="18" charset="-128"/>
+                <a:ea typeface="HGS明朝E" panose="02020900000000000000" pitchFamily="18" charset="-128"/>
+              </a:rPr>
+              <a:t>ゲーム</a:t>
+            </a:r>
+            <a:r>
+              <a:rPr lang="ja-JP" altLang="en-US" sz="5400" b="1" dirty="0" smtClean="0">
+                <a:solidFill>
+                  <a:schemeClr val="bg1"/>
+                </a:solidFill>
+                <a:latin typeface="HGS明朝E" panose="02020900000000000000" pitchFamily="18" charset="-128"/>
+                <a:ea typeface="HGS明朝E" panose="02020900000000000000" pitchFamily="18" charset="-128"/>
+              </a:rPr>
+              <a:t>説明</a:t>
+            </a:r>
+            <a:r>
+              <a:rPr lang="ja-JP" altLang="en-US" sz="5400" b="1" dirty="0" smtClean="0">
+                <a:solidFill>
+                  <a:schemeClr val="bg1"/>
+                </a:solidFill>
+                <a:latin typeface="HGS明朝E" panose="02020900000000000000" pitchFamily="18" charset="-128"/>
+                <a:ea typeface="HGS明朝E" panose="02020900000000000000" pitchFamily="18" charset="-128"/>
+              </a:rPr>
+              <a:t>～トラップ説明</a:t>
+            </a:r>
+            <a:r>
+              <a:rPr lang="ja-JP" altLang="en-US" sz="5400" b="1" dirty="0" smtClean="0">
+                <a:solidFill>
+                  <a:schemeClr val="bg1"/>
+                </a:solidFill>
+                <a:latin typeface="HGS明朝E" panose="02020900000000000000" pitchFamily="18" charset="-128"/>
+                <a:ea typeface="HGS明朝E" panose="02020900000000000000" pitchFamily="18" charset="-128"/>
+              </a:rPr>
+              <a:t>～</a:t>
+            </a:r>
+            <a:endParaRPr kumimoji="1" lang="ja-JP" altLang="en-US" sz="5400" b="1" dirty="0">
+              <a:solidFill>
+                <a:schemeClr val="bg1"/>
+              </a:solidFill>
+              <a:latin typeface="HGS明朝E" panose="02020900000000000000" pitchFamily="18" charset="-128"/>
+              <a:ea typeface="HGS明朝E" panose="02020900000000000000" pitchFamily="18" charset="-128"/>
+            </a:endParaRPr>
+          </a:p>
+        </p:txBody>
+      </p:sp>
+      <p:cxnSp>
+        <p:nvCxnSpPr>
+          <p:cNvPr id="5" name="直線コネクタ 4"/>
+          <p:cNvCxnSpPr/>
+          <p:nvPr/>
+        </p:nvCxnSpPr>
+        <p:spPr>
+          <a:xfrm flipV="1">
+            <a:off x="0" y="1195754"/>
+            <a:ext cx="10673862" cy="2"/>
+          </a:xfrm>
+          <a:prstGeom prst="line">
+            <a:avLst/>
+          </a:prstGeom>
+          <a:ln w="38100">
+            <a:solidFill>
+              <a:srgbClr val="FFFF00"/>
+            </a:solidFill>
+          </a:ln>
+        </p:spPr>
+        <p:style>
+          <a:lnRef idx="1">
+            <a:schemeClr val="accent1"/>
+          </a:lnRef>
+          <a:fillRef idx="0">
+            <a:schemeClr val="accent1"/>
+          </a:fillRef>
+          <a:effectRef idx="0">
+            <a:schemeClr val="accent1"/>
+          </a:effectRef>
+          <a:fontRef idx="minor">
+            <a:schemeClr val="tx1"/>
+          </a:fontRef>
+        </p:style>
+      </p:cxnSp>
+      <p:pic>
+        <p:nvPicPr>
+          <p:cNvPr id="4" name="図 3"/>
+          <p:cNvPicPr>
+            <a:picLocks noChangeAspect="1"/>
+          </p:cNvPicPr>
+          <p:nvPr/>
+        </p:nvPicPr>
+        <p:blipFill>
+          <a:blip r:embed="rId2">
+            <a:extLst>
+              <a:ext uri="{28A0092B-C50C-407E-A947-70E740481C1C}">
+                <a14:useLocalDpi xmlns:a14="http://schemas.microsoft.com/office/drawing/2010/main" val="0"/>
+              </a:ext>
+            </a:extLst>
+          </a:blip>
+          <a:stretch>
+            <a:fillRect/>
+          </a:stretch>
+        </p:blipFill>
+        <p:spPr>
+          <a:xfrm>
+            <a:off x="1421378" y="2671442"/>
+            <a:ext cx="2438443" cy="2438443"/>
+          </a:xfrm>
+          <a:prstGeom prst="rect">
+            <a:avLst/>
+          </a:prstGeom>
+        </p:spPr>
+      </p:pic>
+      <p:sp>
+        <p:nvSpPr>
+          <p:cNvPr id="6" name="テキスト ボックス 5"/>
+          <p:cNvSpPr txBox="1"/>
+          <p:nvPr/>
+        </p:nvSpPr>
+        <p:spPr>
+          <a:xfrm>
+            <a:off x="2266139" y="1613118"/>
+            <a:ext cx="748923" cy="769441"/>
+          </a:xfrm>
+          <a:prstGeom prst="rect">
+            <a:avLst/>
+          </a:prstGeom>
+          <a:noFill/>
+        </p:spPr>
+        <p:txBody>
+          <a:bodyPr wrap="none" rtlCol="0">
+            <a:spAutoFit/>
+          </a:bodyPr>
+          <a:lstStyle/>
+          <a:p>
+            <a:pPr algn="ctr"/>
+            <a:r>
+              <a:rPr kumimoji="1" lang="ja-JP" altLang="en-US" sz="4400" b="1" dirty="0" smtClean="0">
+                <a:solidFill>
+                  <a:srgbClr val="7030A0"/>
+                </a:solidFill>
+              </a:rPr>
+              <a:t>毒</a:t>
+            </a:r>
+            <a:endParaRPr kumimoji="1" lang="ja-JP" altLang="en-US" sz="4400" b="1" dirty="0">
+              <a:solidFill>
+                <a:srgbClr val="7030A0"/>
+              </a:solidFill>
+            </a:endParaRPr>
+          </a:p>
+        </p:txBody>
+      </p:sp>
+      <p:sp>
+        <p:nvSpPr>
+          <p:cNvPr id="9" name="テキスト ボックス 8"/>
+          <p:cNvSpPr txBox="1"/>
+          <p:nvPr/>
+        </p:nvSpPr>
+        <p:spPr>
+          <a:xfrm>
+            <a:off x="5783942" y="1997839"/>
+            <a:ext cx="4507965" cy="2862322"/>
+          </a:xfrm>
+          <a:prstGeom prst="rect">
+            <a:avLst/>
+          </a:prstGeom>
+          <a:noFill/>
+        </p:spPr>
+        <p:txBody>
+          <a:bodyPr wrap="none" rtlCol="0">
+            <a:spAutoFit/>
+          </a:bodyPr>
+          <a:lstStyle/>
+          <a:p>
+            <a:pPr>
+              <a:lnSpc>
+                <a:spcPct val="150000"/>
+              </a:lnSpc>
+            </a:pPr>
+            <a:r>
+              <a:rPr lang="ja-JP" altLang="en-US" sz="4000" b="1" dirty="0">
+                <a:solidFill>
+                  <a:schemeClr val="bg1"/>
+                </a:solidFill>
+              </a:rPr>
+              <a:t>▶ </a:t>
+            </a:r>
+            <a:r>
+              <a:rPr lang="ja-JP" altLang="en-US" sz="4000" b="1" dirty="0" smtClean="0">
+                <a:solidFill>
+                  <a:schemeClr val="bg1"/>
+                </a:solidFill>
+              </a:rPr>
+              <a:t>効果時間：</a:t>
+            </a:r>
+            <a:r>
+              <a:rPr lang="en-US" altLang="ja-JP" sz="4000" b="1" dirty="0" smtClean="0">
+                <a:solidFill>
+                  <a:schemeClr val="bg1"/>
+                </a:solidFill>
+              </a:rPr>
+              <a:t>10</a:t>
+            </a:r>
+            <a:r>
+              <a:rPr lang="ja-JP" altLang="en-US" sz="4000" b="1" dirty="0" smtClean="0">
+                <a:solidFill>
+                  <a:schemeClr val="bg1"/>
+                </a:solidFill>
+              </a:rPr>
+              <a:t>秒</a:t>
+            </a:r>
+            <a:endParaRPr lang="en-US" altLang="ja-JP" sz="4000" b="1" dirty="0">
+              <a:solidFill>
+                <a:schemeClr val="bg1"/>
+              </a:solidFill>
+            </a:endParaRPr>
+          </a:p>
+          <a:p>
+            <a:pPr>
+              <a:lnSpc>
+                <a:spcPct val="150000"/>
+              </a:lnSpc>
+            </a:pPr>
+            <a:r>
+              <a:rPr lang="ja-JP" altLang="en-US" sz="4000" b="1" dirty="0" smtClean="0">
+                <a:solidFill>
+                  <a:schemeClr val="bg1"/>
+                </a:solidFill>
+              </a:rPr>
+              <a:t>▶ </a:t>
+            </a:r>
+            <a:r>
+              <a:rPr lang="ja-JP" altLang="en-US" sz="4000" b="1" dirty="0">
+                <a:solidFill>
+                  <a:schemeClr val="bg1"/>
+                </a:solidFill>
+              </a:rPr>
+              <a:t>ダメージ</a:t>
+            </a:r>
+            <a:r>
+              <a:rPr lang="ja-JP" altLang="en-US" sz="4000" b="1" dirty="0" smtClean="0">
+                <a:solidFill>
+                  <a:schemeClr val="bg1"/>
+                </a:solidFill>
+              </a:rPr>
+              <a:t>：小</a:t>
+            </a:r>
+            <a:endParaRPr lang="en-US" altLang="ja-JP" sz="4000" b="1" dirty="0" smtClean="0">
+              <a:solidFill>
+                <a:schemeClr val="bg1"/>
+              </a:solidFill>
+            </a:endParaRPr>
+          </a:p>
+          <a:p>
+            <a:pPr>
+              <a:lnSpc>
+                <a:spcPct val="150000"/>
+              </a:lnSpc>
+            </a:pPr>
+            <a:r>
+              <a:rPr lang="ja-JP" altLang="en-US" sz="4000" b="1" dirty="0" smtClean="0">
+                <a:solidFill>
+                  <a:schemeClr val="bg1"/>
+                </a:solidFill>
+              </a:rPr>
+              <a:t>▶ </a:t>
+            </a:r>
+            <a:r>
+              <a:rPr lang="ja-JP" altLang="en-US" sz="4000" b="1" dirty="0" smtClean="0">
+                <a:solidFill>
+                  <a:schemeClr val="bg1"/>
+                </a:solidFill>
+              </a:rPr>
+              <a:t>効果範囲：中</a:t>
+            </a:r>
+            <a:endParaRPr kumimoji="1" lang="en-US" altLang="ja-JP" sz="4000" b="1" dirty="0" smtClean="0">
+              <a:solidFill>
+                <a:schemeClr val="bg1"/>
+              </a:solidFill>
+            </a:endParaRPr>
+          </a:p>
+        </p:txBody>
+      </p:sp>
+      <p:sp>
+        <p:nvSpPr>
+          <p:cNvPr id="12" name="テキスト ボックス 11"/>
+          <p:cNvSpPr txBox="1"/>
+          <p:nvPr/>
+        </p:nvSpPr>
+        <p:spPr>
+          <a:xfrm>
+            <a:off x="1125413" y="5522209"/>
+            <a:ext cx="10379765" cy="707886"/>
+          </a:xfrm>
+          <a:prstGeom prst="rect">
+            <a:avLst/>
+          </a:prstGeom>
+          <a:noFill/>
+        </p:spPr>
+        <p:txBody>
+          <a:bodyPr wrap="none" rtlCol="0">
+            <a:spAutoFit/>
+          </a:bodyPr>
+          <a:lstStyle/>
+          <a:p>
+            <a:r>
+              <a:rPr lang="ja-JP" altLang="en-US" sz="4000" b="1" dirty="0">
+                <a:solidFill>
+                  <a:srgbClr val="7030A0"/>
+                </a:solidFill>
+              </a:rPr>
+              <a:t>特徴</a:t>
+            </a:r>
+            <a:r>
+              <a:rPr lang="ja-JP" altLang="en-US" sz="4000" b="1" dirty="0">
+                <a:solidFill>
+                  <a:schemeClr val="bg1"/>
+                </a:solidFill>
+              </a:rPr>
+              <a:t> </a:t>
+            </a:r>
+            <a:r>
+              <a:rPr lang="en-US" altLang="ja-JP" sz="4000" b="1" dirty="0">
+                <a:solidFill>
+                  <a:schemeClr val="bg1"/>
+                </a:solidFill>
+              </a:rPr>
+              <a:t>: </a:t>
+            </a:r>
+            <a:r>
+              <a:rPr lang="ja-JP" altLang="en-US" sz="4000" b="1" dirty="0">
+                <a:solidFill>
+                  <a:schemeClr val="bg1"/>
+                </a:solidFill>
+              </a:rPr>
+              <a:t>毒を</a:t>
+            </a:r>
+            <a:r>
+              <a:rPr lang="ja-JP" altLang="en-US" sz="4000" b="1" dirty="0" smtClean="0">
+                <a:solidFill>
+                  <a:schemeClr val="bg1"/>
+                </a:solidFill>
+              </a:rPr>
+              <a:t>使っ</a:t>
+            </a:r>
+            <a:r>
+              <a:rPr lang="ja-JP" altLang="en-US" sz="4000" b="1" dirty="0">
+                <a:solidFill>
+                  <a:schemeClr val="bg1"/>
+                </a:solidFill>
+              </a:rPr>
+              <a:t>て</a:t>
+            </a:r>
+            <a:r>
+              <a:rPr lang="ja-JP" altLang="en-US" sz="4000" b="1" dirty="0" smtClean="0">
+                <a:solidFill>
+                  <a:schemeClr val="bg1"/>
+                </a:solidFill>
+              </a:rPr>
+              <a:t>敵</a:t>
+            </a:r>
+            <a:r>
+              <a:rPr lang="ja-JP" altLang="en-US" sz="4000" b="1" dirty="0">
+                <a:solidFill>
+                  <a:schemeClr val="bg1"/>
+                </a:solidFill>
+              </a:rPr>
+              <a:t>に継続ダメージを与える</a:t>
+            </a:r>
+            <a:endParaRPr lang="ja-JP" altLang="en-US" sz="4000" b="1" dirty="0">
+              <a:solidFill>
+                <a:schemeClr val="bg1"/>
+              </a:solidFill>
+            </a:endParaRPr>
+          </a:p>
+        </p:txBody>
+      </p:sp>
     </p:spTree>
     <p:extLst>
       <p:ext uri="{BB962C8B-B14F-4D97-AF65-F5344CB8AC3E}">
-        <p14:creationId xmlns:p14="http://schemas.microsoft.com/office/powerpoint/2010/main" val="2701855411"/>
+        <p14:creationId xmlns:p14="http://schemas.microsoft.com/office/powerpoint/2010/main" val="1811155623"/>
       </p:ext>
     </p:extLst>
   </p:cSld>
@@ -5788,10 +6829,409 @@
           </a:p>
         </p:txBody>
       </p:sp>
+      <p:sp>
+        <p:nvSpPr>
+          <p:cNvPr id="3" name="テキスト ボックス 2"/>
+          <p:cNvSpPr txBox="1"/>
+          <p:nvPr/>
+        </p:nvSpPr>
+        <p:spPr>
+          <a:xfrm>
+            <a:off x="158261" y="136212"/>
+            <a:ext cx="9228808" cy="923330"/>
+          </a:xfrm>
+          <a:prstGeom prst="rect">
+            <a:avLst/>
+          </a:prstGeom>
+          <a:noFill/>
+        </p:spPr>
+        <p:txBody>
+          <a:bodyPr wrap="none" rtlCol="0">
+            <a:spAutoFit/>
+          </a:bodyPr>
+          <a:lstStyle/>
+          <a:p>
+            <a:r>
+              <a:rPr kumimoji="1" lang="ja-JP" altLang="en-US" sz="5400" b="1" dirty="0" smtClean="0">
+                <a:solidFill>
+                  <a:schemeClr val="bg1"/>
+                </a:solidFill>
+                <a:latin typeface="HGS明朝E" panose="02020900000000000000" pitchFamily="18" charset="-128"/>
+                <a:ea typeface="HGS明朝E" panose="02020900000000000000" pitchFamily="18" charset="-128"/>
+              </a:rPr>
+              <a:t>ゲーム</a:t>
+            </a:r>
+            <a:r>
+              <a:rPr lang="ja-JP" altLang="en-US" sz="5400" b="1" dirty="0" smtClean="0">
+                <a:solidFill>
+                  <a:schemeClr val="bg1"/>
+                </a:solidFill>
+                <a:latin typeface="HGS明朝E" panose="02020900000000000000" pitchFamily="18" charset="-128"/>
+                <a:ea typeface="HGS明朝E" panose="02020900000000000000" pitchFamily="18" charset="-128"/>
+              </a:rPr>
+              <a:t>説明</a:t>
+            </a:r>
+            <a:r>
+              <a:rPr lang="ja-JP" altLang="en-US" sz="5400" b="1" dirty="0" smtClean="0">
+                <a:solidFill>
+                  <a:schemeClr val="bg1"/>
+                </a:solidFill>
+                <a:latin typeface="HGS明朝E" panose="02020900000000000000" pitchFamily="18" charset="-128"/>
+                <a:ea typeface="HGS明朝E" panose="02020900000000000000" pitchFamily="18" charset="-128"/>
+              </a:rPr>
+              <a:t>～トラップ説明</a:t>
+            </a:r>
+            <a:r>
+              <a:rPr lang="ja-JP" altLang="en-US" sz="5400" b="1" dirty="0" smtClean="0">
+                <a:solidFill>
+                  <a:schemeClr val="bg1"/>
+                </a:solidFill>
+                <a:latin typeface="HGS明朝E" panose="02020900000000000000" pitchFamily="18" charset="-128"/>
+                <a:ea typeface="HGS明朝E" panose="02020900000000000000" pitchFamily="18" charset="-128"/>
+              </a:rPr>
+              <a:t>～</a:t>
+            </a:r>
+            <a:endParaRPr kumimoji="1" lang="ja-JP" altLang="en-US" sz="5400" b="1" dirty="0">
+              <a:solidFill>
+                <a:schemeClr val="bg1"/>
+              </a:solidFill>
+              <a:latin typeface="HGS明朝E" panose="02020900000000000000" pitchFamily="18" charset="-128"/>
+              <a:ea typeface="HGS明朝E" panose="02020900000000000000" pitchFamily="18" charset="-128"/>
+            </a:endParaRPr>
+          </a:p>
+        </p:txBody>
+      </p:sp>
+      <p:cxnSp>
+        <p:nvCxnSpPr>
+          <p:cNvPr id="5" name="直線コネクタ 4"/>
+          <p:cNvCxnSpPr/>
+          <p:nvPr/>
+        </p:nvCxnSpPr>
+        <p:spPr>
+          <a:xfrm flipV="1">
+            <a:off x="0" y="1195754"/>
+            <a:ext cx="10673862" cy="2"/>
+          </a:xfrm>
+          <a:prstGeom prst="line">
+            <a:avLst/>
+          </a:prstGeom>
+          <a:ln w="38100">
+            <a:solidFill>
+              <a:srgbClr val="FFFF00"/>
+            </a:solidFill>
+          </a:ln>
+        </p:spPr>
+        <p:style>
+          <a:lnRef idx="1">
+            <a:schemeClr val="accent1"/>
+          </a:lnRef>
+          <a:fillRef idx="0">
+            <a:schemeClr val="accent1"/>
+          </a:fillRef>
+          <a:effectRef idx="0">
+            <a:schemeClr val="accent1"/>
+          </a:effectRef>
+          <a:fontRef idx="minor">
+            <a:schemeClr val="tx1"/>
+          </a:fontRef>
+        </p:style>
+      </p:cxnSp>
+      <p:pic>
+        <p:nvPicPr>
+          <p:cNvPr id="4" name="図 3"/>
+          <p:cNvPicPr>
+            <a:picLocks noChangeAspect="1"/>
+          </p:cNvPicPr>
+          <p:nvPr/>
+        </p:nvPicPr>
+        <p:blipFill>
+          <a:blip r:embed="rId2">
+            <a:extLst>
+              <a:ext uri="{28A0092B-C50C-407E-A947-70E740481C1C}">
+                <a14:useLocalDpi xmlns:a14="http://schemas.microsoft.com/office/drawing/2010/main" val="0"/>
+              </a:ext>
+            </a:extLst>
+          </a:blip>
+          <a:stretch>
+            <a:fillRect/>
+          </a:stretch>
+        </p:blipFill>
+        <p:spPr>
+          <a:xfrm>
+            <a:off x="1421378" y="2671442"/>
+            <a:ext cx="2438443" cy="2438443"/>
+          </a:xfrm>
+          <a:prstGeom prst="rect">
+            <a:avLst/>
+          </a:prstGeom>
+        </p:spPr>
+      </p:pic>
+      <p:sp>
+        <p:nvSpPr>
+          <p:cNvPr id="6" name="テキスト ボックス 5"/>
+          <p:cNvSpPr txBox="1"/>
+          <p:nvPr/>
+        </p:nvSpPr>
+        <p:spPr>
+          <a:xfrm>
+            <a:off x="2266139" y="1613118"/>
+            <a:ext cx="748923" cy="769441"/>
+          </a:xfrm>
+          <a:prstGeom prst="rect">
+            <a:avLst/>
+          </a:prstGeom>
+          <a:noFill/>
+        </p:spPr>
+        <p:txBody>
+          <a:bodyPr wrap="none" rtlCol="0">
+            <a:spAutoFit/>
+          </a:bodyPr>
+          <a:lstStyle/>
+          <a:p>
+            <a:pPr algn="ctr"/>
+            <a:r>
+              <a:rPr lang="ja-JP" altLang="en-US" sz="4400" b="1" dirty="0">
+                <a:solidFill>
+                  <a:srgbClr val="00B0F0"/>
+                </a:solidFill>
+              </a:rPr>
+              <a:t>氷</a:t>
+            </a:r>
+            <a:endParaRPr kumimoji="1" lang="ja-JP" altLang="en-US" sz="4400" b="1" dirty="0">
+              <a:solidFill>
+                <a:srgbClr val="00B0F0"/>
+              </a:solidFill>
+            </a:endParaRPr>
+          </a:p>
+        </p:txBody>
+      </p:sp>
+      <p:sp>
+        <p:nvSpPr>
+          <p:cNvPr id="9" name="テキスト ボックス 8"/>
+          <p:cNvSpPr txBox="1"/>
+          <p:nvPr/>
+        </p:nvSpPr>
+        <p:spPr>
+          <a:xfrm>
+            <a:off x="5783942" y="1997839"/>
+            <a:ext cx="5973110" cy="2862322"/>
+          </a:xfrm>
+          <a:prstGeom prst="rect">
+            <a:avLst/>
+          </a:prstGeom>
+          <a:noFill/>
+        </p:spPr>
+        <p:txBody>
+          <a:bodyPr wrap="none" rtlCol="0">
+            <a:spAutoFit/>
+          </a:bodyPr>
+          <a:lstStyle/>
+          <a:p>
+            <a:pPr>
+              <a:lnSpc>
+                <a:spcPct val="150000"/>
+              </a:lnSpc>
+            </a:pPr>
+            <a:r>
+              <a:rPr lang="ja-JP" altLang="en-US" sz="4000" b="1" dirty="0">
+                <a:solidFill>
+                  <a:schemeClr val="bg1"/>
+                </a:solidFill>
+              </a:rPr>
+              <a:t>▶ </a:t>
+            </a:r>
+            <a:r>
+              <a:rPr lang="ja-JP" altLang="en-US" sz="4000" b="1" dirty="0" smtClean="0">
+                <a:solidFill>
+                  <a:schemeClr val="bg1"/>
+                </a:solidFill>
+              </a:rPr>
+              <a:t>効果時間：</a:t>
+            </a:r>
+            <a:r>
+              <a:rPr lang="en-US" altLang="ja-JP" sz="4000" b="1" dirty="0" smtClean="0">
+                <a:solidFill>
+                  <a:schemeClr val="bg1"/>
+                </a:solidFill>
+              </a:rPr>
+              <a:t>15</a:t>
+            </a:r>
+            <a:r>
+              <a:rPr lang="ja-JP" altLang="en-US" sz="4000" b="1" dirty="0" smtClean="0">
+                <a:solidFill>
+                  <a:schemeClr val="bg1"/>
+                </a:solidFill>
+              </a:rPr>
+              <a:t>秒</a:t>
+            </a:r>
+            <a:endParaRPr lang="en-US" altLang="ja-JP" sz="4000" b="1" dirty="0">
+              <a:solidFill>
+                <a:schemeClr val="bg1"/>
+              </a:solidFill>
+            </a:endParaRPr>
+          </a:p>
+          <a:p>
+            <a:pPr>
+              <a:lnSpc>
+                <a:spcPct val="150000"/>
+              </a:lnSpc>
+            </a:pPr>
+            <a:r>
+              <a:rPr lang="ja-JP" altLang="en-US" sz="4000" b="1" dirty="0" smtClean="0">
+                <a:solidFill>
+                  <a:schemeClr val="bg1"/>
+                </a:solidFill>
+              </a:rPr>
+              <a:t>▶ </a:t>
+            </a:r>
+            <a:r>
+              <a:rPr lang="ja-JP" altLang="en-US" sz="4000" b="1" dirty="0">
+                <a:solidFill>
+                  <a:schemeClr val="bg1"/>
+                </a:solidFill>
+              </a:rPr>
+              <a:t>ダメージ</a:t>
+            </a:r>
+            <a:r>
+              <a:rPr lang="ja-JP" altLang="en-US" sz="4000" b="1" dirty="0" smtClean="0">
+                <a:solidFill>
+                  <a:schemeClr val="bg1"/>
+                </a:solidFill>
+              </a:rPr>
+              <a:t>：なし</a:t>
+            </a:r>
+            <a:endParaRPr lang="en-US" altLang="ja-JP" sz="4000" b="1" dirty="0" smtClean="0">
+              <a:solidFill>
+                <a:schemeClr val="bg1"/>
+              </a:solidFill>
+            </a:endParaRPr>
+          </a:p>
+          <a:p>
+            <a:pPr>
+              <a:lnSpc>
+                <a:spcPct val="150000"/>
+              </a:lnSpc>
+            </a:pPr>
+            <a:r>
+              <a:rPr lang="ja-JP" altLang="en-US" sz="4000" b="1" dirty="0" smtClean="0">
+                <a:solidFill>
+                  <a:schemeClr val="bg1"/>
+                </a:solidFill>
+              </a:rPr>
+              <a:t>▶ </a:t>
+            </a:r>
+            <a:r>
+              <a:rPr lang="ja-JP" altLang="en-US" sz="4000" b="1" dirty="0" smtClean="0">
+                <a:solidFill>
+                  <a:schemeClr val="bg1"/>
+                </a:solidFill>
+              </a:rPr>
+              <a:t>効果範囲：通過した敵</a:t>
+            </a:r>
+            <a:endParaRPr kumimoji="1" lang="en-US" altLang="ja-JP" sz="4000" b="1" dirty="0" smtClean="0">
+              <a:solidFill>
+                <a:schemeClr val="bg1"/>
+              </a:solidFill>
+            </a:endParaRPr>
+          </a:p>
+        </p:txBody>
+      </p:sp>
+      <p:sp>
+        <p:nvSpPr>
+          <p:cNvPr id="12" name="テキスト ボックス 11"/>
+          <p:cNvSpPr txBox="1"/>
+          <p:nvPr/>
+        </p:nvSpPr>
+        <p:spPr>
+          <a:xfrm>
+            <a:off x="1125413" y="5522209"/>
+            <a:ext cx="8327921" cy="707886"/>
+          </a:xfrm>
+          <a:prstGeom prst="rect">
+            <a:avLst/>
+          </a:prstGeom>
+          <a:noFill/>
+        </p:spPr>
+        <p:txBody>
+          <a:bodyPr wrap="none" rtlCol="0">
+            <a:spAutoFit/>
+          </a:bodyPr>
+          <a:lstStyle/>
+          <a:p>
+            <a:r>
+              <a:rPr lang="ja-JP" altLang="en-US" sz="4000" b="1" dirty="0">
+                <a:solidFill>
+                  <a:srgbClr val="00B0F0"/>
+                </a:solidFill>
+              </a:rPr>
+              <a:t>特徴</a:t>
+            </a:r>
+            <a:r>
+              <a:rPr lang="ja-JP" altLang="en-US" sz="4000" b="1" dirty="0">
+                <a:solidFill>
+                  <a:schemeClr val="bg1"/>
+                </a:solidFill>
+              </a:rPr>
+              <a:t> </a:t>
+            </a:r>
+            <a:r>
+              <a:rPr lang="en-US" altLang="ja-JP" sz="4000" b="1" dirty="0">
+                <a:solidFill>
+                  <a:schemeClr val="bg1"/>
+                </a:solidFill>
+              </a:rPr>
+              <a:t>: </a:t>
+            </a:r>
+            <a:r>
+              <a:rPr lang="ja-JP" altLang="en-US" sz="4000" b="1" dirty="0" smtClean="0">
+                <a:solidFill>
+                  <a:schemeClr val="bg1"/>
+                </a:solidFill>
+              </a:rPr>
+              <a:t>敵を凍らせて移動を遅らせる</a:t>
+            </a:r>
+            <a:endParaRPr lang="ja-JP" altLang="en-US" sz="4000" b="1" dirty="0">
+              <a:solidFill>
+                <a:schemeClr val="bg1"/>
+              </a:solidFill>
+            </a:endParaRPr>
+          </a:p>
+        </p:txBody>
+      </p:sp>
+      <p:pic>
+        <p:nvPicPr>
+          <p:cNvPr id="7" name="図 6"/>
+          <p:cNvPicPr>
+            <a:picLocks noChangeAspect="1"/>
+          </p:cNvPicPr>
+          <p:nvPr/>
+        </p:nvPicPr>
+        <p:blipFill>
+          <a:blip r:embed="rId3">
+            <a:extLst>
+              <a:ext uri="{28A0092B-C50C-407E-A947-70E740481C1C}">
+                <a14:useLocalDpi xmlns:a14="http://schemas.microsoft.com/office/drawing/2010/main" val="0"/>
+              </a:ext>
+            </a:extLst>
+          </a:blip>
+          <a:stretch>
+            <a:fillRect/>
+          </a:stretch>
+        </p:blipFill>
+        <p:spPr>
+          <a:xfrm>
+            <a:off x="1421378" y="2671442"/>
+            <a:ext cx="2438443" cy="2438443"/>
+          </a:xfrm>
+          <a:prstGeom prst="rect">
+            <a:avLst/>
+          </a:prstGeom>
+        </p:spPr>
+      </p:pic>
     </p:spTree>
     <p:extLst>
       <p:ext uri="{BB962C8B-B14F-4D97-AF65-F5344CB8AC3E}">
-        <p14:creationId xmlns:p14="http://schemas.microsoft.com/office/powerpoint/2010/main" val="2424268397"/>
+        <p14:creationId xmlns:p14="http://schemas.microsoft.com/office/powerpoint/2010/main" val="1111603526"/>
       </p:ext>
     </p:extLst>
   </p:cSld>
@@ -5861,10 +7301,393 @@
           </a:p>
         </p:txBody>
       </p:sp>
+      <p:sp>
+        <p:nvSpPr>
+          <p:cNvPr id="3" name="テキスト ボックス 2"/>
+          <p:cNvSpPr txBox="1"/>
+          <p:nvPr/>
+        </p:nvSpPr>
+        <p:spPr>
+          <a:xfrm>
+            <a:off x="158261" y="136212"/>
+            <a:ext cx="9228808" cy="923330"/>
+          </a:xfrm>
+          <a:prstGeom prst="rect">
+            <a:avLst/>
+          </a:prstGeom>
+          <a:noFill/>
+        </p:spPr>
+        <p:txBody>
+          <a:bodyPr wrap="none" rtlCol="0">
+            <a:spAutoFit/>
+          </a:bodyPr>
+          <a:lstStyle/>
+          <a:p>
+            <a:r>
+              <a:rPr kumimoji="1" lang="ja-JP" altLang="en-US" sz="5400" b="1" dirty="0" smtClean="0">
+                <a:solidFill>
+                  <a:schemeClr val="bg1"/>
+                </a:solidFill>
+                <a:latin typeface="HGS明朝E" panose="02020900000000000000" pitchFamily="18" charset="-128"/>
+                <a:ea typeface="HGS明朝E" panose="02020900000000000000" pitchFamily="18" charset="-128"/>
+              </a:rPr>
+              <a:t>ゲーム</a:t>
+            </a:r>
+            <a:r>
+              <a:rPr lang="ja-JP" altLang="en-US" sz="5400" b="1" dirty="0" smtClean="0">
+                <a:solidFill>
+                  <a:schemeClr val="bg1"/>
+                </a:solidFill>
+                <a:latin typeface="HGS明朝E" panose="02020900000000000000" pitchFamily="18" charset="-128"/>
+                <a:ea typeface="HGS明朝E" panose="02020900000000000000" pitchFamily="18" charset="-128"/>
+              </a:rPr>
+              <a:t>説明</a:t>
+            </a:r>
+            <a:r>
+              <a:rPr lang="ja-JP" altLang="en-US" sz="5400" b="1" dirty="0" smtClean="0">
+                <a:solidFill>
+                  <a:schemeClr val="bg1"/>
+                </a:solidFill>
+                <a:latin typeface="HGS明朝E" panose="02020900000000000000" pitchFamily="18" charset="-128"/>
+                <a:ea typeface="HGS明朝E" panose="02020900000000000000" pitchFamily="18" charset="-128"/>
+              </a:rPr>
+              <a:t>～トラップ説明</a:t>
+            </a:r>
+            <a:r>
+              <a:rPr lang="ja-JP" altLang="en-US" sz="5400" b="1" dirty="0" smtClean="0">
+                <a:solidFill>
+                  <a:schemeClr val="bg1"/>
+                </a:solidFill>
+                <a:latin typeface="HGS明朝E" panose="02020900000000000000" pitchFamily="18" charset="-128"/>
+                <a:ea typeface="HGS明朝E" panose="02020900000000000000" pitchFamily="18" charset="-128"/>
+              </a:rPr>
+              <a:t>～</a:t>
+            </a:r>
+            <a:endParaRPr kumimoji="1" lang="ja-JP" altLang="en-US" sz="5400" b="1" dirty="0">
+              <a:solidFill>
+                <a:schemeClr val="bg1"/>
+              </a:solidFill>
+              <a:latin typeface="HGS明朝E" panose="02020900000000000000" pitchFamily="18" charset="-128"/>
+              <a:ea typeface="HGS明朝E" panose="02020900000000000000" pitchFamily="18" charset="-128"/>
+            </a:endParaRPr>
+          </a:p>
+        </p:txBody>
+      </p:sp>
+      <p:cxnSp>
+        <p:nvCxnSpPr>
+          <p:cNvPr id="5" name="直線コネクタ 4"/>
+          <p:cNvCxnSpPr/>
+          <p:nvPr/>
+        </p:nvCxnSpPr>
+        <p:spPr>
+          <a:xfrm flipV="1">
+            <a:off x="0" y="1195754"/>
+            <a:ext cx="10673862" cy="2"/>
+          </a:xfrm>
+          <a:prstGeom prst="line">
+            <a:avLst/>
+          </a:prstGeom>
+          <a:ln w="38100">
+            <a:solidFill>
+              <a:srgbClr val="FFFF00"/>
+            </a:solidFill>
+          </a:ln>
+        </p:spPr>
+        <p:style>
+          <a:lnRef idx="1">
+            <a:schemeClr val="accent1"/>
+          </a:lnRef>
+          <a:fillRef idx="0">
+            <a:schemeClr val="accent1"/>
+          </a:fillRef>
+          <a:effectRef idx="0">
+            <a:schemeClr val="accent1"/>
+          </a:effectRef>
+          <a:fontRef idx="minor">
+            <a:schemeClr val="tx1"/>
+          </a:fontRef>
+        </p:style>
+      </p:cxnSp>
+      <p:pic>
+        <p:nvPicPr>
+          <p:cNvPr id="4" name="図 3"/>
+          <p:cNvPicPr>
+            <a:picLocks noChangeAspect="1"/>
+          </p:cNvPicPr>
+          <p:nvPr/>
+        </p:nvPicPr>
+        <p:blipFill>
+          <a:blip r:embed="rId2">
+            <a:extLst>
+              <a:ext uri="{28A0092B-C50C-407E-A947-70E740481C1C}">
+                <a14:useLocalDpi xmlns:a14="http://schemas.microsoft.com/office/drawing/2010/main" val="0"/>
+              </a:ext>
+            </a:extLst>
+          </a:blip>
+          <a:stretch>
+            <a:fillRect/>
+          </a:stretch>
+        </p:blipFill>
+        <p:spPr>
+          <a:xfrm>
+            <a:off x="1421378" y="2671442"/>
+            <a:ext cx="2438443" cy="2438443"/>
+          </a:xfrm>
+          <a:prstGeom prst="rect">
+            <a:avLst/>
+          </a:prstGeom>
+        </p:spPr>
+      </p:pic>
+      <p:sp>
+        <p:nvSpPr>
+          <p:cNvPr id="6" name="テキスト ボックス 5"/>
+          <p:cNvSpPr txBox="1"/>
+          <p:nvPr/>
+        </p:nvSpPr>
+        <p:spPr>
+          <a:xfrm>
+            <a:off x="1984012" y="1613118"/>
+            <a:ext cx="1313180" cy="769441"/>
+          </a:xfrm>
+          <a:prstGeom prst="rect">
+            <a:avLst/>
+          </a:prstGeom>
+          <a:noFill/>
+        </p:spPr>
+        <p:txBody>
+          <a:bodyPr wrap="none" rtlCol="0">
+            <a:spAutoFit/>
+          </a:bodyPr>
+          <a:lstStyle/>
+          <a:p>
+            <a:pPr algn="ctr"/>
+            <a:r>
+              <a:rPr lang="ja-JP" altLang="en-US" sz="4400" b="1" dirty="0">
+                <a:solidFill>
+                  <a:srgbClr val="FFC000"/>
+                </a:solidFill>
+              </a:rPr>
+              <a:t>爆発</a:t>
+            </a:r>
+            <a:endParaRPr kumimoji="1" lang="ja-JP" altLang="en-US" sz="4400" b="1" dirty="0">
+              <a:solidFill>
+                <a:srgbClr val="FFC000"/>
+              </a:solidFill>
+            </a:endParaRPr>
+          </a:p>
+        </p:txBody>
+      </p:sp>
+      <p:sp>
+        <p:nvSpPr>
+          <p:cNvPr id="9" name="テキスト ボックス 8"/>
+          <p:cNvSpPr txBox="1"/>
+          <p:nvPr/>
+        </p:nvSpPr>
+        <p:spPr>
+          <a:xfrm>
+            <a:off x="5783942" y="1997839"/>
+            <a:ext cx="4434227" cy="2862322"/>
+          </a:xfrm>
+          <a:prstGeom prst="rect">
+            <a:avLst/>
+          </a:prstGeom>
+          <a:noFill/>
+        </p:spPr>
+        <p:txBody>
+          <a:bodyPr wrap="none" rtlCol="0">
+            <a:spAutoFit/>
+          </a:bodyPr>
+          <a:lstStyle/>
+          <a:p>
+            <a:pPr>
+              <a:lnSpc>
+                <a:spcPct val="150000"/>
+              </a:lnSpc>
+            </a:pPr>
+            <a:r>
+              <a:rPr lang="ja-JP" altLang="en-US" sz="4000" b="1" dirty="0">
+                <a:solidFill>
+                  <a:schemeClr val="bg1"/>
+                </a:solidFill>
+              </a:rPr>
+              <a:t>▶ </a:t>
+            </a:r>
+            <a:r>
+              <a:rPr lang="ja-JP" altLang="en-US" sz="4000" b="1" dirty="0" smtClean="0">
+                <a:solidFill>
+                  <a:schemeClr val="bg1"/>
+                </a:solidFill>
+              </a:rPr>
+              <a:t>効果時間：なし</a:t>
+            </a:r>
+            <a:endParaRPr lang="en-US" altLang="ja-JP" sz="4000" b="1" dirty="0">
+              <a:solidFill>
+                <a:schemeClr val="bg1"/>
+              </a:solidFill>
+            </a:endParaRPr>
+          </a:p>
+          <a:p>
+            <a:pPr>
+              <a:lnSpc>
+                <a:spcPct val="150000"/>
+              </a:lnSpc>
+            </a:pPr>
+            <a:r>
+              <a:rPr lang="ja-JP" altLang="en-US" sz="4000" b="1" dirty="0" smtClean="0">
+                <a:solidFill>
+                  <a:schemeClr val="bg1"/>
+                </a:solidFill>
+              </a:rPr>
+              <a:t>▶ </a:t>
+            </a:r>
+            <a:r>
+              <a:rPr lang="ja-JP" altLang="en-US" sz="4000" b="1" dirty="0">
+                <a:solidFill>
+                  <a:schemeClr val="bg1"/>
+                </a:solidFill>
+              </a:rPr>
+              <a:t>ダメージ</a:t>
+            </a:r>
+            <a:r>
+              <a:rPr lang="ja-JP" altLang="en-US" sz="4000" b="1" dirty="0" smtClean="0">
+                <a:solidFill>
+                  <a:schemeClr val="bg1"/>
+                </a:solidFill>
+              </a:rPr>
+              <a:t>：大</a:t>
+            </a:r>
+            <a:endParaRPr lang="en-US" altLang="ja-JP" sz="4000" b="1" dirty="0" smtClean="0">
+              <a:solidFill>
+                <a:schemeClr val="bg1"/>
+              </a:solidFill>
+            </a:endParaRPr>
+          </a:p>
+          <a:p>
+            <a:pPr>
+              <a:lnSpc>
+                <a:spcPct val="150000"/>
+              </a:lnSpc>
+            </a:pPr>
+            <a:r>
+              <a:rPr lang="ja-JP" altLang="en-US" sz="4000" b="1" dirty="0" smtClean="0">
+                <a:solidFill>
+                  <a:schemeClr val="bg1"/>
+                </a:solidFill>
+              </a:rPr>
+              <a:t>▶ </a:t>
+            </a:r>
+            <a:r>
+              <a:rPr lang="ja-JP" altLang="en-US" sz="4000" b="1" dirty="0" smtClean="0">
+                <a:solidFill>
+                  <a:schemeClr val="bg1"/>
+                </a:solidFill>
+              </a:rPr>
+              <a:t>効果範囲：小</a:t>
+            </a:r>
+            <a:endParaRPr kumimoji="1" lang="en-US" altLang="ja-JP" sz="4000" b="1" dirty="0" smtClean="0">
+              <a:solidFill>
+                <a:schemeClr val="bg1"/>
+              </a:solidFill>
+            </a:endParaRPr>
+          </a:p>
+        </p:txBody>
+      </p:sp>
+      <p:sp>
+        <p:nvSpPr>
+          <p:cNvPr id="12" name="テキスト ボックス 11"/>
+          <p:cNvSpPr txBox="1"/>
+          <p:nvPr/>
+        </p:nvSpPr>
+        <p:spPr>
+          <a:xfrm>
+            <a:off x="1125413" y="5522209"/>
+            <a:ext cx="10892726" cy="707886"/>
+          </a:xfrm>
+          <a:prstGeom prst="rect">
+            <a:avLst/>
+          </a:prstGeom>
+          <a:noFill/>
+        </p:spPr>
+        <p:txBody>
+          <a:bodyPr wrap="none" rtlCol="0">
+            <a:spAutoFit/>
+          </a:bodyPr>
+          <a:lstStyle/>
+          <a:p>
+            <a:r>
+              <a:rPr lang="ja-JP" altLang="en-US" sz="4000" b="1" dirty="0">
+                <a:solidFill>
+                  <a:srgbClr val="FFC000"/>
+                </a:solidFill>
+              </a:rPr>
+              <a:t>特徴</a:t>
+            </a:r>
+            <a:r>
+              <a:rPr lang="ja-JP" altLang="en-US" sz="4000" b="1" dirty="0">
+                <a:solidFill>
+                  <a:schemeClr val="bg1"/>
+                </a:solidFill>
+              </a:rPr>
+              <a:t> </a:t>
+            </a:r>
+            <a:r>
+              <a:rPr lang="en-US" altLang="ja-JP" sz="4000" b="1" dirty="0">
+                <a:solidFill>
+                  <a:schemeClr val="bg1"/>
+                </a:solidFill>
+              </a:rPr>
+              <a:t>: </a:t>
+            </a:r>
+            <a:r>
+              <a:rPr lang="ja-JP" altLang="en-US" sz="4000" b="1" dirty="0" smtClean="0">
+                <a:solidFill>
+                  <a:schemeClr val="bg1"/>
+                </a:solidFill>
+              </a:rPr>
+              <a:t>周りを巻き込み爆発しダメージを与える</a:t>
+            </a:r>
+            <a:endParaRPr lang="ja-JP" altLang="en-US" sz="4000" b="1" dirty="0">
+              <a:solidFill>
+                <a:schemeClr val="bg1"/>
+              </a:solidFill>
+            </a:endParaRPr>
+          </a:p>
+        </p:txBody>
+      </p:sp>
+      <p:pic>
+        <p:nvPicPr>
+          <p:cNvPr id="7" name="図 6"/>
+          <p:cNvPicPr>
+            <a:picLocks noChangeAspect="1"/>
+          </p:cNvPicPr>
+          <p:nvPr/>
+        </p:nvPicPr>
+        <p:blipFill>
+          <a:blip r:embed="rId3">
+            <a:extLst>
+              <a:ext uri="{28A0092B-C50C-407E-A947-70E740481C1C}">
+                <a14:useLocalDpi xmlns:a14="http://schemas.microsoft.com/office/drawing/2010/main" val="0"/>
+              </a:ext>
+            </a:extLst>
+          </a:blip>
+          <a:stretch>
+            <a:fillRect/>
+          </a:stretch>
+        </p:blipFill>
+        <p:spPr>
+          <a:xfrm>
+            <a:off x="1421378" y="2671442"/>
+            <a:ext cx="2438443" cy="2438443"/>
+          </a:xfrm>
+          <a:prstGeom prst="rect">
+            <a:avLst/>
+          </a:prstGeom>
+        </p:spPr>
+      </p:pic>
     </p:spTree>
     <p:extLst>
       <p:ext uri="{BB962C8B-B14F-4D97-AF65-F5344CB8AC3E}">
-        <p14:creationId xmlns:p14="http://schemas.microsoft.com/office/powerpoint/2010/main" val="1072532145"/>
+        <p14:creationId xmlns:p14="http://schemas.microsoft.com/office/powerpoint/2010/main" val="3065202999"/>
       </p:ext>
     </p:extLst>
   </p:cSld>
@@ -6019,8 +7842,8 @@
         </p:nvSpPr>
         <p:spPr>
           <a:xfrm>
-            <a:off x="553914" y="1439690"/>
-            <a:ext cx="9066906" cy="5170646"/>
+            <a:off x="516588" y="1254676"/>
+            <a:ext cx="11158824" cy="5632311"/>
           </a:xfrm>
           <a:prstGeom prst="rect">
             <a:avLst/>
@@ -6039,14 +7862,14 @@
               </a:lnSpc>
             </a:pPr>
             <a:r>
-              <a:rPr kumimoji="1" lang="ja-JP" altLang="en-US" sz="4400" b="1" dirty="0" smtClean="0">
+              <a:rPr kumimoji="1" lang="ja-JP" altLang="en-US" sz="4000" b="1" dirty="0" smtClean="0">
                 <a:solidFill>
                   <a:schemeClr val="bg1"/>
                 </a:solidFill>
               </a:rPr>
               <a:t>▶ ジャンル：タワーディフェンス</a:t>
             </a:r>
-            <a:endParaRPr kumimoji="1" lang="en-US" altLang="ja-JP" sz="4400" b="1" dirty="0" smtClean="0">
+            <a:endParaRPr kumimoji="1" lang="en-US" altLang="ja-JP" sz="4000" b="1" dirty="0" smtClean="0">
               <a:solidFill>
                 <a:schemeClr val="bg1"/>
               </a:solidFill>
@@ -6059,7 +7882,7 @@
               </a:lnSpc>
             </a:pPr>
             <a:r>
-              <a:rPr lang="ja-JP" altLang="en-US" sz="4400" b="1" dirty="0" smtClean="0">
+              <a:rPr lang="ja-JP" altLang="en-US" sz="4000" b="1" dirty="0" smtClean="0">
                 <a:solidFill>
                   <a:schemeClr val="bg1"/>
                 </a:solidFill>
@@ -6067,7 +7890,7 @@
               <a:t>▶ プレイ人数：</a:t>
             </a:r>
             <a:r>
-              <a:rPr lang="en-US" altLang="ja-JP" sz="4400" b="1" dirty="0" smtClean="0">
+              <a:rPr lang="en-US" altLang="ja-JP" sz="4000" b="1" dirty="0" smtClean="0">
                 <a:solidFill>
                   <a:schemeClr val="bg1"/>
                 </a:solidFill>
@@ -6075,14 +7898,14 @@
               <a:t>1</a:t>
             </a:r>
             <a:r>
-              <a:rPr lang="ja-JP" altLang="en-US" sz="4400" b="1" dirty="0" smtClean="0">
+              <a:rPr lang="ja-JP" altLang="en-US" sz="4000" b="1" dirty="0" smtClean="0">
                 <a:solidFill>
                   <a:schemeClr val="bg1"/>
                 </a:solidFill>
               </a:rPr>
               <a:t>人</a:t>
             </a:r>
-            <a:endParaRPr lang="en-US" altLang="ja-JP" sz="4400" b="1" dirty="0" smtClean="0">
+            <a:endParaRPr lang="en-US" altLang="ja-JP" sz="4000" b="1" dirty="0" smtClean="0">
               <a:solidFill>
                 <a:schemeClr val="bg1"/>
               </a:solidFill>
@@ -6095,14 +7918,14 @@
               </a:lnSpc>
             </a:pPr>
             <a:r>
-              <a:rPr kumimoji="1" lang="ja-JP" altLang="en-US" sz="4400" b="1" dirty="0" smtClean="0">
+              <a:rPr kumimoji="1" lang="ja-JP" altLang="en-US" sz="4000" b="1" dirty="0" smtClean="0">
                 <a:solidFill>
                   <a:schemeClr val="bg1"/>
                 </a:solidFill>
               </a:rPr>
               <a:t>▶ ターゲット：全年代</a:t>
             </a:r>
-            <a:endParaRPr kumimoji="1" lang="en-US" altLang="ja-JP" sz="4400" b="1" dirty="0" smtClean="0">
+            <a:endParaRPr kumimoji="1" lang="en-US" altLang="ja-JP" sz="4000" b="1" dirty="0" smtClean="0">
               <a:solidFill>
                 <a:schemeClr val="bg1"/>
               </a:solidFill>
@@ -6115,7 +7938,7 @@
               </a:lnSpc>
             </a:pPr>
             <a:r>
-              <a:rPr kumimoji="1" lang="ja-JP" altLang="en-US" sz="4400" b="1" dirty="0" smtClean="0">
+              <a:rPr kumimoji="1" lang="ja-JP" altLang="en-US" sz="4000" b="1" dirty="0" smtClean="0">
                 <a:solidFill>
                   <a:schemeClr val="bg1"/>
                 </a:solidFill>
@@ -6123,7 +7946,7 @@
               <a:t>▶ プラットフォーム：</a:t>
             </a:r>
             <a:r>
-              <a:rPr kumimoji="1" lang="en-US" altLang="ja-JP" sz="4400" b="1" dirty="0" smtClean="0">
+              <a:rPr kumimoji="1" lang="en-US" altLang="ja-JP" sz="4000" b="1" dirty="0" smtClean="0">
                 <a:solidFill>
                   <a:schemeClr val="bg1"/>
                 </a:solidFill>
@@ -6138,7 +7961,7 @@
               </a:lnSpc>
             </a:pPr>
             <a:r>
-              <a:rPr lang="ja-JP" altLang="en-US" sz="4400" b="1" dirty="0" smtClean="0">
+              <a:rPr lang="ja-JP" altLang="en-US" sz="4000" b="1" dirty="0" smtClean="0">
                 <a:solidFill>
                   <a:schemeClr val="bg1"/>
                 </a:solidFill>
@@ -6146,7 +7969,7 @@
               <a:t>▶ 使用ライブラリ：</a:t>
             </a:r>
             <a:r>
-              <a:rPr lang="en-US" altLang="ja-JP" sz="4400" b="1" dirty="0" smtClean="0">
+              <a:rPr lang="en-US" altLang="ja-JP" sz="4000" b="1" dirty="0" smtClean="0">
                 <a:solidFill>
                   <a:schemeClr val="bg1"/>
                 </a:solidFill>
@@ -6154,18 +7977,57 @@
               <a:t>DX</a:t>
             </a:r>
             <a:r>
-              <a:rPr lang="ja-JP" altLang="en-US" sz="4400" b="1" dirty="0" smtClean="0">
+              <a:rPr lang="ja-JP" altLang="en-US" sz="4000" b="1" dirty="0" smtClean="0">
                 <a:solidFill>
                   <a:schemeClr val="bg1"/>
                 </a:solidFill>
               </a:rPr>
               <a:t>ライブラリ</a:t>
             </a:r>
-            <a:endParaRPr kumimoji="1" lang="ja-JP" altLang="en-US" sz="4400" b="1" dirty="0">
+            <a:r>
+              <a:rPr lang="ja-JP" altLang="en-US" sz="4000" b="1" dirty="0" smtClean="0">
+                <a:solidFill>
+                  <a:schemeClr val="bg1"/>
+                </a:solidFill>
+              </a:rPr>
+              <a:t>、</a:t>
+            </a:r>
+            <a:r>
+              <a:rPr lang="en-US" altLang="ja-JP" sz="4000" b="1" dirty="0" err="1" smtClean="0">
+                <a:solidFill>
+                  <a:schemeClr val="bg1"/>
+                </a:solidFill>
+              </a:rPr>
+              <a:t>Effekseer</a:t>
+            </a:r>
+            <a:endParaRPr lang="en-US" altLang="ja-JP" sz="4000" b="1" dirty="0" smtClean="0">
               <a:solidFill>
                 <a:schemeClr val="bg1"/>
               </a:solidFill>
             </a:endParaRPr>
+          </a:p>
+          <a:p>
+            <a:pPr>
+              <a:lnSpc>
+                <a:spcPct val="150000"/>
+              </a:lnSpc>
+            </a:pPr>
+            <a:r>
+              <a:rPr lang="ja-JP" altLang="en-US" sz="4000" b="1" dirty="0" smtClean="0">
+                <a:solidFill>
+                  <a:schemeClr val="bg1"/>
+                </a:solidFill>
+              </a:rPr>
+              <a:t>▶ 使用サウンド </a:t>
+            </a:r>
+            <a:r>
+              <a:rPr lang="en-US" altLang="ja-JP" sz="4000" b="1" dirty="0" smtClean="0">
+                <a:solidFill>
+                  <a:schemeClr val="bg1"/>
+                </a:solidFill>
+              </a:rPr>
+              <a:t>: CRI ADX2 LE</a:t>
+            </a:r>
           </a:p>
         </p:txBody>
       </p:sp>
@@ -6242,229 +8104,409 @@
           </a:p>
         </p:txBody>
       </p:sp>
+      <p:sp>
+        <p:nvSpPr>
+          <p:cNvPr id="3" name="テキスト ボックス 2"/>
+          <p:cNvSpPr txBox="1"/>
+          <p:nvPr/>
+        </p:nvSpPr>
+        <p:spPr>
+          <a:xfrm>
+            <a:off x="158261" y="136212"/>
+            <a:ext cx="9228808" cy="923330"/>
+          </a:xfrm>
+          <a:prstGeom prst="rect">
+            <a:avLst/>
+          </a:prstGeom>
+          <a:noFill/>
+        </p:spPr>
+        <p:txBody>
+          <a:bodyPr wrap="none" rtlCol="0">
+            <a:spAutoFit/>
+          </a:bodyPr>
+          <a:lstStyle/>
+          <a:p>
+            <a:r>
+              <a:rPr kumimoji="1" lang="ja-JP" altLang="en-US" sz="5400" b="1" dirty="0" smtClean="0">
+                <a:solidFill>
+                  <a:schemeClr val="bg1"/>
+                </a:solidFill>
+                <a:latin typeface="HGS明朝E" panose="02020900000000000000" pitchFamily="18" charset="-128"/>
+                <a:ea typeface="HGS明朝E" panose="02020900000000000000" pitchFamily="18" charset="-128"/>
+              </a:rPr>
+              <a:t>ゲーム</a:t>
+            </a:r>
+            <a:r>
+              <a:rPr lang="ja-JP" altLang="en-US" sz="5400" b="1" dirty="0" smtClean="0">
+                <a:solidFill>
+                  <a:schemeClr val="bg1"/>
+                </a:solidFill>
+                <a:latin typeface="HGS明朝E" panose="02020900000000000000" pitchFamily="18" charset="-128"/>
+                <a:ea typeface="HGS明朝E" panose="02020900000000000000" pitchFamily="18" charset="-128"/>
+              </a:rPr>
+              <a:t>説明</a:t>
+            </a:r>
+            <a:r>
+              <a:rPr lang="ja-JP" altLang="en-US" sz="5400" b="1" dirty="0" smtClean="0">
+                <a:solidFill>
+                  <a:schemeClr val="bg1"/>
+                </a:solidFill>
+                <a:latin typeface="HGS明朝E" panose="02020900000000000000" pitchFamily="18" charset="-128"/>
+                <a:ea typeface="HGS明朝E" panose="02020900000000000000" pitchFamily="18" charset="-128"/>
+              </a:rPr>
+              <a:t>～トラップ説明</a:t>
+            </a:r>
+            <a:r>
+              <a:rPr lang="ja-JP" altLang="en-US" sz="5400" b="1" dirty="0" smtClean="0">
+                <a:solidFill>
+                  <a:schemeClr val="bg1"/>
+                </a:solidFill>
+                <a:latin typeface="HGS明朝E" panose="02020900000000000000" pitchFamily="18" charset="-128"/>
+                <a:ea typeface="HGS明朝E" panose="02020900000000000000" pitchFamily="18" charset="-128"/>
+              </a:rPr>
+              <a:t>～</a:t>
+            </a:r>
+            <a:endParaRPr kumimoji="1" lang="ja-JP" altLang="en-US" sz="5400" b="1" dirty="0">
+              <a:solidFill>
+                <a:schemeClr val="bg1"/>
+              </a:solidFill>
+              <a:latin typeface="HGS明朝E" panose="02020900000000000000" pitchFamily="18" charset="-128"/>
+              <a:ea typeface="HGS明朝E" panose="02020900000000000000" pitchFamily="18" charset="-128"/>
+            </a:endParaRPr>
+          </a:p>
+        </p:txBody>
+      </p:sp>
+      <p:cxnSp>
+        <p:nvCxnSpPr>
+          <p:cNvPr id="5" name="直線コネクタ 4"/>
+          <p:cNvCxnSpPr/>
+          <p:nvPr/>
+        </p:nvCxnSpPr>
+        <p:spPr>
+          <a:xfrm flipV="1">
+            <a:off x="0" y="1195754"/>
+            <a:ext cx="10673862" cy="2"/>
+          </a:xfrm>
+          <a:prstGeom prst="line">
+            <a:avLst/>
+          </a:prstGeom>
+          <a:ln w="38100">
+            <a:solidFill>
+              <a:srgbClr val="FFFF00"/>
+            </a:solidFill>
+          </a:ln>
+        </p:spPr>
+        <p:style>
+          <a:lnRef idx="1">
+            <a:schemeClr val="accent1"/>
+          </a:lnRef>
+          <a:fillRef idx="0">
+            <a:schemeClr val="accent1"/>
+          </a:fillRef>
+          <a:effectRef idx="0">
+            <a:schemeClr val="accent1"/>
+          </a:effectRef>
+          <a:fontRef idx="minor">
+            <a:schemeClr val="tx1"/>
+          </a:fontRef>
+        </p:style>
+      </p:cxnSp>
+      <p:pic>
+        <p:nvPicPr>
+          <p:cNvPr id="4" name="図 3"/>
+          <p:cNvPicPr>
+            <a:picLocks noChangeAspect="1"/>
+          </p:cNvPicPr>
+          <p:nvPr/>
+        </p:nvPicPr>
+        <p:blipFill>
+          <a:blip r:embed="rId2">
+            <a:extLst>
+              <a:ext uri="{28A0092B-C50C-407E-A947-70E740481C1C}">
+                <a14:useLocalDpi xmlns:a14="http://schemas.microsoft.com/office/drawing/2010/main" val="0"/>
+              </a:ext>
+            </a:extLst>
+          </a:blip>
+          <a:stretch>
+            <a:fillRect/>
+          </a:stretch>
+        </p:blipFill>
+        <p:spPr>
+          <a:xfrm>
+            <a:off x="1421378" y="2671442"/>
+            <a:ext cx="2438443" cy="2438443"/>
+          </a:xfrm>
+          <a:prstGeom prst="rect">
+            <a:avLst/>
+          </a:prstGeom>
+        </p:spPr>
+      </p:pic>
+      <p:sp>
+        <p:nvSpPr>
+          <p:cNvPr id="6" name="テキスト ボックス 5"/>
+          <p:cNvSpPr txBox="1"/>
+          <p:nvPr/>
+        </p:nvSpPr>
+        <p:spPr>
+          <a:xfrm>
+            <a:off x="1984011" y="1613118"/>
+            <a:ext cx="1313180" cy="769441"/>
+          </a:xfrm>
+          <a:prstGeom prst="rect">
+            <a:avLst/>
+          </a:prstGeom>
+          <a:noFill/>
+        </p:spPr>
+        <p:txBody>
+          <a:bodyPr wrap="none" rtlCol="0">
+            <a:spAutoFit/>
+          </a:bodyPr>
+          <a:lstStyle/>
+          <a:p>
+            <a:pPr algn="ctr"/>
+            <a:r>
+              <a:rPr lang="ja-JP" altLang="en-US" sz="4400" b="1" dirty="0">
+                <a:solidFill>
+                  <a:srgbClr val="FF71CC"/>
+                </a:solidFill>
+              </a:rPr>
+              <a:t>支援</a:t>
+            </a:r>
+            <a:endParaRPr kumimoji="1" lang="ja-JP" altLang="en-US" sz="4400" b="1" dirty="0">
+              <a:solidFill>
+                <a:srgbClr val="FF71CC"/>
+              </a:solidFill>
+            </a:endParaRPr>
+          </a:p>
+        </p:txBody>
+      </p:sp>
+      <p:sp>
+        <p:nvSpPr>
+          <p:cNvPr id="9" name="テキスト ボックス 8"/>
+          <p:cNvSpPr txBox="1"/>
+          <p:nvPr/>
+        </p:nvSpPr>
+        <p:spPr>
+          <a:xfrm>
+            <a:off x="5783942" y="1997839"/>
+            <a:ext cx="4507965" cy="2862322"/>
+          </a:xfrm>
+          <a:prstGeom prst="rect">
+            <a:avLst/>
+          </a:prstGeom>
+          <a:noFill/>
+        </p:spPr>
+        <p:txBody>
+          <a:bodyPr wrap="none" rtlCol="0">
+            <a:spAutoFit/>
+          </a:bodyPr>
+          <a:lstStyle/>
+          <a:p>
+            <a:pPr>
+              <a:lnSpc>
+                <a:spcPct val="150000"/>
+              </a:lnSpc>
+            </a:pPr>
+            <a:r>
+              <a:rPr lang="ja-JP" altLang="en-US" sz="4000" b="1" dirty="0">
+                <a:solidFill>
+                  <a:schemeClr val="bg1"/>
+                </a:solidFill>
+              </a:rPr>
+              <a:t>▶ </a:t>
+            </a:r>
+            <a:r>
+              <a:rPr lang="ja-JP" altLang="en-US" sz="4000" b="1" dirty="0" smtClean="0">
+                <a:solidFill>
+                  <a:schemeClr val="bg1"/>
+                </a:solidFill>
+              </a:rPr>
+              <a:t>効果時間：</a:t>
+            </a:r>
+            <a:r>
+              <a:rPr lang="en-US" altLang="ja-JP" sz="4000" b="1" dirty="0" smtClean="0">
+                <a:solidFill>
+                  <a:schemeClr val="bg1"/>
+                </a:solidFill>
+              </a:rPr>
+              <a:t>20</a:t>
+            </a:r>
+            <a:r>
+              <a:rPr lang="ja-JP" altLang="en-US" sz="4000" b="1" dirty="0" smtClean="0">
+                <a:solidFill>
+                  <a:schemeClr val="bg1"/>
+                </a:solidFill>
+              </a:rPr>
+              <a:t>秒</a:t>
+            </a:r>
+            <a:endParaRPr lang="en-US" altLang="ja-JP" sz="4000" b="1" dirty="0">
+              <a:solidFill>
+                <a:schemeClr val="bg1"/>
+              </a:solidFill>
+            </a:endParaRPr>
+          </a:p>
+          <a:p>
+            <a:pPr>
+              <a:lnSpc>
+                <a:spcPct val="150000"/>
+              </a:lnSpc>
+            </a:pPr>
+            <a:r>
+              <a:rPr lang="ja-JP" altLang="en-US" sz="4000" b="1" dirty="0" smtClean="0">
+                <a:solidFill>
+                  <a:schemeClr val="bg1"/>
+                </a:solidFill>
+              </a:rPr>
+              <a:t>▶ </a:t>
+            </a:r>
+            <a:r>
+              <a:rPr lang="ja-JP" altLang="en-US" sz="4000" b="1" dirty="0">
+                <a:solidFill>
+                  <a:schemeClr val="bg1"/>
+                </a:solidFill>
+              </a:rPr>
+              <a:t>ダメージ</a:t>
+            </a:r>
+            <a:r>
+              <a:rPr lang="ja-JP" altLang="en-US" sz="4000" b="1" dirty="0" smtClean="0">
+                <a:solidFill>
+                  <a:schemeClr val="bg1"/>
+                </a:solidFill>
+              </a:rPr>
+              <a:t>：なし</a:t>
+            </a:r>
+            <a:endParaRPr lang="en-US" altLang="ja-JP" sz="4000" b="1" dirty="0" smtClean="0">
+              <a:solidFill>
+                <a:schemeClr val="bg1"/>
+              </a:solidFill>
+            </a:endParaRPr>
+          </a:p>
+          <a:p>
+            <a:pPr>
+              <a:lnSpc>
+                <a:spcPct val="150000"/>
+              </a:lnSpc>
+            </a:pPr>
+            <a:r>
+              <a:rPr lang="ja-JP" altLang="en-US" sz="4000" b="1" dirty="0" smtClean="0">
+                <a:solidFill>
+                  <a:schemeClr val="bg1"/>
+                </a:solidFill>
+              </a:rPr>
+              <a:t>▶ </a:t>
+            </a:r>
+            <a:r>
+              <a:rPr lang="ja-JP" altLang="en-US" sz="4000" b="1" dirty="0" smtClean="0">
+                <a:solidFill>
+                  <a:schemeClr val="bg1"/>
+                </a:solidFill>
+              </a:rPr>
+              <a:t>効果範囲：中</a:t>
+            </a:r>
+            <a:endParaRPr kumimoji="1" lang="en-US" altLang="ja-JP" sz="4000" b="1" dirty="0" smtClean="0">
+              <a:solidFill>
+                <a:schemeClr val="bg1"/>
+              </a:solidFill>
+            </a:endParaRPr>
+          </a:p>
+        </p:txBody>
+      </p:sp>
+      <p:sp>
+        <p:nvSpPr>
+          <p:cNvPr id="12" name="テキスト ボックス 11"/>
+          <p:cNvSpPr txBox="1"/>
+          <p:nvPr/>
+        </p:nvSpPr>
+        <p:spPr>
+          <a:xfrm>
+            <a:off x="1125413" y="5522209"/>
+            <a:ext cx="8840882" cy="707886"/>
+          </a:xfrm>
+          <a:prstGeom prst="rect">
+            <a:avLst/>
+          </a:prstGeom>
+          <a:noFill/>
+        </p:spPr>
+        <p:txBody>
+          <a:bodyPr wrap="none" rtlCol="0">
+            <a:spAutoFit/>
+          </a:bodyPr>
+          <a:lstStyle/>
+          <a:p>
+            <a:r>
+              <a:rPr lang="ja-JP" altLang="en-US" sz="4000" b="1" dirty="0">
+                <a:solidFill>
+                  <a:srgbClr val="FF71CC"/>
+                </a:solidFill>
+              </a:rPr>
+              <a:t>特徴</a:t>
+            </a:r>
+            <a:r>
+              <a:rPr lang="ja-JP" altLang="en-US" sz="4000" b="1" dirty="0">
+                <a:solidFill>
+                  <a:schemeClr val="bg1"/>
+                </a:solidFill>
+              </a:rPr>
+              <a:t> </a:t>
+            </a:r>
+            <a:r>
+              <a:rPr lang="en-US" altLang="ja-JP" sz="4000" b="1" dirty="0" smtClean="0">
+                <a:solidFill>
+                  <a:schemeClr val="bg1"/>
+                </a:solidFill>
+              </a:rPr>
+              <a:t>: </a:t>
+            </a:r>
+            <a:r>
+              <a:rPr lang="ja-JP" altLang="en-US" sz="4000" b="1" dirty="0" smtClean="0">
+                <a:solidFill>
+                  <a:schemeClr val="bg1"/>
+                </a:solidFill>
+              </a:rPr>
+              <a:t>範囲内の味方の体力を回復する</a:t>
+            </a:r>
+            <a:endParaRPr lang="ja-JP" altLang="en-US" sz="4000" b="1" dirty="0">
+              <a:solidFill>
+                <a:schemeClr val="bg1"/>
+              </a:solidFill>
+            </a:endParaRPr>
+          </a:p>
+        </p:txBody>
+      </p:sp>
+      <p:pic>
+        <p:nvPicPr>
+          <p:cNvPr id="7" name="図 6"/>
+          <p:cNvPicPr>
+            <a:picLocks noChangeAspect="1"/>
+          </p:cNvPicPr>
+          <p:nvPr/>
+        </p:nvPicPr>
+        <p:blipFill>
+          <a:blip r:embed="rId3">
+            <a:extLst>
+              <a:ext uri="{28A0092B-C50C-407E-A947-70E740481C1C}">
+                <a14:useLocalDpi xmlns:a14="http://schemas.microsoft.com/office/drawing/2010/main" val="0"/>
+              </a:ext>
+            </a:extLst>
+          </a:blip>
+          <a:stretch>
+            <a:fillRect/>
+          </a:stretch>
+        </p:blipFill>
+        <p:spPr>
+          <a:xfrm>
+            <a:off x="1421378" y="2671442"/>
+            <a:ext cx="2438443" cy="2438443"/>
+          </a:xfrm>
+          <a:prstGeom prst="rect">
+            <a:avLst/>
+          </a:prstGeom>
+        </p:spPr>
+      </p:pic>
     </p:spTree>
     <p:extLst>
       <p:ext uri="{BB962C8B-B14F-4D97-AF65-F5344CB8AC3E}">
-        <p14:creationId xmlns:p14="http://schemas.microsoft.com/office/powerpoint/2010/main" val="1911524512"/>
-      </p:ext>
-    </p:extLst>
-  </p:cSld>
-  <p:clrMapOvr>
-    <a:masterClrMapping/>
-  </p:clrMapOvr>
-</p:sld>
-</file>
-
-<file path=ppt/slides/slide21.xml><?xml version="1.0" encoding="utf-8"?>
-<p:sld xmlns:a="http://schemas.openxmlformats.org/drawingml/2006/main" xmlns:r="http://schemas.openxmlformats.org/officeDocument/2006/relationships" xmlns:p="http://schemas.openxmlformats.org/presentationml/2006/main">
-  <p:cSld>
-    <p:spTree>
-      <p:nvGrpSpPr>
-        <p:cNvPr id="1" name=""/>
-        <p:cNvGrpSpPr/>
-        <p:nvPr/>
-      </p:nvGrpSpPr>
-      <p:grpSpPr>
-        <a:xfrm>
-          <a:off x="0" y="0"/>
-          <a:ext cx="0" cy="0"/>
-          <a:chOff x="0" y="0"/>
-          <a:chExt cx="0" cy="0"/>
-        </a:xfrm>
-      </p:grpSpPr>
-      <p:sp>
-        <p:nvSpPr>
-          <p:cNvPr id="2" name="正方形/長方形 1"/>
-          <p:cNvSpPr/>
-          <p:nvPr/>
-        </p:nvSpPr>
-        <p:spPr>
-          <a:xfrm>
-            <a:off x="0" y="0"/>
-            <a:ext cx="12192000" cy="6858000"/>
-          </a:xfrm>
-          <a:prstGeom prst="rect">
-            <a:avLst/>
-          </a:prstGeom>
-          <a:solidFill>
-            <a:schemeClr val="tx1"/>
-          </a:solidFill>
-        </p:spPr>
-        <p:style>
-          <a:lnRef idx="2">
-            <a:schemeClr val="accent1">
-              <a:shade val="50000"/>
-            </a:schemeClr>
-          </a:lnRef>
-          <a:fillRef idx="1">
-            <a:schemeClr val="accent1"/>
-          </a:fillRef>
-          <a:effectRef idx="0">
-            <a:schemeClr val="accent1"/>
-          </a:effectRef>
-          <a:fontRef idx="minor">
-            <a:schemeClr val="lt1"/>
-          </a:fontRef>
-        </p:style>
-        <p:txBody>
-          <a:bodyPr rtlCol="0" anchor="ctr"/>
-          <a:lstStyle/>
-          <a:p>
-            <a:pPr algn="ctr"/>
-            <a:endParaRPr kumimoji="1" lang="ja-JP" altLang="en-US" sz="2400" b="1" dirty="0"/>
-          </a:p>
-        </p:txBody>
-      </p:sp>
-    </p:spTree>
-    <p:extLst>
-      <p:ext uri="{BB962C8B-B14F-4D97-AF65-F5344CB8AC3E}">
-        <p14:creationId xmlns:p14="http://schemas.microsoft.com/office/powerpoint/2010/main" val="3813216455"/>
-      </p:ext>
-    </p:extLst>
-  </p:cSld>
-  <p:clrMapOvr>
-    <a:masterClrMapping/>
-  </p:clrMapOvr>
-</p:sld>
-</file>
-
-<file path=ppt/slides/slide22.xml><?xml version="1.0" encoding="utf-8"?>
-<p:sld xmlns:a="http://schemas.openxmlformats.org/drawingml/2006/main" xmlns:r="http://schemas.openxmlformats.org/officeDocument/2006/relationships" xmlns:p="http://schemas.openxmlformats.org/presentationml/2006/main">
-  <p:cSld>
-    <p:spTree>
-      <p:nvGrpSpPr>
-        <p:cNvPr id="1" name=""/>
-        <p:cNvGrpSpPr/>
-        <p:nvPr/>
-      </p:nvGrpSpPr>
-      <p:grpSpPr>
-        <a:xfrm>
-          <a:off x="0" y="0"/>
-          <a:ext cx="0" cy="0"/>
-          <a:chOff x="0" y="0"/>
-          <a:chExt cx="0" cy="0"/>
-        </a:xfrm>
-      </p:grpSpPr>
-      <p:sp>
-        <p:nvSpPr>
-          <p:cNvPr id="2" name="正方形/長方形 1"/>
-          <p:cNvSpPr/>
-          <p:nvPr/>
-        </p:nvSpPr>
-        <p:spPr>
-          <a:xfrm>
-            <a:off x="0" y="0"/>
-            <a:ext cx="12192000" cy="6858000"/>
-          </a:xfrm>
-          <a:prstGeom prst="rect">
-            <a:avLst/>
-          </a:prstGeom>
-          <a:solidFill>
-            <a:schemeClr val="tx1"/>
-          </a:solidFill>
-        </p:spPr>
-        <p:style>
-          <a:lnRef idx="2">
-            <a:schemeClr val="accent1">
-              <a:shade val="50000"/>
-            </a:schemeClr>
-          </a:lnRef>
-          <a:fillRef idx="1">
-            <a:schemeClr val="accent1"/>
-          </a:fillRef>
-          <a:effectRef idx="0">
-            <a:schemeClr val="accent1"/>
-          </a:effectRef>
-          <a:fontRef idx="minor">
-            <a:schemeClr val="lt1"/>
-          </a:fontRef>
-        </p:style>
-        <p:txBody>
-          <a:bodyPr rtlCol="0" anchor="ctr"/>
-          <a:lstStyle/>
-          <a:p>
-            <a:pPr algn="ctr"/>
-            <a:endParaRPr kumimoji="1" lang="ja-JP" altLang="en-US" sz="2400" b="1" dirty="0"/>
-          </a:p>
-        </p:txBody>
-      </p:sp>
-    </p:spTree>
-    <p:extLst>
-      <p:ext uri="{BB962C8B-B14F-4D97-AF65-F5344CB8AC3E}">
-        <p14:creationId xmlns:p14="http://schemas.microsoft.com/office/powerpoint/2010/main" val="1441432111"/>
-      </p:ext>
-    </p:extLst>
-  </p:cSld>
-  <p:clrMapOvr>
-    <a:masterClrMapping/>
-  </p:clrMapOvr>
-</p:sld>
-</file>
-
-<file path=ppt/slides/slide23.xml><?xml version="1.0" encoding="utf-8"?>
-<p:sld xmlns:a="http://schemas.openxmlformats.org/drawingml/2006/main" xmlns:r="http://schemas.openxmlformats.org/officeDocument/2006/relationships" xmlns:p="http://schemas.openxmlformats.org/presentationml/2006/main">
-  <p:cSld>
-    <p:spTree>
-      <p:nvGrpSpPr>
-        <p:cNvPr id="1" name=""/>
-        <p:cNvGrpSpPr/>
-        <p:nvPr/>
-      </p:nvGrpSpPr>
-      <p:grpSpPr>
-        <a:xfrm>
-          <a:off x="0" y="0"/>
-          <a:ext cx="0" cy="0"/>
-          <a:chOff x="0" y="0"/>
-          <a:chExt cx="0" cy="0"/>
-        </a:xfrm>
-      </p:grpSpPr>
-      <p:sp>
-        <p:nvSpPr>
-          <p:cNvPr id="2" name="正方形/長方形 1"/>
-          <p:cNvSpPr/>
-          <p:nvPr/>
-        </p:nvSpPr>
-        <p:spPr>
-          <a:xfrm>
-            <a:off x="0" y="0"/>
-            <a:ext cx="12192000" cy="6858000"/>
-          </a:xfrm>
-          <a:prstGeom prst="rect">
-            <a:avLst/>
-          </a:prstGeom>
-          <a:solidFill>
-            <a:schemeClr val="tx1"/>
-          </a:solidFill>
-        </p:spPr>
-        <p:style>
-          <a:lnRef idx="2">
-            <a:schemeClr val="accent1">
-              <a:shade val="50000"/>
-            </a:schemeClr>
-          </a:lnRef>
-          <a:fillRef idx="1">
-            <a:schemeClr val="accent1"/>
-          </a:fillRef>
-          <a:effectRef idx="0">
-            <a:schemeClr val="accent1"/>
-          </a:effectRef>
-          <a:fontRef idx="minor">
-            <a:schemeClr val="lt1"/>
-          </a:fontRef>
-        </p:style>
-        <p:txBody>
-          <a:bodyPr rtlCol="0" anchor="ctr"/>
-          <a:lstStyle/>
-          <a:p>
-            <a:pPr algn="ctr"/>
-            <a:endParaRPr kumimoji="1" lang="ja-JP" altLang="en-US" sz="2400" b="1" dirty="0"/>
-          </a:p>
-        </p:txBody>
-      </p:sp>
-    </p:spTree>
-    <p:extLst>
-      <p:ext uri="{BB962C8B-B14F-4D97-AF65-F5344CB8AC3E}">
-        <p14:creationId xmlns:p14="http://schemas.microsoft.com/office/powerpoint/2010/main" val="2004333507"/>
+        <p14:creationId xmlns:p14="http://schemas.microsoft.com/office/powerpoint/2010/main" val="1407678795"/>
       </p:ext>
     </p:extLst>
   </p:cSld>
@@ -6611,6 +8653,74 @@
           </a:fontRef>
         </p:style>
       </p:cxnSp>
+      <p:sp>
+        <p:nvSpPr>
+          <p:cNvPr id="4" name="テキスト ボックス 3"/>
+          <p:cNvSpPr txBox="1"/>
+          <p:nvPr/>
+        </p:nvSpPr>
+        <p:spPr>
+          <a:xfrm>
+            <a:off x="993530" y="1767006"/>
+            <a:ext cx="9777035" cy="2123658"/>
+          </a:xfrm>
+          <a:prstGeom prst="rect">
+            <a:avLst/>
+          </a:prstGeom>
+          <a:noFill/>
+        </p:spPr>
+        <p:txBody>
+          <a:bodyPr wrap="none" rtlCol="0">
+            <a:spAutoFit/>
+          </a:bodyPr>
+          <a:lstStyle/>
+          <a:p>
+            <a:r>
+              <a:rPr kumimoji="1" lang="ja-JP" altLang="en-US" sz="4400" b="1" dirty="0" smtClean="0">
+                <a:solidFill>
+                  <a:schemeClr val="bg1"/>
+                </a:solidFill>
+              </a:rPr>
+              <a:t>攻めてくる敵から自陣を守るため</a:t>
+            </a:r>
+            <a:endParaRPr kumimoji="1" lang="en-US" altLang="ja-JP" sz="4400" b="1" dirty="0" smtClean="0">
+              <a:solidFill>
+                <a:schemeClr val="bg1"/>
+              </a:solidFill>
+            </a:endParaRPr>
+          </a:p>
+          <a:p>
+            <a:r>
+              <a:rPr kumimoji="1" lang="ja-JP" altLang="en-US" sz="4400" b="1" dirty="0" smtClean="0">
+                <a:solidFill>
+                  <a:schemeClr val="bg1"/>
+                </a:solidFill>
+              </a:rPr>
+              <a:t>ユニットの特性やスキル、トラップを</a:t>
+            </a:r>
+            <a:endParaRPr kumimoji="1" lang="en-US" altLang="ja-JP" sz="4400" b="1" dirty="0" smtClean="0">
+              <a:solidFill>
+                <a:schemeClr val="bg1"/>
+              </a:solidFill>
+            </a:endParaRPr>
+          </a:p>
+          <a:p>
+            <a:r>
+              <a:rPr kumimoji="1" lang="ja-JP" altLang="en-US" sz="4400" b="1" dirty="0" smtClean="0">
+                <a:solidFill>
+                  <a:schemeClr val="bg1"/>
+                </a:solidFill>
+              </a:rPr>
+              <a:t>駆使して立ち向かおう！</a:t>
+            </a:r>
+            <a:endParaRPr lang="en-US" altLang="ja-JP" sz="4400" b="1" dirty="0">
+              <a:solidFill>
+                <a:schemeClr val="bg1"/>
+              </a:solidFill>
+            </a:endParaRPr>
+          </a:p>
+        </p:txBody>
+      </p:sp>
     </p:spTree>
     <p:extLst>
       <p:ext uri="{BB962C8B-B14F-4D97-AF65-F5344CB8AC3E}">
@@ -6693,7 +8803,7 @@
         <p:spPr>
           <a:xfrm>
             <a:off x="158261" y="136212"/>
-            <a:ext cx="7837402" cy="923330"/>
+            <a:ext cx="8533105" cy="923330"/>
           </a:xfrm>
           <a:prstGeom prst="rect">
             <a:avLst/>
@@ -6714,7 +8824,37 @@
                 <a:latin typeface="HGS明朝E" panose="02020900000000000000" pitchFamily="18" charset="-128"/>
                 <a:ea typeface="HGS明朝E" panose="02020900000000000000" pitchFamily="18" charset="-128"/>
               </a:rPr>
-              <a:t>ゲーム説明～勝利条件～</a:t>
+              <a:t>ゲーム</a:t>
+            </a:r>
+            <a:r>
+              <a:rPr lang="ja-JP" altLang="en-US" sz="5400" b="1" dirty="0" smtClean="0">
+                <a:solidFill>
+                  <a:schemeClr val="bg1"/>
+                </a:solidFill>
+                <a:latin typeface="HGS明朝E" panose="02020900000000000000" pitchFamily="18" charset="-128"/>
+                <a:ea typeface="HGS明朝E" panose="02020900000000000000" pitchFamily="18" charset="-128"/>
+              </a:rPr>
+              <a:t>説明～難易度</a:t>
+            </a:r>
+            <a:r>
+              <a:rPr lang="ja-JP" altLang="en-US" sz="5400" b="1" dirty="0">
+                <a:solidFill>
+                  <a:schemeClr val="bg1"/>
+                </a:solidFill>
+                <a:latin typeface="HGS明朝E" panose="02020900000000000000" pitchFamily="18" charset="-128"/>
+                <a:ea typeface="HGS明朝E" panose="02020900000000000000" pitchFamily="18" charset="-128"/>
+              </a:rPr>
+              <a:t>説明</a:t>
+            </a:r>
+            <a:r>
+              <a:rPr lang="ja-JP" altLang="en-US" sz="5400" b="1" dirty="0" smtClean="0">
+                <a:solidFill>
+                  <a:schemeClr val="bg1"/>
+                </a:solidFill>
+                <a:latin typeface="HGS明朝E" panose="02020900000000000000" pitchFamily="18" charset="-128"/>
+                <a:ea typeface="HGS明朝E" panose="02020900000000000000" pitchFamily="18" charset="-128"/>
+              </a:rPr>
+              <a:t>～</a:t>
             </a:r>
             <a:endParaRPr kumimoji="1" lang="ja-JP" altLang="en-US" sz="5400" b="1" dirty="0">
               <a:solidFill>
@@ -6769,8 +8909,8 @@
         </p:nvSpPr>
         <p:spPr>
           <a:xfrm>
-            <a:off x="404446" y="1670502"/>
-            <a:ext cx="5262979" cy="2800767"/>
+            <a:off x="562708" y="1536174"/>
+            <a:ext cx="5505033" cy="5016758"/>
           </a:xfrm>
           <a:prstGeom prst="rect">
             <a:avLst/>
@@ -6783,40 +8923,122 @@
           </a:bodyPr>
           <a:lstStyle/>
           <a:p>
+            <a:r>
+              <a:rPr kumimoji="1" lang="ja-JP" altLang="en-US" sz="4000" b="1" dirty="0" smtClean="0">
+                <a:solidFill>
+                  <a:schemeClr val="bg1"/>
+                </a:solidFill>
+              </a:rPr>
+              <a:t>ゲームの難易度は</a:t>
+            </a:r>
+            <a:endParaRPr kumimoji="1" lang="en-US" altLang="ja-JP" sz="4000" b="1" dirty="0" smtClean="0">
+              <a:solidFill>
+                <a:schemeClr val="bg1"/>
+              </a:solidFill>
+            </a:endParaRPr>
+          </a:p>
+          <a:p>
             <a:pPr>
               <a:lnSpc>
-                <a:spcPct val="200000"/>
+                <a:spcPct val="150000"/>
               </a:lnSpc>
             </a:pPr>
             <a:r>
-              <a:rPr kumimoji="1" lang="ja-JP" altLang="en-US" sz="4400" b="1" dirty="0" smtClean="0">
-                <a:solidFill>
-                  <a:schemeClr val="bg1"/>
-                </a:solidFill>
-              </a:rPr>
-              <a:t>・敵ユニットの殲滅</a:t>
-            </a:r>
-            <a:endParaRPr kumimoji="1" lang="en-US" altLang="ja-JP" sz="4400" b="1" dirty="0" smtClean="0">
-              <a:solidFill>
-                <a:schemeClr val="bg1"/>
-              </a:solidFill>
-            </a:endParaRPr>
+              <a:rPr lang="en-US" altLang="ja-JP" sz="4000" b="1" dirty="0" smtClean="0">
+                <a:solidFill>
+                  <a:srgbClr val="92D050"/>
+                </a:solidFill>
+              </a:rPr>
+              <a:t>Easy</a:t>
+            </a:r>
           </a:p>
           <a:p>
             <a:pPr>
               <a:lnSpc>
-                <a:spcPct val="200000"/>
+                <a:spcPct val="150000"/>
               </a:lnSpc>
             </a:pPr>
             <a:r>
-              <a:rPr kumimoji="1" lang="ja-JP" altLang="en-US" sz="4400" b="1" dirty="0" smtClean="0">
-                <a:solidFill>
-                  <a:schemeClr val="bg1"/>
-                </a:solidFill>
-              </a:rPr>
-              <a:t>・制限時間内の防衛</a:t>
-            </a:r>
-            <a:endParaRPr kumimoji="1" lang="ja-JP" altLang="en-US" sz="4400" b="1" dirty="0">
+              <a:rPr lang="en-US" altLang="ja-JP" sz="4000" b="1" dirty="0">
+                <a:solidFill>
+                  <a:srgbClr val="FFFF00"/>
+                </a:solidFill>
+              </a:rPr>
+              <a:t>N</a:t>
+            </a:r>
+            <a:r>
+              <a:rPr kumimoji="1" lang="en-US" altLang="ja-JP" sz="4000" b="1" dirty="0" smtClean="0">
+                <a:solidFill>
+                  <a:srgbClr val="FFFF00"/>
+                </a:solidFill>
+              </a:rPr>
+              <a:t>ormal</a:t>
+            </a:r>
+          </a:p>
+          <a:p>
+            <a:pPr>
+              <a:lnSpc>
+                <a:spcPct val="150000"/>
+              </a:lnSpc>
+            </a:pPr>
+            <a:r>
+              <a:rPr kumimoji="1" lang="en-US" altLang="ja-JP" sz="4000" b="1" dirty="0" smtClean="0">
+                <a:solidFill>
+                  <a:srgbClr val="FF0000"/>
+                </a:solidFill>
+              </a:rPr>
+              <a:t>Hard</a:t>
+            </a:r>
+          </a:p>
+          <a:p>
+            <a:pPr>
+              <a:lnSpc>
+                <a:spcPct val="150000"/>
+              </a:lnSpc>
+            </a:pPr>
+            <a:r>
+              <a:rPr lang="en-US" altLang="ja-JP" sz="4000" b="1" dirty="0" smtClean="0">
+                <a:solidFill>
+                  <a:srgbClr val="0070C0"/>
+                </a:solidFill>
+              </a:rPr>
+              <a:t>Custom</a:t>
+            </a:r>
+          </a:p>
+          <a:p>
+            <a:r>
+              <a:rPr kumimoji="1" lang="en-US" altLang="ja-JP" sz="4000" b="1" dirty="0" smtClean="0">
+                <a:solidFill>
+                  <a:schemeClr val="bg1"/>
+                </a:solidFill>
+              </a:rPr>
+              <a:t>	</a:t>
+            </a:r>
+            <a:r>
+              <a:rPr kumimoji="1" lang="ja-JP" altLang="en-US" sz="4000" b="1" dirty="0" smtClean="0">
+                <a:solidFill>
+                  <a:schemeClr val="bg1"/>
+                </a:solidFill>
+              </a:rPr>
+              <a:t>の</a:t>
+            </a:r>
+            <a:r>
+              <a:rPr kumimoji="1" lang="en-US" altLang="ja-JP" sz="4000" b="1" dirty="0" smtClean="0">
+                <a:solidFill>
+                  <a:schemeClr val="bg1"/>
+                </a:solidFill>
+              </a:rPr>
+              <a:t>4</a:t>
+            </a:r>
+            <a:r>
+              <a:rPr kumimoji="1" lang="ja-JP" altLang="en-US" sz="4000" b="1" dirty="0" smtClean="0">
+                <a:solidFill>
+                  <a:schemeClr val="bg1"/>
+                </a:solidFill>
+              </a:rPr>
+              <a:t>種類あります。</a:t>
+            </a:r>
+            <a:endParaRPr kumimoji="1" lang="ja-JP" altLang="en-US" sz="4000" b="1" dirty="0">
               <a:solidFill>
                 <a:schemeClr val="bg1"/>
               </a:solidFill>
@@ -6832,8 +9054,8 @@
         </p:nvSpPr>
         <p:spPr>
           <a:xfrm>
-            <a:off x="5213838" y="4946016"/>
-            <a:ext cx="6391493" cy="769441"/>
+            <a:off x="5917223" y="1536174"/>
+            <a:ext cx="3139001" cy="707886"/>
           </a:xfrm>
           <a:prstGeom prst="rect">
             <a:avLst/>
@@ -6847,14 +9069,153 @@
           <a:lstStyle/>
           <a:p>
             <a:r>
-              <a:rPr kumimoji="1" lang="ja-JP" altLang="en-US" sz="4400" b="1" dirty="0" smtClean="0">
-                <a:solidFill>
-                  <a:schemeClr val="bg1"/>
-                </a:solidFill>
-              </a:rPr>
-              <a:t>で自陣営の勝利です！！</a:t>
-            </a:r>
-            <a:endParaRPr kumimoji="1" lang="ja-JP" altLang="en-US" sz="4400" b="1" dirty="0">
+              <a:rPr lang="en-US" altLang="ja-JP" sz="4000" b="1" dirty="0" smtClean="0">
+                <a:solidFill>
+                  <a:srgbClr val="0070C0"/>
+                </a:solidFill>
+              </a:rPr>
+              <a:t>C</a:t>
+            </a:r>
+            <a:r>
+              <a:rPr kumimoji="1" lang="en-US" altLang="ja-JP" sz="4000" b="1" dirty="0" smtClean="0">
+                <a:solidFill>
+                  <a:srgbClr val="0070C0"/>
+                </a:solidFill>
+              </a:rPr>
+              <a:t>ustom</a:t>
+            </a:r>
+            <a:r>
+              <a:rPr lang="ja-JP" altLang="en-US" sz="4000" b="1" dirty="0" smtClean="0">
+                <a:solidFill>
+                  <a:schemeClr val="bg1"/>
+                </a:solidFill>
+              </a:rPr>
+              <a:t>と</a:t>
+            </a:r>
+            <a:r>
+              <a:rPr lang="ja-JP" altLang="en-US" sz="4000" b="1" dirty="0">
+                <a:solidFill>
+                  <a:schemeClr val="bg1"/>
+                </a:solidFill>
+              </a:rPr>
+              <a:t>は</a:t>
+            </a:r>
+            <a:endParaRPr kumimoji="1" lang="ja-JP" altLang="en-US" sz="4000" b="1" dirty="0">
+              <a:solidFill>
+                <a:schemeClr val="bg1"/>
+              </a:solidFill>
+            </a:endParaRPr>
+          </a:p>
+        </p:txBody>
+      </p:sp>
+      <p:sp>
+        <p:nvSpPr>
+          <p:cNvPr id="7" name="テキスト ボックス 6"/>
+          <p:cNvSpPr txBox="1"/>
+          <p:nvPr/>
+        </p:nvSpPr>
+        <p:spPr>
+          <a:xfrm>
+            <a:off x="6216252" y="2329832"/>
+            <a:ext cx="5827236" cy="2554545"/>
+          </a:xfrm>
+          <a:prstGeom prst="rect">
+            <a:avLst/>
+          </a:prstGeom>
+          <a:noFill/>
+        </p:spPr>
+        <p:txBody>
+          <a:bodyPr wrap="none" rtlCol="0">
+            <a:spAutoFit/>
+          </a:bodyPr>
+          <a:lstStyle/>
+          <a:p>
+            <a:r>
+              <a:rPr kumimoji="1" lang="ja-JP" altLang="en-US" sz="4000" b="1" dirty="0" smtClean="0">
+                <a:solidFill>
+                  <a:schemeClr val="bg1"/>
+                </a:solidFill>
+              </a:rPr>
+              <a:t>自分で</a:t>
+            </a:r>
+            <a:r>
+              <a:rPr lang="ja-JP" altLang="en-US" sz="4000" b="1" dirty="0" smtClean="0">
+                <a:solidFill>
+                  <a:schemeClr val="bg1"/>
+                </a:solidFill>
+              </a:rPr>
+              <a:t>マップを作って</a:t>
+            </a:r>
+            <a:endParaRPr lang="en-US" altLang="ja-JP" sz="4000" b="1" dirty="0" smtClean="0">
+              <a:solidFill>
+                <a:schemeClr val="bg1"/>
+              </a:solidFill>
+            </a:endParaRPr>
+          </a:p>
+          <a:p>
+            <a:r>
+              <a:rPr lang="ja-JP" altLang="en-US" sz="4000" b="1" dirty="0" smtClean="0">
+                <a:solidFill>
+                  <a:schemeClr val="bg1"/>
+                </a:solidFill>
+              </a:rPr>
+              <a:t>遊べたり、</a:t>
+            </a:r>
+            <a:endParaRPr lang="en-US" altLang="ja-JP" sz="4000" b="1" dirty="0" smtClean="0">
+              <a:solidFill>
+                <a:schemeClr val="bg1"/>
+              </a:solidFill>
+            </a:endParaRPr>
+          </a:p>
+          <a:p>
+            <a:r>
+              <a:rPr kumimoji="1" lang="ja-JP" altLang="en-US" sz="4000" b="1" dirty="0">
+                <a:solidFill>
+                  <a:schemeClr val="bg1"/>
+                </a:solidFill>
+              </a:rPr>
+              <a:t>他</a:t>
+            </a:r>
+            <a:r>
+              <a:rPr kumimoji="1" lang="ja-JP" altLang="en-US" sz="4000" b="1" dirty="0" smtClean="0">
+                <a:solidFill>
+                  <a:schemeClr val="bg1"/>
+                </a:solidFill>
+              </a:rPr>
+              <a:t>の</a:t>
+            </a:r>
+            <a:r>
+              <a:rPr kumimoji="1" lang="ja-JP" altLang="en-US" sz="4000" b="1" dirty="0">
+                <a:solidFill>
+                  <a:schemeClr val="bg1"/>
+                </a:solidFill>
+              </a:rPr>
+              <a:t>人</a:t>
+            </a:r>
+            <a:r>
+              <a:rPr kumimoji="1" lang="ja-JP" altLang="en-US" sz="4000" b="1" dirty="0" smtClean="0">
+                <a:solidFill>
+                  <a:schemeClr val="bg1"/>
+                </a:solidFill>
+              </a:rPr>
+              <a:t>が作ったマップを</a:t>
+            </a:r>
+            <a:endParaRPr kumimoji="1" lang="en-US" altLang="ja-JP" sz="4000" b="1" dirty="0" smtClean="0">
+              <a:solidFill>
+                <a:schemeClr val="bg1"/>
+              </a:solidFill>
+            </a:endParaRPr>
+          </a:p>
+          <a:p>
+            <a:r>
+              <a:rPr kumimoji="1" lang="ja-JP" altLang="en-US" sz="4000" b="1" dirty="0" smtClean="0">
+                <a:solidFill>
+                  <a:schemeClr val="bg1"/>
+                </a:solidFill>
+              </a:rPr>
+              <a:t>遊べるものになります。</a:t>
+            </a:r>
+            <a:endParaRPr kumimoji="1" lang="ja-JP" altLang="en-US" sz="4000" b="1" dirty="0">
               <a:solidFill>
                 <a:schemeClr val="bg1"/>
               </a:solidFill>
@@ -6865,7 +9226,7 @@
     </p:spTree>
     <p:extLst>
       <p:ext uri="{BB962C8B-B14F-4D97-AF65-F5344CB8AC3E}">
-        <p14:creationId xmlns:p14="http://schemas.microsoft.com/office/powerpoint/2010/main" val="3542532238"/>
+        <p14:creationId xmlns:p14="http://schemas.microsoft.com/office/powerpoint/2010/main" val="588110955"/>
       </p:ext>
     </p:extLst>
   </p:cSld>
@@ -6968,56 +9329,16 @@
               <a:t>ゲーム</a:t>
             </a:r>
             <a:r>
-              <a:rPr lang="ja-JP" altLang="en-US" sz="5400" b="1" dirty="0">
+              <a:rPr lang="ja-JP" altLang="en-US" sz="5400" b="1" dirty="0" smtClean="0">
                 <a:solidFill>
                   <a:schemeClr val="bg1"/>
                 </a:solidFill>
                 <a:latin typeface="HGS明朝E" panose="02020900000000000000" pitchFamily="18" charset="-128"/>
                 <a:ea typeface="HGS明朝E" panose="02020900000000000000" pitchFamily="18" charset="-128"/>
               </a:rPr>
-              <a:t>説明</a:t>
-            </a:r>
-            <a:r>
-              <a:rPr lang="ja-JP" altLang="en-US" sz="5400" b="1" dirty="0" smtClean="0">
-                <a:solidFill>
-                  <a:schemeClr val="bg1"/>
-                </a:solidFill>
-                <a:latin typeface="HGS明朝E" panose="02020900000000000000" pitchFamily="18" charset="-128"/>
-                <a:ea typeface="HGS明朝E" panose="02020900000000000000" pitchFamily="18" charset="-128"/>
-              </a:rPr>
-              <a:t>～</a:t>
-            </a:r>
-            <a:r>
-              <a:rPr lang="ja-JP" altLang="en-US" sz="5400" b="1" dirty="0">
-                <a:solidFill>
-                  <a:schemeClr val="bg1"/>
-                </a:solidFill>
-                <a:latin typeface="HGS明朝E" panose="02020900000000000000" pitchFamily="18" charset="-128"/>
-                <a:ea typeface="HGS明朝E" panose="02020900000000000000" pitchFamily="18" charset="-128"/>
-              </a:rPr>
-              <a:t>敗北</a:t>
-            </a:r>
-            <a:r>
-              <a:rPr lang="ja-JP" altLang="en-US" sz="5400" b="1" dirty="0" smtClean="0">
-                <a:solidFill>
-                  <a:schemeClr val="bg1"/>
-                </a:solidFill>
-                <a:latin typeface="HGS明朝E" panose="02020900000000000000" pitchFamily="18" charset="-128"/>
-                <a:ea typeface="HGS明朝E" panose="02020900000000000000" pitchFamily="18" charset="-128"/>
-              </a:rPr>
-              <a:t>条件</a:t>
-            </a:r>
-            <a:r>
-              <a:rPr lang="ja-JP" altLang="en-US" sz="5400" b="1" dirty="0">
-                <a:solidFill>
-                  <a:schemeClr val="bg1"/>
-                </a:solidFill>
-                <a:latin typeface="HGS明朝E" panose="02020900000000000000" pitchFamily="18" charset="-128"/>
-                <a:ea typeface="HGS明朝E" panose="02020900000000000000" pitchFamily="18" charset="-128"/>
-              </a:rPr>
-              <a:t>～</a:t>
-            </a:r>
-            <a:endParaRPr lang="ja-JP" altLang="en-US" sz="5400" b="1" dirty="0">
+              <a:t>説明～画面説明～</a:t>
+            </a:r>
+            <a:endParaRPr kumimoji="1" lang="ja-JP" altLang="en-US" sz="5400" b="1" dirty="0">
               <a:solidFill>
                 <a:schemeClr val="bg1"/>
               </a:solidFill>
@@ -7062,16 +9383,46 @@
           </a:fontRef>
         </p:style>
       </p:cxnSp>
-      <p:sp>
-        <p:nvSpPr>
-          <p:cNvPr id="4" name="テキスト ボックス 3"/>
+      <p:pic>
+        <p:nvPicPr>
+          <p:cNvPr id="4" name="図 3"/>
+          <p:cNvPicPr>
+            <a:picLocks noChangeAspect="1"/>
+          </p:cNvPicPr>
+          <p:nvPr/>
+        </p:nvPicPr>
+        <p:blipFill>
+          <a:blip r:embed="rId2">
+            <a:extLst>
+              <a:ext uri="{28A0092B-C50C-407E-A947-70E740481C1C}">
+                <a14:useLocalDpi xmlns:a14="http://schemas.microsoft.com/office/drawing/2010/main" val="0"/>
+              </a:ext>
+            </a:extLst>
+          </a:blip>
+          <a:stretch>
+            <a:fillRect/>
+          </a:stretch>
+        </p:blipFill>
+        <p:spPr>
+          <a:xfrm>
+            <a:off x="2927306" y="2602523"/>
+            <a:ext cx="5400181" cy="3375113"/>
+          </a:xfrm>
+          <a:prstGeom prst="rect">
+            <a:avLst/>
+          </a:prstGeom>
+        </p:spPr>
+      </p:pic>
+      <p:sp>
+        <p:nvSpPr>
+          <p:cNvPr id="7" name="テキスト ボックス 6"/>
           <p:cNvSpPr txBox="1"/>
           <p:nvPr/>
         </p:nvSpPr>
         <p:spPr>
           <a:xfrm>
-            <a:off x="158261" y="2391510"/>
-            <a:ext cx="7520007" cy="769441"/>
+            <a:off x="9263715" y="2767280"/>
+            <a:ext cx="2236510" cy="1323439"/>
           </a:xfrm>
           <a:prstGeom prst="rect">
             <a:avLst/>
@@ -7085,47 +9436,76 @@
           <a:lstStyle/>
           <a:p>
             <a:r>
-              <a:rPr kumimoji="1" lang="ja-JP" altLang="en-US" sz="4400" b="1" dirty="0" smtClean="0">
-                <a:solidFill>
-                  <a:schemeClr val="bg1"/>
-                </a:solidFill>
-              </a:rPr>
-              <a:t>・自陣営の耐久値が</a:t>
-            </a:r>
-            <a:r>
-              <a:rPr lang="ja-JP" altLang="en-US" sz="4400" b="1" dirty="0" smtClean="0">
-                <a:solidFill>
-                  <a:schemeClr val="bg1"/>
-                </a:solidFill>
-              </a:rPr>
-              <a:t>なくな</a:t>
-            </a:r>
-            <a:r>
-              <a:rPr lang="ja-JP" altLang="en-US" sz="4400" b="1" dirty="0">
-                <a:solidFill>
-                  <a:schemeClr val="bg1"/>
-                </a:solidFill>
-              </a:rPr>
-              <a:t>る</a:t>
-            </a:r>
-            <a:endParaRPr kumimoji="1" lang="ja-JP" altLang="en-US" sz="4400" b="1" dirty="0">
+              <a:rPr kumimoji="1" lang="ja-JP" altLang="en-US" sz="2000" b="1" dirty="0" smtClean="0">
+                <a:solidFill>
+                  <a:schemeClr val="bg1"/>
+                </a:solidFill>
+              </a:rPr>
+              <a:t>ユニットの情報が</a:t>
+            </a:r>
+            <a:endParaRPr kumimoji="1" lang="en-US" altLang="ja-JP" sz="2000" b="1" dirty="0" smtClean="0">
               <a:solidFill>
                 <a:schemeClr val="bg1"/>
               </a:solidFill>
             </a:endParaRPr>
           </a:p>
-        </p:txBody>
-      </p:sp>
-      <p:sp>
-        <p:nvSpPr>
-          <p:cNvPr id="6" name="テキスト ボックス 5"/>
+          <a:p>
+            <a:r>
+              <a:rPr kumimoji="1" lang="ja-JP" altLang="en-US" sz="2000" b="1" dirty="0" smtClean="0">
+                <a:solidFill>
+                  <a:schemeClr val="bg1"/>
+                </a:solidFill>
+              </a:rPr>
+              <a:t>載っており</a:t>
+            </a:r>
+            <a:endParaRPr kumimoji="1" lang="en-US" altLang="ja-JP" sz="2000" b="1" dirty="0" smtClean="0">
+              <a:solidFill>
+                <a:schemeClr val="bg1"/>
+              </a:solidFill>
+            </a:endParaRPr>
+          </a:p>
+          <a:p>
+            <a:r>
+              <a:rPr lang="ja-JP" altLang="en-US" sz="2000" b="1" dirty="0" smtClean="0">
+                <a:solidFill>
+                  <a:schemeClr val="bg1"/>
+                </a:solidFill>
+              </a:rPr>
+              <a:t>ここでユニットの</a:t>
+            </a:r>
+            <a:endParaRPr lang="en-US" altLang="ja-JP" sz="2000" b="1" dirty="0" smtClean="0">
+              <a:solidFill>
+                <a:schemeClr val="bg1"/>
+              </a:solidFill>
+            </a:endParaRPr>
+          </a:p>
+          <a:p>
+            <a:r>
+              <a:rPr lang="ja-JP" altLang="en-US" sz="2000" b="1" dirty="0" smtClean="0">
+                <a:solidFill>
+                  <a:schemeClr val="bg1"/>
+                </a:solidFill>
+              </a:rPr>
+              <a:t>強化等ができる</a:t>
+            </a:r>
+            <a:endParaRPr kumimoji="1" lang="ja-JP" altLang="en-US" sz="2000" b="1" dirty="0">
+              <a:solidFill>
+                <a:schemeClr val="bg1"/>
+              </a:solidFill>
+            </a:endParaRPr>
+          </a:p>
+        </p:txBody>
+      </p:sp>
+      <p:sp>
+        <p:nvSpPr>
+          <p:cNvPr id="8" name="テキスト ボックス 7"/>
           <p:cNvSpPr txBox="1"/>
           <p:nvPr/>
         </p:nvSpPr>
         <p:spPr>
           <a:xfrm>
-            <a:off x="7262447" y="4800600"/>
-            <a:ext cx="3570208" cy="769441"/>
+            <a:off x="4677509" y="1645249"/>
+            <a:ext cx="1723549" cy="400110"/>
           </a:xfrm>
           <a:prstGeom prst="rect">
             <a:avLst/>
@@ -7139,33 +9519,318 @@
           <a:lstStyle/>
           <a:p>
             <a:r>
-              <a:rPr lang="ja-JP" altLang="en-US" sz="4400" b="1" dirty="0" smtClean="0">
-                <a:solidFill>
-                  <a:schemeClr val="bg1"/>
-                </a:solidFill>
-              </a:rPr>
-              <a:t>と敗北です</a:t>
-            </a:r>
-            <a:r>
-              <a:rPr lang="en-US" altLang="ja-JP" sz="4400" b="1" dirty="0" smtClean="0">
-                <a:solidFill>
-                  <a:schemeClr val="bg1"/>
-                </a:solidFill>
-              </a:rPr>
-              <a:t>…</a:t>
-            </a:r>
-            <a:endParaRPr kumimoji="1" lang="ja-JP" altLang="en-US" sz="4400" b="1" dirty="0">
+              <a:rPr kumimoji="1" lang="ja-JP" altLang="en-US" sz="2000" b="1" dirty="0" smtClean="0">
+                <a:solidFill>
+                  <a:schemeClr val="bg1"/>
+                </a:solidFill>
+              </a:rPr>
+              <a:t>残りのコスト</a:t>
+            </a:r>
+            <a:endParaRPr kumimoji="1" lang="ja-JP" altLang="en-US" sz="2000" b="1" dirty="0">
               <a:solidFill>
                 <a:schemeClr val="bg1"/>
               </a:solidFill>
             </a:endParaRPr>
+          </a:p>
+        </p:txBody>
+      </p:sp>
+      <p:sp>
+        <p:nvSpPr>
+          <p:cNvPr id="9" name="テキスト ボックス 8"/>
+          <p:cNvSpPr txBox="1"/>
+          <p:nvPr/>
+        </p:nvSpPr>
+        <p:spPr>
+          <a:xfrm>
+            <a:off x="4677509" y="6450699"/>
+            <a:ext cx="3262432" cy="400110"/>
+          </a:xfrm>
+          <a:prstGeom prst="rect">
+            <a:avLst/>
+          </a:prstGeom>
+          <a:noFill/>
+        </p:spPr>
+        <p:txBody>
+          <a:bodyPr wrap="none" rtlCol="0">
+            <a:spAutoFit/>
+          </a:bodyPr>
+          <a:lstStyle/>
+          <a:p>
+            <a:r>
+              <a:rPr lang="ja-JP" altLang="en-US" sz="2000" b="1" dirty="0" smtClean="0">
+                <a:solidFill>
+                  <a:schemeClr val="bg1"/>
+                </a:solidFill>
+              </a:rPr>
+              <a:t>マップの拡大縮小ができる</a:t>
+            </a:r>
+            <a:endParaRPr kumimoji="1" lang="ja-JP" altLang="en-US" sz="2000" b="1" dirty="0">
+              <a:solidFill>
+                <a:schemeClr val="bg1"/>
+              </a:solidFill>
+            </a:endParaRPr>
+          </a:p>
+        </p:txBody>
+      </p:sp>
+      <p:sp>
+        <p:nvSpPr>
+          <p:cNvPr id="10" name="テキスト ボックス 9"/>
+          <p:cNvSpPr txBox="1"/>
+          <p:nvPr/>
+        </p:nvSpPr>
+        <p:spPr>
+          <a:xfrm>
+            <a:off x="222682" y="3523557"/>
+            <a:ext cx="2236510" cy="1323439"/>
+          </a:xfrm>
+          <a:prstGeom prst="rect">
+            <a:avLst/>
+          </a:prstGeom>
+          <a:noFill/>
+        </p:spPr>
+        <p:txBody>
+          <a:bodyPr wrap="none" rtlCol="0">
+            <a:spAutoFit/>
+          </a:bodyPr>
+          <a:lstStyle/>
+          <a:p>
+            <a:r>
+              <a:rPr kumimoji="1" lang="ja-JP" altLang="en-US" sz="2000" b="1" dirty="0" smtClean="0">
+                <a:solidFill>
+                  <a:schemeClr val="bg1"/>
+                </a:solidFill>
+              </a:rPr>
+              <a:t>ゲーム画面</a:t>
+            </a:r>
+            <a:endParaRPr kumimoji="1" lang="en-US" altLang="ja-JP" sz="2000" b="1" dirty="0" smtClean="0">
+              <a:solidFill>
+                <a:schemeClr val="bg1"/>
+              </a:solidFill>
+            </a:endParaRPr>
+          </a:p>
+          <a:p>
+            <a:r>
+              <a:rPr lang="ja-JP" altLang="en-US" sz="2000" b="1" dirty="0" smtClean="0">
+                <a:solidFill>
+                  <a:schemeClr val="bg1"/>
+                </a:solidFill>
+              </a:rPr>
+              <a:t>ユニットの配置や</a:t>
+            </a:r>
+            <a:endParaRPr lang="en-US" altLang="ja-JP" sz="2000" b="1" dirty="0" smtClean="0">
+              <a:solidFill>
+                <a:schemeClr val="bg1"/>
+              </a:solidFill>
+            </a:endParaRPr>
+          </a:p>
+          <a:p>
+            <a:r>
+              <a:rPr lang="ja-JP" altLang="en-US" sz="2000" b="1" dirty="0" smtClean="0">
+                <a:solidFill>
+                  <a:schemeClr val="bg1"/>
+                </a:solidFill>
+              </a:rPr>
+              <a:t>スキルの発動は</a:t>
+            </a:r>
+            <a:endParaRPr lang="en-US" altLang="ja-JP" sz="2000" b="1" dirty="0" smtClean="0">
+              <a:solidFill>
+                <a:schemeClr val="bg1"/>
+              </a:solidFill>
+            </a:endParaRPr>
+          </a:p>
+          <a:p>
+            <a:r>
+              <a:rPr kumimoji="1" lang="ja-JP" altLang="en-US" sz="2000" b="1" dirty="0" smtClean="0">
+                <a:solidFill>
+                  <a:schemeClr val="bg1"/>
+                </a:solidFill>
+              </a:rPr>
+              <a:t>ここで行う</a:t>
+            </a:r>
+            <a:endParaRPr kumimoji="1" lang="ja-JP" altLang="en-US" sz="2000" b="1" dirty="0">
+              <a:solidFill>
+                <a:schemeClr val="bg1"/>
+              </a:solidFill>
+            </a:endParaRPr>
+          </a:p>
+        </p:txBody>
+      </p:sp>
+      <p:sp>
+        <p:nvSpPr>
+          <p:cNvPr id="13" name="右矢印 12"/>
+          <p:cNvSpPr/>
+          <p:nvPr/>
+        </p:nvSpPr>
+        <p:spPr>
+          <a:xfrm>
+            <a:off x="2611315" y="4090719"/>
+            <a:ext cx="1002323" cy="270266"/>
+          </a:xfrm>
+          <a:prstGeom prst="rightArrow">
+            <a:avLst/>
+          </a:prstGeom>
+          <a:solidFill>
+            <a:schemeClr val="bg1"/>
+          </a:solidFill>
+        </p:spPr>
+        <p:style>
+          <a:lnRef idx="2">
+            <a:schemeClr val="accent1">
+              <a:shade val="50000"/>
+            </a:schemeClr>
+          </a:lnRef>
+          <a:fillRef idx="1">
+            <a:schemeClr val="accent1"/>
+          </a:fillRef>
+          <a:effectRef idx="0">
+            <a:schemeClr val="accent1"/>
+          </a:effectRef>
+          <a:fontRef idx="minor">
+            <a:schemeClr val="lt1"/>
+          </a:fontRef>
+        </p:style>
+        <p:txBody>
+          <a:bodyPr rtlCol="0" anchor="ctr"/>
+          <a:lstStyle/>
+          <a:p>
+            <a:pPr algn="ctr"/>
+            <a:endParaRPr kumimoji="1" lang="ja-JP" altLang="en-US"/>
+          </a:p>
+        </p:txBody>
+      </p:sp>
+      <p:sp>
+        <p:nvSpPr>
+          <p:cNvPr id="14" name="右矢印 13"/>
+          <p:cNvSpPr/>
+          <p:nvPr/>
+        </p:nvSpPr>
+        <p:spPr>
+          <a:xfrm rot="5400000">
+            <a:off x="5217058" y="2143320"/>
+            <a:ext cx="512627" cy="272881"/>
+          </a:xfrm>
+          <a:prstGeom prst="rightArrow">
+            <a:avLst/>
+          </a:prstGeom>
+          <a:solidFill>
+            <a:schemeClr val="bg1"/>
+          </a:solidFill>
+        </p:spPr>
+        <p:style>
+          <a:lnRef idx="2">
+            <a:schemeClr val="accent1">
+              <a:shade val="50000"/>
+            </a:schemeClr>
+          </a:lnRef>
+          <a:fillRef idx="1">
+            <a:schemeClr val="accent1"/>
+          </a:fillRef>
+          <a:effectRef idx="0">
+            <a:schemeClr val="accent1"/>
+          </a:effectRef>
+          <a:fontRef idx="minor">
+            <a:schemeClr val="lt1"/>
+          </a:fontRef>
+        </p:style>
+        <p:txBody>
+          <a:bodyPr rtlCol="0" anchor="ctr"/>
+          <a:lstStyle/>
+          <a:p>
+            <a:pPr algn="ctr"/>
+            <a:endParaRPr kumimoji="1" lang="ja-JP" altLang="en-US"/>
+          </a:p>
+        </p:txBody>
+      </p:sp>
+      <p:sp>
+        <p:nvSpPr>
+          <p:cNvPr id="15" name="右矢印 14"/>
+          <p:cNvSpPr/>
+          <p:nvPr/>
+        </p:nvSpPr>
+        <p:spPr>
+          <a:xfrm rot="10488413">
+            <a:off x="7950115" y="3575590"/>
+            <a:ext cx="1002323" cy="270266"/>
+          </a:xfrm>
+          <a:prstGeom prst="rightArrow">
+            <a:avLst/>
+          </a:prstGeom>
+          <a:solidFill>
+            <a:schemeClr val="bg1"/>
+          </a:solidFill>
+        </p:spPr>
+        <p:style>
+          <a:lnRef idx="2">
+            <a:schemeClr val="accent1">
+              <a:shade val="50000"/>
+            </a:schemeClr>
+          </a:lnRef>
+          <a:fillRef idx="1">
+            <a:schemeClr val="accent1"/>
+          </a:fillRef>
+          <a:effectRef idx="0">
+            <a:schemeClr val="accent1"/>
+          </a:effectRef>
+          <a:fontRef idx="minor">
+            <a:schemeClr val="lt1"/>
+          </a:fontRef>
+        </p:style>
+        <p:txBody>
+          <a:bodyPr rtlCol="0" anchor="ctr"/>
+          <a:lstStyle/>
+          <a:p>
+            <a:pPr algn="ctr"/>
+            <a:endParaRPr kumimoji="1" lang="ja-JP" altLang="en-US"/>
+          </a:p>
+        </p:txBody>
+      </p:sp>
+      <p:sp>
+        <p:nvSpPr>
+          <p:cNvPr id="16" name="右矢印 15"/>
+          <p:cNvSpPr/>
+          <p:nvPr/>
+        </p:nvSpPr>
+        <p:spPr>
+          <a:xfrm rot="16200000">
+            <a:off x="5687067" y="6034574"/>
+            <a:ext cx="527401" cy="290466"/>
+          </a:xfrm>
+          <a:prstGeom prst="rightArrow">
+            <a:avLst/>
+          </a:prstGeom>
+          <a:solidFill>
+            <a:schemeClr val="bg1"/>
+          </a:solidFill>
+        </p:spPr>
+        <p:style>
+          <a:lnRef idx="2">
+            <a:schemeClr val="accent1">
+              <a:shade val="50000"/>
+            </a:schemeClr>
+          </a:lnRef>
+          <a:fillRef idx="1">
+            <a:schemeClr val="accent1"/>
+          </a:fillRef>
+          <a:effectRef idx="0">
+            <a:schemeClr val="accent1"/>
+          </a:effectRef>
+          <a:fontRef idx="minor">
+            <a:schemeClr val="lt1"/>
+          </a:fontRef>
+        </p:style>
+        <p:txBody>
+          <a:bodyPr rtlCol="0" anchor="ctr"/>
+          <a:lstStyle/>
+          <a:p>
+            <a:pPr algn="ctr"/>
+            <a:endParaRPr kumimoji="1" lang="ja-JP" altLang="en-US"/>
           </a:p>
         </p:txBody>
       </p:sp>
     </p:spTree>
     <p:extLst>
       <p:ext uri="{BB962C8B-B14F-4D97-AF65-F5344CB8AC3E}">
-        <p14:creationId xmlns:p14="http://schemas.microsoft.com/office/powerpoint/2010/main" val="1683926255"/>
+        <p14:creationId xmlns:p14="http://schemas.microsoft.com/office/powerpoint/2010/main" val="244027588"/>
       </p:ext>
     </p:extLst>
   </p:cSld>
@@ -7244,7 +9909,7 @@
         <p:spPr>
           <a:xfrm>
             <a:off x="158261" y="136212"/>
-            <a:ext cx="9228808" cy="923330"/>
+            <a:ext cx="9924512" cy="923330"/>
           </a:xfrm>
           <a:prstGeom prst="rect">
             <a:avLst/>
@@ -7265,17 +9930,27 @@
                 <a:latin typeface="HGS明朝E" panose="02020900000000000000" pitchFamily="18" charset="-128"/>
                 <a:ea typeface="HGS明朝E" panose="02020900000000000000" pitchFamily="18" charset="-128"/>
               </a:rPr>
-              <a:t>ゲーム</a:t>
-            </a:r>
-            <a:r>
-              <a:rPr lang="ja-JP" altLang="en-US" sz="5400" b="1" dirty="0" smtClean="0">
+              <a:t>ゲーム説明～</a:t>
+            </a:r>
+            <a:r>
+              <a:rPr kumimoji="1" lang="ja-JP" altLang="en-US" sz="5400" b="1" dirty="0" smtClean="0">
                 <a:solidFill>
                   <a:schemeClr val="bg1"/>
                 </a:solidFill>
                 <a:latin typeface="HGS明朝E" panose="02020900000000000000" pitchFamily="18" charset="-128"/>
                 <a:ea typeface="HGS明朝E" panose="02020900000000000000" pitchFamily="18" charset="-128"/>
               </a:rPr>
-              <a:t>説明～ユニット説明～</a:t>
+              <a:t>勝利・敗北条件</a:t>
+            </a:r>
+            <a:r>
+              <a:rPr kumimoji="1" lang="ja-JP" altLang="en-US" sz="5400" b="1" dirty="0" smtClean="0">
+                <a:solidFill>
+                  <a:schemeClr val="bg1"/>
+                </a:solidFill>
+                <a:latin typeface="HGS明朝E" panose="02020900000000000000" pitchFamily="18" charset="-128"/>
+                <a:ea typeface="HGS明朝E" panose="02020900000000000000" pitchFamily="18" charset="-128"/>
+              </a:rPr>
+              <a:t>～</a:t>
             </a:r>
             <a:endParaRPr kumimoji="1" lang="ja-JP" altLang="en-US" sz="5400" b="1" dirty="0">
               <a:solidFill>
@@ -7324,14 +9999,14 @@
       </p:cxnSp>
       <p:sp>
         <p:nvSpPr>
-          <p:cNvPr id="7" name="テキスト ボックス 6"/>
+          <p:cNvPr id="4" name="テキスト ボックス 3"/>
           <p:cNvSpPr txBox="1"/>
           <p:nvPr/>
         </p:nvSpPr>
         <p:spPr>
           <a:xfrm>
-            <a:off x="226524" y="1949386"/>
-            <a:ext cx="12034064" cy="4154984"/>
+            <a:off x="386862" y="1459526"/>
+            <a:ext cx="5262979" cy="2026965"/>
           </a:xfrm>
           <a:prstGeom prst="rect">
             <a:avLst/>
@@ -7350,52 +10025,12 @@
               </a:lnSpc>
             </a:pPr>
             <a:r>
-              <a:rPr lang="ja-JP" altLang="en-US" sz="4400" b="1" dirty="0">
-                <a:solidFill>
-                  <a:schemeClr val="bg1"/>
-                </a:solidFill>
-              </a:rPr>
-              <a:t>ユニットはそれぞれ</a:t>
-            </a:r>
-            <a:r>
-              <a:rPr lang="ja-JP" altLang="en-US" sz="4400" b="1" dirty="0" smtClean="0">
-                <a:solidFill>
-                  <a:srgbClr val="FFFF00"/>
-                </a:solidFill>
-              </a:rPr>
-              <a:t>色</a:t>
-            </a:r>
-            <a:r>
-              <a:rPr lang="ja-JP" altLang="en-US" sz="4400" b="1" dirty="0" smtClean="0">
-                <a:solidFill>
-                  <a:schemeClr val="bg1"/>
-                </a:solidFill>
-              </a:rPr>
-              <a:t>・</a:t>
-            </a:r>
-            <a:r>
-              <a:rPr lang="ja-JP" altLang="en-US" sz="4400" b="1" dirty="0" smtClean="0">
-                <a:solidFill>
-                  <a:srgbClr val="C00000"/>
-                </a:solidFill>
-              </a:rPr>
-              <a:t>形</a:t>
-            </a:r>
-            <a:r>
-              <a:rPr lang="ja-JP" altLang="en-US" sz="4400" b="1" dirty="0">
-                <a:solidFill>
-                  <a:schemeClr val="bg1"/>
-                </a:solidFill>
-              </a:rPr>
-              <a:t>で分かれているぞ</a:t>
-            </a:r>
-            <a:r>
-              <a:rPr lang="ja-JP" altLang="en-US" sz="4400" b="1" dirty="0" smtClean="0">
-                <a:solidFill>
-                  <a:schemeClr val="bg1"/>
-                </a:solidFill>
-              </a:rPr>
-              <a:t>！</a:t>
+              <a:rPr kumimoji="1" lang="ja-JP" altLang="en-US" sz="4400" b="1" dirty="0" smtClean="0">
+                <a:solidFill>
+                  <a:schemeClr val="bg1"/>
+                </a:solidFill>
+              </a:rPr>
+              <a:t>・敵ユニットの殲滅</a:t>
             </a:r>
             <a:endParaRPr kumimoji="1" lang="en-US" altLang="ja-JP" sz="4400" b="1" dirty="0" smtClean="0">
               <a:solidFill>
@@ -7412,106 +10047,148 @@
             <a:r>
               <a:rPr kumimoji="1" lang="ja-JP" altLang="en-US" sz="4400" b="1" dirty="0" smtClean="0">
                 <a:solidFill>
-                  <a:srgbClr val="FFFF00"/>
-                </a:solidFill>
-              </a:rPr>
-              <a:t>自陣</a:t>
-            </a:r>
+                  <a:schemeClr val="bg1"/>
+                </a:solidFill>
+              </a:rPr>
+              <a:t>・制限時間内の防衛</a:t>
+            </a:r>
+            <a:endParaRPr kumimoji="1" lang="ja-JP" altLang="en-US" sz="4400" b="1" dirty="0">
+              <a:solidFill>
+                <a:schemeClr val="bg1"/>
+              </a:solidFill>
+            </a:endParaRPr>
+          </a:p>
+        </p:txBody>
+      </p:sp>
+      <p:sp>
+        <p:nvSpPr>
+          <p:cNvPr id="6" name="テキスト ボックス 5"/>
+          <p:cNvSpPr txBox="1"/>
+          <p:nvPr/>
+        </p:nvSpPr>
+        <p:spPr>
+          <a:xfrm>
+            <a:off x="5336931" y="3642157"/>
+            <a:ext cx="6391493" cy="769441"/>
+          </a:xfrm>
+          <a:prstGeom prst="rect">
+            <a:avLst/>
+          </a:prstGeom>
+          <a:noFill/>
+        </p:spPr>
+        <p:txBody>
+          <a:bodyPr wrap="none" rtlCol="0">
+            <a:spAutoFit/>
+          </a:bodyPr>
+          <a:lstStyle/>
+          <a:p>
             <a:r>
               <a:rPr kumimoji="1" lang="ja-JP" altLang="en-US" sz="4400" b="1" dirty="0" smtClean="0">
                 <a:solidFill>
                   <a:schemeClr val="bg1"/>
                 </a:solidFill>
               </a:rPr>
-              <a:t>は</a:t>
-            </a:r>
+              <a:t>で自陣営の勝利です！！</a:t>
+            </a:r>
+            <a:endParaRPr kumimoji="1" lang="ja-JP" altLang="en-US" sz="4400" b="1" dirty="0">
+              <a:solidFill>
+                <a:schemeClr val="bg1"/>
+              </a:solidFill>
+            </a:endParaRPr>
+          </a:p>
+        </p:txBody>
+      </p:sp>
+      <p:sp>
+        <p:nvSpPr>
+          <p:cNvPr id="7" name="テキスト ボックス 6"/>
+          <p:cNvSpPr txBox="1"/>
+          <p:nvPr/>
+        </p:nvSpPr>
+        <p:spPr>
+          <a:xfrm>
+            <a:off x="386862" y="4567264"/>
+            <a:ext cx="7520007" cy="769441"/>
+          </a:xfrm>
+          <a:prstGeom prst="rect">
+            <a:avLst/>
+          </a:prstGeom>
+          <a:noFill/>
+        </p:spPr>
+        <p:txBody>
+          <a:bodyPr wrap="none" rtlCol="0">
+            <a:spAutoFit/>
+          </a:bodyPr>
+          <a:lstStyle/>
+          <a:p>
             <a:r>
               <a:rPr kumimoji="1" lang="ja-JP" altLang="en-US" sz="4400" b="1" dirty="0" smtClean="0">
                 <a:solidFill>
-                  <a:srgbClr val="FFFF00"/>
-                </a:solidFill>
-              </a:rPr>
-              <a:t>色</a:t>
-            </a:r>
-            <a:r>
-              <a:rPr kumimoji="1" lang="ja-JP" altLang="en-US" sz="4400" b="1" dirty="0" smtClean="0">
-                <a:solidFill>
-                  <a:schemeClr val="bg1"/>
-                </a:solidFill>
-              </a:rPr>
-              <a:t>、</a:t>
-            </a:r>
-            <a:r>
-              <a:rPr kumimoji="1" lang="ja-JP" altLang="en-US" sz="4400" b="1" dirty="0" smtClean="0">
-                <a:solidFill>
-                  <a:srgbClr val="C00000"/>
-                </a:solidFill>
-              </a:rPr>
-              <a:t>敵</a:t>
-            </a:r>
-            <a:r>
-              <a:rPr kumimoji="1" lang="ja-JP" altLang="en-US" sz="4400" b="1" dirty="0" smtClean="0">
-                <a:solidFill>
-                  <a:schemeClr val="bg1"/>
-                </a:solidFill>
-              </a:rPr>
-              <a:t>は</a:t>
-            </a:r>
-            <a:r>
-              <a:rPr kumimoji="1" lang="ja-JP" altLang="en-US" sz="4400" b="1" dirty="0" smtClean="0">
-                <a:solidFill>
-                  <a:srgbClr val="C00000"/>
-                </a:solidFill>
-              </a:rPr>
-              <a:t>形</a:t>
-            </a:r>
-            <a:r>
-              <a:rPr kumimoji="1" lang="ja-JP" altLang="en-US" sz="4400" b="1" dirty="0" smtClean="0">
-                <a:solidFill>
-                  <a:schemeClr val="bg1"/>
-                </a:solidFill>
-              </a:rPr>
-              <a:t>で分かれており</a:t>
-            </a:r>
-            <a:endParaRPr lang="en-US" altLang="ja-JP" sz="4400" b="1" dirty="0">
+                  <a:schemeClr val="bg1"/>
+                </a:solidFill>
+              </a:rPr>
+              <a:t>・自陣営の耐久値が</a:t>
+            </a:r>
+            <a:r>
+              <a:rPr lang="ja-JP" altLang="en-US" sz="4400" b="1" dirty="0" smtClean="0">
+                <a:solidFill>
+                  <a:schemeClr val="bg1"/>
+                </a:solidFill>
+              </a:rPr>
+              <a:t>なくな</a:t>
+            </a:r>
+            <a:r>
+              <a:rPr lang="ja-JP" altLang="en-US" sz="4400" b="1" dirty="0">
+                <a:solidFill>
+                  <a:schemeClr val="bg1"/>
+                </a:solidFill>
+              </a:rPr>
+              <a:t>る</a:t>
+            </a:r>
+            <a:endParaRPr kumimoji="1" lang="ja-JP" altLang="en-US" sz="4400" b="1" dirty="0">
               <a:solidFill>
                 <a:schemeClr val="bg1"/>
               </a:solidFill>
             </a:endParaRPr>
           </a:p>
-          <a:p>
-            <a:pPr>
-              <a:lnSpc>
-                <a:spcPct val="150000"/>
-              </a:lnSpc>
-            </a:pPr>
-            <a:r>
-              <a:rPr kumimoji="1" lang="ja-JP" altLang="en-US" sz="4400" b="1" dirty="0" smtClean="0">
-                <a:solidFill>
-                  <a:schemeClr val="bg1"/>
-                </a:solidFill>
-              </a:rPr>
-              <a:t>それぞれで特徴が違うので</a:t>
-            </a:r>
-            <a:endParaRPr kumimoji="1" lang="en-US" altLang="ja-JP" sz="4400" b="1" dirty="0" smtClean="0">
-              <a:solidFill>
-                <a:schemeClr val="bg1"/>
-              </a:solidFill>
-            </a:endParaRPr>
-          </a:p>
-          <a:p>
-            <a:pPr>
-              <a:lnSpc>
-                <a:spcPct val="150000"/>
-              </a:lnSpc>
-            </a:pPr>
-            <a:r>
-              <a:rPr kumimoji="1" lang="ja-JP" altLang="en-US" sz="4400" b="1" dirty="0" smtClean="0">
-                <a:solidFill>
-                  <a:schemeClr val="bg1"/>
-                </a:solidFill>
-              </a:rPr>
-              <a:t>その特徴を駆使して敵を殲滅しよう！！</a:t>
+        </p:txBody>
+      </p:sp>
+      <p:sp>
+        <p:nvSpPr>
+          <p:cNvPr id="8" name="テキスト ボックス 7"/>
+          <p:cNvSpPr txBox="1"/>
+          <p:nvPr/>
+        </p:nvSpPr>
+        <p:spPr>
+          <a:xfrm>
+            <a:off x="7746024" y="5492371"/>
+            <a:ext cx="3570208" cy="769441"/>
+          </a:xfrm>
+          <a:prstGeom prst="rect">
+            <a:avLst/>
+          </a:prstGeom>
+          <a:noFill/>
+        </p:spPr>
+        <p:txBody>
+          <a:bodyPr wrap="none" rtlCol="0">
+            <a:spAutoFit/>
+          </a:bodyPr>
+          <a:lstStyle/>
+          <a:p>
+            <a:r>
+              <a:rPr lang="ja-JP" altLang="en-US" sz="4400" b="1" dirty="0" smtClean="0">
+                <a:solidFill>
+                  <a:schemeClr val="bg1"/>
+                </a:solidFill>
+              </a:rPr>
+              <a:t>と敗北です</a:t>
+            </a:r>
+            <a:r>
+              <a:rPr lang="en-US" altLang="ja-JP" sz="4400" b="1" dirty="0" smtClean="0">
+                <a:solidFill>
+                  <a:schemeClr val="bg1"/>
+                </a:solidFill>
+              </a:rPr>
+              <a:t>…</a:t>
             </a:r>
             <a:endParaRPr kumimoji="1" lang="ja-JP" altLang="en-US" sz="4400" b="1" dirty="0">
               <a:solidFill>
@@ -7524,7 +10201,7 @@
     </p:spTree>
     <p:extLst>
       <p:ext uri="{BB962C8B-B14F-4D97-AF65-F5344CB8AC3E}">
-        <p14:creationId xmlns:p14="http://schemas.microsoft.com/office/powerpoint/2010/main" val="821009542"/>
+        <p14:creationId xmlns:p14="http://schemas.microsoft.com/office/powerpoint/2010/main" val="3542532238"/>
       </p:ext>
     </p:extLst>
   </p:cSld>
@@ -7634,7 +10311,7 @@
                 <a:latin typeface="HGS明朝E" panose="02020900000000000000" pitchFamily="18" charset="-128"/>
                 <a:ea typeface="HGS明朝E" panose="02020900000000000000" pitchFamily="18" charset="-128"/>
               </a:rPr>
-              <a:t>説明～自陣ユニット～</a:t>
+              <a:t>説明～ユニット説明～</a:t>
             </a:r>
             <a:endParaRPr kumimoji="1" lang="ja-JP" altLang="en-US" sz="5400" b="1" dirty="0">
               <a:solidFill>
@@ -7683,60 +10360,14 @@
       </p:cxnSp>
       <p:sp>
         <p:nvSpPr>
-          <p:cNvPr id="4" name="六角形 3"/>
-          <p:cNvSpPr/>
-          <p:nvPr/>
-        </p:nvSpPr>
-        <p:spPr>
-          <a:xfrm>
-            <a:off x="1125413" y="2659691"/>
-            <a:ext cx="2101361" cy="1960684"/>
-          </a:xfrm>
-          <a:prstGeom prst="hexagon">
-            <a:avLst/>
-          </a:prstGeom>
-          <a:solidFill>
-            <a:srgbClr val="FFFF00"/>
-          </a:solidFill>
-          <a:ln>
-            <a:noFill/>
-          </a:ln>
-        </p:spPr>
-        <p:style>
-          <a:lnRef idx="2">
-            <a:schemeClr val="accent1">
-              <a:shade val="50000"/>
-            </a:schemeClr>
-          </a:lnRef>
-          <a:fillRef idx="1">
-            <a:schemeClr val="accent1"/>
-          </a:fillRef>
-          <a:effectRef idx="0">
-            <a:schemeClr val="accent1"/>
-          </a:effectRef>
-          <a:fontRef idx="minor">
-            <a:schemeClr val="lt1"/>
-          </a:fontRef>
-        </p:style>
-        <p:txBody>
-          <a:bodyPr rtlCol="0" anchor="ctr"/>
-          <a:lstStyle/>
-          <a:p>
-            <a:pPr algn="ctr"/>
-            <a:endParaRPr kumimoji="1" lang="ja-JP" altLang="en-US"/>
-          </a:p>
-        </p:txBody>
-      </p:sp>
-      <p:sp>
-        <p:nvSpPr>
-          <p:cNvPr id="6" name="テキスト ボックス 5"/>
+          <p:cNvPr id="7" name="テキスト ボックス 6"/>
           <p:cNvSpPr txBox="1"/>
           <p:nvPr/>
         </p:nvSpPr>
         <p:spPr>
           <a:xfrm>
-            <a:off x="1519503" y="1724206"/>
-            <a:ext cx="1313180" cy="769441"/>
+            <a:off x="226524" y="1949386"/>
+            <a:ext cx="12034064" cy="4154984"/>
           </a:xfrm>
           <a:prstGeom prst="rect">
             <a:avLst/>
@@ -7749,198 +10380,176 @@
           </a:bodyPr>
           <a:lstStyle/>
           <a:p>
+            <a:pPr>
+              <a:lnSpc>
+                <a:spcPct val="150000"/>
+              </a:lnSpc>
+            </a:pPr>
+            <a:r>
+              <a:rPr lang="ja-JP" altLang="en-US" sz="4400" b="1" dirty="0">
+                <a:solidFill>
+                  <a:schemeClr val="bg1"/>
+                </a:solidFill>
+              </a:rPr>
+              <a:t>ユニットはそれぞれ</a:t>
+            </a:r>
+            <a:r>
+              <a:rPr lang="ja-JP" altLang="en-US" sz="4400" b="1" dirty="0" smtClean="0">
+                <a:solidFill>
+                  <a:srgbClr val="FFFF00"/>
+                </a:solidFill>
+              </a:rPr>
+              <a:t>色</a:t>
+            </a:r>
+            <a:r>
+              <a:rPr lang="ja-JP" altLang="en-US" sz="4400" b="1" dirty="0" smtClean="0">
+                <a:solidFill>
+                  <a:schemeClr val="bg1"/>
+                </a:solidFill>
+              </a:rPr>
+              <a:t>・</a:t>
+            </a:r>
+            <a:r>
+              <a:rPr lang="ja-JP" altLang="en-US" sz="4400" b="1" dirty="0" smtClean="0">
+                <a:solidFill>
+                  <a:srgbClr val="C00000"/>
+                </a:solidFill>
+              </a:rPr>
+              <a:t>形</a:t>
+            </a:r>
+            <a:r>
+              <a:rPr lang="ja-JP" altLang="en-US" sz="4400" b="1" dirty="0">
+                <a:solidFill>
+                  <a:schemeClr val="bg1"/>
+                </a:solidFill>
+              </a:rPr>
+              <a:t>で分かれているぞ</a:t>
+            </a:r>
+            <a:r>
+              <a:rPr lang="ja-JP" altLang="en-US" sz="4400" b="1" dirty="0" smtClean="0">
+                <a:solidFill>
+                  <a:schemeClr val="bg1"/>
+                </a:solidFill>
+              </a:rPr>
+              <a:t>！</a:t>
+            </a:r>
+            <a:endParaRPr kumimoji="1" lang="en-US" altLang="ja-JP" sz="4400" b="1" dirty="0" smtClean="0">
+              <a:solidFill>
+                <a:schemeClr val="bg1"/>
+              </a:solidFill>
+            </a:endParaRPr>
+          </a:p>
+          <a:p>
+            <a:pPr>
+              <a:lnSpc>
+                <a:spcPct val="150000"/>
+              </a:lnSpc>
+            </a:pPr>
             <a:r>
               <a:rPr kumimoji="1" lang="ja-JP" altLang="en-US" sz="4400" b="1" dirty="0" smtClean="0">
                 <a:solidFill>
                   <a:srgbClr val="FFFF00"/>
                 </a:solidFill>
               </a:rPr>
-              <a:t>黄色</a:t>
+              <a:t>自陣</a:t>
+            </a:r>
+            <a:r>
+              <a:rPr kumimoji="1" lang="ja-JP" altLang="en-US" sz="4400" b="1" dirty="0" smtClean="0">
+                <a:solidFill>
+                  <a:schemeClr val="bg1"/>
+                </a:solidFill>
+              </a:rPr>
+              <a:t>は</a:t>
+            </a:r>
+            <a:r>
+              <a:rPr kumimoji="1" lang="ja-JP" altLang="en-US" sz="4400" b="1" dirty="0" smtClean="0">
+                <a:solidFill>
+                  <a:srgbClr val="FFFF00"/>
+                </a:solidFill>
+              </a:rPr>
+              <a:t>色</a:t>
+            </a:r>
+            <a:r>
+              <a:rPr kumimoji="1" lang="ja-JP" altLang="en-US" sz="4400" b="1" dirty="0" smtClean="0">
+                <a:solidFill>
+                  <a:schemeClr val="bg1"/>
+                </a:solidFill>
+              </a:rPr>
+              <a:t>、</a:t>
+            </a:r>
+            <a:r>
+              <a:rPr kumimoji="1" lang="ja-JP" altLang="en-US" sz="4400" b="1" dirty="0" smtClean="0">
+                <a:solidFill>
+                  <a:srgbClr val="C00000"/>
+                </a:solidFill>
+              </a:rPr>
+              <a:t>敵</a:t>
+            </a:r>
+            <a:r>
+              <a:rPr kumimoji="1" lang="ja-JP" altLang="en-US" sz="4400" b="1" dirty="0" smtClean="0">
+                <a:solidFill>
+                  <a:schemeClr val="bg1"/>
+                </a:solidFill>
+              </a:rPr>
+              <a:t>は</a:t>
+            </a:r>
+            <a:r>
+              <a:rPr kumimoji="1" lang="ja-JP" altLang="en-US" sz="4400" b="1" dirty="0" smtClean="0">
+                <a:solidFill>
+                  <a:srgbClr val="C00000"/>
+                </a:solidFill>
+              </a:rPr>
+              <a:t>形</a:t>
+            </a:r>
+            <a:r>
+              <a:rPr kumimoji="1" lang="ja-JP" altLang="en-US" sz="4400" b="1" dirty="0" smtClean="0">
+                <a:solidFill>
+                  <a:schemeClr val="bg1"/>
+                </a:solidFill>
+              </a:rPr>
+              <a:t>で分かれており</a:t>
+            </a:r>
+            <a:endParaRPr lang="en-US" altLang="ja-JP" sz="4400" b="1" dirty="0">
+              <a:solidFill>
+                <a:schemeClr val="bg1"/>
+              </a:solidFill>
+            </a:endParaRPr>
+          </a:p>
+          <a:p>
+            <a:pPr>
+              <a:lnSpc>
+                <a:spcPct val="150000"/>
+              </a:lnSpc>
+            </a:pPr>
+            <a:r>
+              <a:rPr kumimoji="1" lang="ja-JP" altLang="en-US" sz="4400" b="1" dirty="0" smtClean="0">
+                <a:solidFill>
+                  <a:schemeClr val="bg1"/>
+                </a:solidFill>
+              </a:rPr>
+              <a:t>それぞれで特徴が違うので</a:t>
+            </a:r>
+            <a:endParaRPr kumimoji="1" lang="en-US" altLang="ja-JP" sz="4400" b="1" dirty="0" smtClean="0">
+              <a:solidFill>
+                <a:schemeClr val="bg1"/>
+              </a:solidFill>
+            </a:endParaRPr>
+          </a:p>
+          <a:p>
+            <a:pPr>
+              <a:lnSpc>
+                <a:spcPct val="150000"/>
+              </a:lnSpc>
+            </a:pPr>
+            <a:r>
+              <a:rPr kumimoji="1" lang="ja-JP" altLang="en-US" sz="4400" b="1" dirty="0" smtClean="0">
+                <a:solidFill>
+                  <a:schemeClr val="bg1"/>
+                </a:solidFill>
+              </a:rPr>
+              <a:t>その特徴を駆使して敵を殲滅しよう！！</a:t>
             </a:r>
             <a:endParaRPr kumimoji="1" lang="ja-JP" altLang="en-US" sz="4400" b="1" dirty="0">
-              <a:solidFill>
-                <a:srgbClr val="FFFF00"/>
-              </a:solidFill>
-            </a:endParaRPr>
-          </a:p>
-        </p:txBody>
-      </p:sp>
-      <p:sp>
-        <p:nvSpPr>
-          <p:cNvPr id="7" name="テキスト ボックス 6"/>
-          <p:cNvSpPr txBox="1"/>
-          <p:nvPr/>
-        </p:nvSpPr>
-        <p:spPr>
-          <a:xfrm>
-            <a:off x="5945800" y="1724206"/>
-            <a:ext cx="3921266" cy="3170099"/>
-          </a:xfrm>
-          <a:prstGeom prst="rect">
-            <a:avLst/>
-          </a:prstGeom>
-          <a:noFill/>
-        </p:spPr>
-        <p:txBody>
-          <a:bodyPr wrap="none" rtlCol="0">
-            <a:spAutoFit/>
-          </a:bodyPr>
-          <a:lstStyle/>
-          <a:p>
-            <a:r>
-              <a:rPr lang="ja-JP" altLang="en-US" sz="4000" b="1" dirty="0">
-                <a:solidFill>
-                  <a:schemeClr val="bg1"/>
-                </a:solidFill>
-              </a:rPr>
-              <a:t>▶ 体力：大</a:t>
-            </a:r>
-            <a:endParaRPr lang="en-US" altLang="ja-JP" sz="4000" b="1" dirty="0">
-              <a:solidFill>
-                <a:schemeClr val="bg1"/>
-              </a:solidFill>
-            </a:endParaRPr>
-          </a:p>
-          <a:p>
-            <a:r>
-              <a:rPr lang="ja-JP" altLang="en-US" sz="4000" b="1" dirty="0" smtClean="0">
-                <a:solidFill>
-                  <a:schemeClr val="bg1"/>
-                </a:solidFill>
-              </a:rPr>
-              <a:t>▶ 攻撃力：中</a:t>
-            </a:r>
-            <a:endParaRPr lang="en-US" altLang="ja-JP" sz="4000" b="1" dirty="0" smtClean="0">
-              <a:solidFill>
-                <a:schemeClr val="bg1"/>
-              </a:solidFill>
-            </a:endParaRPr>
-          </a:p>
-          <a:p>
-            <a:r>
-              <a:rPr lang="ja-JP" altLang="en-US" sz="4000" b="1" dirty="0" smtClean="0">
-                <a:solidFill>
-                  <a:schemeClr val="bg1"/>
-                </a:solidFill>
-              </a:rPr>
-              <a:t>▶ </a:t>
-            </a:r>
-            <a:r>
-              <a:rPr lang="ja-JP" altLang="en-US" sz="4000" b="1" dirty="0">
-                <a:solidFill>
-                  <a:schemeClr val="bg1"/>
-                </a:solidFill>
-              </a:rPr>
-              <a:t>攻撃距離：小</a:t>
-            </a:r>
-            <a:endParaRPr lang="en-US" altLang="ja-JP" sz="4000" b="1" dirty="0">
-              <a:solidFill>
-                <a:schemeClr val="bg1"/>
-              </a:solidFill>
-            </a:endParaRPr>
-          </a:p>
-          <a:p>
-            <a:r>
-              <a:rPr lang="ja-JP" altLang="en-US" sz="4000" b="1" dirty="0" smtClean="0">
-                <a:solidFill>
-                  <a:schemeClr val="bg1"/>
-                </a:solidFill>
-              </a:rPr>
-              <a:t>▶ 攻撃速度：大</a:t>
-            </a:r>
-            <a:endParaRPr kumimoji="1" lang="en-US" altLang="ja-JP" sz="4000" b="1" dirty="0" smtClean="0">
-              <a:solidFill>
-                <a:schemeClr val="bg1"/>
-              </a:solidFill>
-            </a:endParaRPr>
-          </a:p>
-          <a:p>
-            <a:r>
-              <a:rPr lang="ja-JP" altLang="en-US" sz="4000" b="1" dirty="0" smtClean="0">
-                <a:solidFill>
-                  <a:schemeClr val="bg1"/>
-                </a:solidFill>
-              </a:rPr>
-              <a:t>▶ コスト：</a:t>
-            </a:r>
-            <a:r>
-              <a:rPr lang="en-US" altLang="ja-JP" sz="4000" b="1" dirty="0" smtClean="0">
-                <a:solidFill>
-                  <a:schemeClr val="bg1"/>
-                </a:solidFill>
-              </a:rPr>
-              <a:t>5</a:t>
-            </a:r>
-            <a:endParaRPr kumimoji="1" lang="ja-JP" altLang="en-US" sz="4000" b="1" dirty="0">
-              <a:solidFill>
-                <a:schemeClr val="bg1"/>
-              </a:solidFill>
-            </a:endParaRPr>
-          </a:p>
-        </p:txBody>
-      </p:sp>
-      <p:sp>
-        <p:nvSpPr>
-          <p:cNvPr id="8" name="テキスト ボックス 7"/>
-          <p:cNvSpPr txBox="1"/>
-          <p:nvPr/>
-        </p:nvSpPr>
-        <p:spPr>
-          <a:xfrm>
-            <a:off x="1130538" y="5214433"/>
-            <a:ext cx="9930924" cy="1323439"/>
-          </a:xfrm>
-          <a:prstGeom prst="rect">
-            <a:avLst/>
-          </a:prstGeom>
-          <a:noFill/>
-        </p:spPr>
-        <p:txBody>
-          <a:bodyPr wrap="none" rtlCol="0">
-            <a:spAutoFit/>
-          </a:bodyPr>
-          <a:lstStyle/>
-          <a:p>
-            <a:r>
-              <a:rPr kumimoji="1" lang="ja-JP" altLang="en-US" sz="4000" b="1" dirty="0" smtClean="0">
-                <a:solidFill>
-                  <a:srgbClr val="FFFF00"/>
-                </a:solidFill>
-              </a:rPr>
-              <a:t>特徴</a:t>
-            </a:r>
-            <a:r>
-              <a:rPr kumimoji="1" lang="ja-JP" altLang="en-US" sz="4000" b="1" dirty="0" smtClean="0">
-                <a:solidFill>
-                  <a:schemeClr val="bg1"/>
-                </a:solidFill>
-              </a:rPr>
-              <a:t>：耐久型の近接ユニット</a:t>
-            </a:r>
-            <a:endParaRPr kumimoji="1" lang="en-US" altLang="ja-JP" sz="4000" b="1" dirty="0" smtClean="0">
-              <a:solidFill>
-                <a:schemeClr val="bg1"/>
-              </a:solidFill>
-            </a:endParaRPr>
-          </a:p>
-          <a:p>
-            <a:r>
-              <a:rPr kumimoji="1" lang="ja-JP" altLang="en-US" sz="4000" b="1" dirty="0" smtClean="0">
-                <a:solidFill>
-                  <a:srgbClr val="FFFF00"/>
-                </a:solidFill>
-              </a:rPr>
-              <a:t>スキル</a:t>
-            </a:r>
-            <a:r>
-              <a:rPr kumimoji="1" lang="ja-JP" altLang="en-US" sz="4000" b="1" dirty="0" smtClean="0">
-                <a:solidFill>
-                  <a:schemeClr val="bg1"/>
-                </a:solidFill>
-              </a:rPr>
-              <a:t>：一定時間体力を持続的に回復する</a:t>
-            </a:r>
-            <a:endParaRPr kumimoji="1" lang="ja-JP" altLang="en-US" sz="4000" b="1" dirty="0">
               <a:solidFill>
                 <a:schemeClr val="bg1"/>
               </a:solidFill>
@@ -7951,7 +10560,7 @@
     </p:spTree>
     <p:extLst>
       <p:ext uri="{BB962C8B-B14F-4D97-AF65-F5344CB8AC3E}">
-        <p14:creationId xmlns:p14="http://schemas.microsoft.com/office/powerpoint/2010/main" val="1675350625"/>
+        <p14:creationId xmlns:p14="http://schemas.microsoft.com/office/powerpoint/2010/main" val="821009542"/>
       </p:ext>
     </p:extLst>
   </p:cSld>
@@ -8123,7 +10732,7 @@
             <a:avLst/>
           </a:prstGeom>
           <a:solidFill>
-            <a:srgbClr val="0070C0"/>
+            <a:srgbClr val="FFFF00"/>
           </a:solidFill>
           <a:ln>
             <a:noFill/>
@@ -8177,24 +10786,16 @@
           <a:lstStyle/>
           <a:p>
             <a:r>
-              <a:rPr lang="ja-JP" altLang="en-US" sz="4400" b="1" dirty="0">
-                <a:solidFill>
-                  <a:srgbClr val="0070C0"/>
-                </a:solidFill>
-              </a:rPr>
-              <a:t>青</a:t>
-            </a:r>
-            <a:r>
               <a:rPr kumimoji="1" lang="ja-JP" altLang="en-US" sz="4400" b="1" dirty="0" smtClean="0">
                 <a:solidFill>
-                  <a:srgbClr val="0070C0"/>
-                </a:solidFill>
-              </a:rPr>
-              <a:t>色</a:t>
+                  <a:srgbClr val="FFFF00"/>
+                </a:solidFill>
+              </a:rPr>
+              <a:t>黄色</a:t>
             </a:r>
             <a:endParaRPr kumimoji="1" lang="ja-JP" altLang="en-US" sz="4400" b="1" dirty="0">
               <a:solidFill>
-                <a:srgbClr val="0070C0"/>
+                <a:srgbClr val="FFFF00"/>
               </a:solidFill>
             </a:endParaRPr>
           </a:p>
@@ -8228,15 +10829,45 @@
                   <a:schemeClr val="bg1"/>
                 </a:solidFill>
               </a:rPr>
-              <a:t>▶ 体力</a:t>
-            </a:r>
+              <a:t>▶ 体力：大</a:t>
+            </a:r>
+            <a:endParaRPr lang="en-US" altLang="ja-JP" sz="4000" b="1" dirty="0">
+              <a:solidFill>
+                <a:schemeClr val="bg1"/>
+              </a:solidFill>
+            </a:endParaRPr>
+          </a:p>
+          <a:p>
             <a:r>
               <a:rPr lang="ja-JP" altLang="en-US" sz="4000" b="1" dirty="0" smtClean="0">
                 <a:solidFill>
                   <a:schemeClr val="bg1"/>
                 </a:solidFill>
               </a:rPr>
-              <a:t>：小</a:t>
+              <a:t>▶ 攻撃力：中</a:t>
+            </a:r>
+            <a:endParaRPr lang="en-US" altLang="ja-JP" sz="4000" b="1" dirty="0" smtClean="0">
+              <a:solidFill>
+                <a:schemeClr val="bg1"/>
+              </a:solidFill>
+            </a:endParaRPr>
+          </a:p>
+          <a:p>
+            <a:r>
+              <a:rPr lang="ja-JP" altLang="en-US" sz="4000" b="1" dirty="0" smtClean="0">
+                <a:solidFill>
+                  <a:schemeClr val="bg1"/>
+                </a:solidFill>
+              </a:rPr>
+              <a:t>▶ </a:t>
+            </a:r>
+            <a:r>
+              <a:rPr lang="ja-JP" altLang="en-US" sz="4000" b="1" dirty="0">
+                <a:solidFill>
+                  <a:schemeClr val="bg1"/>
+                </a:solidFill>
+              </a:rPr>
+              <a:t>攻撃距離：小</a:t>
             </a:r>
             <a:endParaRPr lang="en-US" altLang="ja-JP" sz="4000" b="1" dirty="0">
               <a:solidFill>
@@ -8251,9 +10882,9 @@
                   <a:schemeClr val="bg1"/>
                 </a:solidFill>
               </a:rPr>
-              <a:t>▶ 攻撃力：大</a:t>
-            </a:r>
-            <a:endParaRPr lang="en-US" altLang="ja-JP" sz="4000" b="1" dirty="0" smtClean="0">
+              <a:t>▶ 攻撃速度：大</a:t>
+            </a:r>
+            <a:endParaRPr kumimoji="1" lang="en-US" altLang="ja-JP" sz="4000" b="1" dirty="0" smtClean="0">
               <a:solidFill>
                 <a:schemeClr val="bg1"/>
               </a:solidFill>
@@ -8266,88 +10897,34 @@
                   <a:schemeClr val="bg1"/>
                 </a:solidFill>
               </a:rPr>
-              <a:t>▶ </a:t>
-            </a:r>
-            <a:r>
-              <a:rPr lang="ja-JP" altLang="en-US" sz="4000" b="1" dirty="0">
-                <a:solidFill>
-                  <a:schemeClr val="bg1"/>
-                </a:solidFill>
-              </a:rPr>
-              <a:t>攻撃距離</a:t>
-            </a:r>
-            <a:r>
-              <a:rPr lang="ja-JP" altLang="en-US" sz="4000" b="1" dirty="0" smtClean="0">
-                <a:solidFill>
-                  <a:schemeClr val="bg1"/>
-                </a:solidFill>
-              </a:rPr>
-              <a:t>：大</a:t>
-            </a:r>
-            <a:endParaRPr lang="en-US" altLang="ja-JP" sz="4000" b="1" dirty="0">
+              <a:t>▶ コスト：</a:t>
+            </a:r>
+            <a:r>
+              <a:rPr lang="en-US" altLang="ja-JP" sz="4000" b="1" dirty="0" smtClean="0">
+                <a:solidFill>
+                  <a:schemeClr val="bg1"/>
+                </a:solidFill>
+              </a:rPr>
+              <a:t>5</a:t>
+            </a:r>
+            <a:endParaRPr kumimoji="1" lang="ja-JP" altLang="en-US" sz="4000" b="1" dirty="0">
               <a:solidFill>
                 <a:schemeClr val="bg1"/>
               </a:solidFill>
             </a:endParaRPr>
           </a:p>
-          <a:p>
-            <a:r>
-              <a:rPr lang="ja-JP" altLang="en-US" sz="4000" b="1" dirty="0" smtClean="0">
-                <a:solidFill>
-                  <a:schemeClr val="bg1"/>
-                </a:solidFill>
-              </a:rPr>
-              <a:t>▶ 攻撃速度：小</a:t>
-            </a:r>
-            <a:endParaRPr kumimoji="1" lang="en-US" altLang="ja-JP" sz="4000" b="1" dirty="0" smtClean="0">
-              <a:solidFill>
-                <a:schemeClr val="bg1"/>
-              </a:solidFill>
-            </a:endParaRPr>
-          </a:p>
-          <a:p>
-            <a:r>
-              <a:rPr lang="ja-JP" altLang="en-US" sz="4000" b="1" dirty="0" smtClean="0">
-                <a:solidFill>
-                  <a:schemeClr val="bg1"/>
-                </a:solidFill>
-              </a:rPr>
-              <a:t>▶ コスト：</a:t>
-            </a:r>
-            <a:r>
-              <a:rPr lang="en-US" altLang="ja-JP" sz="4000" b="1" dirty="0" smtClean="0">
-                <a:solidFill>
-                  <a:schemeClr val="bg1"/>
-                </a:solidFill>
-              </a:rPr>
-              <a:t>1</a:t>
-            </a:r>
-            <a:r>
-              <a:rPr lang="en-US" altLang="ja-JP" sz="4000" b="1" dirty="0">
-                <a:solidFill>
-                  <a:schemeClr val="bg1"/>
-                </a:solidFill>
-              </a:rPr>
-              <a:t>2</a:t>
-            </a:r>
-            <a:endParaRPr kumimoji="1" lang="ja-JP" altLang="en-US" sz="4000" b="1" dirty="0">
-              <a:solidFill>
-                <a:schemeClr val="bg1"/>
-              </a:solidFill>
-            </a:endParaRPr>
-          </a:p>
-        </p:txBody>
-      </p:sp>
-      <p:sp>
-        <p:nvSpPr>
-          <p:cNvPr id="9" name="テキスト ボックス 8"/>
+        </p:txBody>
+      </p:sp>
+      <p:sp>
+        <p:nvSpPr>
+          <p:cNvPr id="8" name="テキスト ボックス 7"/>
           <p:cNvSpPr txBox="1"/>
           <p:nvPr/>
         </p:nvSpPr>
         <p:spPr>
           <a:xfrm>
             <a:off x="1130538" y="5214433"/>
-            <a:ext cx="8630889" cy="1323439"/>
+            <a:ext cx="9930924" cy="1323439"/>
           </a:xfrm>
           <a:prstGeom prst="rect">
             <a:avLst/>
@@ -8363,7 +10940,7 @@
             <a:r>
               <a:rPr kumimoji="1" lang="ja-JP" altLang="en-US" sz="4000" b="1" dirty="0" smtClean="0">
                 <a:solidFill>
-                  <a:srgbClr val="0070C0"/>
+                  <a:srgbClr val="FFFF00"/>
                 </a:solidFill>
               </a:rPr>
               <a:t>特徴</a:t>
@@ -8374,7 +10951,7 @@
                   <a:schemeClr val="bg1"/>
                 </a:solidFill>
               </a:rPr>
-              <a:t>：攻撃力が高い遠距離ユニット</a:t>
+              <a:t>：耐久型の近接ユニット</a:t>
             </a:r>
             <a:endParaRPr kumimoji="1" lang="en-US" altLang="ja-JP" sz="4000" b="1" dirty="0" smtClean="0">
               <a:solidFill>
@@ -8386,7 +10963,7 @@
             <a:r>
               <a:rPr kumimoji="1" lang="ja-JP" altLang="en-US" sz="4000" b="1" dirty="0" smtClean="0">
                 <a:solidFill>
-                  <a:srgbClr val="0070C0"/>
+                  <a:srgbClr val="FFFF00"/>
                 </a:solidFill>
               </a:rPr>
               <a:t>スキル</a:t>
@@ -8397,23 +10974,7 @@
                   <a:schemeClr val="bg1"/>
                 </a:solidFill>
               </a:rPr>
-              <a:t>：攻撃力</a:t>
-            </a:r>
-            <a:r>
-              <a:rPr kumimoji="1" lang="en-US" altLang="ja-JP" sz="4000" b="1" dirty="0" smtClean="0">
-                <a:solidFill>
-                  <a:schemeClr val="bg1"/>
-                </a:solidFill>
-              </a:rPr>
-              <a:t>UP</a:t>
-            </a:r>
-            <a:r>
-              <a:rPr kumimoji="1" lang="ja-JP" altLang="en-US" sz="4000" b="1" dirty="0" smtClean="0">
-                <a:solidFill>
-                  <a:schemeClr val="bg1"/>
-                </a:solidFill>
-              </a:rPr>
-              <a:t>・範囲攻撃になる</a:t>
+              <a:t>：一定時間体力を持続的に回復する</a:t>
             </a:r>
             <a:endParaRPr kumimoji="1" lang="ja-JP" altLang="en-US" sz="4000" b="1" dirty="0">
               <a:solidFill>
@@ -8426,7 +10987,7 @@
     </p:spTree>
     <p:extLst>
       <p:ext uri="{BB962C8B-B14F-4D97-AF65-F5344CB8AC3E}">
-        <p14:creationId xmlns:p14="http://schemas.microsoft.com/office/powerpoint/2010/main" val="3451456216"/>
+        <p14:creationId xmlns:p14="http://schemas.microsoft.com/office/powerpoint/2010/main" val="1675350625"/>
       </p:ext>
     </p:extLst>
   </p:cSld>
@@ -8598,7 +11159,7 @@
             <a:avLst/>
           </a:prstGeom>
           <a:solidFill>
-            <a:srgbClr val="00B050"/>
+            <a:srgbClr val="0070C0"/>
           </a:solidFill>
           <a:ln>
             <a:noFill/>
@@ -8654,22 +11215,22 @@
             <a:r>
               <a:rPr lang="ja-JP" altLang="en-US" sz="4400" b="1" dirty="0">
                 <a:solidFill>
-                  <a:srgbClr val="00B050"/>
-                </a:solidFill>
-              </a:rPr>
-              <a:t>緑</a:t>
+                  <a:srgbClr val="0070C0"/>
+                </a:solidFill>
+              </a:rPr>
+              <a:t>青</a:t>
             </a:r>
             <a:r>
               <a:rPr kumimoji="1" lang="ja-JP" altLang="en-US" sz="4400" b="1" dirty="0" smtClean="0">
                 <a:solidFill>
-                  <a:srgbClr val="00B050"/>
+                  <a:srgbClr val="0070C0"/>
                 </a:solidFill>
               </a:rPr>
               <a:t>色</a:t>
             </a:r>
             <a:endParaRPr kumimoji="1" lang="ja-JP" altLang="en-US" sz="4400" b="1" dirty="0">
               <a:solidFill>
-                <a:srgbClr val="00B050"/>
+                <a:srgbClr val="0070C0"/>
               </a:solidFill>
             </a:endParaRPr>
           </a:p>
@@ -8711,7 +11272,7 @@
                   <a:schemeClr val="bg1"/>
                 </a:solidFill>
               </a:rPr>
-              <a:t>：中</a:t>
+              <a:t>：小</a:t>
             </a:r>
             <a:endParaRPr lang="en-US" altLang="ja-JP" sz="4000" b="1" dirty="0">
               <a:solidFill>
@@ -8726,7 +11287,7 @@
                   <a:schemeClr val="bg1"/>
                 </a:solidFill>
               </a:rPr>
-              <a:t>▶ 攻撃力：小</a:t>
+              <a:t>▶ 攻撃力：大</a:t>
             </a:r>
             <a:endParaRPr lang="en-US" altLang="ja-JP" sz="4000" b="1" dirty="0" smtClean="0">
               <a:solidFill>
@@ -8757,7 +11318,7 @@
                   <a:schemeClr val="bg1"/>
                 </a:solidFill>
               </a:rPr>
-              <a:t>：中</a:t>
+              <a:t>：大</a:t>
             </a:r>
             <a:endParaRPr lang="en-US" altLang="ja-JP" sz="4000" b="1" dirty="0">
               <a:solidFill>
@@ -8790,12 +11351,20 @@
               <a:t>▶ コスト：</a:t>
             </a:r>
             <a:r>
+              <a:rPr lang="en-US" altLang="ja-JP" sz="4000" b="1" dirty="0" smtClean="0">
+                <a:solidFill>
+                  <a:schemeClr val="bg1"/>
+                </a:solidFill>
+              </a:rPr>
+              <a:t>1</a:t>
+            </a:r>
+            <a:r>
               <a:rPr lang="en-US" altLang="ja-JP" sz="4000" b="1" dirty="0">
                 <a:solidFill>
                   <a:schemeClr val="bg1"/>
                 </a:solidFill>
               </a:rPr>
-              <a:t>8</a:t>
+              <a:t>2</a:t>
             </a:r>
             <a:endParaRPr kumimoji="1" lang="ja-JP" altLang="en-US" sz="4000" b="1" dirty="0">
               <a:solidFill>
@@ -8814,7 +11383,7 @@
         <p:spPr>
           <a:xfrm>
             <a:off x="1130538" y="5214433"/>
-            <a:ext cx="9417963" cy="1323439"/>
+            <a:ext cx="8630889" cy="1323439"/>
           </a:xfrm>
           <a:prstGeom prst="rect">
             <a:avLst/>
@@ -8830,7 +11399,7 @@
             <a:r>
               <a:rPr kumimoji="1" lang="ja-JP" altLang="en-US" sz="4000" b="1" dirty="0" smtClean="0">
                 <a:solidFill>
-                  <a:srgbClr val="FFFF00"/>
+                  <a:srgbClr val="0070C0"/>
                 </a:solidFill>
               </a:rPr>
               <a:t>特徴</a:t>
@@ -8841,11 +11410,11 @@
                   <a:schemeClr val="bg1"/>
                 </a:solidFill>
               </a:rPr>
-              <a:t>：範囲攻撃ができる中距離ユニット</a:t>
+              <a:t>：攻撃力が高い遠距離ユニット</a:t>
             </a:r>
             <a:endParaRPr kumimoji="1" lang="en-US" altLang="ja-JP" sz="4000" b="1" dirty="0" smtClean="0">
               <a:solidFill>
-                <a:srgbClr val="FFFF00"/>
+                <a:schemeClr val="bg1"/>
               </a:solidFill>
             </a:endParaRPr>
           </a:p>
@@ -8853,7 +11422,7 @@
             <a:r>
               <a:rPr kumimoji="1" lang="ja-JP" altLang="en-US" sz="4000" b="1" dirty="0" smtClean="0">
                 <a:solidFill>
-                  <a:srgbClr val="FFFF00"/>
+                  <a:srgbClr val="0070C0"/>
                 </a:solidFill>
               </a:rPr>
               <a:t>スキル</a:t>
@@ -8880,7 +11449,7 @@
                   <a:schemeClr val="bg1"/>
                 </a:solidFill>
               </a:rPr>
-              <a:t>・移動妨害付与</a:t>
+              <a:t>・範囲攻撃になる</a:t>
             </a:r>
             <a:endParaRPr kumimoji="1" lang="ja-JP" altLang="en-US" sz="4000" b="1" dirty="0">
               <a:solidFill>
@@ -8893,7 +11462,7 @@
     </p:spTree>
     <p:extLst>
       <p:ext uri="{BB962C8B-B14F-4D97-AF65-F5344CB8AC3E}">
-        <p14:creationId xmlns:p14="http://schemas.microsoft.com/office/powerpoint/2010/main" val="4116797297"/>
+        <p14:creationId xmlns:p14="http://schemas.microsoft.com/office/powerpoint/2010/main" val="3451456216"/>
       </p:ext>
     </p:extLst>
   </p:cSld>

--- a/仮.pptx
+++ b/仮.pptx
@@ -3622,41 +3622,6 @@
           </a:p>
         </p:txBody>
       </p:sp>
-      <p:cxnSp>
-        <p:nvCxnSpPr>
-          <p:cNvPr id="5" name="直線コネクタ 4"/>
-          <p:cNvCxnSpPr/>
-          <p:nvPr/>
-        </p:nvCxnSpPr>
-        <p:spPr>
-          <a:xfrm flipV="1">
-            <a:off x="0" y="1195754"/>
-            <a:ext cx="10673862" cy="2"/>
-          </a:xfrm>
-          <a:prstGeom prst="line">
-            <a:avLst/>
-          </a:prstGeom>
-          <a:ln w="38100">
-            <a:solidFill>
-              <a:srgbClr val="FFFF00"/>
-            </a:solidFill>
-          </a:ln>
-        </p:spPr>
-        <p:style>
-          <a:lnRef idx="1">
-            <a:schemeClr val="accent1"/>
-          </a:lnRef>
-          <a:fillRef idx="0">
-            <a:schemeClr val="accent1"/>
-          </a:fillRef>
-          <a:effectRef idx="0">
-            <a:schemeClr val="accent1"/>
-          </a:effectRef>
-          <a:fontRef idx="minor">
-            <a:schemeClr val="tx1"/>
-          </a:fontRef>
-        </p:style>
-      </p:cxnSp>
       <p:sp>
         <p:nvSpPr>
           <p:cNvPr id="4" name="六角形 3"/>
@@ -3964,6 +3929,71 @@
           </a:p>
         </p:txBody>
       </p:sp>
+      <p:pic>
+        <p:nvPicPr>
+          <p:cNvPr id="10" name="図 9"/>
+          <p:cNvPicPr>
+            <a:picLocks noChangeAspect="1"/>
+          </p:cNvPicPr>
+          <p:nvPr/>
+        </p:nvPicPr>
+        <p:blipFill>
+          <a:blip r:embed="rId2" cstate="print">
+            <a:extLst>
+              <a:ext uri="{28A0092B-C50C-407E-A947-70E740481C1C}">
+                <a14:useLocalDpi xmlns:a14="http://schemas.microsoft.com/office/drawing/2010/main" val="0"/>
+              </a:ext>
+            </a:extLst>
+          </a:blip>
+          <a:stretch>
+            <a:fillRect/>
+          </a:stretch>
+        </p:blipFill>
+        <p:spPr>
+          <a:xfrm>
+            <a:off x="10573829" y="802009"/>
+            <a:ext cx="1101583" cy="787489"/>
+          </a:xfrm>
+          <a:prstGeom prst="rect">
+            <a:avLst/>
+          </a:prstGeom>
+        </p:spPr>
+      </p:pic>
+      <p:cxnSp>
+        <p:nvCxnSpPr>
+          <p:cNvPr id="5" name="直線コネクタ 4"/>
+          <p:cNvCxnSpPr/>
+          <p:nvPr/>
+        </p:nvCxnSpPr>
+        <p:spPr>
+          <a:xfrm flipV="1">
+            <a:off x="0" y="1195754"/>
+            <a:ext cx="10673862" cy="2"/>
+          </a:xfrm>
+          <a:prstGeom prst="line">
+            <a:avLst/>
+          </a:prstGeom>
+          <a:ln w="38100">
+            <a:solidFill>
+              <a:srgbClr val="FFFF00"/>
+            </a:solidFill>
+          </a:ln>
+        </p:spPr>
+        <p:style>
+          <a:lnRef idx="1">
+            <a:schemeClr val="accent1"/>
+          </a:lnRef>
+          <a:fillRef idx="0">
+            <a:schemeClr val="accent1"/>
+          </a:fillRef>
+          <a:effectRef idx="0">
+            <a:schemeClr val="accent1"/>
+          </a:effectRef>
+          <a:fontRef idx="minor">
+            <a:schemeClr val="tx1"/>
+          </a:fontRef>
+        </p:style>
+      </p:cxnSp>
     </p:spTree>
     <p:extLst>
       <p:ext uri="{BB962C8B-B14F-4D97-AF65-F5344CB8AC3E}">
@@ -4089,41 +4119,6 @@
           </a:p>
         </p:txBody>
       </p:sp>
-      <p:cxnSp>
-        <p:nvCxnSpPr>
-          <p:cNvPr id="5" name="直線コネクタ 4"/>
-          <p:cNvCxnSpPr/>
-          <p:nvPr/>
-        </p:nvCxnSpPr>
-        <p:spPr>
-          <a:xfrm flipV="1">
-            <a:off x="0" y="1195754"/>
-            <a:ext cx="10673862" cy="2"/>
-          </a:xfrm>
-          <a:prstGeom prst="line">
-            <a:avLst/>
-          </a:prstGeom>
-          <a:ln w="38100">
-            <a:solidFill>
-              <a:srgbClr val="FFFF00"/>
-            </a:solidFill>
-          </a:ln>
-        </p:spPr>
-        <p:style>
-          <a:lnRef idx="1">
-            <a:schemeClr val="accent1"/>
-          </a:lnRef>
-          <a:fillRef idx="0">
-            <a:schemeClr val="accent1"/>
-          </a:fillRef>
-          <a:effectRef idx="0">
-            <a:schemeClr val="accent1"/>
-          </a:effectRef>
-          <a:fontRef idx="minor">
-            <a:schemeClr val="tx1"/>
-          </a:fontRef>
-        </p:style>
-      </p:cxnSp>
       <p:sp>
         <p:nvSpPr>
           <p:cNvPr id="6" name="テキスト ボックス 5"/>
@@ -4385,6 +4380,71 @@
           </a:p>
         </p:txBody>
       </p:sp>
+      <p:pic>
+        <p:nvPicPr>
+          <p:cNvPr id="11" name="図 10"/>
+          <p:cNvPicPr>
+            <a:picLocks noChangeAspect="1"/>
+          </p:cNvPicPr>
+          <p:nvPr/>
+        </p:nvPicPr>
+        <p:blipFill>
+          <a:blip r:embed="rId2" cstate="print">
+            <a:extLst>
+              <a:ext uri="{28A0092B-C50C-407E-A947-70E740481C1C}">
+                <a14:useLocalDpi xmlns:a14="http://schemas.microsoft.com/office/drawing/2010/main" val="0"/>
+              </a:ext>
+            </a:extLst>
+          </a:blip>
+          <a:stretch>
+            <a:fillRect/>
+          </a:stretch>
+        </p:blipFill>
+        <p:spPr>
+          <a:xfrm>
+            <a:off x="10573829" y="802009"/>
+            <a:ext cx="1101583" cy="787489"/>
+          </a:xfrm>
+          <a:prstGeom prst="rect">
+            <a:avLst/>
+          </a:prstGeom>
+        </p:spPr>
+      </p:pic>
+      <p:cxnSp>
+        <p:nvCxnSpPr>
+          <p:cNvPr id="5" name="直線コネクタ 4"/>
+          <p:cNvCxnSpPr/>
+          <p:nvPr/>
+        </p:nvCxnSpPr>
+        <p:spPr>
+          <a:xfrm flipV="1">
+            <a:off x="0" y="1195754"/>
+            <a:ext cx="10673862" cy="2"/>
+          </a:xfrm>
+          <a:prstGeom prst="line">
+            <a:avLst/>
+          </a:prstGeom>
+          <a:ln w="38100">
+            <a:solidFill>
+              <a:srgbClr val="FFFF00"/>
+            </a:solidFill>
+          </a:ln>
+        </p:spPr>
+        <p:style>
+          <a:lnRef idx="1">
+            <a:schemeClr val="accent1"/>
+          </a:lnRef>
+          <a:fillRef idx="0">
+            <a:schemeClr val="accent1"/>
+          </a:fillRef>
+          <a:effectRef idx="0">
+            <a:schemeClr val="accent1"/>
+          </a:effectRef>
+          <a:fontRef idx="minor">
+            <a:schemeClr val="tx1"/>
+          </a:fontRef>
+        </p:style>
+      </p:cxnSp>
     </p:spTree>
     <p:extLst>
       <p:ext uri="{BB962C8B-B14F-4D97-AF65-F5344CB8AC3E}">
@@ -4510,41 +4570,6 @@
           </a:p>
         </p:txBody>
       </p:sp>
-      <p:cxnSp>
-        <p:nvCxnSpPr>
-          <p:cNvPr id="5" name="直線コネクタ 4"/>
-          <p:cNvCxnSpPr/>
-          <p:nvPr/>
-        </p:nvCxnSpPr>
-        <p:spPr>
-          <a:xfrm flipV="1">
-            <a:off x="0" y="1195754"/>
-            <a:ext cx="10673862" cy="2"/>
-          </a:xfrm>
-          <a:prstGeom prst="line">
-            <a:avLst/>
-          </a:prstGeom>
-          <a:ln w="38100">
-            <a:solidFill>
-              <a:srgbClr val="FFFF00"/>
-            </a:solidFill>
-          </a:ln>
-        </p:spPr>
-        <p:style>
-          <a:lnRef idx="1">
-            <a:schemeClr val="accent1"/>
-          </a:lnRef>
-          <a:fillRef idx="0">
-            <a:schemeClr val="accent1"/>
-          </a:fillRef>
-          <a:effectRef idx="0">
-            <a:schemeClr val="accent1"/>
-          </a:effectRef>
-          <a:fontRef idx="minor">
-            <a:schemeClr val="tx1"/>
-          </a:fontRef>
-        </p:style>
-      </p:cxnSp>
       <p:sp>
         <p:nvSpPr>
           <p:cNvPr id="6" name="テキスト ボックス 5"/>
@@ -4789,6 +4814,71 @@
           </a:p>
         </p:txBody>
       </p:sp>
+      <p:pic>
+        <p:nvPicPr>
+          <p:cNvPr id="11" name="図 10"/>
+          <p:cNvPicPr>
+            <a:picLocks noChangeAspect="1"/>
+          </p:cNvPicPr>
+          <p:nvPr/>
+        </p:nvPicPr>
+        <p:blipFill>
+          <a:blip r:embed="rId2" cstate="print">
+            <a:extLst>
+              <a:ext uri="{28A0092B-C50C-407E-A947-70E740481C1C}">
+                <a14:useLocalDpi xmlns:a14="http://schemas.microsoft.com/office/drawing/2010/main" val="0"/>
+              </a:ext>
+            </a:extLst>
+          </a:blip>
+          <a:stretch>
+            <a:fillRect/>
+          </a:stretch>
+        </p:blipFill>
+        <p:spPr>
+          <a:xfrm>
+            <a:off x="10573829" y="802009"/>
+            <a:ext cx="1101583" cy="787489"/>
+          </a:xfrm>
+          <a:prstGeom prst="rect">
+            <a:avLst/>
+          </a:prstGeom>
+        </p:spPr>
+      </p:pic>
+      <p:cxnSp>
+        <p:nvCxnSpPr>
+          <p:cNvPr id="5" name="直線コネクタ 4"/>
+          <p:cNvCxnSpPr/>
+          <p:nvPr/>
+        </p:nvCxnSpPr>
+        <p:spPr>
+          <a:xfrm flipV="1">
+            <a:off x="0" y="1195754"/>
+            <a:ext cx="10673862" cy="2"/>
+          </a:xfrm>
+          <a:prstGeom prst="line">
+            <a:avLst/>
+          </a:prstGeom>
+          <a:ln w="38100">
+            <a:solidFill>
+              <a:srgbClr val="FFFF00"/>
+            </a:solidFill>
+          </a:ln>
+        </p:spPr>
+        <p:style>
+          <a:lnRef idx="1">
+            <a:schemeClr val="accent1"/>
+          </a:lnRef>
+          <a:fillRef idx="0">
+            <a:schemeClr val="accent1"/>
+          </a:fillRef>
+          <a:effectRef idx="0">
+            <a:schemeClr val="accent1"/>
+          </a:effectRef>
+          <a:fontRef idx="minor">
+            <a:schemeClr val="tx1"/>
+          </a:fontRef>
+        </p:style>
+      </p:cxnSp>
     </p:spTree>
     <p:extLst>
       <p:ext uri="{BB962C8B-B14F-4D97-AF65-F5344CB8AC3E}">
@@ -4914,41 +5004,6 @@
           </a:p>
         </p:txBody>
       </p:sp>
-      <p:cxnSp>
-        <p:nvCxnSpPr>
-          <p:cNvPr id="5" name="直線コネクタ 4"/>
-          <p:cNvCxnSpPr/>
-          <p:nvPr/>
-        </p:nvCxnSpPr>
-        <p:spPr>
-          <a:xfrm flipV="1">
-            <a:off x="0" y="1195754"/>
-            <a:ext cx="10673862" cy="2"/>
-          </a:xfrm>
-          <a:prstGeom prst="line">
-            <a:avLst/>
-          </a:prstGeom>
-          <a:ln w="38100">
-            <a:solidFill>
-              <a:srgbClr val="FFFF00"/>
-            </a:solidFill>
-          </a:ln>
-        </p:spPr>
-        <p:style>
-          <a:lnRef idx="1">
-            <a:schemeClr val="accent1"/>
-          </a:lnRef>
-          <a:fillRef idx="0">
-            <a:schemeClr val="accent1"/>
-          </a:fillRef>
-          <a:effectRef idx="0">
-            <a:schemeClr val="accent1"/>
-          </a:effectRef>
-          <a:fontRef idx="minor">
-            <a:schemeClr val="tx1"/>
-          </a:fontRef>
-        </p:style>
-      </p:cxnSp>
       <p:sp>
         <p:nvSpPr>
           <p:cNvPr id="6" name="テキスト ボックス 5"/>
@@ -5191,6 +5246,71 @@
           </a:p>
         </p:txBody>
       </p:sp>
+      <p:pic>
+        <p:nvPicPr>
+          <p:cNvPr id="10" name="図 9"/>
+          <p:cNvPicPr>
+            <a:picLocks noChangeAspect="1"/>
+          </p:cNvPicPr>
+          <p:nvPr/>
+        </p:nvPicPr>
+        <p:blipFill>
+          <a:blip r:embed="rId2" cstate="print">
+            <a:extLst>
+              <a:ext uri="{28A0092B-C50C-407E-A947-70E740481C1C}">
+                <a14:useLocalDpi xmlns:a14="http://schemas.microsoft.com/office/drawing/2010/main" val="0"/>
+              </a:ext>
+            </a:extLst>
+          </a:blip>
+          <a:stretch>
+            <a:fillRect/>
+          </a:stretch>
+        </p:blipFill>
+        <p:spPr>
+          <a:xfrm>
+            <a:off x="10573829" y="802009"/>
+            <a:ext cx="1101583" cy="787489"/>
+          </a:xfrm>
+          <a:prstGeom prst="rect">
+            <a:avLst/>
+          </a:prstGeom>
+        </p:spPr>
+      </p:pic>
+      <p:cxnSp>
+        <p:nvCxnSpPr>
+          <p:cNvPr id="5" name="直線コネクタ 4"/>
+          <p:cNvCxnSpPr/>
+          <p:nvPr/>
+        </p:nvCxnSpPr>
+        <p:spPr>
+          <a:xfrm flipV="1">
+            <a:off x="0" y="1195754"/>
+            <a:ext cx="10673862" cy="2"/>
+          </a:xfrm>
+          <a:prstGeom prst="line">
+            <a:avLst/>
+          </a:prstGeom>
+          <a:ln w="38100">
+            <a:solidFill>
+              <a:srgbClr val="FFFF00"/>
+            </a:solidFill>
+          </a:ln>
+        </p:spPr>
+        <p:style>
+          <a:lnRef idx="1">
+            <a:schemeClr val="accent1"/>
+          </a:lnRef>
+          <a:fillRef idx="0">
+            <a:schemeClr val="accent1"/>
+          </a:fillRef>
+          <a:effectRef idx="0">
+            <a:schemeClr val="accent1"/>
+          </a:effectRef>
+          <a:fontRef idx="minor">
+            <a:schemeClr val="tx1"/>
+          </a:fontRef>
+        </p:style>
+      </p:cxnSp>
     </p:spTree>
     <p:extLst>
       <p:ext uri="{BB962C8B-B14F-4D97-AF65-F5344CB8AC3E}">
@@ -5316,41 +5436,6 @@
           </a:p>
         </p:txBody>
       </p:sp>
-      <p:cxnSp>
-        <p:nvCxnSpPr>
-          <p:cNvPr id="5" name="直線コネクタ 4"/>
-          <p:cNvCxnSpPr/>
-          <p:nvPr/>
-        </p:nvCxnSpPr>
-        <p:spPr>
-          <a:xfrm flipV="1">
-            <a:off x="0" y="1195754"/>
-            <a:ext cx="10673862" cy="2"/>
-          </a:xfrm>
-          <a:prstGeom prst="line">
-            <a:avLst/>
-          </a:prstGeom>
-          <a:ln w="38100">
-            <a:solidFill>
-              <a:srgbClr val="FFFF00"/>
-            </a:solidFill>
-          </a:ln>
-        </p:spPr>
-        <p:style>
-          <a:lnRef idx="1">
-            <a:schemeClr val="accent1"/>
-          </a:lnRef>
-          <a:fillRef idx="0">
-            <a:schemeClr val="accent1"/>
-          </a:fillRef>
-          <a:effectRef idx="0">
-            <a:schemeClr val="accent1"/>
-          </a:effectRef>
-          <a:fontRef idx="minor">
-            <a:schemeClr val="tx1"/>
-          </a:fontRef>
-        </p:style>
-      </p:cxnSp>
       <p:sp>
         <p:nvSpPr>
           <p:cNvPr id="6" name="テキスト ボックス 5"/>
@@ -5593,6 +5678,71 @@
           </a:p>
         </p:txBody>
       </p:sp>
+      <p:pic>
+        <p:nvPicPr>
+          <p:cNvPr id="10" name="図 9"/>
+          <p:cNvPicPr>
+            <a:picLocks noChangeAspect="1"/>
+          </p:cNvPicPr>
+          <p:nvPr/>
+        </p:nvPicPr>
+        <p:blipFill>
+          <a:blip r:embed="rId2" cstate="print">
+            <a:extLst>
+              <a:ext uri="{28A0092B-C50C-407E-A947-70E740481C1C}">
+                <a14:useLocalDpi xmlns:a14="http://schemas.microsoft.com/office/drawing/2010/main" val="0"/>
+              </a:ext>
+            </a:extLst>
+          </a:blip>
+          <a:stretch>
+            <a:fillRect/>
+          </a:stretch>
+        </p:blipFill>
+        <p:spPr>
+          <a:xfrm>
+            <a:off x="10573829" y="802009"/>
+            <a:ext cx="1101583" cy="787489"/>
+          </a:xfrm>
+          <a:prstGeom prst="rect">
+            <a:avLst/>
+          </a:prstGeom>
+        </p:spPr>
+      </p:pic>
+      <p:cxnSp>
+        <p:nvCxnSpPr>
+          <p:cNvPr id="5" name="直線コネクタ 4"/>
+          <p:cNvCxnSpPr/>
+          <p:nvPr/>
+        </p:nvCxnSpPr>
+        <p:spPr>
+          <a:xfrm flipV="1">
+            <a:off x="0" y="1195754"/>
+            <a:ext cx="10673862" cy="2"/>
+          </a:xfrm>
+          <a:prstGeom prst="line">
+            <a:avLst/>
+          </a:prstGeom>
+          <a:ln w="38100">
+            <a:solidFill>
+              <a:srgbClr val="FFFF00"/>
+            </a:solidFill>
+          </a:ln>
+        </p:spPr>
+        <p:style>
+          <a:lnRef idx="1">
+            <a:schemeClr val="accent1"/>
+          </a:lnRef>
+          <a:fillRef idx="0">
+            <a:schemeClr val="accent1"/>
+          </a:fillRef>
+          <a:effectRef idx="0">
+            <a:schemeClr val="accent1"/>
+          </a:effectRef>
+          <a:fontRef idx="minor">
+            <a:schemeClr val="tx1"/>
+          </a:fontRef>
+        </p:style>
+      </p:cxnSp>
     </p:spTree>
     <p:extLst>
       <p:ext uri="{BB962C8B-B14F-4D97-AF65-F5344CB8AC3E}">
@@ -5718,41 +5868,6 @@
           </a:p>
         </p:txBody>
       </p:sp>
-      <p:cxnSp>
-        <p:nvCxnSpPr>
-          <p:cNvPr id="5" name="直線コネクタ 4"/>
-          <p:cNvCxnSpPr/>
-          <p:nvPr/>
-        </p:nvCxnSpPr>
-        <p:spPr>
-          <a:xfrm flipV="1">
-            <a:off x="0" y="1195754"/>
-            <a:ext cx="10673862" cy="2"/>
-          </a:xfrm>
-          <a:prstGeom prst="line">
-            <a:avLst/>
-          </a:prstGeom>
-          <a:ln w="38100">
-            <a:solidFill>
-              <a:srgbClr val="FFFF00"/>
-            </a:solidFill>
-          </a:ln>
-        </p:spPr>
-        <p:style>
-          <a:lnRef idx="1">
-            <a:schemeClr val="accent1"/>
-          </a:lnRef>
-          <a:fillRef idx="0">
-            <a:schemeClr val="accent1"/>
-          </a:fillRef>
-          <a:effectRef idx="0">
-            <a:schemeClr val="accent1"/>
-          </a:effectRef>
-          <a:fontRef idx="minor">
-            <a:schemeClr val="tx1"/>
-          </a:fontRef>
-        </p:style>
-      </p:cxnSp>
       <p:sp>
         <p:nvSpPr>
           <p:cNvPr id="6" name="テキスト ボックス 5"/>
@@ -5995,6 +6110,71 @@
           </a:p>
         </p:txBody>
       </p:sp>
+      <p:pic>
+        <p:nvPicPr>
+          <p:cNvPr id="10" name="図 9"/>
+          <p:cNvPicPr>
+            <a:picLocks noChangeAspect="1"/>
+          </p:cNvPicPr>
+          <p:nvPr/>
+        </p:nvPicPr>
+        <p:blipFill>
+          <a:blip r:embed="rId2" cstate="print">
+            <a:extLst>
+              <a:ext uri="{28A0092B-C50C-407E-A947-70E740481C1C}">
+                <a14:useLocalDpi xmlns:a14="http://schemas.microsoft.com/office/drawing/2010/main" val="0"/>
+              </a:ext>
+            </a:extLst>
+          </a:blip>
+          <a:stretch>
+            <a:fillRect/>
+          </a:stretch>
+        </p:blipFill>
+        <p:spPr>
+          <a:xfrm>
+            <a:off x="10573829" y="802009"/>
+            <a:ext cx="1101583" cy="787489"/>
+          </a:xfrm>
+          <a:prstGeom prst="rect">
+            <a:avLst/>
+          </a:prstGeom>
+        </p:spPr>
+      </p:pic>
+      <p:cxnSp>
+        <p:nvCxnSpPr>
+          <p:cNvPr id="5" name="直線コネクタ 4"/>
+          <p:cNvCxnSpPr/>
+          <p:nvPr/>
+        </p:nvCxnSpPr>
+        <p:spPr>
+          <a:xfrm flipV="1">
+            <a:off x="0" y="1195754"/>
+            <a:ext cx="10673862" cy="2"/>
+          </a:xfrm>
+          <a:prstGeom prst="line">
+            <a:avLst/>
+          </a:prstGeom>
+          <a:ln w="38100">
+            <a:solidFill>
+              <a:srgbClr val="FFFF00"/>
+            </a:solidFill>
+          </a:ln>
+        </p:spPr>
+        <p:style>
+          <a:lnRef idx="1">
+            <a:schemeClr val="accent1"/>
+          </a:lnRef>
+          <a:fillRef idx="0">
+            <a:schemeClr val="accent1"/>
+          </a:fillRef>
+          <a:effectRef idx="0">
+            <a:schemeClr val="accent1"/>
+          </a:effectRef>
+          <a:fontRef idx="minor">
+            <a:schemeClr val="tx1"/>
+          </a:fontRef>
+        </p:style>
+      </p:cxnSp>
     </p:spTree>
     <p:extLst>
       <p:ext uri="{BB962C8B-B14F-4D97-AF65-F5344CB8AC3E}">
@@ -6108,27 +6288,7 @@
                 <a:latin typeface="HGS明朝E" panose="02020900000000000000" pitchFamily="18" charset="-128"/>
                 <a:ea typeface="HGS明朝E" panose="02020900000000000000" pitchFamily="18" charset="-128"/>
               </a:rPr>
-              <a:t>説明</a:t>
-            </a:r>
-            <a:r>
-              <a:rPr lang="ja-JP" altLang="en-US" sz="5400" b="1" dirty="0" smtClean="0">
-                <a:solidFill>
-                  <a:schemeClr val="bg1"/>
-                </a:solidFill>
-                <a:latin typeface="HGS明朝E" panose="02020900000000000000" pitchFamily="18" charset="-128"/>
-                <a:ea typeface="HGS明朝E" panose="02020900000000000000" pitchFamily="18" charset="-128"/>
-              </a:rPr>
-              <a:t>～トラップ説明</a:t>
-            </a:r>
-            <a:r>
-              <a:rPr lang="ja-JP" altLang="en-US" sz="5400" b="1" dirty="0" smtClean="0">
-                <a:solidFill>
-                  <a:schemeClr val="bg1"/>
-                </a:solidFill>
-                <a:latin typeface="HGS明朝E" panose="02020900000000000000" pitchFamily="18" charset="-128"/>
-                <a:ea typeface="HGS明朝E" panose="02020900000000000000" pitchFamily="18" charset="-128"/>
-              </a:rPr>
-              <a:t>～</a:t>
+              <a:t>説明～トラップ説明～</a:t>
             </a:r>
             <a:endParaRPr kumimoji="1" lang="ja-JP" altLang="en-US" sz="5400" b="1" dirty="0">
               <a:solidFill>
@@ -6140,6 +6300,143 @@
           </a:p>
         </p:txBody>
       </p:sp>
+      <p:sp>
+        <p:nvSpPr>
+          <p:cNvPr id="7" name="テキスト ボックス 6"/>
+          <p:cNvSpPr txBox="1"/>
+          <p:nvPr/>
+        </p:nvSpPr>
+        <p:spPr>
+          <a:xfrm>
+            <a:off x="481501" y="2457217"/>
+            <a:ext cx="10905550" cy="3139321"/>
+          </a:xfrm>
+          <a:prstGeom prst="rect">
+            <a:avLst/>
+          </a:prstGeom>
+          <a:noFill/>
+        </p:spPr>
+        <p:txBody>
+          <a:bodyPr wrap="none" rtlCol="0">
+            <a:spAutoFit/>
+          </a:bodyPr>
+          <a:lstStyle/>
+          <a:p>
+            <a:pPr>
+              <a:lnSpc>
+                <a:spcPct val="150000"/>
+              </a:lnSpc>
+            </a:pPr>
+            <a:r>
+              <a:rPr lang="ja-JP" altLang="en-US" sz="4400" b="1" dirty="0" smtClean="0">
+                <a:solidFill>
+                  <a:schemeClr val="bg1"/>
+                </a:solidFill>
+              </a:rPr>
+              <a:t>プレイヤーは戦闘中に</a:t>
+            </a:r>
+            <a:r>
+              <a:rPr lang="ja-JP" altLang="en-US" sz="4400" b="1" dirty="0" smtClean="0">
+                <a:solidFill>
+                  <a:srgbClr val="FFFF00"/>
+                </a:solidFill>
+              </a:rPr>
+              <a:t>トラップ</a:t>
+            </a:r>
+            <a:r>
+              <a:rPr lang="ja-JP" altLang="en-US" sz="4400" b="1" dirty="0" smtClean="0">
+                <a:solidFill>
+                  <a:schemeClr val="bg1"/>
+                </a:solidFill>
+              </a:rPr>
+              <a:t>を仕掛ける</a:t>
+            </a:r>
+            <a:endParaRPr lang="en-US" altLang="ja-JP" sz="4400" b="1" dirty="0" smtClean="0">
+              <a:solidFill>
+                <a:schemeClr val="bg1"/>
+              </a:solidFill>
+            </a:endParaRPr>
+          </a:p>
+          <a:p>
+            <a:pPr>
+              <a:lnSpc>
+                <a:spcPct val="150000"/>
+              </a:lnSpc>
+            </a:pPr>
+            <a:r>
+              <a:rPr kumimoji="1" lang="ja-JP" altLang="en-US" sz="4400" b="1" dirty="0" smtClean="0">
+                <a:solidFill>
+                  <a:schemeClr val="bg1"/>
+                </a:solidFill>
+              </a:rPr>
+              <a:t>ことができ敵の妨害をすることができる。</a:t>
+            </a:r>
+            <a:endParaRPr kumimoji="1" lang="en-US" altLang="ja-JP" sz="4400" b="1" dirty="0" smtClean="0">
+              <a:solidFill>
+                <a:schemeClr val="bg1"/>
+              </a:solidFill>
+            </a:endParaRPr>
+          </a:p>
+          <a:p>
+            <a:pPr>
+              <a:lnSpc>
+                <a:spcPct val="150000"/>
+              </a:lnSpc>
+            </a:pPr>
+            <a:r>
+              <a:rPr lang="ja-JP" altLang="en-US" sz="4400" b="1" dirty="0" smtClean="0">
+                <a:solidFill>
+                  <a:srgbClr val="FFFF00"/>
+                </a:solidFill>
+              </a:rPr>
+              <a:t>トラップ</a:t>
+            </a:r>
+            <a:r>
+              <a:rPr lang="ja-JP" altLang="en-US" sz="4400" b="1" dirty="0" smtClean="0">
+                <a:solidFill>
+                  <a:schemeClr val="bg1"/>
+                </a:solidFill>
+              </a:rPr>
+              <a:t>を駆使して展開を有利に進めよう</a:t>
+            </a:r>
+            <a:endParaRPr kumimoji="1" lang="en-US" altLang="ja-JP" sz="4400" b="1" dirty="0" smtClean="0">
+              <a:solidFill>
+                <a:schemeClr val="bg1"/>
+              </a:solidFill>
+            </a:endParaRPr>
+          </a:p>
+        </p:txBody>
+      </p:sp>
+      <p:pic>
+        <p:nvPicPr>
+          <p:cNvPr id="6" name="図 5"/>
+          <p:cNvPicPr>
+            <a:picLocks noChangeAspect="1"/>
+          </p:cNvPicPr>
+          <p:nvPr/>
+        </p:nvPicPr>
+        <p:blipFill>
+          <a:blip r:embed="rId2" cstate="print">
+            <a:extLst>
+              <a:ext uri="{28A0092B-C50C-407E-A947-70E740481C1C}">
+                <a14:useLocalDpi xmlns:a14="http://schemas.microsoft.com/office/drawing/2010/main" val="0"/>
+              </a:ext>
+            </a:extLst>
+          </a:blip>
+          <a:stretch>
+            <a:fillRect/>
+          </a:stretch>
+        </p:blipFill>
+        <p:spPr>
+          <a:xfrm>
+            <a:off x="10573829" y="802009"/>
+            <a:ext cx="1101583" cy="787489"/>
+          </a:xfrm>
+          <a:prstGeom prst="rect">
+            <a:avLst/>
+          </a:prstGeom>
+        </p:spPr>
+      </p:pic>
       <p:cxnSp>
         <p:nvCxnSpPr>
           <p:cNvPr id="5" name="直線コネクタ 4"/>
@@ -6175,113 +6472,6 @@
           </a:fontRef>
         </p:style>
       </p:cxnSp>
-      <p:sp>
-        <p:nvSpPr>
-          <p:cNvPr id="7" name="テキスト ボックス 6"/>
-          <p:cNvSpPr txBox="1"/>
-          <p:nvPr/>
-        </p:nvSpPr>
-        <p:spPr>
-          <a:xfrm>
-            <a:off x="481501" y="2457217"/>
-            <a:ext cx="10905550" cy="3139321"/>
-          </a:xfrm>
-          <a:prstGeom prst="rect">
-            <a:avLst/>
-          </a:prstGeom>
-          <a:noFill/>
-        </p:spPr>
-        <p:txBody>
-          <a:bodyPr wrap="none" rtlCol="0">
-            <a:spAutoFit/>
-          </a:bodyPr>
-          <a:lstStyle/>
-          <a:p>
-            <a:pPr>
-              <a:lnSpc>
-                <a:spcPct val="150000"/>
-              </a:lnSpc>
-            </a:pPr>
-            <a:r>
-              <a:rPr lang="ja-JP" altLang="en-US" sz="4400" b="1" dirty="0" smtClean="0">
-                <a:solidFill>
-                  <a:schemeClr val="bg1"/>
-                </a:solidFill>
-              </a:rPr>
-              <a:t>プレイヤーは戦闘中に</a:t>
-            </a:r>
-            <a:r>
-              <a:rPr lang="ja-JP" altLang="en-US" sz="4400" b="1" dirty="0" smtClean="0">
-                <a:solidFill>
-                  <a:srgbClr val="FFFF00"/>
-                </a:solidFill>
-              </a:rPr>
-              <a:t>トラップ</a:t>
-            </a:r>
-            <a:r>
-              <a:rPr lang="ja-JP" altLang="en-US" sz="4400" b="1" dirty="0" smtClean="0">
-                <a:solidFill>
-                  <a:schemeClr val="bg1"/>
-                </a:solidFill>
-              </a:rPr>
-              <a:t>を仕掛ける</a:t>
-            </a:r>
-            <a:endParaRPr lang="en-US" altLang="ja-JP" sz="4400" b="1" dirty="0" smtClean="0">
-              <a:solidFill>
-                <a:schemeClr val="bg1"/>
-              </a:solidFill>
-            </a:endParaRPr>
-          </a:p>
-          <a:p>
-            <a:pPr>
-              <a:lnSpc>
-                <a:spcPct val="150000"/>
-              </a:lnSpc>
-            </a:pPr>
-            <a:r>
-              <a:rPr kumimoji="1" lang="ja-JP" altLang="en-US" sz="4400" b="1" dirty="0" smtClean="0">
-                <a:solidFill>
-                  <a:schemeClr val="bg1"/>
-                </a:solidFill>
-              </a:rPr>
-              <a:t>ことができ敵の妨害をすることができる。</a:t>
-            </a:r>
-            <a:endParaRPr kumimoji="1" lang="en-US" altLang="ja-JP" sz="4400" b="1" dirty="0" smtClean="0">
-              <a:solidFill>
-                <a:schemeClr val="bg1"/>
-              </a:solidFill>
-            </a:endParaRPr>
-          </a:p>
-          <a:p>
-            <a:pPr>
-              <a:lnSpc>
-                <a:spcPct val="150000"/>
-              </a:lnSpc>
-            </a:pPr>
-            <a:r>
-              <a:rPr lang="ja-JP" altLang="en-US" sz="4400" b="1" dirty="0" smtClean="0">
-                <a:solidFill>
-                  <a:srgbClr val="FFFF00"/>
-                </a:solidFill>
-              </a:rPr>
-              <a:t>トラップ</a:t>
-            </a:r>
-            <a:r>
-              <a:rPr lang="ja-JP" altLang="en-US" sz="4400" b="1" dirty="0" smtClean="0">
-                <a:solidFill>
-                  <a:schemeClr val="bg1"/>
-                </a:solidFill>
-              </a:rPr>
-              <a:t>を駆使して展開を有利に進めよう</a:t>
-            </a:r>
-            <a:endParaRPr kumimoji="1" lang="en-US" altLang="ja-JP" sz="4400" b="1" dirty="0" smtClean="0">
-              <a:solidFill>
-                <a:schemeClr val="bg1"/>
-              </a:solidFill>
-            </a:endParaRPr>
-          </a:p>
-        </p:txBody>
-      </p:sp>
     </p:spTree>
     <p:extLst>
       <p:ext uri="{BB962C8B-B14F-4D97-AF65-F5344CB8AC3E}">
@@ -6395,27 +6585,7 @@
                 <a:latin typeface="HGS明朝E" panose="02020900000000000000" pitchFamily="18" charset="-128"/>
                 <a:ea typeface="HGS明朝E" panose="02020900000000000000" pitchFamily="18" charset="-128"/>
               </a:rPr>
-              <a:t>説明</a:t>
-            </a:r>
-            <a:r>
-              <a:rPr lang="ja-JP" altLang="en-US" sz="5400" b="1" dirty="0" smtClean="0">
-                <a:solidFill>
-                  <a:schemeClr val="bg1"/>
-                </a:solidFill>
-                <a:latin typeface="HGS明朝E" panose="02020900000000000000" pitchFamily="18" charset="-128"/>
-                <a:ea typeface="HGS明朝E" panose="02020900000000000000" pitchFamily="18" charset="-128"/>
-              </a:rPr>
-              <a:t>～トラップ説明</a:t>
-            </a:r>
-            <a:r>
-              <a:rPr lang="ja-JP" altLang="en-US" sz="5400" b="1" dirty="0" smtClean="0">
-                <a:solidFill>
-                  <a:schemeClr val="bg1"/>
-                </a:solidFill>
-                <a:latin typeface="HGS明朝E" panose="02020900000000000000" pitchFamily="18" charset="-128"/>
-                <a:ea typeface="HGS明朝E" panose="02020900000000000000" pitchFamily="18" charset="-128"/>
-              </a:rPr>
-              <a:t>～</a:t>
+              <a:t>説明～トラップ説明～</a:t>
             </a:r>
             <a:endParaRPr kumimoji="1" lang="ja-JP" altLang="en-US" sz="5400" b="1" dirty="0">
               <a:solidFill>
@@ -6427,6 +6597,317 @@
           </a:p>
         </p:txBody>
       </p:sp>
+      <p:pic>
+        <p:nvPicPr>
+          <p:cNvPr id="4" name="図 3"/>
+          <p:cNvPicPr>
+            <a:picLocks noChangeAspect="1"/>
+          </p:cNvPicPr>
+          <p:nvPr/>
+        </p:nvPicPr>
+        <p:blipFill>
+          <a:blip r:embed="rId2">
+            <a:extLst>
+              <a:ext uri="{28A0092B-C50C-407E-A947-70E740481C1C}">
+                <a14:useLocalDpi xmlns:a14="http://schemas.microsoft.com/office/drawing/2010/main" val="0"/>
+              </a:ext>
+            </a:extLst>
+          </a:blip>
+          <a:stretch>
+            <a:fillRect/>
+          </a:stretch>
+        </p:blipFill>
+        <p:spPr>
+          <a:xfrm>
+            <a:off x="1421378" y="2671442"/>
+            <a:ext cx="2438443" cy="2438443"/>
+          </a:xfrm>
+          <a:prstGeom prst="rect">
+            <a:avLst/>
+          </a:prstGeom>
+        </p:spPr>
+      </p:pic>
+      <p:sp>
+        <p:nvSpPr>
+          <p:cNvPr id="6" name="テキスト ボックス 5"/>
+          <p:cNvSpPr txBox="1"/>
+          <p:nvPr/>
+        </p:nvSpPr>
+        <p:spPr>
+          <a:xfrm>
+            <a:off x="2266139" y="1613118"/>
+            <a:ext cx="748923" cy="769441"/>
+          </a:xfrm>
+          <a:prstGeom prst="rect">
+            <a:avLst/>
+          </a:prstGeom>
+          <a:noFill/>
+        </p:spPr>
+        <p:txBody>
+          <a:bodyPr wrap="none" rtlCol="0">
+            <a:spAutoFit/>
+          </a:bodyPr>
+          <a:lstStyle/>
+          <a:p>
+            <a:pPr algn="ctr"/>
+            <a:r>
+              <a:rPr kumimoji="1" lang="ja-JP" altLang="en-US" sz="4400" b="1" dirty="0" smtClean="0">
+                <a:solidFill>
+                  <a:srgbClr val="7030A0"/>
+                </a:solidFill>
+              </a:rPr>
+              <a:t>毒</a:t>
+            </a:r>
+            <a:endParaRPr kumimoji="1" lang="ja-JP" altLang="en-US" sz="4400" b="1" dirty="0">
+              <a:solidFill>
+                <a:srgbClr val="7030A0"/>
+              </a:solidFill>
+            </a:endParaRPr>
+          </a:p>
+        </p:txBody>
+      </p:sp>
+      <p:sp>
+        <p:nvSpPr>
+          <p:cNvPr id="9" name="テキスト ボックス 8"/>
+          <p:cNvSpPr txBox="1"/>
+          <p:nvPr/>
+        </p:nvSpPr>
+        <p:spPr>
+          <a:xfrm>
+            <a:off x="5783942" y="1997839"/>
+            <a:ext cx="4507965" cy="2862322"/>
+          </a:xfrm>
+          <a:prstGeom prst="rect">
+            <a:avLst/>
+          </a:prstGeom>
+          <a:noFill/>
+        </p:spPr>
+        <p:txBody>
+          <a:bodyPr wrap="none" rtlCol="0">
+            <a:spAutoFit/>
+          </a:bodyPr>
+          <a:lstStyle/>
+          <a:p>
+            <a:pPr>
+              <a:lnSpc>
+                <a:spcPct val="150000"/>
+              </a:lnSpc>
+            </a:pPr>
+            <a:r>
+              <a:rPr lang="ja-JP" altLang="en-US" sz="4000" b="1" dirty="0">
+                <a:solidFill>
+                  <a:schemeClr val="bg1"/>
+                </a:solidFill>
+              </a:rPr>
+              <a:t>▶ </a:t>
+            </a:r>
+            <a:r>
+              <a:rPr lang="ja-JP" altLang="en-US" sz="4000" b="1" dirty="0" smtClean="0">
+                <a:solidFill>
+                  <a:schemeClr val="bg1"/>
+                </a:solidFill>
+              </a:rPr>
+              <a:t>効果時間：</a:t>
+            </a:r>
+            <a:r>
+              <a:rPr lang="en-US" altLang="ja-JP" sz="4000" b="1" dirty="0" smtClean="0">
+                <a:solidFill>
+                  <a:schemeClr val="bg1"/>
+                </a:solidFill>
+              </a:rPr>
+              <a:t>10</a:t>
+            </a:r>
+            <a:r>
+              <a:rPr lang="ja-JP" altLang="en-US" sz="4000" b="1" dirty="0" smtClean="0">
+                <a:solidFill>
+                  <a:schemeClr val="bg1"/>
+                </a:solidFill>
+              </a:rPr>
+              <a:t>秒</a:t>
+            </a:r>
+            <a:endParaRPr lang="en-US" altLang="ja-JP" sz="4000" b="1" dirty="0">
+              <a:solidFill>
+                <a:schemeClr val="bg1"/>
+              </a:solidFill>
+            </a:endParaRPr>
+          </a:p>
+          <a:p>
+            <a:pPr>
+              <a:lnSpc>
+                <a:spcPct val="150000"/>
+              </a:lnSpc>
+            </a:pPr>
+            <a:r>
+              <a:rPr lang="ja-JP" altLang="en-US" sz="4000" b="1" dirty="0" smtClean="0">
+                <a:solidFill>
+                  <a:schemeClr val="bg1"/>
+                </a:solidFill>
+              </a:rPr>
+              <a:t>▶ </a:t>
+            </a:r>
+            <a:r>
+              <a:rPr lang="ja-JP" altLang="en-US" sz="4000" b="1" dirty="0">
+                <a:solidFill>
+                  <a:schemeClr val="bg1"/>
+                </a:solidFill>
+              </a:rPr>
+              <a:t>ダメージ</a:t>
+            </a:r>
+            <a:r>
+              <a:rPr lang="ja-JP" altLang="en-US" sz="4000" b="1" dirty="0" smtClean="0">
+                <a:solidFill>
+                  <a:schemeClr val="bg1"/>
+                </a:solidFill>
+              </a:rPr>
+              <a:t>：小</a:t>
+            </a:r>
+            <a:endParaRPr lang="en-US" altLang="ja-JP" sz="4000" b="1" dirty="0" smtClean="0">
+              <a:solidFill>
+                <a:schemeClr val="bg1"/>
+              </a:solidFill>
+            </a:endParaRPr>
+          </a:p>
+          <a:p>
+            <a:pPr>
+              <a:lnSpc>
+                <a:spcPct val="150000"/>
+              </a:lnSpc>
+            </a:pPr>
+            <a:r>
+              <a:rPr lang="ja-JP" altLang="en-US" sz="4000" b="1" dirty="0" smtClean="0">
+                <a:solidFill>
+                  <a:schemeClr val="bg1"/>
+                </a:solidFill>
+              </a:rPr>
+              <a:t>▶ 効果範囲：中</a:t>
+            </a:r>
+            <a:endParaRPr kumimoji="1" lang="en-US" altLang="ja-JP" sz="4000" b="1" dirty="0" smtClean="0">
+              <a:solidFill>
+                <a:schemeClr val="bg1"/>
+              </a:solidFill>
+            </a:endParaRPr>
+          </a:p>
+        </p:txBody>
+      </p:sp>
+      <p:sp>
+        <p:nvSpPr>
+          <p:cNvPr id="12" name="テキスト ボックス 11"/>
+          <p:cNvSpPr txBox="1"/>
+          <p:nvPr/>
+        </p:nvSpPr>
+        <p:spPr>
+          <a:xfrm>
+            <a:off x="1125413" y="5522209"/>
+            <a:ext cx="10379765" cy="707886"/>
+          </a:xfrm>
+          <a:prstGeom prst="rect">
+            <a:avLst/>
+          </a:prstGeom>
+          <a:noFill/>
+        </p:spPr>
+        <p:txBody>
+          <a:bodyPr wrap="none" rtlCol="0">
+            <a:spAutoFit/>
+          </a:bodyPr>
+          <a:lstStyle/>
+          <a:p>
+            <a:r>
+              <a:rPr lang="ja-JP" altLang="en-US" sz="4000" b="1" dirty="0">
+                <a:solidFill>
+                  <a:srgbClr val="7030A0"/>
+                </a:solidFill>
+              </a:rPr>
+              <a:t>特徴</a:t>
+            </a:r>
+            <a:r>
+              <a:rPr lang="ja-JP" altLang="en-US" sz="4000" b="1" dirty="0">
+                <a:solidFill>
+                  <a:schemeClr val="bg1"/>
+                </a:solidFill>
+              </a:rPr>
+              <a:t> </a:t>
+            </a:r>
+            <a:r>
+              <a:rPr lang="en-US" altLang="ja-JP" sz="4000" b="1" dirty="0">
+                <a:solidFill>
+                  <a:schemeClr val="bg1"/>
+                </a:solidFill>
+              </a:rPr>
+              <a:t>: </a:t>
+            </a:r>
+            <a:r>
+              <a:rPr lang="ja-JP" altLang="en-US" sz="4000" b="1" dirty="0">
+                <a:solidFill>
+                  <a:schemeClr val="bg1"/>
+                </a:solidFill>
+              </a:rPr>
+              <a:t>毒を</a:t>
+            </a:r>
+            <a:r>
+              <a:rPr lang="ja-JP" altLang="en-US" sz="4000" b="1" dirty="0" smtClean="0">
+                <a:solidFill>
+                  <a:schemeClr val="bg1"/>
+                </a:solidFill>
+              </a:rPr>
+              <a:t>使っ</a:t>
+            </a:r>
+            <a:r>
+              <a:rPr lang="ja-JP" altLang="en-US" sz="4000" b="1" dirty="0">
+                <a:solidFill>
+                  <a:schemeClr val="bg1"/>
+                </a:solidFill>
+              </a:rPr>
+              <a:t>て</a:t>
+            </a:r>
+            <a:r>
+              <a:rPr lang="ja-JP" altLang="en-US" sz="4000" b="1" dirty="0" smtClean="0">
+                <a:solidFill>
+                  <a:schemeClr val="bg1"/>
+                </a:solidFill>
+              </a:rPr>
+              <a:t>敵</a:t>
+            </a:r>
+            <a:r>
+              <a:rPr lang="ja-JP" altLang="en-US" sz="4000" b="1" dirty="0">
+                <a:solidFill>
+                  <a:schemeClr val="bg1"/>
+                </a:solidFill>
+              </a:rPr>
+              <a:t>に継続ダメージを与える</a:t>
+            </a:r>
+          </a:p>
+        </p:txBody>
+      </p:sp>
+      <p:pic>
+        <p:nvPicPr>
+          <p:cNvPr id="10" name="図 9"/>
+          <p:cNvPicPr>
+            <a:picLocks noChangeAspect="1"/>
+          </p:cNvPicPr>
+          <p:nvPr/>
+        </p:nvPicPr>
+        <p:blipFill>
+          <a:blip r:embed="rId3" cstate="print">
+            <a:extLst>
+              <a:ext uri="{28A0092B-C50C-407E-A947-70E740481C1C}">
+                <a14:useLocalDpi xmlns:a14="http://schemas.microsoft.com/office/drawing/2010/main" val="0"/>
+              </a:ext>
+            </a:extLst>
+          </a:blip>
+          <a:stretch>
+            <a:fillRect/>
+          </a:stretch>
+        </p:blipFill>
+        <p:spPr>
+          <a:xfrm>
+            <a:off x="10573829" y="802009"/>
+            <a:ext cx="1101583" cy="787489"/>
+          </a:xfrm>
+          <a:prstGeom prst="rect">
+            <a:avLst/>
+          </a:prstGeom>
+        </p:spPr>
+      </p:pic>
       <p:cxnSp>
         <p:nvCxnSpPr>
           <p:cNvPr id="5" name="直線コネクタ 4"/>
@@ -6462,300 +6943,6 @@
           </a:fontRef>
         </p:style>
       </p:cxnSp>
-      <p:pic>
-        <p:nvPicPr>
-          <p:cNvPr id="4" name="図 3"/>
-          <p:cNvPicPr>
-            <a:picLocks noChangeAspect="1"/>
-          </p:cNvPicPr>
-          <p:nvPr/>
-        </p:nvPicPr>
-        <p:blipFill>
-          <a:blip r:embed="rId2">
-            <a:extLst>
-              <a:ext uri="{28A0092B-C50C-407E-A947-70E740481C1C}">
-                <a14:useLocalDpi xmlns:a14="http://schemas.microsoft.com/office/drawing/2010/main" val="0"/>
-              </a:ext>
-            </a:extLst>
-          </a:blip>
-          <a:stretch>
-            <a:fillRect/>
-          </a:stretch>
-        </p:blipFill>
-        <p:spPr>
-          <a:xfrm>
-            <a:off x="1421378" y="2671442"/>
-            <a:ext cx="2438443" cy="2438443"/>
-          </a:xfrm>
-          <a:prstGeom prst="rect">
-            <a:avLst/>
-          </a:prstGeom>
-        </p:spPr>
-      </p:pic>
-      <p:sp>
-        <p:nvSpPr>
-          <p:cNvPr id="6" name="テキスト ボックス 5"/>
-          <p:cNvSpPr txBox="1"/>
-          <p:nvPr/>
-        </p:nvSpPr>
-        <p:spPr>
-          <a:xfrm>
-            <a:off x="2266139" y="1613118"/>
-            <a:ext cx="748923" cy="769441"/>
-          </a:xfrm>
-          <a:prstGeom prst="rect">
-            <a:avLst/>
-          </a:prstGeom>
-          <a:noFill/>
-        </p:spPr>
-        <p:txBody>
-          <a:bodyPr wrap="none" rtlCol="0">
-            <a:spAutoFit/>
-          </a:bodyPr>
-          <a:lstStyle/>
-          <a:p>
-            <a:pPr algn="ctr"/>
-            <a:r>
-              <a:rPr kumimoji="1" lang="ja-JP" altLang="en-US" sz="4400" b="1" dirty="0" smtClean="0">
-                <a:solidFill>
-                  <a:srgbClr val="7030A0"/>
-                </a:solidFill>
-              </a:rPr>
-              <a:t>毒</a:t>
-            </a:r>
-            <a:endParaRPr kumimoji="1" lang="ja-JP" altLang="en-US" sz="4400" b="1" dirty="0">
-              <a:solidFill>
-                <a:srgbClr val="7030A0"/>
-              </a:solidFill>
-            </a:endParaRPr>
-          </a:p>
-        </p:txBody>
-      </p:sp>
-      <p:sp>
-        <p:nvSpPr>
-          <p:cNvPr id="9" name="テキスト ボックス 8"/>
-          <p:cNvSpPr txBox="1"/>
-          <p:nvPr/>
-        </p:nvSpPr>
-        <p:spPr>
-          <a:xfrm>
-            <a:off x="5783942" y="1997839"/>
-            <a:ext cx="4507965" cy="2862322"/>
-          </a:xfrm>
-          <a:prstGeom prst="rect">
-            <a:avLst/>
-          </a:prstGeom>
-          <a:noFill/>
-        </p:spPr>
-        <p:txBody>
-          <a:bodyPr wrap="none" rtlCol="0">
-            <a:spAutoFit/>
-          </a:bodyPr>
-          <a:lstStyle/>
-          <a:p>
-            <a:pPr>
-              <a:lnSpc>
-                <a:spcPct val="150000"/>
-              </a:lnSpc>
-            </a:pPr>
-            <a:r>
-              <a:rPr lang="ja-JP" altLang="en-US" sz="4000" b="1" dirty="0">
-                <a:solidFill>
-                  <a:schemeClr val="bg1"/>
-                </a:solidFill>
-              </a:rPr>
-              <a:t>▶ </a:t>
-            </a:r>
-            <a:r>
-              <a:rPr lang="ja-JP" altLang="en-US" sz="4000" b="1" dirty="0" smtClean="0">
-                <a:solidFill>
-                  <a:schemeClr val="bg1"/>
-                </a:solidFill>
-              </a:rPr>
-              <a:t>効果時間：</a:t>
-            </a:r>
-            <a:r>
-              <a:rPr lang="en-US" altLang="ja-JP" sz="4000" b="1" dirty="0" smtClean="0">
-                <a:solidFill>
-                  <a:schemeClr val="bg1"/>
-                </a:solidFill>
-              </a:rPr>
-              <a:t>10</a:t>
-            </a:r>
-            <a:r>
-              <a:rPr lang="ja-JP" altLang="en-US" sz="4000" b="1" dirty="0" smtClean="0">
-                <a:solidFill>
-                  <a:schemeClr val="bg1"/>
-                </a:solidFill>
-              </a:rPr>
-              <a:t>秒</a:t>
-            </a:r>
-            <a:endParaRPr lang="en-US" altLang="ja-JP" sz="4000" b="1" dirty="0">
-              <a:solidFill>
-                <a:schemeClr val="bg1"/>
-              </a:solidFill>
-            </a:endParaRPr>
-          </a:p>
-          <a:p>
-            <a:pPr>
-              <a:lnSpc>
-                <a:spcPct val="150000"/>
-              </a:lnSpc>
-            </a:pPr>
-            <a:r>
-              <a:rPr lang="ja-JP" altLang="en-US" sz="4000" b="1" dirty="0" smtClean="0">
-                <a:solidFill>
-                  <a:schemeClr val="bg1"/>
-                </a:solidFill>
-              </a:rPr>
-              <a:t>▶ </a:t>
-            </a:r>
-            <a:r>
-              <a:rPr lang="ja-JP" altLang="en-US" sz="4000" b="1" dirty="0">
-                <a:solidFill>
-                  <a:schemeClr val="bg1"/>
-                </a:solidFill>
-              </a:rPr>
-              <a:t>ダメージ</a:t>
-            </a:r>
-            <a:r>
-              <a:rPr lang="ja-JP" altLang="en-US" sz="4000" b="1" dirty="0" smtClean="0">
-                <a:solidFill>
-                  <a:schemeClr val="bg1"/>
-                </a:solidFill>
-              </a:rPr>
-              <a:t>：小</a:t>
-            </a:r>
-            <a:endParaRPr lang="en-US" altLang="ja-JP" sz="4000" b="1" dirty="0" smtClean="0">
-              <a:solidFill>
-                <a:schemeClr val="bg1"/>
-              </a:solidFill>
-            </a:endParaRPr>
-          </a:p>
-          <a:p>
-            <a:pPr>
-              <a:lnSpc>
-                <a:spcPct val="150000"/>
-              </a:lnSpc>
-            </a:pPr>
-            <a:r>
-              <a:rPr lang="ja-JP" altLang="en-US" sz="4000" b="1" dirty="0" smtClean="0">
-                <a:solidFill>
-                  <a:schemeClr val="bg1"/>
-                </a:solidFill>
-              </a:rPr>
-              <a:t>▶ </a:t>
-            </a:r>
-            <a:r>
-              <a:rPr lang="ja-JP" altLang="en-US" sz="4000" b="1" dirty="0" smtClean="0">
-                <a:solidFill>
-                  <a:schemeClr val="bg1"/>
-                </a:solidFill>
-              </a:rPr>
-              <a:t>効果範囲：中</a:t>
-            </a:r>
-            <a:endParaRPr kumimoji="1" lang="en-US" altLang="ja-JP" sz="4000" b="1" dirty="0" smtClean="0">
-              <a:solidFill>
-                <a:schemeClr val="bg1"/>
-              </a:solidFill>
-            </a:endParaRPr>
-          </a:p>
-        </p:txBody>
-      </p:sp>
-      <p:sp>
-        <p:nvSpPr>
-          <p:cNvPr id="12" name="テキスト ボックス 11"/>
-          <p:cNvSpPr txBox="1"/>
-          <p:nvPr/>
-        </p:nvSpPr>
-        <p:spPr>
-          <a:xfrm>
-            <a:off x="1125413" y="5522209"/>
-            <a:ext cx="10379765" cy="707886"/>
-          </a:xfrm>
-          <a:prstGeom prst="rect">
-            <a:avLst/>
-          </a:prstGeom>
-          <a:noFill/>
-        </p:spPr>
-        <p:txBody>
-          <a:bodyPr wrap="none" rtlCol="0">
-            <a:spAutoFit/>
-          </a:bodyPr>
-          <a:lstStyle/>
-          <a:p>
-            <a:r>
-              <a:rPr lang="ja-JP" altLang="en-US" sz="4000" b="1" dirty="0">
-                <a:solidFill>
-                  <a:srgbClr val="7030A0"/>
-                </a:solidFill>
-              </a:rPr>
-              <a:t>特徴</a:t>
-            </a:r>
-            <a:r>
-              <a:rPr lang="ja-JP" altLang="en-US" sz="4000" b="1" dirty="0">
-                <a:solidFill>
-                  <a:schemeClr val="bg1"/>
-                </a:solidFill>
-              </a:rPr>
-              <a:t> </a:t>
-            </a:r>
-            <a:r>
-              <a:rPr lang="en-US" altLang="ja-JP" sz="4000" b="1" dirty="0">
-                <a:solidFill>
-                  <a:schemeClr val="bg1"/>
-                </a:solidFill>
-              </a:rPr>
-              <a:t>: </a:t>
-            </a:r>
-            <a:r>
-              <a:rPr lang="ja-JP" altLang="en-US" sz="4000" b="1" dirty="0">
-                <a:solidFill>
-                  <a:schemeClr val="bg1"/>
-                </a:solidFill>
-              </a:rPr>
-              <a:t>毒を</a:t>
-            </a:r>
-            <a:r>
-              <a:rPr lang="ja-JP" altLang="en-US" sz="4000" b="1" dirty="0" smtClean="0">
-                <a:solidFill>
-                  <a:schemeClr val="bg1"/>
-                </a:solidFill>
-              </a:rPr>
-              <a:t>使っ</a:t>
-            </a:r>
-            <a:r>
-              <a:rPr lang="ja-JP" altLang="en-US" sz="4000" b="1" dirty="0">
-                <a:solidFill>
-                  <a:schemeClr val="bg1"/>
-                </a:solidFill>
-              </a:rPr>
-              <a:t>て</a:t>
-            </a:r>
-            <a:r>
-              <a:rPr lang="ja-JP" altLang="en-US" sz="4000" b="1" dirty="0" smtClean="0">
-                <a:solidFill>
-                  <a:schemeClr val="bg1"/>
-                </a:solidFill>
-              </a:rPr>
-              <a:t>敵</a:t>
-            </a:r>
-            <a:r>
-              <a:rPr lang="ja-JP" altLang="en-US" sz="4000" b="1" dirty="0">
-                <a:solidFill>
-                  <a:schemeClr val="bg1"/>
-                </a:solidFill>
-              </a:rPr>
-              <a:t>に継続ダメージを与える</a:t>
-            </a:r>
-            <a:endParaRPr lang="ja-JP" altLang="en-US" sz="4000" b="1" dirty="0">
-              <a:solidFill>
-                <a:schemeClr val="bg1"/>
-              </a:solidFill>
-            </a:endParaRPr>
-          </a:p>
-        </p:txBody>
-      </p:sp>
     </p:spTree>
     <p:extLst>
       <p:ext uri="{BB962C8B-B14F-4D97-AF65-F5344CB8AC3E}">
@@ -6869,27 +7056,7 @@
                 <a:latin typeface="HGS明朝E" panose="02020900000000000000" pitchFamily="18" charset="-128"/>
                 <a:ea typeface="HGS明朝E" panose="02020900000000000000" pitchFamily="18" charset="-128"/>
               </a:rPr>
-              <a:t>説明</a:t>
-            </a:r>
-            <a:r>
-              <a:rPr lang="ja-JP" altLang="en-US" sz="5400" b="1" dirty="0" smtClean="0">
-                <a:solidFill>
-                  <a:schemeClr val="bg1"/>
-                </a:solidFill>
-                <a:latin typeface="HGS明朝E" panose="02020900000000000000" pitchFamily="18" charset="-128"/>
-                <a:ea typeface="HGS明朝E" panose="02020900000000000000" pitchFamily="18" charset="-128"/>
-              </a:rPr>
-              <a:t>～トラップ説明</a:t>
-            </a:r>
-            <a:r>
-              <a:rPr lang="ja-JP" altLang="en-US" sz="5400" b="1" dirty="0" smtClean="0">
-                <a:solidFill>
-                  <a:schemeClr val="bg1"/>
-                </a:solidFill>
-                <a:latin typeface="HGS明朝E" panose="02020900000000000000" pitchFamily="18" charset="-128"/>
-                <a:ea typeface="HGS明朝E" panose="02020900000000000000" pitchFamily="18" charset="-128"/>
-              </a:rPr>
-              <a:t>～</a:t>
+              <a:t>説明～トラップ説明～</a:t>
             </a:r>
             <a:endParaRPr kumimoji="1" lang="ja-JP" altLang="en-US" sz="5400" b="1" dirty="0">
               <a:solidFill>
@@ -6901,6 +7068,320 @@
           </a:p>
         </p:txBody>
       </p:sp>
+      <p:pic>
+        <p:nvPicPr>
+          <p:cNvPr id="4" name="図 3"/>
+          <p:cNvPicPr>
+            <a:picLocks noChangeAspect="1"/>
+          </p:cNvPicPr>
+          <p:nvPr/>
+        </p:nvPicPr>
+        <p:blipFill>
+          <a:blip r:embed="rId2">
+            <a:extLst>
+              <a:ext uri="{28A0092B-C50C-407E-A947-70E740481C1C}">
+                <a14:useLocalDpi xmlns:a14="http://schemas.microsoft.com/office/drawing/2010/main" val="0"/>
+              </a:ext>
+            </a:extLst>
+          </a:blip>
+          <a:stretch>
+            <a:fillRect/>
+          </a:stretch>
+        </p:blipFill>
+        <p:spPr>
+          <a:xfrm>
+            <a:off x="1421378" y="2671442"/>
+            <a:ext cx="2438443" cy="2438443"/>
+          </a:xfrm>
+          <a:prstGeom prst="rect">
+            <a:avLst/>
+          </a:prstGeom>
+        </p:spPr>
+      </p:pic>
+      <p:sp>
+        <p:nvSpPr>
+          <p:cNvPr id="6" name="テキスト ボックス 5"/>
+          <p:cNvSpPr txBox="1"/>
+          <p:nvPr/>
+        </p:nvSpPr>
+        <p:spPr>
+          <a:xfrm>
+            <a:off x="2266139" y="1613118"/>
+            <a:ext cx="748923" cy="769441"/>
+          </a:xfrm>
+          <a:prstGeom prst="rect">
+            <a:avLst/>
+          </a:prstGeom>
+          <a:noFill/>
+        </p:spPr>
+        <p:txBody>
+          <a:bodyPr wrap="none" rtlCol="0">
+            <a:spAutoFit/>
+          </a:bodyPr>
+          <a:lstStyle/>
+          <a:p>
+            <a:pPr algn="ctr"/>
+            <a:r>
+              <a:rPr lang="ja-JP" altLang="en-US" sz="4400" b="1" dirty="0">
+                <a:solidFill>
+                  <a:srgbClr val="00B0F0"/>
+                </a:solidFill>
+              </a:rPr>
+              <a:t>氷</a:t>
+            </a:r>
+            <a:endParaRPr kumimoji="1" lang="ja-JP" altLang="en-US" sz="4400" b="1" dirty="0">
+              <a:solidFill>
+                <a:srgbClr val="00B0F0"/>
+              </a:solidFill>
+            </a:endParaRPr>
+          </a:p>
+        </p:txBody>
+      </p:sp>
+      <p:sp>
+        <p:nvSpPr>
+          <p:cNvPr id="9" name="テキスト ボックス 8"/>
+          <p:cNvSpPr txBox="1"/>
+          <p:nvPr/>
+        </p:nvSpPr>
+        <p:spPr>
+          <a:xfrm>
+            <a:off x="5783942" y="1997839"/>
+            <a:ext cx="5973110" cy="2862322"/>
+          </a:xfrm>
+          <a:prstGeom prst="rect">
+            <a:avLst/>
+          </a:prstGeom>
+          <a:noFill/>
+        </p:spPr>
+        <p:txBody>
+          <a:bodyPr wrap="none" rtlCol="0">
+            <a:spAutoFit/>
+          </a:bodyPr>
+          <a:lstStyle/>
+          <a:p>
+            <a:pPr>
+              <a:lnSpc>
+                <a:spcPct val="150000"/>
+              </a:lnSpc>
+            </a:pPr>
+            <a:r>
+              <a:rPr lang="ja-JP" altLang="en-US" sz="4000" b="1" dirty="0">
+                <a:solidFill>
+                  <a:schemeClr val="bg1"/>
+                </a:solidFill>
+              </a:rPr>
+              <a:t>▶ </a:t>
+            </a:r>
+            <a:r>
+              <a:rPr lang="ja-JP" altLang="en-US" sz="4000" b="1" dirty="0" smtClean="0">
+                <a:solidFill>
+                  <a:schemeClr val="bg1"/>
+                </a:solidFill>
+              </a:rPr>
+              <a:t>効果時間：</a:t>
+            </a:r>
+            <a:r>
+              <a:rPr lang="en-US" altLang="ja-JP" sz="4000" b="1" dirty="0" smtClean="0">
+                <a:solidFill>
+                  <a:schemeClr val="bg1"/>
+                </a:solidFill>
+              </a:rPr>
+              <a:t>15</a:t>
+            </a:r>
+            <a:r>
+              <a:rPr lang="ja-JP" altLang="en-US" sz="4000" b="1" dirty="0" smtClean="0">
+                <a:solidFill>
+                  <a:schemeClr val="bg1"/>
+                </a:solidFill>
+              </a:rPr>
+              <a:t>秒</a:t>
+            </a:r>
+            <a:endParaRPr lang="en-US" altLang="ja-JP" sz="4000" b="1" dirty="0">
+              <a:solidFill>
+                <a:schemeClr val="bg1"/>
+              </a:solidFill>
+            </a:endParaRPr>
+          </a:p>
+          <a:p>
+            <a:pPr>
+              <a:lnSpc>
+                <a:spcPct val="150000"/>
+              </a:lnSpc>
+            </a:pPr>
+            <a:r>
+              <a:rPr lang="ja-JP" altLang="en-US" sz="4000" b="1" dirty="0" smtClean="0">
+                <a:solidFill>
+                  <a:schemeClr val="bg1"/>
+                </a:solidFill>
+              </a:rPr>
+              <a:t>▶ </a:t>
+            </a:r>
+            <a:r>
+              <a:rPr lang="ja-JP" altLang="en-US" sz="4000" b="1" dirty="0">
+                <a:solidFill>
+                  <a:schemeClr val="bg1"/>
+                </a:solidFill>
+              </a:rPr>
+              <a:t>ダメージ</a:t>
+            </a:r>
+            <a:r>
+              <a:rPr lang="ja-JP" altLang="en-US" sz="4000" b="1" dirty="0" smtClean="0">
+                <a:solidFill>
+                  <a:schemeClr val="bg1"/>
+                </a:solidFill>
+              </a:rPr>
+              <a:t>：なし</a:t>
+            </a:r>
+            <a:endParaRPr lang="en-US" altLang="ja-JP" sz="4000" b="1" dirty="0" smtClean="0">
+              <a:solidFill>
+                <a:schemeClr val="bg1"/>
+              </a:solidFill>
+            </a:endParaRPr>
+          </a:p>
+          <a:p>
+            <a:pPr>
+              <a:lnSpc>
+                <a:spcPct val="150000"/>
+              </a:lnSpc>
+            </a:pPr>
+            <a:r>
+              <a:rPr lang="ja-JP" altLang="en-US" sz="4000" b="1" dirty="0" smtClean="0">
+                <a:solidFill>
+                  <a:schemeClr val="bg1"/>
+                </a:solidFill>
+              </a:rPr>
+              <a:t>▶ 効果範囲：通過した敵</a:t>
+            </a:r>
+            <a:endParaRPr kumimoji="1" lang="en-US" altLang="ja-JP" sz="4000" b="1" dirty="0" smtClean="0">
+              <a:solidFill>
+                <a:schemeClr val="bg1"/>
+              </a:solidFill>
+            </a:endParaRPr>
+          </a:p>
+        </p:txBody>
+      </p:sp>
+      <p:sp>
+        <p:nvSpPr>
+          <p:cNvPr id="12" name="テキスト ボックス 11"/>
+          <p:cNvSpPr txBox="1"/>
+          <p:nvPr/>
+        </p:nvSpPr>
+        <p:spPr>
+          <a:xfrm>
+            <a:off x="1125413" y="5522209"/>
+            <a:ext cx="8327921" cy="707886"/>
+          </a:xfrm>
+          <a:prstGeom prst="rect">
+            <a:avLst/>
+          </a:prstGeom>
+          <a:noFill/>
+        </p:spPr>
+        <p:txBody>
+          <a:bodyPr wrap="none" rtlCol="0">
+            <a:spAutoFit/>
+          </a:bodyPr>
+          <a:lstStyle/>
+          <a:p>
+            <a:r>
+              <a:rPr lang="ja-JP" altLang="en-US" sz="4000" b="1" dirty="0">
+                <a:solidFill>
+                  <a:srgbClr val="00B0F0"/>
+                </a:solidFill>
+              </a:rPr>
+              <a:t>特徴</a:t>
+            </a:r>
+            <a:r>
+              <a:rPr lang="ja-JP" altLang="en-US" sz="4000" b="1" dirty="0">
+                <a:solidFill>
+                  <a:schemeClr val="bg1"/>
+                </a:solidFill>
+              </a:rPr>
+              <a:t> </a:t>
+            </a:r>
+            <a:r>
+              <a:rPr lang="en-US" altLang="ja-JP" sz="4000" b="1" dirty="0">
+                <a:solidFill>
+                  <a:schemeClr val="bg1"/>
+                </a:solidFill>
+              </a:rPr>
+              <a:t>: </a:t>
+            </a:r>
+            <a:r>
+              <a:rPr lang="ja-JP" altLang="en-US" sz="4000" b="1" dirty="0" smtClean="0">
+                <a:solidFill>
+                  <a:schemeClr val="bg1"/>
+                </a:solidFill>
+              </a:rPr>
+              <a:t>敵を凍らせて移動を遅らせる</a:t>
+            </a:r>
+            <a:endParaRPr lang="ja-JP" altLang="en-US" sz="4000" b="1" dirty="0">
+              <a:solidFill>
+                <a:schemeClr val="bg1"/>
+              </a:solidFill>
+            </a:endParaRPr>
+          </a:p>
+        </p:txBody>
+      </p:sp>
+      <p:pic>
+        <p:nvPicPr>
+          <p:cNvPr id="7" name="図 6"/>
+          <p:cNvPicPr>
+            <a:picLocks noChangeAspect="1"/>
+          </p:cNvPicPr>
+          <p:nvPr/>
+        </p:nvPicPr>
+        <p:blipFill>
+          <a:blip r:embed="rId3">
+            <a:extLst>
+              <a:ext uri="{28A0092B-C50C-407E-A947-70E740481C1C}">
+                <a14:useLocalDpi xmlns:a14="http://schemas.microsoft.com/office/drawing/2010/main" val="0"/>
+              </a:ext>
+            </a:extLst>
+          </a:blip>
+          <a:stretch>
+            <a:fillRect/>
+          </a:stretch>
+        </p:blipFill>
+        <p:spPr>
+          <a:xfrm>
+            <a:off x="1421378" y="2671442"/>
+            <a:ext cx="2438443" cy="2438443"/>
+          </a:xfrm>
+          <a:prstGeom prst="rect">
+            <a:avLst/>
+          </a:prstGeom>
+        </p:spPr>
+      </p:pic>
+      <p:pic>
+        <p:nvPicPr>
+          <p:cNvPr id="10" name="図 9"/>
+          <p:cNvPicPr>
+            <a:picLocks noChangeAspect="1"/>
+          </p:cNvPicPr>
+          <p:nvPr/>
+        </p:nvPicPr>
+        <p:blipFill>
+          <a:blip r:embed="rId4" cstate="print">
+            <a:extLst>
+              <a:ext uri="{28A0092B-C50C-407E-A947-70E740481C1C}">
+                <a14:useLocalDpi xmlns:a14="http://schemas.microsoft.com/office/drawing/2010/main" val="0"/>
+              </a:ext>
+            </a:extLst>
+          </a:blip>
+          <a:stretch>
+            <a:fillRect/>
+          </a:stretch>
+        </p:blipFill>
+        <p:spPr>
+          <a:xfrm>
+            <a:off x="10573829" y="802009"/>
+            <a:ext cx="1101583" cy="787489"/>
+          </a:xfrm>
+          <a:prstGeom prst="rect">
+            <a:avLst/>
+          </a:prstGeom>
+        </p:spPr>
+      </p:pic>
       <p:cxnSp>
         <p:nvCxnSpPr>
           <p:cNvPr id="5" name="直線コネクタ 4"/>
@@ -6936,298 +7417,6 @@
           </a:fontRef>
         </p:style>
       </p:cxnSp>
-      <p:pic>
-        <p:nvPicPr>
-          <p:cNvPr id="4" name="図 3"/>
-          <p:cNvPicPr>
-            <a:picLocks noChangeAspect="1"/>
-          </p:cNvPicPr>
-          <p:nvPr/>
-        </p:nvPicPr>
-        <p:blipFill>
-          <a:blip r:embed="rId2">
-            <a:extLst>
-              <a:ext uri="{28A0092B-C50C-407E-A947-70E740481C1C}">
-                <a14:useLocalDpi xmlns:a14="http://schemas.microsoft.com/office/drawing/2010/main" val="0"/>
-              </a:ext>
-            </a:extLst>
-          </a:blip>
-          <a:stretch>
-            <a:fillRect/>
-          </a:stretch>
-        </p:blipFill>
-        <p:spPr>
-          <a:xfrm>
-            <a:off x="1421378" y="2671442"/>
-            <a:ext cx="2438443" cy="2438443"/>
-          </a:xfrm>
-          <a:prstGeom prst="rect">
-            <a:avLst/>
-          </a:prstGeom>
-        </p:spPr>
-      </p:pic>
-      <p:sp>
-        <p:nvSpPr>
-          <p:cNvPr id="6" name="テキスト ボックス 5"/>
-          <p:cNvSpPr txBox="1"/>
-          <p:nvPr/>
-        </p:nvSpPr>
-        <p:spPr>
-          <a:xfrm>
-            <a:off x="2266139" y="1613118"/>
-            <a:ext cx="748923" cy="769441"/>
-          </a:xfrm>
-          <a:prstGeom prst="rect">
-            <a:avLst/>
-          </a:prstGeom>
-          <a:noFill/>
-        </p:spPr>
-        <p:txBody>
-          <a:bodyPr wrap="none" rtlCol="0">
-            <a:spAutoFit/>
-          </a:bodyPr>
-          <a:lstStyle/>
-          <a:p>
-            <a:pPr algn="ctr"/>
-            <a:r>
-              <a:rPr lang="ja-JP" altLang="en-US" sz="4400" b="1" dirty="0">
-                <a:solidFill>
-                  <a:srgbClr val="00B0F0"/>
-                </a:solidFill>
-              </a:rPr>
-              <a:t>氷</a:t>
-            </a:r>
-            <a:endParaRPr kumimoji="1" lang="ja-JP" altLang="en-US" sz="4400" b="1" dirty="0">
-              <a:solidFill>
-                <a:srgbClr val="00B0F0"/>
-              </a:solidFill>
-            </a:endParaRPr>
-          </a:p>
-        </p:txBody>
-      </p:sp>
-      <p:sp>
-        <p:nvSpPr>
-          <p:cNvPr id="9" name="テキスト ボックス 8"/>
-          <p:cNvSpPr txBox="1"/>
-          <p:nvPr/>
-        </p:nvSpPr>
-        <p:spPr>
-          <a:xfrm>
-            <a:off x="5783942" y="1997839"/>
-            <a:ext cx="5973110" cy="2862322"/>
-          </a:xfrm>
-          <a:prstGeom prst="rect">
-            <a:avLst/>
-          </a:prstGeom>
-          <a:noFill/>
-        </p:spPr>
-        <p:txBody>
-          <a:bodyPr wrap="none" rtlCol="0">
-            <a:spAutoFit/>
-          </a:bodyPr>
-          <a:lstStyle/>
-          <a:p>
-            <a:pPr>
-              <a:lnSpc>
-                <a:spcPct val="150000"/>
-              </a:lnSpc>
-            </a:pPr>
-            <a:r>
-              <a:rPr lang="ja-JP" altLang="en-US" sz="4000" b="1" dirty="0">
-                <a:solidFill>
-                  <a:schemeClr val="bg1"/>
-                </a:solidFill>
-              </a:rPr>
-              <a:t>▶ </a:t>
-            </a:r>
-            <a:r>
-              <a:rPr lang="ja-JP" altLang="en-US" sz="4000" b="1" dirty="0" smtClean="0">
-                <a:solidFill>
-                  <a:schemeClr val="bg1"/>
-                </a:solidFill>
-              </a:rPr>
-              <a:t>効果時間：</a:t>
-            </a:r>
-            <a:r>
-              <a:rPr lang="en-US" altLang="ja-JP" sz="4000" b="1" dirty="0" smtClean="0">
-                <a:solidFill>
-                  <a:schemeClr val="bg1"/>
-                </a:solidFill>
-              </a:rPr>
-              <a:t>15</a:t>
-            </a:r>
-            <a:r>
-              <a:rPr lang="ja-JP" altLang="en-US" sz="4000" b="1" dirty="0" smtClean="0">
-                <a:solidFill>
-                  <a:schemeClr val="bg1"/>
-                </a:solidFill>
-              </a:rPr>
-              <a:t>秒</a:t>
-            </a:r>
-            <a:endParaRPr lang="en-US" altLang="ja-JP" sz="4000" b="1" dirty="0">
-              <a:solidFill>
-                <a:schemeClr val="bg1"/>
-              </a:solidFill>
-            </a:endParaRPr>
-          </a:p>
-          <a:p>
-            <a:pPr>
-              <a:lnSpc>
-                <a:spcPct val="150000"/>
-              </a:lnSpc>
-            </a:pPr>
-            <a:r>
-              <a:rPr lang="ja-JP" altLang="en-US" sz="4000" b="1" dirty="0" smtClean="0">
-                <a:solidFill>
-                  <a:schemeClr val="bg1"/>
-                </a:solidFill>
-              </a:rPr>
-              <a:t>▶ </a:t>
-            </a:r>
-            <a:r>
-              <a:rPr lang="ja-JP" altLang="en-US" sz="4000" b="1" dirty="0">
-                <a:solidFill>
-                  <a:schemeClr val="bg1"/>
-                </a:solidFill>
-              </a:rPr>
-              <a:t>ダメージ</a:t>
-            </a:r>
-            <a:r>
-              <a:rPr lang="ja-JP" altLang="en-US" sz="4000" b="1" dirty="0" smtClean="0">
-                <a:solidFill>
-                  <a:schemeClr val="bg1"/>
-                </a:solidFill>
-              </a:rPr>
-              <a:t>：なし</a:t>
-            </a:r>
-            <a:endParaRPr lang="en-US" altLang="ja-JP" sz="4000" b="1" dirty="0" smtClean="0">
-              <a:solidFill>
-                <a:schemeClr val="bg1"/>
-              </a:solidFill>
-            </a:endParaRPr>
-          </a:p>
-          <a:p>
-            <a:pPr>
-              <a:lnSpc>
-                <a:spcPct val="150000"/>
-              </a:lnSpc>
-            </a:pPr>
-            <a:r>
-              <a:rPr lang="ja-JP" altLang="en-US" sz="4000" b="1" dirty="0" smtClean="0">
-                <a:solidFill>
-                  <a:schemeClr val="bg1"/>
-                </a:solidFill>
-              </a:rPr>
-              <a:t>▶ </a:t>
-            </a:r>
-            <a:r>
-              <a:rPr lang="ja-JP" altLang="en-US" sz="4000" b="1" dirty="0" smtClean="0">
-                <a:solidFill>
-                  <a:schemeClr val="bg1"/>
-                </a:solidFill>
-              </a:rPr>
-              <a:t>効果範囲：通過した敵</a:t>
-            </a:r>
-            <a:endParaRPr kumimoji="1" lang="en-US" altLang="ja-JP" sz="4000" b="1" dirty="0" smtClean="0">
-              <a:solidFill>
-                <a:schemeClr val="bg1"/>
-              </a:solidFill>
-            </a:endParaRPr>
-          </a:p>
-        </p:txBody>
-      </p:sp>
-      <p:sp>
-        <p:nvSpPr>
-          <p:cNvPr id="12" name="テキスト ボックス 11"/>
-          <p:cNvSpPr txBox="1"/>
-          <p:nvPr/>
-        </p:nvSpPr>
-        <p:spPr>
-          <a:xfrm>
-            <a:off x="1125413" y="5522209"/>
-            <a:ext cx="8327921" cy="707886"/>
-          </a:xfrm>
-          <a:prstGeom prst="rect">
-            <a:avLst/>
-          </a:prstGeom>
-          <a:noFill/>
-        </p:spPr>
-        <p:txBody>
-          <a:bodyPr wrap="none" rtlCol="0">
-            <a:spAutoFit/>
-          </a:bodyPr>
-          <a:lstStyle/>
-          <a:p>
-            <a:r>
-              <a:rPr lang="ja-JP" altLang="en-US" sz="4000" b="1" dirty="0">
-                <a:solidFill>
-                  <a:srgbClr val="00B0F0"/>
-                </a:solidFill>
-              </a:rPr>
-              <a:t>特徴</a:t>
-            </a:r>
-            <a:r>
-              <a:rPr lang="ja-JP" altLang="en-US" sz="4000" b="1" dirty="0">
-                <a:solidFill>
-                  <a:schemeClr val="bg1"/>
-                </a:solidFill>
-              </a:rPr>
-              <a:t> </a:t>
-            </a:r>
-            <a:r>
-              <a:rPr lang="en-US" altLang="ja-JP" sz="4000" b="1" dirty="0">
-                <a:solidFill>
-                  <a:schemeClr val="bg1"/>
-                </a:solidFill>
-              </a:rPr>
-              <a:t>: </a:t>
-            </a:r>
-            <a:r>
-              <a:rPr lang="ja-JP" altLang="en-US" sz="4000" b="1" dirty="0" smtClean="0">
-                <a:solidFill>
-                  <a:schemeClr val="bg1"/>
-                </a:solidFill>
-              </a:rPr>
-              <a:t>敵を凍らせて移動を遅らせる</a:t>
-            </a:r>
-            <a:endParaRPr lang="ja-JP" altLang="en-US" sz="4000" b="1" dirty="0">
-              <a:solidFill>
-                <a:schemeClr val="bg1"/>
-              </a:solidFill>
-            </a:endParaRPr>
-          </a:p>
-        </p:txBody>
-      </p:sp>
-      <p:pic>
-        <p:nvPicPr>
-          <p:cNvPr id="7" name="図 6"/>
-          <p:cNvPicPr>
-            <a:picLocks noChangeAspect="1"/>
-          </p:cNvPicPr>
-          <p:nvPr/>
-        </p:nvPicPr>
-        <p:blipFill>
-          <a:blip r:embed="rId3">
-            <a:extLst>
-              <a:ext uri="{28A0092B-C50C-407E-A947-70E740481C1C}">
-                <a14:useLocalDpi xmlns:a14="http://schemas.microsoft.com/office/drawing/2010/main" val="0"/>
-              </a:ext>
-            </a:extLst>
-          </a:blip>
-          <a:stretch>
-            <a:fillRect/>
-          </a:stretch>
-        </p:blipFill>
-        <p:spPr>
-          <a:xfrm>
-            <a:off x="1421378" y="2671442"/>
-            <a:ext cx="2438443" cy="2438443"/>
-          </a:xfrm>
-          <a:prstGeom prst="rect">
-            <a:avLst/>
-          </a:prstGeom>
-        </p:spPr>
-      </p:pic>
     </p:spTree>
     <p:extLst>
       <p:ext uri="{BB962C8B-B14F-4D97-AF65-F5344CB8AC3E}">
@@ -7341,27 +7530,7 @@
                 <a:latin typeface="HGS明朝E" panose="02020900000000000000" pitchFamily="18" charset="-128"/>
                 <a:ea typeface="HGS明朝E" panose="02020900000000000000" pitchFamily="18" charset="-128"/>
               </a:rPr>
-              <a:t>説明</a:t>
-            </a:r>
-            <a:r>
-              <a:rPr lang="ja-JP" altLang="en-US" sz="5400" b="1" dirty="0" smtClean="0">
-                <a:solidFill>
-                  <a:schemeClr val="bg1"/>
-                </a:solidFill>
-                <a:latin typeface="HGS明朝E" panose="02020900000000000000" pitchFamily="18" charset="-128"/>
-                <a:ea typeface="HGS明朝E" panose="02020900000000000000" pitchFamily="18" charset="-128"/>
-              </a:rPr>
-              <a:t>～トラップ説明</a:t>
-            </a:r>
-            <a:r>
-              <a:rPr lang="ja-JP" altLang="en-US" sz="5400" b="1" dirty="0" smtClean="0">
-                <a:solidFill>
-                  <a:schemeClr val="bg1"/>
-                </a:solidFill>
-                <a:latin typeface="HGS明朝E" panose="02020900000000000000" pitchFamily="18" charset="-128"/>
-                <a:ea typeface="HGS明朝E" panose="02020900000000000000" pitchFamily="18" charset="-128"/>
-              </a:rPr>
-              <a:t>～</a:t>
+              <a:t>説明～トラップ説明～</a:t>
             </a:r>
             <a:endParaRPr kumimoji="1" lang="ja-JP" altLang="en-US" sz="5400" b="1" dirty="0">
               <a:solidFill>
@@ -7373,6 +7542,304 @@
           </a:p>
         </p:txBody>
       </p:sp>
+      <p:pic>
+        <p:nvPicPr>
+          <p:cNvPr id="4" name="図 3"/>
+          <p:cNvPicPr>
+            <a:picLocks noChangeAspect="1"/>
+          </p:cNvPicPr>
+          <p:nvPr/>
+        </p:nvPicPr>
+        <p:blipFill>
+          <a:blip r:embed="rId2">
+            <a:extLst>
+              <a:ext uri="{28A0092B-C50C-407E-A947-70E740481C1C}">
+                <a14:useLocalDpi xmlns:a14="http://schemas.microsoft.com/office/drawing/2010/main" val="0"/>
+              </a:ext>
+            </a:extLst>
+          </a:blip>
+          <a:stretch>
+            <a:fillRect/>
+          </a:stretch>
+        </p:blipFill>
+        <p:spPr>
+          <a:xfrm>
+            <a:off x="1421378" y="2671442"/>
+            <a:ext cx="2438443" cy="2438443"/>
+          </a:xfrm>
+          <a:prstGeom prst="rect">
+            <a:avLst/>
+          </a:prstGeom>
+        </p:spPr>
+      </p:pic>
+      <p:sp>
+        <p:nvSpPr>
+          <p:cNvPr id="6" name="テキスト ボックス 5"/>
+          <p:cNvSpPr txBox="1"/>
+          <p:nvPr/>
+        </p:nvSpPr>
+        <p:spPr>
+          <a:xfrm>
+            <a:off x="1984012" y="1613118"/>
+            <a:ext cx="1313180" cy="769441"/>
+          </a:xfrm>
+          <a:prstGeom prst="rect">
+            <a:avLst/>
+          </a:prstGeom>
+          <a:noFill/>
+        </p:spPr>
+        <p:txBody>
+          <a:bodyPr wrap="none" rtlCol="0">
+            <a:spAutoFit/>
+          </a:bodyPr>
+          <a:lstStyle/>
+          <a:p>
+            <a:pPr algn="ctr"/>
+            <a:r>
+              <a:rPr lang="ja-JP" altLang="en-US" sz="4400" b="1" dirty="0">
+                <a:solidFill>
+                  <a:srgbClr val="FFC000"/>
+                </a:solidFill>
+              </a:rPr>
+              <a:t>爆発</a:t>
+            </a:r>
+            <a:endParaRPr kumimoji="1" lang="ja-JP" altLang="en-US" sz="4400" b="1" dirty="0">
+              <a:solidFill>
+                <a:srgbClr val="FFC000"/>
+              </a:solidFill>
+            </a:endParaRPr>
+          </a:p>
+        </p:txBody>
+      </p:sp>
+      <p:sp>
+        <p:nvSpPr>
+          <p:cNvPr id="9" name="テキスト ボックス 8"/>
+          <p:cNvSpPr txBox="1"/>
+          <p:nvPr/>
+        </p:nvSpPr>
+        <p:spPr>
+          <a:xfrm>
+            <a:off x="5783942" y="1997839"/>
+            <a:ext cx="4434227" cy="2862322"/>
+          </a:xfrm>
+          <a:prstGeom prst="rect">
+            <a:avLst/>
+          </a:prstGeom>
+          <a:noFill/>
+        </p:spPr>
+        <p:txBody>
+          <a:bodyPr wrap="none" rtlCol="0">
+            <a:spAutoFit/>
+          </a:bodyPr>
+          <a:lstStyle/>
+          <a:p>
+            <a:pPr>
+              <a:lnSpc>
+                <a:spcPct val="150000"/>
+              </a:lnSpc>
+            </a:pPr>
+            <a:r>
+              <a:rPr lang="ja-JP" altLang="en-US" sz="4000" b="1" dirty="0">
+                <a:solidFill>
+                  <a:schemeClr val="bg1"/>
+                </a:solidFill>
+              </a:rPr>
+              <a:t>▶ </a:t>
+            </a:r>
+            <a:r>
+              <a:rPr lang="ja-JP" altLang="en-US" sz="4000" b="1" dirty="0" smtClean="0">
+                <a:solidFill>
+                  <a:schemeClr val="bg1"/>
+                </a:solidFill>
+              </a:rPr>
+              <a:t>効果時間：なし</a:t>
+            </a:r>
+            <a:endParaRPr lang="en-US" altLang="ja-JP" sz="4000" b="1" dirty="0">
+              <a:solidFill>
+                <a:schemeClr val="bg1"/>
+              </a:solidFill>
+            </a:endParaRPr>
+          </a:p>
+          <a:p>
+            <a:pPr>
+              <a:lnSpc>
+                <a:spcPct val="150000"/>
+              </a:lnSpc>
+            </a:pPr>
+            <a:r>
+              <a:rPr lang="ja-JP" altLang="en-US" sz="4000" b="1" dirty="0" smtClean="0">
+                <a:solidFill>
+                  <a:schemeClr val="bg1"/>
+                </a:solidFill>
+              </a:rPr>
+              <a:t>▶ </a:t>
+            </a:r>
+            <a:r>
+              <a:rPr lang="ja-JP" altLang="en-US" sz="4000" b="1" dirty="0">
+                <a:solidFill>
+                  <a:schemeClr val="bg1"/>
+                </a:solidFill>
+              </a:rPr>
+              <a:t>ダメージ</a:t>
+            </a:r>
+            <a:r>
+              <a:rPr lang="ja-JP" altLang="en-US" sz="4000" b="1" dirty="0" smtClean="0">
+                <a:solidFill>
+                  <a:schemeClr val="bg1"/>
+                </a:solidFill>
+              </a:rPr>
+              <a:t>：大</a:t>
+            </a:r>
+            <a:endParaRPr lang="en-US" altLang="ja-JP" sz="4000" b="1" dirty="0" smtClean="0">
+              <a:solidFill>
+                <a:schemeClr val="bg1"/>
+              </a:solidFill>
+            </a:endParaRPr>
+          </a:p>
+          <a:p>
+            <a:pPr>
+              <a:lnSpc>
+                <a:spcPct val="150000"/>
+              </a:lnSpc>
+            </a:pPr>
+            <a:r>
+              <a:rPr lang="ja-JP" altLang="en-US" sz="4000" b="1" dirty="0" smtClean="0">
+                <a:solidFill>
+                  <a:schemeClr val="bg1"/>
+                </a:solidFill>
+              </a:rPr>
+              <a:t>▶ 効果範囲：小</a:t>
+            </a:r>
+            <a:endParaRPr kumimoji="1" lang="en-US" altLang="ja-JP" sz="4000" b="1" dirty="0" smtClean="0">
+              <a:solidFill>
+                <a:schemeClr val="bg1"/>
+              </a:solidFill>
+            </a:endParaRPr>
+          </a:p>
+        </p:txBody>
+      </p:sp>
+      <p:sp>
+        <p:nvSpPr>
+          <p:cNvPr id="12" name="テキスト ボックス 11"/>
+          <p:cNvSpPr txBox="1"/>
+          <p:nvPr/>
+        </p:nvSpPr>
+        <p:spPr>
+          <a:xfrm>
+            <a:off x="1125413" y="5522209"/>
+            <a:ext cx="10892726" cy="707886"/>
+          </a:xfrm>
+          <a:prstGeom prst="rect">
+            <a:avLst/>
+          </a:prstGeom>
+          <a:noFill/>
+        </p:spPr>
+        <p:txBody>
+          <a:bodyPr wrap="none" rtlCol="0">
+            <a:spAutoFit/>
+          </a:bodyPr>
+          <a:lstStyle/>
+          <a:p>
+            <a:r>
+              <a:rPr lang="ja-JP" altLang="en-US" sz="4000" b="1" dirty="0">
+                <a:solidFill>
+                  <a:srgbClr val="FFC000"/>
+                </a:solidFill>
+              </a:rPr>
+              <a:t>特徴</a:t>
+            </a:r>
+            <a:r>
+              <a:rPr lang="ja-JP" altLang="en-US" sz="4000" b="1" dirty="0">
+                <a:solidFill>
+                  <a:schemeClr val="bg1"/>
+                </a:solidFill>
+              </a:rPr>
+              <a:t> </a:t>
+            </a:r>
+            <a:r>
+              <a:rPr lang="en-US" altLang="ja-JP" sz="4000" b="1" dirty="0">
+                <a:solidFill>
+                  <a:schemeClr val="bg1"/>
+                </a:solidFill>
+              </a:rPr>
+              <a:t>: </a:t>
+            </a:r>
+            <a:r>
+              <a:rPr lang="ja-JP" altLang="en-US" sz="4000" b="1" dirty="0" smtClean="0">
+                <a:solidFill>
+                  <a:schemeClr val="bg1"/>
+                </a:solidFill>
+              </a:rPr>
+              <a:t>周りを巻き込み爆発しダメージを与える</a:t>
+            </a:r>
+            <a:endParaRPr lang="ja-JP" altLang="en-US" sz="4000" b="1" dirty="0">
+              <a:solidFill>
+                <a:schemeClr val="bg1"/>
+              </a:solidFill>
+            </a:endParaRPr>
+          </a:p>
+        </p:txBody>
+      </p:sp>
+      <p:pic>
+        <p:nvPicPr>
+          <p:cNvPr id="7" name="図 6"/>
+          <p:cNvPicPr>
+            <a:picLocks noChangeAspect="1"/>
+          </p:cNvPicPr>
+          <p:nvPr/>
+        </p:nvPicPr>
+        <p:blipFill>
+          <a:blip r:embed="rId3">
+            <a:extLst>
+              <a:ext uri="{28A0092B-C50C-407E-A947-70E740481C1C}">
+                <a14:useLocalDpi xmlns:a14="http://schemas.microsoft.com/office/drawing/2010/main" val="0"/>
+              </a:ext>
+            </a:extLst>
+          </a:blip>
+          <a:stretch>
+            <a:fillRect/>
+          </a:stretch>
+        </p:blipFill>
+        <p:spPr>
+          <a:xfrm>
+            <a:off x="1421378" y="2671442"/>
+            <a:ext cx="2438443" cy="2438443"/>
+          </a:xfrm>
+          <a:prstGeom prst="rect">
+            <a:avLst/>
+          </a:prstGeom>
+        </p:spPr>
+      </p:pic>
+      <p:pic>
+        <p:nvPicPr>
+          <p:cNvPr id="10" name="図 9"/>
+          <p:cNvPicPr>
+            <a:picLocks noChangeAspect="1"/>
+          </p:cNvPicPr>
+          <p:nvPr/>
+        </p:nvPicPr>
+        <p:blipFill>
+          <a:blip r:embed="rId4" cstate="print">
+            <a:extLst>
+              <a:ext uri="{28A0092B-C50C-407E-A947-70E740481C1C}">
+                <a14:useLocalDpi xmlns:a14="http://schemas.microsoft.com/office/drawing/2010/main" val="0"/>
+              </a:ext>
+            </a:extLst>
+          </a:blip>
+          <a:stretch>
+            <a:fillRect/>
+          </a:stretch>
+        </p:blipFill>
+        <p:spPr>
+          <a:xfrm>
+            <a:off x="10573829" y="802009"/>
+            <a:ext cx="1101583" cy="787489"/>
+          </a:xfrm>
+          <a:prstGeom prst="rect">
+            <a:avLst/>
+          </a:prstGeom>
+        </p:spPr>
+      </p:pic>
       <p:cxnSp>
         <p:nvCxnSpPr>
           <p:cNvPr id="5" name="直線コネクタ 4"/>
@@ -7408,282 +7875,6 @@
           </a:fontRef>
         </p:style>
       </p:cxnSp>
-      <p:pic>
-        <p:nvPicPr>
-          <p:cNvPr id="4" name="図 3"/>
-          <p:cNvPicPr>
-            <a:picLocks noChangeAspect="1"/>
-          </p:cNvPicPr>
-          <p:nvPr/>
-        </p:nvPicPr>
-        <p:blipFill>
-          <a:blip r:embed="rId2">
-            <a:extLst>
-              <a:ext uri="{28A0092B-C50C-407E-A947-70E740481C1C}">
-                <a14:useLocalDpi xmlns:a14="http://schemas.microsoft.com/office/drawing/2010/main" val="0"/>
-              </a:ext>
-            </a:extLst>
-          </a:blip>
-          <a:stretch>
-            <a:fillRect/>
-          </a:stretch>
-        </p:blipFill>
-        <p:spPr>
-          <a:xfrm>
-            <a:off x="1421378" y="2671442"/>
-            <a:ext cx="2438443" cy="2438443"/>
-          </a:xfrm>
-          <a:prstGeom prst="rect">
-            <a:avLst/>
-          </a:prstGeom>
-        </p:spPr>
-      </p:pic>
-      <p:sp>
-        <p:nvSpPr>
-          <p:cNvPr id="6" name="テキスト ボックス 5"/>
-          <p:cNvSpPr txBox="1"/>
-          <p:nvPr/>
-        </p:nvSpPr>
-        <p:spPr>
-          <a:xfrm>
-            <a:off x="1984012" y="1613118"/>
-            <a:ext cx="1313180" cy="769441"/>
-          </a:xfrm>
-          <a:prstGeom prst="rect">
-            <a:avLst/>
-          </a:prstGeom>
-          <a:noFill/>
-        </p:spPr>
-        <p:txBody>
-          <a:bodyPr wrap="none" rtlCol="0">
-            <a:spAutoFit/>
-          </a:bodyPr>
-          <a:lstStyle/>
-          <a:p>
-            <a:pPr algn="ctr"/>
-            <a:r>
-              <a:rPr lang="ja-JP" altLang="en-US" sz="4400" b="1" dirty="0">
-                <a:solidFill>
-                  <a:srgbClr val="FFC000"/>
-                </a:solidFill>
-              </a:rPr>
-              <a:t>爆発</a:t>
-            </a:r>
-            <a:endParaRPr kumimoji="1" lang="ja-JP" altLang="en-US" sz="4400" b="1" dirty="0">
-              <a:solidFill>
-                <a:srgbClr val="FFC000"/>
-              </a:solidFill>
-            </a:endParaRPr>
-          </a:p>
-        </p:txBody>
-      </p:sp>
-      <p:sp>
-        <p:nvSpPr>
-          <p:cNvPr id="9" name="テキスト ボックス 8"/>
-          <p:cNvSpPr txBox="1"/>
-          <p:nvPr/>
-        </p:nvSpPr>
-        <p:spPr>
-          <a:xfrm>
-            <a:off x="5783942" y="1997839"/>
-            <a:ext cx="4434227" cy="2862322"/>
-          </a:xfrm>
-          <a:prstGeom prst="rect">
-            <a:avLst/>
-          </a:prstGeom>
-          <a:noFill/>
-        </p:spPr>
-        <p:txBody>
-          <a:bodyPr wrap="none" rtlCol="0">
-            <a:spAutoFit/>
-          </a:bodyPr>
-          <a:lstStyle/>
-          <a:p>
-            <a:pPr>
-              <a:lnSpc>
-                <a:spcPct val="150000"/>
-              </a:lnSpc>
-            </a:pPr>
-            <a:r>
-              <a:rPr lang="ja-JP" altLang="en-US" sz="4000" b="1" dirty="0">
-                <a:solidFill>
-                  <a:schemeClr val="bg1"/>
-                </a:solidFill>
-              </a:rPr>
-              <a:t>▶ </a:t>
-            </a:r>
-            <a:r>
-              <a:rPr lang="ja-JP" altLang="en-US" sz="4000" b="1" dirty="0" smtClean="0">
-                <a:solidFill>
-                  <a:schemeClr val="bg1"/>
-                </a:solidFill>
-              </a:rPr>
-              <a:t>効果時間：なし</a:t>
-            </a:r>
-            <a:endParaRPr lang="en-US" altLang="ja-JP" sz="4000" b="1" dirty="0">
-              <a:solidFill>
-                <a:schemeClr val="bg1"/>
-              </a:solidFill>
-            </a:endParaRPr>
-          </a:p>
-          <a:p>
-            <a:pPr>
-              <a:lnSpc>
-                <a:spcPct val="150000"/>
-              </a:lnSpc>
-            </a:pPr>
-            <a:r>
-              <a:rPr lang="ja-JP" altLang="en-US" sz="4000" b="1" dirty="0" smtClean="0">
-                <a:solidFill>
-                  <a:schemeClr val="bg1"/>
-                </a:solidFill>
-              </a:rPr>
-              <a:t>▶ </a:t>
-            </a:r>
-            <a:r>
-              <a:rPr lang="ja-JP" altLang="en-US" sz="4000" b="1" dirty="0">
-                <a:solidFill>
-                  <a:schemeClr val="bg1"/>
-                </a:solidFill>
-              </a:rPr>
-              <a:t>ダメージ</a:t>
-            </a:r>
-            <a:r>
-              <a:rPr lang="ja-JP" altLang="en-US" sz="4000" b="1" dirty="0" smtClean="0">
-                <a:solidFill>
-                  <a:schemeClr val="bg1"/>
-                </a:solidFill>
-              </a:rPr>
-              <a:t>：大</a:t>
-            </a:r>
-            <a:endParaRPr lang="en-US" altLang="ja-JP" sz="4000" b="1" dirty="0" smtClean="0">
-              <a:solidFill>
-                <a:schemeClr val="bg1"/>
-              </a:solidFill>
-            </a:endParaRPr>
-          </a:p>
-          <a:p>
-            <a:pPr>
-              <a:lnSpc>
-                <a:spcPct val="150000"/>
-              </a:lnSpc>
-            </a:pPr>
-            <a:r>
-              <a:rPr lang="ja-JP" altLang="en-US" sz="4000" b="1" dirty="0" smtClean="0">
-                <a:solidFill>
-                  <a:schemeClr val="bg1"/>
-                </a:solidFill>
-              </a:rPr>
-              <a:t>▶ </a:t>
-            </a:r>
-            <a:r>
-              <a:rPr lang="ja-JP" altLang="en-US" sz="4000" b="1" dirty="0" smtClean="0">
-                <a:solidFill>
-                  <a:schemeClr val="bg1"/>
-                </a:solidFill>
-              </a:rPr>
-              <a:t>効果範囲：小</a:t>
-            </a:r>
-            <a:endParaRPr kumimoji="1" lang="en-US" altLang="ja-JP" sz="4000" b="1" dirty="0" smtClean="0">
-              <a:solidFill>
-                <a:schemeClr val="bg1"/>
-              </a:solidFill>
-            </a:endParaRPr>
-          </a:p>
-        </p:txBody>
-      </p:sp>
-      <p:sp>
-        <p:nvSpPr>
-          <p:cNvPr id="12" name="テキスト ボックス 11"/>
-          <p:cNvSpPr txBox="1"/>
-          <p:nvPr/>
-        </p:nvSpPr>
-        <p:spPr>
-          <a:xfrm>
-            <a:off x="1125413" y="5522209"/>
-            <a:ext cx="10892726" cy="707886"/>
-          </a:xfrm>
-          <a:prstGeom prst="rect">
-            <a:avLst/>
-          </a:prstGeom>
-          <a:noFill/>
-        </p:spPr>
-        <p:txBody>
-          <a:bodyPr wrap="none" rtlCol="0">
-            <a:spAutoFit/>
-          </a:bodyPr>
-          <a:lstStyle/>
-          <a:p>
-            <a:r>
-              <a:rPr lang="ja-JP" altLang="en-US" sz="4000" b="1" dirty="0">
-                <a:solidFill>
-                  <a:srgbClr val="FFC000"/>
-                </a:solidFill>
-              </a:rPr>
-              <a:t>特徴</a:t>
-            </a:r>
-            <a:r>
-              <a:rPr lang="ja-JP" altLang="en-US" sz="4000" b="1" dirty="0">
-                <a:solidFill>
-                  <a:schemeClr val="bg1"/>
-                </a:solidFill>
-              </a:rPr>
-              <a:t> </a:t>
-            </a:r>
-            <a:r>
-              <a:rPr lang="en-US" altLang="ja-JP" sz="4000" b="1" dirty="0">
-                <a:solidFill>
-                  <a:schemeClr val="bg1"/>
-                </a:solidFill>
-              </a:rPr>
-              <a:t>: </a:t>
-            </a:r>
-            <a:r>
-              <a:rPr lang="ja-JP" altLang="en-US" sz="4000" b="1" dirty="0" smtClean="0">
-                <a:solidFill>
-                  <a:schemeClr val="bg1"/>
-                </a:solidFill>
-              </a:rPr>
-              <a:t>周りを巻き込み爆発しダメージを与える</a:t>
-            </a:r>
-            <a:endParaRPr lang="ja-JP" altLang="en-US" sz="4000" b="1" dirty="0">
-              <a:solidFill>
-                <a:schemeClr val="bg1"/>
-              </a:solidFill>
-            </a:endParaRPr>
-          </a:p>
-        </p:txBody>
-      </p:sp>
-      <p:pic>
-        <p:nvPicPr>
-          <p:cNvPr id="7" name="図 6"/>
-          <p:cNvPicPr>
-            <a:picLocks noChangeAspect="1"/>
-          </p:cNvPicPr>
-          <p:nvPr/>
-        </p:nvPicPr>
-        <p:blipFill>
-          <a:blip r:embed="rId3">
-            <a:extLst>
-              <a:ext uri="{28A0092B-C50C-407E-A947-70E740481C1C}">
-                <a14:useLocalDpi xmlns:a14="http://schemas.microsoft.com/office/drawing/2010/main" val="0"/>
-              </a:ext>
-            </a:extLst>
-          </a:blip>
-          <a:stretch>
-            <a:fillRect/>
-          </a:stretch>
-        </p:blipFill>
-        <p:spPr>
-          <a:xfrm>
-            <a:off x="1421378" y="2671442"/>
-            <a:ext cx="2438443" cy="2438443"/>
-          </a:xfrm>
-          <a:prstGeom prst="rect">
-            <a:avLst/>
-          </a:prstGeom>
-        </p:spPr>
-      </p:pic>
     </p:spTree>
     <p:extLst>
       <p:ext uri="{BB962C8B-B14F-4D97-AF65-F5344CB8AC3E}">
@@ -7799,6 +7990,225 @@
           </a:p>
         </p:txBody>
       </p:sp>
+      <p:sp>
+        <p:nvSpPr>
+          <p:cNvPr id="12" name="テキスト ボックス 11"/>
+          <p:cNvSpPr txBox="1"/>
+          <p:nvPr/>
+        </p:nvSpPr>
+        <p:spPr>
+          <a:xfrm>
+            <a:off x="516588" y="1254676"/>
+            <a:ext cx="11158824" cy="5632311"/>
+          </a:xfrm>
+          <a:prstGeom prst="rect">
+            <a:avLst/>
+          </a:prstGeom>
+          <a:noFill/>
+        </p:spPr>
+        <p:txBody>
+          <a:bodyPr wrap="none" rtlCol="0">
+            <a:spAutoFit/>
+          </a:bodyPr>
+          <a:lstStyle/>
+          <a:p>
+            <a:pPr>
+              <a:lnSpc>
+                <a:spcPct val="150000"/>
+              </a:lnSpc>
+            </a:pPr>
+            <a:r>
+              <a:rPr kumimoji="1" lang="ja-JP" altLang="en-US" sz="4000" b="1" dirty="0" smtClean="0">
+                <a:solidFill>
+                  <a:schemeClr val="bg1"/>
+                </a:solidFill>
+              </a:rPr>
+              <a:t>▶ ジャンル：タワーディフェンス</a:t>
+            </a:r>
+            <a:endParaRPr kumimoji="1" lang="en-US" altLang="ja-JP" sz="4000" b="1" dirty="0" smtClean="0">
+              <a:solidFill>
+                <a:schemeClr val="bg1"/>
+              </a:solidFill>
+            </a:endParaRPr>
+          </a:p>
+          <a:p>
+            <a:pPr>
+              <a:lnSpc>
+                <a:spcPct val="150000"/>
+              </a:lnSpc>
+            </a:pPr>
+            <a:r>
+              <a:rPr lang="ja-JP" altLang="en-US" sz="4000" b="1" dirty="0" smtClean="0">
+                <a:solidFill>
+                  <a:schemeClr val="bg1"/>
+                </a:solidFill>
+              </a:rPr>
+              <a:t>▶ プレイ人数：</a:t>
+            </a:r>
+            <a:r>
+              <a:rPr lang="en-US" altLang="ja-JP" sz="4000" b="1" dirty="0" smtClean="0">
+                <a:solidFill>
+                  <a:schemeClr val="bg1"/>
+                </a:solidFill>
+              </a:rPr>
+              <a:t>1</a:t>
+            </a:r>
+            <a:r>
+              <a:rPr lang="ja-JP" altLang="en-US" sz="4000" b="1" dirty="0" smtClean="0">
+                <a:solidFill>
+                  <a:schemeClr val="bg1"/>
+                </a:solidFill>
+              </a:rPr>
+              <a:t>人</a:t>
+            </a:r>
+            <a:endParaRPr lang="en-US" altLang="ja-JP" sz="4000" b="1" dirty="0" smtClean="0">
+              <a:solidFill>
+                <a:schemeClr val="bg1"/>
+              </a:solidFill>
+            </a:endParaRPr>
+          </a:p>
+          <a:p>
+            <a:pPr>
+              <a:lnSpc>
+                <a:spcPct val="150000"/>
+              </a:lnSpc>
+            </a:pPr>
+            <a:r>
+              <a:rPr kumimoji="1" lang="ja-JP" altLang="en-US" sz="4000" b="1" dirty="0" smtClean="0">
+                <a:solidFill>
+                  <a:schemeClr val="bg1"/>
+                </a:solidFill>
+              </a:rPr>
+              <a:t>▶ ターゲット：全年代</a:t>
+            </a:r>
+            <a:endParaRPr kumimoji="1" lang="en-US" altLang="ja-JP" sz="4000" b="1" dirty="0" smtClean="0">
+              <a:solidFill>
+                <a:schemeClr val="bg1"/>
+              </a:solidFill>
+            </a:endParaRPr>
+          </a:p>
+          <a:p>
+            <a:pPr>
+              <a:lnSpc>
+                <a:spcPct val="150000"/>
+              </a:lnSpc>
+            </a:pPr>
+            <a:r>
+              <a:rPr kumimoji="1" lang="ja-JP" altLang="en-US" sz="4000" b="1" dirty="0" smtClean="0">
+                <a:solidFill>
+                  <a:schemeClr val="bg1"/>
+                </a:solidFill>
+              </a:rPr>
+              <a:t>▶ プラットフォーム：</a:t>
+            </a:r>
+            <a:r>
+              <a:rPr kumimoji="1" lang="en-US" altLang="ja-JP" sz="4000" b="1" dirty="0" smtClean="0">
+                <a:solidFill>
+                  <a:schemeClr val="bg1"/>
+                </a:solidFill>
+              </a:rPr>
+              <a:t>Windows</a:t>
+            </a:r>
+          </a:p>
+          <a:p>
+            <a:pPr>
+              <a:lnSpc>
+                <a:spcPct val="150000"/>
+              </a:lnSpc>
+            </a:pPr>
+            <a:r>
+              <a:rPr lang="ja-JP" altLang="en-US" sz="4000" b="1" dirty="0" smtClean="0">
+                <a:solidFill>
+                  <a:schemeClr val="bg1"/>
+                </a:solidFill>
+              </a:rPr>
+              <a:t>▶ 使用ライブラリ：</a:t>
+            </a:r>
+            <a:r>
+              <a:rPr lang="en-US" altLang="ja-JP" sz="4000" b="1" dirty="0" smtClean="0">
+                <a:solidFill>
+                  <a:schemeClr val="bg1"/>
+                </a:solidFill>
+              </a:rPr>
+              <a:t>DX</a:t>
+            </a:r>
+            <a:r>
+              <a:rPr lang="ja-JP" altLang="en-US" sz="4000" b="1" dirty="0" smtClean="0">
+                <a:solidFill>
+                  <a:schemeClr val="bg1"/>
+                </a:solidFill>
+              </a:rPr>
+              <a:t>ライブラリ、</a:t>
+            </a:r>
+            <a:r>
+              <a:rPr lang="en-US" altLang="ja-JP" sz="4000" b="1" dirty="0" err="1" smtClean="0">
+                <a:solidFill>
+                  <a:schemeClr val="bg1"/>
+                </a:solidFill>
+              </a:rPr>
+              <a:t>Effekseer</a:t>
+            </a:r>
+            <a:endParaRPr lang="en-US" altLang="ja-JP" sz="4000" b="1" dirty="0" smtClean="0">
+              <a:solidFill>
+                <a:schemeClr val="bg1"/>
+              </a:solidFill>
+            </a:endParaRPr>
+          </a:p>
+          <a:p>
+            <a:pPr>
+              <a:lnSpc>
+                <a:spcPct val="150000"/>
+              </a:lnSpc>
+            </a:pPr>
+            <a:r>
+              <a:rPr lang="ja-JP" altLang="en-US" sz="4000" b="1" dirty="0" smtClean="0">
+                <a:solidFill>
+                  <a:schemeClr val="bg1"/>
+                </a:solidFill>
+              </a:rPr>
+              <a:t>▶ 使用サウンド </a:t>
+            </a:r>
+            <a:r>
+              <a:rPr lang="en-US" altLang="ja-JP" sz="4000" b="1" dirty="0" smtClean="0">
+                <a:solidFill>
+                  <a:schemeClr val="bg1"/>
+                </a:solidFill>
+              </a:rPr>
+              <a:t>: CRI ADX2 LE</a:t>
+            </a:r>
+          </a:p>
+        </p:txBody>
+      </p:sp>
+      <p:pic>
+        <p:nvPicPr>
+          <p:cNvPr id="4" name="図 3"/>
+          <p:cNvPicPr>
+            <a:picLocks noChangeAspect="1"/>
+          </p:cNvPicPr>
+          <p:nvPr/>
+        </p:nvPicPr>
+        <p:blipFill>
+          <a:blip r:embed="rId2" cstate="print">
+            <a:extLst>
+              <a:ext uri="{28A0092B-C50C-407E-A947-70E740481C1C}">
+                <a14:useLocalDpi xmlns:a14="http://schemas.microsoft.com/office/drawing/2010/main" val="0"/>
+              </a:ext>
+            </a:extLst>
+          </a:blip>
+          <a:stretch>
+            <a:fillRect/>
+          </a:stretch>
+        </p:blipFill>
+        <p:spPr>
+          <a:xfrm>
+            <a:off x="10573829" y="802009"/>
+            <a:ext cx="1101583" cy="787489"/>
+          </a:xfrm>
+          <a:prstGeom prst="rect">
+            <a:avLst/>
+          </a:prstGeom>
+        </p:spPr>
+      </p:pic>
       <p:cxnSp>
         <p:nvCxnSpPr>
           <p:cNvPr id="5" name="直線コネクタ 4"/>
@@ -7834,203 +8244,6 @@
           </a:fontRef>
         </p:style>
       </p:cxnSp>
-      <p:sp>
-        <p:nvSpPr>
-          <p:cNvPr id="12" name="テキスト ボックス 11"/>
-          <p:cNvSpPr txBox="1"/>
-          <p:nvPr/>
-        </p:nvSpPr>
-        <p:spPr>
-          <a:xfrm>
-            <a:off x="516588" y="1254676"/>
-            <a:ext cx="11158824" cy="5632311"/>
-          </a:xfrm>
-          <a:prstGeom prst="rect">
-            <a:avLst/>
-          </a:prstGeom>
-          <a:noFill/>
-        </p:spPr>
-        <p:txBody>
-          <a:bodyPr wrap="none" rtlCol="0">
-            <a:spAutoFit/>
-          </a:bodyPr>
-          <a:lstStyle/>
-          <a:p>
-            <a:pPr>
-              <a:lnSpc>
-                <a:spcPct val="150000"/>
-              </a:lnSpc>
-            </a:pPr>
-            <a:r>
-              <a:rPr kumimoji="1" lang="ja-JP" altLang="en-US" sz="4000" b="1" dirty="0" smtClean="0">
-                <a:solidFill>
-                  <a:schemeClr val="bg1"/>
-                </a:solidFill>
-              </a:rPr>
-              <a:t>▶ ジャンル：タワーディフェンス</a:t>
-            </a:r>
-            <a:endParaRPr kumimoji="1" lang="en-US" altLang="ja-JP" sz="4000" b="1" dirty="0" smtClean="0">
-              <a:solidFill>
-                <a:schemeClr val="bg1"/>
-              </a:solidFill>
-            </a:endParaRPr>
-          </a:p>
-          <a:p>
-            <a:pPr>
-              <a:lnSpc>
-                <a:spcPct val="150000"/>
-              </a:lnSpc>
-            </a:pPr>
-            <a:r>
-              <a:rPr lang="ja-JP" altLang="en-US" sz="4000" b="1" dirty="0" smtClean="0">
-                <a:solidFill>
-                  <a:schemeClr val="bg1"/>
-                </a:solidFill>
-              </a:rPr>
-              <a:t>▶ プレイ人数：</a:t>
-            </a:r>
-            <a:r>
-              <a:rPr lang="en-US" altLang="ja-JP" sz="4000" b="1" dirty="0" smtClean="0">
-                <a:solidFill>
-                  <a:schemeClr val="bg1"/>
-                </a:solidFill>
-              </a:rPr>
-              <a:t>1</a:t>
-            </a:r>
-            <a:r>
-              <a:rPr lang="ja-JP" altLang="en-US" sz="4000" b="1" dirty="0" smtClean="0">
-                <a:solidFill>
-                  <a:schemeClr val="bg1"/>
-                </a:solidFill>
-              </a:rPr>
-              <a:t>人</a:t>
-            </a:r>
-            <a:endParaRPr lang="en-US" altLang="ja-JP" sz="4000" b="1" dirty="0" smtClean="0">
-              <a:solidFill>
-                <a:schemeClr val="bg1"/>
-              </a:solidFill>
-            </a:endParaRPr>
-          </a:p>
-          <a:p>
-            <a:pPr>
-              <a:lnSpc>
-                <a:spcPct val="150000"/>
-              </a:lnSpc>
-            </a:pPr>
-            <a:r>
-              <a:rPr kumimoji="1" lang="ja-JP" altLang="en-US" sz="4000" b="1" dirty="0" smtClean="0">
-                <a:solidFill>
-                  <a:schemeClr val="bg1"/>
-                </a:solidFill>
-              </a:rPr>
-              <a:t>▶ ターゲット：全年代</a:t>
-            </a:r>
-            <a:endParaRPr kumimoji="1" lang="en-US" altLang="ja-JP" sz="4000" b="1" dirty="0" smtClean="0">
-              <a:solidFill>
-                <a:schemeClr val="bg1"/>
-              </a:solidFill>
-            </a:endParaRPr>
-          </a:p>
-          <a:p>
-            <a:pPr>
-              <a:lnSpc>
-                <a:spcPct val="150000"/>
-              </a:lnSpc>
-            </a:pPr>
-            <a:r>
-              <a:rPr kumimoji="1" lang="ja-JP" altLang="en-US" sz="4000" b="1" dirty="0" smtClean="0">
-                <a:solidFill>
-                  <a:schemeClr val="bg1"/>
-                </a:solidFill>
-              </a:rPr>
-              <a:t>▶ プラットフォーム：</a:t>
-            </a:r>
-            <a:r>
-              <a:rPr kumimoji="1" lang="en-US" altLang="ja-JP" sz="4000" b="1" dirty="0" smtClean="0">
-                <a:solidFill>
-                  <a:schemeClr val="bg1"/>
-                </a:solidFill>
-              </a:rPr>
-              <a:t>Windows</a:t>
-            </a:r>
-          </a:p>
-          <a:p>
-            <a:pPr>
-              <a:lnSpc>
-                <a:spcPct val="150000"/>
-              </a:lnSpc>
-            </a:pPr>
-            <a:r>
-              <a:rPr lang="ja-JP" altLang="en-US" sz="4000" b="1" dirty="0" smtClean="0">
-                <a:solidFill>
-                  <a:schemeClr val="bg1"/>
-                </a:solidFill>
-              </a:rPr>
-              <a:t>▶ 使用ライブラリ：</a:t>
-            </a:r>
-            <a:r>
-              <a:rPr lang="en-US" altLang="ja-JP" sz="4000" b="1" dirty="0" smtClean="0">
-                <a:solidFill>
-                  <a:schemeClr val="bg1"/>
-                </a:solidFill>
-              </a:rPr>
-              <a:t>DX</a:t>
-            </a:r>
-            <a:r>
-              <a:rPr lang="ja-JP" altLang="en-US" sz="4000" b="1" dirty="0" smtClean="0">
-                <a:solidFill>
-                  <a:schemeClr val="bg1"/>
-                </a:solidFill>
-              </a:rPr>
-              <a:t>ライブラリ</a:t>
-            </a:r>
-            <a:r>
-              <a:rPr lang="ja-JP" altLang="en-US" sz="4000" b="1" dirty="0" smtClean="0">
-                <a:solidFill>
-                  <a:schemeClr val="bg1"/>
-                </a:solidFill>
-              </a:rPr>
-              <a:t>、</a:t>
-            </a:r>
-            <a:r>
-              <a:rPr lang="en-US" altLang="ja-JP" sz="4000" b="1" dirty="0" err="1" smtClean="0">
-                <a:solidFill>
-                  <a:schemeClr val="bg1"/>
-                </a:solidFill>
-              </a:rPr>
-              <a:t>Effekseer</a:t>
-            </a:r>
-            <a:endParaRPr lang="en-US" altLang="ja-JP" sz="4000" b="1" dirty="0" smtClean="0">
-              <a:solidFill>
-                <a:schemeClr val="bg1"/>
-              </a:solidFill>
-            </a:endParaRPr>
-          </a:p>
-          <a:p>
-            <a:pPr>
-              <a:lnSpc>
-                <a:spcPct val="150000"/>
-              </a:lnSpc>
-            </a:pPr>
-            <a:r>
-              <a:rPr lang="ja-JP" altLang="en-US" sz="4000" b="1" dirty="0" smtClean="0">
-                <a:solidFill>
-                  <a:schemeClr val="bg1"/>
-                </a:solidFill>
-              </a:rPr>
-              <a:t>▶ 使用サウンド </a:t>
-            </a:r>
-            <a:r>
-              <a:rPr lang="en-US" altLang="ja-JP" sz="4000" b="1" dirty="0" smtClean="0">
-                <a:solidFill>
-                  <a:schemeClr val="bg1"/>
-                </a:solidFill>
-              </a:rPr>
-              <a:t>: CRI ADX2 LE</a:t>
-            </a:r>
-          </a:p>
-        </p:txBody>
-      </p:sp>
     </p:spTree>
     <p:extLst>
       <p:ext uri="{BB962C8B-B14F-4D97-AF65-F5344CB8AC3E}">
@@ -8144,27 +8357,7 @@
                 <a:latin typeface="HGS明朝E" panose="02020900000000000000" pitchFamily="18" charset="-128"/>
                 <a:ea typeface="HGS明朝E" panose="02020900000000000000" pitchFamily="18" charset="-128"/>
               </a:rPr>
-              <a:t>説明</a:t>
-            </a:r>
-            <a:r>
-              <a:rPr lang="ja-JP" altLang="en-US" sz="5400" b="1" dirty="0" smtClean="0">
-                <a:solidFill>
-                  <a:schemeClr val="bg1"/>
-                </a:solidFill>
-                <a:latin typeface="HGS明朝E" panose="02020900000000000000" pitchFamily="18" charset="-128"/>
-                <a:ea typeface="HGS明朝E" panose="02020900000000000000" pitchFamily="18" charset="-128"/>
-              </a:rPr>
-              <a:t>～トラップ説明</a:t>
-            </a:r>
-            <a:r>
-              <a:rPr lang="ja-JP" altLang="en-US" sz="5400" b="1" dirty="0" smtClean="0">
-                <a:solidFill>
-                  <a:schemeClr val="bg1"/>
-                </a:solidFill>
-                <a:latin typeface="HGS明朝E" panose="02020900000000000000" pitchFamily="18" charset="-128"/>
-                <a:ea typeface="HGS明朝E" panose="02020900000000000000" pitchFamily="18" charset="-128"/>
-              </a:rPr>
-              <a:t>～</a:t>
+              <a:t>説明～トラップ説明～</a:t>
             </a:r>
             <a:endParaRPr kumimoji="1" lang="ja-JP" altLang="en-US" sz="5400" b="1" dirty="0">
               <a:solidFill>
@@ -8176,6 +8369,320 @@
           </a:p>
         </p:txBody>
       </p:sp>
+      <p:pic>
+        <p:nvPicPr>
+          <p:cNvPr id="4" name="図 3"/>
+          <p:cNvPicPr>
+            <a:picLocks noChangeAspect="1"/>
+          </p:cNvPicPr>
+          <p:nvPr/>
+        </p:nvPicPr>
+        <p:blipFill>
+          <a:blip r:embed="rId2">
+            <a:extLst>
+              <a:ext uri="{28A0092B-C50C-407E-A947-70E740481C1C}">
+                <a14:useLocalDpi xmlns:a14="http://schemas.microsoft.com/office/drawing/2010/main" val="0"/>
+              </a:ext>
+            </a:extLst>
+          </a:blip>
+          <a:stretch>
+            <a:fillRect/>
+          </a:stretch>
+        </p:blipFill>
+        <p:spPr>
+          <a:xfrm>
+            <a:off x="1421378" y="2671442"/>
+            <a:ext cx="2438443" cy="2438443"/>
+          </a:xfrm>
+          <a:prstGeom prst="rect">
+            <a:avLst/>
+          </a:prstGeom>
+        </p:spPr>
+      </p:pic>
+      <p:sp>
+        <p:nvSpPr>
+          <p:cNvPr id="6" name="テキスト ボックス 5"/>
+          <p:cNvSpPr txBox="1"/>
+          <p:nvPr/>
+        </p:nvSpPr>
+        <p:spPr>
+          <a:xfrm>
+            <a:off x="1984011" y="1613118"/>
+            <a:ext cx="1313180" cy="769441"/>
+          </a:xfrm>
+          <a:prstGeom prst="rect">
+            <a:avLst/>
+          </a:prstGeom>
+          <a:noFill/>
+        </p:spPr>
+        <p:txBody>
+          <a:bodyPr wrap="none" rtlCol="0">
+            <a:spAutoFit/>
+          </a:bodyPr>
+          <a:lstStyle/>
+          <a:p>
+            <a:pPr algn="ctr"/>
+            <a:r>
+              <a:rPr lang="ja-JP" altLang="en-US" sz="4400" b="1" dirty="0">
+                <a:solidFill>
+                  <a:srgbClr val="FF71CC"/>
+                </a:solidFill>
+              </a:rPr>
+              <a:t>支援</a:t>
+            </a:r>
+            <a:endParaRPr kumimoji="1" lang="ja-JP" altLang="en-US" sz="4400" b="1" dirty="0">
+              <a:solidFill>
+                <a:srgbClr val="FF71CC"/>
+              </a:solidFill>
+            </a:endParaRPr>
+          </a:p>
+        </p:txBody>
+      </p:sp>
+      <p:sp>
+        <p:nvSpPr>
+          <p:cNvPr id="9" name="テキスト ボックス 8"/>
+          <p:cNvSpPr txBox="1"/>
+          <p:nvPr/>
+        </p:nvSpPr>
+        <p:spPr>
+          <a:xfrm>
+            <a:off x="5783942" y="1997839"/>
+            <a:ext cx="4507965" cy="2862322"/>
+          </a:xfrm>
+          <a:prstGeom prst="rect">
+            <a:avLst/>
+          </a:prstGeom>
+          <a:noFill/>
+        </p:spPr>
+        <p:txBody>
+          <a:bodyPr wrap="none" rtlCol="0">
+            <a:spAutoFit/>
+          </a:bodyPr>
+          <a:lstStyle/>
+          <a:p>
+            <a:pPr>
+              <a:lnSpc>
+                <a:spcPct val="150000"/>
+              </a:lnSpc>
+            </a:pPr>
+            <a:r>
+              <a:rPr lang="ja-JP" altLang="en-US" sz="4000" b="1" dirty="0">
+                <a:solidFill>
+                  <a:schemeClr val="bg1"/>
+                </a:solidFill>
+              </a:rPr>
+              <a:t>▶ </a:t>
+            </a:r>
+            <a:r>
+              <a:rPr lang="ja-JP" altLang="en-US" sz="4000" b="1" dirty="0" smtClean="0">
+                <a:solidFill>
+                  <a:schemeClr val="bg1"/>
+                </a:solidFill>
+              </a:rPr>
+              <a:t>効果時間：</a:t>
+            </a:r>
+            <a:r>
+              <a:rPr lang="en-US" altLang="ja-JP" sz="4000" b="1" dirty="0" smtClean="0">
+                <a:solidFill>
+                  <a:schemeClr val="bg1"/>
+                </a:solidFill>
+              </a:rPr>
+              <a:t>20</a:t>
+            </a:r>
+            <a:r>
+              <a:rPr lang="ja-JP" altLang="en-US" sz="4000" b="1" dirty="0" smtClean="0">
+                <a:solidFill>
+                  <a:schemeClr val="bg1"/>
+                </a:solidFill>
+              </a:rPr>
+              <a:t>秒</a:t>
+            </a:r>
+            <a:endParaRPr lang="en-US" altLang="ja-JP" sz="4000" b="1" dirty="0">
+              <a:solidFill>
+                <a:schemeClr val="bg1"/>
+              </a:solidFill>
+            </a:endParaRPr>
+          </a:p>
+          <a:p>
+            <a:pPr>
+              <a:lnSpc>
+                <a:spcPct val="150000"/>
+              </a:lnSpc>
+            </a:pPr>
+            <a:r>
+              <a:rPr lang="ja-JP" altLang="en-US" sz="4000" b="1" dirty="0" smtClean="0">
+                <a:solidFill>
+                  <a:schemeClr val="bg1"/>
+                </a:solidFill>
+              </a:rPr>
+              <a:t>▶ </a:t>
+            </a:r>
+            <a:r>
+              <a:rPr lang="ja-JP" altLang="en-US" sz="4000" b="1" dirty="0">
+                <a:solidFill>
+                  <a:schemeClr val="bg1"/>
+                </a:solidFill>
+              </a:rPr>
+              <a:t>ダメージ</a:t>
+            </a:r>
+            <a:r>
+              <a:rPr lang="ja-JP" altLang="en-US" sz="4000" b="1" dirty="0" smtClean="0">
+                <a:solidFill>
+                  <a:schemeClr val="bg1"/>
+                </a:solidFill>
+              </a:rPr>
+              <a:t>：なし</a:t>
+            </a:r>
+            <a:endParaRPr lang="en-US" altLang="ja-JP" sz="4000" b="1" dirty="0" smtClean="0">
+              <a:solidFill>
+                <a:schemeClr val="bg1"/>
+              </a:solidFill>
+            </a:endParaRPr>
+          </a:p>
+          <a:p>
+            <a:pPr>
+              <a:lnSpc>
+                <a:spcPct val="150000"/>
+              </a:lnSpc>
+            </a:pPr>
+            <a:r>
+              <a:rPr lang="ja-JP" altLang="en-US" sz="4000" b="1" dirty="0" smtClean="0">
+                <a:solidFill>
+                  <a:schemeClr val="bg1"/>
+                </a:solidFill>
+              </a:rPr>
+              <a:t>▶ 効果範囲：中</a:t>
+            </a:r>
+            <a:endParaRPr kumimoji="1" lang="en-US" altLang="ja-JP" sz="4000" b="1" dirty="0" smtClean="0">
+              <a:solidFill>
+                <a:schemeClr val="bg1"/>
+              </a:solidFill>
+            </a:endParaRPr>
+          </a:p>
+        </p:txBody>
+      </p:sp>
+      <p:sp>
+        <p:nvSpPr>
+          <p:cNvPr id="12" name="テキスト ボックス 11"/>
+          <p:cNvSpPr txBox="1"/>
+          <p:nvPr/>
+        </p:nvSpPr>
+        <p:spPr>
+          <a:xfrm>
+            <a:off x="1125413" y="5522209"/>
+            <a:ext cx="8840882" cy="707886"/>
+          </a:xfrm>
+          <a:prstGeom prst="rect">
+            <a:avLst/>
+          </a:prstGeom>
+          <a:noFill/>
+        </p:spPr>
+        <p:txBody>
+          <a:bodyPr wrap="none" rtlCol="0">
+            <a:spAutoFit/>
+          </a:bodyPr>
+          <a:lstStyle/>
+          <a:p>
+            <a:r>
+              <a:rPr lang="ja-JP" altLang="en-US" sz="4000" b="1" dirty="0">
+                <a:solidFill>
+                  <a:srgbClr val="FF71CC"/>
+                </a:solidFill>
+              </a:rPr>
+              <a:t>特徴</a:t>
+            </a:r>
+            <a:r>
+              <a:rPr lang="ja-JP" altLang="en-US" sz="4000" b="1" dirty="0">
+                <a:solidFill>
+                  <a:schemeClr val="bg1"/>
+                </a:solidFill>
+              </a:rPr>
+              <a:t> </a:t>
+            </a:r>
+            <a:r>
+              <a:rPr lang="en-US" altLang="ja-JP" sz="4000" b="1" dirty="0" smtClean="0">
+                <a:solidFill>
+                  <a:schemeClr val="bg1"/>
+                </a:solidFill>
+              </a:rPr>
+              <a:t>: </a:t>
+            </a:r>
+            <a:r>
+              <a:rPr lang="ja-JP" altLang="en-US" sz="4000" b="1" dirty="0" smtClean="0">
+                <a:solidFill>
+                  <a:schemeClr val="bg1"/>
+                </a:solidFill>
+              </a:rPr>
+              <a:t>範囲内の味方の体力を回復する</a:t>
+            </a:r>
+            <a:endParaRPr lang="ja-JP" altLang="en-US" sz="4000" b="1" dirty="0">
+              <a:solidFill>
+                <a:schemeClr val="bg1"/>
+              </a:solidFill>
+            </a:endParaRPr>
+          </a:p>
+        </p:txBody>
+      </p:sp>
+      <p:pic>
+        <p:nvPicPr>
+          <p:cNvPr id="7" name="図 6"/>
+          <p:cNvPicPr>
+            <a:picLocks noChangeAspect="1"/>
+          </p:cNvPicPr>
+          <p:nvPr/>
+        </p:nvPicPr>
+        <p:blipFill>
+          <a:blip r:embed="rId3">
+            <a:extLst>
+              <a:ext uri="{28A0092B-C50C-407E-A947-70E740481C1C}">
+                <a14:useLocalDpi xmlns:a14="http://schemas.microsoft.com/office/drawing/2010/main" val="0"/>
+              </a:ext>
+            </a:extLst>
+          </a:blip>
+          <a:stretch>
+            <a:fillRect/>
+          </a:stretch>
+        </p:blipFill>
+        <p:spPr>
+          <a:xfrm>
+            <a:off x="1421378" y="2671442"/>
+            <a:ext cx="2438443" cy="2438443"/>
+          </a:xfrm>
+          <a:prstGeom prst="rect">
+            <a:avLst/>
+          </a:prstGeom>
+        </p:spPr>
+      </p:pic>
+      <p:pic>
+        <p:nvPicPr>
+          <p:cNvPr id="10" name="図 9"/>
+          <p:cNvPicPr>
+            <a:picLocks noChangeAspect="1"/>
+          </p:cNvPicPr>
+          <p:nvPr/>
+        </p:nvPicPr>
+        <p:blipFill>
+          <a:blip r:embed="rId4" cstate="print">
+            <a:extLst>
+              <a:ext uri="{28A0092B-C50C-407E-A947-70E740481C1C}">
+                <a14:useLocalDpi xmlns:a14="http://schemas.microsoft.com/office/drawing/2010/main" val="0"/>
+              </a:ext>
+            </a:extLst>
+          </a:blip>
+          <a:stretch>
+            <a:fillRect/>
+          </a:stretch>
+        </p:blipFill>
+        <p:spPr>
+          <a:xfrm>
+            <a:off x="10573829" y="802009"/>
+            <a:ext cx="1101583" cy="787489"/>
+          </a:xfrm>
+          <a:prstGeom prst="rect">
+            <a:avLst/>
+          </a:prstGeom>
+        </p:spPr>
+      </p:pic>
       <p:cxnSp>
         <p:nvCxnSpPr>
           <p:cNvPr id="5" name="直線コネクタ 4"/>
@@ -8211,298 +8718,6 @@
           </a:fontRef>
         </p:style>
       </p:cxnSp>
-      <p:pic>
-        <p:nvPicPr>
-          <p:cNvPr id="4" name="図 3"/>
-          <p:cNvPicPr>
-            <a:picLocks noChangeAspect="1"/>
-          </p:cNvPicPr>
-          <p:nvPr/>
-        </p:nvPicPr>
-        <p:blipFill>
-          <a:blip r:embed="rId2">
-            <a:extLst>
-              <a:ext uri="{28A0092B-C50C-407E-A947-70E740481C1C}">
-                <a14:useLocalDpi xmlns:a14="http://schemas.microsoft.com/office/drawing/2010/main" val="0"/>
-              </a:ext>
-            </a:extLst>
-          </a:blip>
-          <a:stretch>
-            <a:fillRect/>
-          </a:stretch>
-        </p:blipFill>
-        <p:spPr>
-          <a:xfrm>
-            <a:off x="1421378" y="2671442"/>
-            <a:ext cx="2438443" cy="2438443"/>
-          </a:xfrm>
-          <a:prstGeom prst="rect">
-            <a:avLst/>
-          </a:prstGeom>
-        </p:spPr>
-      </p:pic>
-      <p:sp>
-        <p:nvSpPr>
-          <p:cNvPr id="6" name="テキスト ボックス 5"/>
-          <p:cNvSpPr txBox="1"/>
-          <p:nvPr/>
-        </p:nvSpPr>
-        <p:spPr>
-          <a:xfrm>
-            <a:off x="1984011" y="1613118"/>
-            <a:ext cx="1313180" cy="769441"/>
-          </a:xfrm>
-          <a:prstGeom prst="rect">
-            <a:avLst/>
-          </a:prstGeom>
-          <a:noFill/>
-        </p:spPr>
-        <p:txBody>
-          <a:bodyPr wrap="none" rtlCol="0">
-            <a:spAutoFit/>
-          </a:bodyPr>
-          <a:lstStyle/>
-          <a:p>
-            <a:pPr algn="ctr"/>
-            <a:r>
-              <a:rPr lang="ja-JP" altLang="en-US" sz="4400" b="1" dirty="0">
-                <a:solidFill>
-                  <a:srgbClr val="FF71CC"/>
-                </a:solidFill>
-              </a:rPr>
-              <a:t>支援</a:t>
-            </a:r>
-            <a:endParaRPr kumimoji="1" lang="ja-JP" altLang="en-US" sz="4400" b="1" dirty="0">
-              <a:solidFill>
-                <a:srgbClr val="FF71CC"/>
-              </a:solidFill>
-            </a:endParaRPr>
-          </a:p>
-        </p:txBody>
-      </p:sp>
-      <p:sp>
-        <p:nvSpPr>
-          <p:cNvPr id="9" name="テキスト ボックス 8"/>
-          <p:cNvSpPr txBox="1"/>
-          <p:nvPr/>
-        </p:nvSpPr>
-        <p:spPr>
-          <a:xfrm>
-            <a:off x="5783942" y="1997839"/>
-            <a:ext cx="4507965" cy="2862322"/>
-          </a:xfrm>
-          <a:prstGeom prst="rect">
-            <a:avLst/>
-          </a:prstGeom>
-          <a:noFill/>
-        </p:spPr>
-        <p:txBody>
-          <a:bodyPr wrap="none" rtlCol="0">
-            <a:spAutoFit/>
-          </a:bodyPr>
-          <a:lstStyle/>
-          <a:p>
-            <a:pPr>
-              <a:lnSpc>
-                <a:spcPct val="150000"/>
-              </a:lnSpc>
-            </a:pPr>
-            <a:r>
-              <a:rPr lang="ja-JP" altLang="en-US" sz="4000" b="1" dirty="0">
-                <a:solidFill>
-                  <a:schemeClr val="bg1"/>
-                </a:solidFill>
-              </a:rPr>
-              <a:t>▶ </a:t>
-            </a:r>
-            <a:r>
-              <a:rPr lang="ja-JP" altLang="en-US" sz="4000" b="1" dirty="0" smtClean="0">
-                <a:solidFill>
-                  <a:schemeClr val="bg1"/>
-                </a:solidFill>
-              </a:rPr>
-              <a:t>効果時間：</a:t>
-            </a:r>
-            <a:r>
-              <a:rPr lang="en-US" altLang="ja-JP" sz="4000" b="1" dirty="0" smtClean="0">
-                <a:solidFill>
-                  <a:schemeClr val="bg1"/>
-                </a:solidFill>
-              </a:rPr>
-              <a:t>20</a:t>
-            </a:r>
-            <a:r>
-              <a:rPr lang="ja-JP" altLang="en-US" sz="4000" b="1" dirty="0" smtClean="0">
-                <a:solidFill>
-                  <a:schemeClr val="bg1"/>
-                </a:solidFill>
-              </a:rPr>
-              <a:t>秒</a:t>
-            </a:r>
-            <a:endParaRPr lang="en-US" altLang="ja-JP" sz="4000" b="1" dirty="0">
-              <a:solidFill>
-                <a:schemeClr val="bg1"/>
-              </a:solidFill>
-            </a:endParaRPr>
-          </a:p>
-          <a:p>
-            <a:pPr>
-              <a:lnSpc>
-                <a:spcPct val="150000"/>
-              </a:lnSpc>
-            </a:pPr>
-            <a:r>
-              <a:rPr lang="ja-JP" altLang="en-US" sz="4000" b="1" dirty="0" smtClean="0">
-                <a:solidFill>
-                  <a:schemeClr val="bg1"/>
-                </a:solidFill>
-              </a:rPr>
-              <a:t>▶ </a:t>
-            </a:r>
-            <a:r>
-              <a:rPr lang="ja-JP" altLang="en-US" sz="4000" b="1" dirty="0">
-                <a:solidFill>
-                  <a:schemeClr val="bg1"/>
-                </a:solidFill>
-              </a:rPr>
-              <a:t>ダメージ</a:t>
-            </a:r>
-            <a:r>
-              <a:rPr lang="ja-JP" altLang="en-US" sz="4000" b="1" dirty="0" smtClean="0">
-                <a:solidFill>
-                  <a:schemeClr val="bg1"/>
-                </a:solidFill>
-              </a:rPr>
-              <a:t>：なし</a:t>
-            </a:r>
-            <a:endParaRPr lang="en-US" altLang="ja-JP" sz="4000" b="1" dirty="0" smtClean="0">
-              <a:solidFill>
-                <a:schemeClr val="bg1"/>
-              </a:solidFill>
-            </a:endParaRPr>
-          </a:p>
-          <a:p>
-            <a:pPr>
-              <a:lnSpc>
-                <a:spcPct val="150000"/>
-              </a:lnSpc>
-            </a:pPr>
-            <a:r>
-              <a:rPr lang="ja-JP" altLang="en-US" sz="4000" b="1" dirty="0" smtClean="0">
-                <a:solidFill>
-                  <a:schemeClr val="bg1"/>
-                </a:solidFill>
-              </a:rPr>
-              <a:t>▶ </a:t>
-            </a:r>
-            <a:r>
-              <a:rPr lang="ja-JP" altLang="en-US" sz="4000" b="1" dirty="0" smtClean="0">
-                <a:solidFill>
-                  <a:schemeClr val="bg1"/>
-                </a:solidFill>
-              </a:rPr>
-              <a:t>効果範囲：中</a:t>
-            </a:r>
-            <a:endParaRPr kumimoji="1" lang="en-US" altLang="ja-JP" sz="4000" b="1" dirty="0" smtClean="0">
-              <a:solidFill>
-                <a:schemeClr val="bg1"/>
-              </a:solidFill>
-            </a:endParaRPr>
-          </a:p>
-        </p:txBody>
-      </p:sp>
-      <p:sp>
-        <p:nvSpPr>
-          <p:cNvPr id="12" name="テキスト ボックス 11"/>
-          <p:cNvSpPr txBox="1"/>
-          <p:nvPr/>
-        </p:nvSpPr>
-        <p:spPr>
-          <a:xfrm>
-            <a:off x="1125413" y="5522209"/>
-            <a:ext cx="8840882" cy="707886"/>
-          </a:xfrm>
-          <a:prstGeom prst="rect">
-            <a:avLst/>
-          </a:prstGeom>
-          <a:noFill/>
-        </p:spPr>
-        <p:txBody>
-          <a:bodyPr wrap="none" rtlCol="0">
-            <a:spAutoFit/>
-          </a:bodyPr>
-          <a:lstStyle/>
-          <a:p>
-            <a:r>
-              <a:rPr lang="ja-JP" altLang="en-US" sz="4000" b="1" dirty="0">
-                <a:solidFill>
-                  <a:srgbClr val="FF71CC"/>
-                </a:solidFill>
-              </a:rPr>
-              <a:t>特徴</a:t>
-            </a:r>
-            <a:r>
-              <a:rPr lang="ja-JP" altLang="en-US" sz="4000" b="1" dirty="0">
-                <a:solidFill>
-                  <a:schemeClr val="bg1"/>
-                </a:solidFill>
-              </a:rPr>
-              <a:t> </a:t>
-            </a:r>
-            <a:r>
-              <a:rPr lang="en-US" altLang="ja-JP" sz="4000" b="1" dirty="0" smtClean="0">
-                <a:solidFill>
-                  <a:schemeClr val="bg1"/>
-                </a:solidFill>
-              </a:rPr>
-              <a:t>: </a:t>
-            </a:r>
-            <a:r>
-              <a:rPr lang="ja-JP" altLang="en-US" sz="4000" b="1" dirty="0" smtClean="0">
-                <a:solidFill>
-                  <a:schemeClr val="bg1"/>
-                </a:solidFill>
-              </a:rPr>
-              <a:t>範囲内の味方の体力を回復する</a:t>
-            </a:r>
-            <a:endParaRPr lang="ja-JP" altLang="en-US" sz="4000" b="1" dirty="0">
-              <a:solidFill>
-                <a:schemeClr val="bg1"/>
-              </a:solidFill>
-            </a:endParaRPr>
-          </a:p>
-        </p:txBody>
-      </p:sp>
-      <p:pic>
-        <p:nvPicPr>
-          <p:cNvPr id="7" name="図 6"/>
-          <p:cNvPicPr>
-            <a:picLocks noChangeAspect="1"/>
-          </p:cNvPicPr>
-          <p:nvPr/>
-        </p:nvPicPr>
-        <p:blipFill>
-          <a:blip r:embed="rId3">
-            <a:extLst>
-              <a:ext uri="{28A0092B-C50C-407E-A947-70E740481C1C}">
-                <a14:useLocalDpi xmlns:a14="http://schemas.microsoft.com/office/drawing/2010/main" val="0"/>
-              </a:ext>
-            </a:extLst>
-          </a:blip>
-          <a:stretch>
-            <a:fillRect/>
-          </a:stretch>
-        </p:blipFill>
-        <p:spPr>
-          <a:xfrm>
-            <a:off x="1421378" y="2671442"/>
-            <a:ext cx="2438443" cy="2438443"/>
-          </a:xfrm>
-          <a:prstGeom prst="rect">
-            <a:avLst/>
-          </a:prstGeom>
-        </p:spPr>
-      </p:pic>
     </p:spTree>
     <p:extLst>
       <p:ext uri="{BB962C8B-B14F-4D97-AF65-F5344CB8AC3E}">
@@ -8618,6 +8833,147 @@
           </a:p>
         </p:txBody>
       </p:sp>
+      <p:sp>
+        <p:nvSpPr>
+          <p:cNvPr id="4" name="テキスト ボックス 3"/>
+          <p:cNvSpPr txBox="1"/>
+          <p:nvPr/>
+        </p:nvSpPr>
+        <p:spPr>
+          <a:xfrm>
+            <a:off x="993530" y="1767006"/>
+            <a:ext cx="9777035" cy="4058290"/>
+          </a:xfrm>
+          <a:prstGeom prst="rect">
+            <a:avLst/>
+          </a:prstGeom>
+          <a:noFill/>
+        </p:spPr>
+        <p:txBody>
+          <a:bodyPr wrap="none" rtlCol="0">
+            <a:spAutoFit/>
+          </a:bodyPr>
+          <a:lstStyle/>
+          <a:p>
+            <a:pPr>
+              <a:lnSpc>
+                <a:spcPct val="150000"/>
+              </a:lnSpc>
+            </a:pPr>
+            <a:r>
+              <a:rPr kumimoji="1" lang="ja-JP" altLang="en-US" sz="4400" b="1" dirty="0" smtClean="0">
+                <a:solidFill>
+                  <a:schemeClr val="bg1"/>
+                </a:solidFill>
+              </a:rPr>
+              <a:t>攻めてくる敵から自陣を守るため</a:t>
+            </a:r>
+            <a:endParaRPr kumimoji="1" lang="en-US" altLang="ja-JP" sz="4400" b="1" dirty="0" smtClean="0">
+              <a:solidFill>
+                <a:schemeClr val="bg1"/>
+              </a:solidFill>
+            </a:endParaRPr>
+          </a:p>
+          <a:p>
+            <a:pPr>
+              <a:lnSpc>
+                <a:spcPct val="150000"/>
+              </a:lnSpc>
+            </a:pPr>
+            <a:r>
+              <a:rPr kumimoji="1" lang="ja-JP" altLang="en-US" sz="4400" b="1" dirty="0" smtClean="0">
+                <a:solidFill>
+                  <a:schemeClr val="bg1"/>
+                </a:solidFill>
+              </a:rPr>
+              <a:t>ユニットの特性やスキル、トラップを</a:t>
+            </a:r>
+            <a:endParaRPr kumimoji="1" lang="en-US" altLang="ja-JP" sz="4400" b="1" dirty="0" smtClean="0">
+              <a:solidFill>
+                <a:schemeClr val="bg1"/>
+              </a:solidFill>
+            </a:endParaRPr>
+          </a:p>
+          <a:p>
+            <a:pPr>
+              <a:lnSpc>
+                <a:spcPct val="150000"/>
+              </a:lnSpc>
+            </a:pPr>
+            <a:r>
+              <a:rPr kumimoji="1" lang="ja-JP" altLang="en-US" sz="4400" b="1" dirty="0" smtClean="0">
+                <a:solidFill>
+                  <a:schemeClr val="bg1"/>
+                </a:solidFill>
+              </a:rPr>
+              <a:t>駆使して立ち向かおう</a:t>
+            </a:r>
+            <a:r>
+              <a:rPr kumimoji="1" lang="ja-JP" altLang="en-US" sz="4400" b="1" dirty="0" smtClean="0">
+                <a:solidFill>
+                  <a:schemeClr val="bg1"/>
+                </a:solidFill>
+              </a:rPr>
+              <a:t>！</a:t>
+            </a:r>
+            <a:endParaRPr kumimoji="1" lang="en-US" altLang="ja-JP" sz="4400" b="1" dirty="0" smtClean="0">
+              <a:solidFill>
+                <a:schemeClr val="bg1"/>
+              </a:solidFill>
+            </a:endParaRPr>
+          </a:p>
+          <a:p>
+            <a:pPr>
+              <a:lnSpc>
+                <a:spcPct val="150000"/>
+              </a:lnSpc>
+            </a:pPr>
+            <a:r>
+              <a:rPr lang="ja-JP" altLang="en-US" sz="4400" b="1" dirty="0" smtClean="0">
+                <a:solidFill>
+                  <a:schemeClr val="bg1"/>
+                </a:solidFill>
+              </a:rPr>
+              <a:t>コスト制限があるので注意が必要！！</a:t>
+            </a:r>
+            <a:endParaRPr kumimoji="1" lang="en-US" altLang="ja-JP" sz="4400" b="1" dirty="0" smtClean="0">
+              <a:solidFill>
+                <a:schemeClr val="bg1"/>
+              </a:solidFill>
+            </a:endParaRPr>
+          </a:p>
+        </p:txBody>
+      </p:sp>
+      <p:pic>
+        <p:nvPicPr>
+          <p:cNvPr id="6" name="図 5"/>
+          <p:cNvPicPr>
+            <a:picLocks noChangeAspect="1"/>
+          </p:cNvPicPr>
+          <p:nvPr/>
+        </p:nvPicPr>
+        <p:blipFill>
+          <a:blip r:embed="rId2" cstate="print">
+            <a:extLst>
+              <a:ext uri="{28A0092B-C50C-407E-A947-70E740481C1C}">
+                <a14:useLocalDpi xmlns:a14="http://schemas.microsoft.com/office/drawing/2010/main" val="0"/>
+              </a:ext>
+            </a:extLst>
+          </a:blip>
+          <a:stretch>
+            <a:fillRect/>
+          </a:stretch>
+        </p:blipFill>
+        <p:spPr>
+          <a:xfrm>
+            <a:off x="10573829" y="802009"/>
+            <a:ext cx="1101583" cy="787489"/>
+          </a:xfrm>
+          <a:prstGeom prst="rect">
+            <a:avLst/>
+          </a:prstGeom>
+        </p:spPr>
+      </p:pic>
       <p:cxnSp>
         <p:nvCxnSpPr>
           <p:cNvPr id="5" name="直線コネクタ 4"/>
@@ -8653,74 +9009,6 @@
           </a:fontRef>
         </p:style>
       </p:cxnSp>
-      <p:sp>
-        <p:nvSpPr>
-          <p:cNvPr id="4" name="テキスト ボックス 3"/>
-          <p:cNvSpPr txBox="1"/>
-          <p:nvPr/>
-        </p:nvSpPr>
-        <p:spPr>
-          <a:xfrm>
-            <a:off x="993530" y="1767006"/>
-            <a:ext cx="9777035" cy="2123658"/>
-          </a:xfrm>
-          <a:prstGeom prst="rect">
-            <a:avLst/>
-          </a:prstGeom>
-          <a:noFill/>
-        </p:spPr>
-        <p:txBody>
-          <a:bodyPr wrap="none" rtlCol="0">
-            <a:spAutoFit/>
-          </a:bodyPr>
-          <a:lstStyle/>
-          <a:p>
-            <a:r>
-              <a:rPr kumimoji="1" lang="ja-JP" altLang="en-US" sz="4400" b="1" dirty="0" smtClean="0">
-                <a:solidFill>
-                  <a:schemeClr val="bg1"/>
-                </a:solidFill>
-              </a:rPr>
-              <a:t>攻めてくる敵から自陣を守るため</a:t>
-            </a:r>
-            <a:endParaRPr kumimoji="1" lang="en-US" altLang="ja-JP" sz="4400" b="1" dirty="0" smtClean="0">
-              <a:solidFill>
-                <a:schemeClr val="bg1"/>
-              </a:solidFill>
-            </a:endParaRPr>
-          </a:p>
-          <a:p>
-            <a:r>
-              <a:rPr kumimoji="1" lang="ja-JP" altLang="en-US" sz="4400" b="1" dirty="0" smtClean="0">
-                <a:solidFill>
-                  <a:schemeClr val="bg1"/>
-                </a:solidFill>
-              </a:rPr>
-              <a:t>ユニットの特性やスキル、トラップを</a:t>
-            </a:r>
-            <a:endParaRPr kumimoji="1" lang="en-US" altLang="ja-JP" sz="4400" b="1" dirty="0" smtClean="0">
-              <a:solidFill>
-                <a:schemeClr val="bg1"/>
-              </a:solidFill>
-            </a:endParaRPr>
-          </a:p>
-          <a:p>
-            <a:r>
-              <a:rPr kumimoji="1" lang="ja-JP" altLang="en-US" sz="4400" b="1" dirty="0" smtClean="0">
-                <a:solidFill>
-                  <a:schemeClr val="bg1"/>
-                </a:solidFill>
-              </a:rPr>
-              <a:t>駆使して立ち向かおう！</a:t>
-            </a:r>
-            <a:endParaRPr lang="en-US" altLang="ja-JP" sz="4400" b="1" dirty="0">
-              <a:solidFill>
-                <a:schemeClr val="bg1"/>
-              </a:solidFill>
-            </a:endParaRPr>
-          </a:p>
-        </p:txBody>
-      </p:sp>
     </p:spTree>
     <p:extLst>
       <p:ext uri="{BB962C8B-B14F-4D97-AF65-F5344CB8AC3E}">
@@ -8866,6 +9154,358 @@
           </a:p>
         </p:txBody>
       </p:sp>
+      <p:sp>
+        <p:nvSpPr>
+          <p:cNvPr id="4" name="テキスト ボックス 3"/>
+          <p:cNvSpPr txBox="1"/>
+          <p:nvPr/>
+        </p:nvSpPr>
+        <p:spPr>
+          <a:xfrm>
+            <a:off x="562708" y="1536174"/>
+            <a:ext cx="5505033" cy="5016758"/>
+          </a:xfrm>
+          <a:prstGeom prst="rect">
+            <a:avLst/>
+          </a:prstGeom>
+          <a:noFill/>
+        </p:spPr>
+        <p:txBody>
+          <a:bodyPr wrap="none" rtlCol="0">
+            <a:spAutoFit/>
+          </a:bodyPr>
+          <a:lstStyle/>
+          <a:p>
+            <a:r>
+              <a:rPr kumimoji="1" lang="ja-JP" altLang="en-US" sz="4000" b="1" dirty="0" smtClean="0">
+                <a:solidFill>
+                  <a:schemeClr val="bg1"/>
+                </a:solidFill>
+              </a:rPr>
+              <a:t>ゲームの難易度は</a:t>
+            </a:r>
+            <a:endParaRPr kumimoji="1" lang="en-US" altLang="ja-JP" sz="4000" b="1" dirty="0" smtClean="0">
+              <a:solidFill>
+                <a:schemeClr val="bg1"/>
+              </a:solidFill>
+            </a:endParaRPr>
+          </a:p>
+          <a:p>
+            <a:pPr>
+              <a:lnSpc>
+                <a:spcPct val="150000"/>
+              </a:lnSpc>
+            </a:pPr>
+            <a:r>
+              <a:rPr lang="en-US" altLang="ja-JP" sz="4000" b="1" dirty="0" smtClean="0">
+                <a:solidFill>
+                  <a:srgbClr val="92D050"/>
+                </a:solidFill>
+              </a:rPr>
+              <a:t>Easy</a:t>
+            </a:r>
+          </a:p>
+          <a:p>
+            <a:pPr>
+              <a:lnSpc>
+                <a:spcPct val="150000"/>
+              </a:lnSpc>
+            </a:pPr>
+            <a:r>
+              <a:rPr lang="en-US" altLang="ja-JP" sz="4000" b="1" dirty="0">
+                <a:solidFill>
+                  <a:srgbClr val="FFFF00"/>
+                </a:solidFill>
+              </a:rPr>
+              <a:t>N</a:t>
+            </a:r>
+            <a:r>
+              <a:rPr kumimoji="1" lang="en-US" altLang="ja-JP" sz="4000" b="1" dirty="0" smtClean="0">
+                <a:solidFill>
+                  <a:srgbClr val="FFFF00"/>
+                </a:solidFill>
+              </a:rPr>
+              <a:t>ormal</a:t>
+            </a:r>
+          </a:p>
+          <a:p>
+            <a:pPr>
+              <a:lnSpc>
+                <a:spcPct val="150000"/>
+              </a:lnSpc>
+            </a:pPr>
+            <a:r>
+              <a:rPr kumimoji="1" lang="en-US" altLang="ja-JP" sz="4000" b="1" dirty="0" smtClean="0">
+                <a:solidFill>
+                  <a:srgbClr val="FF0000"/>
+                </a:solidFill>
+              </a:rPr>
+              <a:t>Hard</a:t>
+            </a:r>
+          </a:p>
+          <a:p>
+            <a:pPr>
+              <a:lnSpc>
+                <a:spcPct val="150000"/>
+              </a:lnSpc>
+            </a:pPr>
+            <a:r>
+              <a:rPr lang="en-US" altLang="ja-JP" sz="4000" b="1" dirty="0" smtClean="0">
+                <a:solidFill>
+                  <a:srgbClr val="0070C0"/>
+                </a:solidFill>
+              </a:rPr>
+              <a:t>Custom</a:t>
+            </a:r>
+          </a:p>
+          <a:p>
+            <a:r>
+              <a:rPr kumimoji="1" lang="en-US" altLang="ja-JP" sz="4000" b="1" dirty="0" smtClean="0">
+                <a:solidFill>
+                  <a:schemeClr val="bg1"/>
+                </a:solidFill>
+              </a:rPr>
+              <a:t>	</a:t>
+            </a:r>
+            <a:r>
+              <a:rPr kumimoji="1" lang="ja-JP" altLang="en-US" sz="4000" b="1" dirty="0" smtClean="0">
+                <a:solidFill>
+                  <a:schemeClr val="bg1"/>
+                </a:solidFill>
+              </a:rPr>
+              <a:t>の</a:t>
+            </a:r>
+            <a:r>
+              <a:rPr kumimoji="1" lang="en-US" altLang="ja-JP" sz="4000" b="1" dirty="0" smtClean="0">
+                <a:solidFill>
+                  <a:schemeClr val="bg1"/>
+                </a:solidFill>
+              </a:rPr>
+              <a:t>4</a:t>
+            </a:r>
+            <a:r>
+              <a:rPr kumimoji="1" lang="ja-JP" altLang="en-US" sz="4000" b="1" dirty="0" smtClean="0">
+                <a:solidFill>
+                  <a:schemeClr val="bg1"/>
+                </a:solidFill>
+              </a:rPr>
+              <a:t>種類あります。</a:t>
+            </a:r>
+            <a:endParaRPr kumimoji="1" lang="ja-JP" altLang="en-US" sz="4000" b="1" dirty="0">
+              <a:solidFill>
+                <a:schemeClr val="bg1"/>
+              </a:solidFill>
+            </a:endParaRPr>
+          </a:p>
+        </p:txBody>
+      </p:sp>
+      <p:sp>
+        <p:nvSpPr>
+          <p:cNvPr id="6" name="テキスト ボックス 5"/>
+          <p:cNvSpPr txBox="1"/>
+          <p:nvPr/>
+        </p:nvSpPr>
+        <p:spPr>
+          <a:xfrm>
+            <a:off x="5917223" y="1536174"/>
+            <a:ext cx="3139001" cy="707886"/>
+          </a:xfrm>
+          <a:prstGeom prst="rect">
+            <a:avLst/>
+          </a:prstGeom>
+          <a:noFill/>
+        </p:spPr>
+        <p:txBody>
+          <a:bodyPr wrap="none" rtlCol="0">
+            <a:spAutoFit/>
+          </a:bodyPr>
+          <a:lstStyle/>
+          <a:p>
+            <a:r>
+              <a:rPr lang="en-US" altLang="ja-JP" sz="4000" b="1" dirty="0" smtClean="0">
+                <a:solidFill>
+                  <a:srgbClr val="0070C0"/>
+                </a:solidFill>
+              </a:rPr>
+              <a:t>C</a:t>
+            </a:r>
+            <a:r>
+              <a:rPr kumimoji="1" lang="en-US" altLang="ja-JP" sz="4000" b="1" dirty="0" smtClean="0">
+                <a:solidFill>
+                  <a:srgbClr val="0070C0"/>
+                </a:solidFill>
+              </a:rPr>
+              <a:t>ustom</a:t>
+            </a:r>
+            <a:r>
+              <a:rPr lang="ja-JP" altLang="en-US" sz="4000" b="1" dirty="0" smtClean="0">
+                <a:solidFill>
+                  <a:schemeClr val="bg1"/>
+                </a:solidFill>
+              </a:rPr>
+              <a:t>と</a:t>
+            </a:r>
+            <a:r>
+              <a:rPr lang="ja-JP" altLang="en-US" sz="4000" b="1" dirty="0">
+                <a:solidFill>
+                  <a:schemeClr val="bg1"/>
+                </a:solidFill>
+              </a:rPr>
+              <a:t>は</a:t>
+            </a:r>
+            <a:endParaRPr kumimoji="1" lang="ja-JP" altLang="en-US" sz="4000" b="1" dirty="0">
+              <a:solidFill>
+                <a:schemeClr val="bg1"/>
+              </a:solidFill>
+            </a:endParaRPr>
+          </a:p>
+        </p:txBody>
+      </p:sp>
+      <p:sp>
+        <p:nvSpPr>
+          <p:cNvPr id="7" name="テキスト ボックス 6"/>
+          <p:cNvSpPr txBox="1"/>
+          <p:nvPr/>
+        </p:nvSpPr>
+        <p:spPr>
+          <a:xfrm>
+            <a:off x="6216252" y="2329832"/>
+            <a:ext cx="5827236" cy="2554545"/>
+          </a:xfrm>
+          <a:prstGeom prst="rect">
+            <a:avLst/>
+          </a:prstGeom>
+          <a:noFill/>
+        </p:spPr>
+        <p:txBody>
+          <a:bodyPr wrap="none" rtlCol="0">
+            <a:spAutoFit/>
+          </a:bodyPr>
+          <a:lstStyle/>
+          <a:p>
+            <a:r>
+              <a:rPr kumimoji="1" lang="ja-JP" altLang="en-US" sz="4000" b="1" dirty="0" smtClean="0">
+                <a:solidFill>
+                  <a:schemeClr val="bg1"/>
+                </a:solidFill>
+              </a:rPr>
+              <a:t>自分で</a:t>
+            </a:r>
+            <a:r>
+              <a:rPr lang="ja-JP" altLang="en-US" sz="4000" b="1" dirty="0" smtClean="0">
+                <a:solidFill>
+                  <a:schemeClr val="bg1"/>
+                </a:solidFill>
+              </a:rPr>
+              <a:t>マップを作って</a:t>
+            </a:r>
+            <a:endParaRPr lang="en-US" altLang="ja-JP" sz="4000" b="1" dirty="0" smtClean="0">
+              <a:solidFill>
+                <a:schemeClr val="bg1"/>
+              </a:solidFill>
+            </a:endParaRPr>
+          </a:p>
+          <a:p>
+            <a:r>
+              <a:rPr lang="ja-JP" altLang="en-US" sz="4000" b="1" dirty="0" smtClean="0">
+                <a:solidFill>
+                  <a:schemeClr val="bg1"/>
+                </a:solidFill>
+              </a:rPr>
+              <a:t>遊べたり、</a:t>
+            </a:r>
+            <a:endParaRPr lang="en-US" altLang="ja-JP" sz="4000" b="1" dirty="0" smtClean="0">
+              <a:solidFill>
+                <a:schemeClr val="bg1"/>
+              </a:solidFill>
+            </a:endParaRPr>
+          </a:p>
+          <a:p>
+            <a:r>
+              <a:rPr kumimoji="1" lang="ja-JP" altLang="en-US" sz="4000" b="1" dirty="0">
+                <a:solidFill>
+                  <a:schemeClr val="bg1"/>
+                </a:solidFill>
+              </a:rPr>
+              <a:t>他</a:t>
+            </a:r>
+            <a:r>
+              <a:rPr kumimoji="1" lang="ja-JP" altLang="en-US" sz="4000" b="1" dirty="0" smtClean="0">
+                <a:solidFill>
+                  <a:schemeClr val="bg1"/>
+                </a:solidFill>
+              </a:rPr>
+              <a:t>の</a:t>
+            </a:r>
+            <a:r>
+              <a:rPr kumimoji="1" lang="ja-JP" altLang="en-US" sz="4000" b="1" dirty="0">
+                <a:solidFill>
+                  <a:schemeClr val="bg1"/>
+                </a:solidFill>
+              </a:rPr>
+              <a:t>人</a:t>
+            </a:r>
+            <a:r>
+              <a:rPr kumimoji="1" lang="ja-JP" altLang="en-US" sz="4000" b="1" dirty="0" smtClean="0">
+                <a:solidFill>
+                  <a:schemeClr val="bg1"/>
+                </a:solidFill>
+              </a:rPr>
+              <a:t>が作ったマップを</a:t>
+            </a:r>
+            <a:endParaRPr kumimoji="1" lang="en-US" altLang="ja-JP" sz="4000" b="1" dirty="0" smtClean="0">
+              <a:solidFill>
+                <a:schemeClr val="bg1"/>
+              </a:solidFill>
+            </a:endParaRPr>
+          </a:p>
+          <a:p>
+            <a:r>
+              <a:rPr kumimoji="1" lang="ja-JP" altLang="en-US" sz="4000" b="1" dirty="0" smtClean="0">
+                <a:solidFill>
+                  <a:schemeClr val="bg1"/>
+                </a:solidFill>
+              </a:rPr>
+              <a:t>遊べるものになります。</a:t>
+            </a:r>
+            <a:endParaRPr kumimoji="1" lang="ja-JP" altLang="en-US" sz="4000" b="1" dirty="0">
+              <a:solidFill>
+                <a:schemeClr val="bg1"/>
+              </a:solidFill>
+            </a:endParaRPr>
+          </a:p>
+        </p:txBody>
+      </p:sp>
+      <p:pic>
+        <p:nvPicPr>
+          <p:cNvPr id="8" name="図 7"/>
+          <p:cNvPicPr>
+            <a:picLocks noChangeAspect="1"/>
+          </p:cNvPicPr>
+          <p:nvPr/>
+        </p:nvPicPr>
+        <p:blipFill>
+          <a:blip r:embed="rId2" cstate="print">
+            <a:extLst>
+              <a:ext uri="{28A0092B-C50C-407E-A947-70E740481C1C}">
+                <a14:useLocalDpi xmlns:a14="http://schemas.microsoft.com/office/drawing/2010/main" val="0"/>
+              </a:ext>
+            </a:extLst>
+          </a:blip>
+          <a:stretch>
+            <a:fillRect/>
+          </a:stretch>
+        </p:blipFill>
+        <p:spPr>
+          <a:xfrm>
+            <a:off x="10573829" y="802009"/>
+            <a:ext cx="1101583" cy="787489"/>
+          </a:xfrm>
+          <a:prstGeom prst="rect">
+            <a:avLst/>
+          </a:prstGeom>
+        </p:spPr>
+      </p:pic>
       <p:cxnSp>
         <p:nvCxnSpPr>
           <p:cNvPr id="5" name="直線コネクタ 4"/>
@@ -8901,328 +9541,6 @@
           </a:fontRef>
         </p:style>
       </p:cxnSp>
-      <p:sp>
-        <p:nvSpPr>
-          <p:cNvPr id="4" name="テキスト ボックス 3"/>
-          <p:cNvSpPr txBox="1"/>
-          <p:nvPr/>
-        </p:nvSpPr>
-        <p:spPr>
-          <a:xfrm>
-            <a:off x="562708" y="1536174"/>
-            <a:ext cx="5505033" cy="5016758"/>
-          </a:xfrm>
-          <a:prstGeom prst="rect">
-            <a:avLst/>
-          </a:prstGeom>
-          <a:noFill/>
-        </p:spPr>
-        <p:txBody>
-          <a:bodyPr wrap="none" rtlCol="0">
-            <a:spAutoFit/>
-          </a:bodyPr>
-          <a:lstStyle/>
-          <a:p>
-            <a:r>
-              <a:rPr kumimoji="1" lang="ja-JP" altLang="en-US" sz="4000" b="1" dirty="0" smtClean="0">
-                <a:solidFill>
-                  <a:schemeClr val="bg1"/>
-                </a:solidFill>
-              </a:rPr>
-              <a:t>ゲームの難易度は</a:t>
-            </a:r>
-            <a:endParaRPr kumimoji="1" lang="en-US" altLang="ja-JP" sz="4000" b="1" dirty="0" smtClean="0">
-              <a:solidFill>
-                <a:schemeClr val="bg1"/>
-              </a:solidFill>
-            </a:endParaRPr>
-          </a:p>
-          <a:p>
-            <a:pPr>
-              <a:lnSpc>
-                <a:spcPct val="150000"/>
-              </a:lnSpc>
-            </a:pPr>
-            <a:r>
-              <a:rPr lang="en-US" altLang="ja-JP" sz="4000" b="1" dirty="0" smtClean="0">
-                <a:solidFill>
-                  <a:srgbClr val="92D050"/>
-                </a:solidFill>
-              </a:rPr>
-              <a:t>Easy</a:t>
-            </a:r>
-          </a:p>
-          <a:p>
-            <a:pPr>
-              <a:lnSpc>
-                <a:spcPct val="150000"/>
-              </a:lnSpc>
-            </a:pPr>
-            <a:r>
-              <a:rPr lang="en-US" altLang="ja-JP" sz="4000" b="1" dirty="0">
-                <a:solidFill>
-                  <a:srgbClr val="FFFF00"/>
-                </a:solidFill>
-              </a:rPr>
-              <a:t>N</a:t>
-            </a:r>
-            <a:r>
-              <a:rPr kumimoji="1" lang="en-US" altLang="ja-JP" sz="4000" b="1" dirty="0" smtClean="0">
-                <a:solidFill>
-                  <a:srgbClr val="FFFF00"/>
-                </a:solidFill>
-              </a:rPr>
-              <a:t>ormal</a:t>
-            </a:r>
-          </a:p>
-          <a:p>
-            <a:pPr>
-              <a:lnSpc>
-                <a:spcPct val="150000"/>
-              </a:lnSpc>
-            </a:pPr>
-            <a:r>
-              <a:rPr kumimoji="1" lang="en-US" altLang="ja-JP" sz="4000" b="1" dirty="0" smtClean="0">
-                <a:solidFill>
-                  <a:srgbClr val="FF0000"/>
-                </a:solidFill>
-              </a:rPr>
-              <a:t>Hard</a:t>
-            </a:r>
-          </a:p>
-          <a:p>
-            <a:pPr>
-              <a:lnSpc>
-                <a:spcPct val="150000"/>
-              </a:lnSpc>
-            </a:pPr>
-            <a:r>
-              <a:rPr lang="en-US" altLang="ja-JP" sz="4000" b="1" dirty="0" smtClean="0">
-                <a:solidFill>
-                  <a:srgbClr val="0070C0"/>
-                </a:solidFill>
-              </a:rPr>
-              <a:t>Custom</a:t>
-            </a:r>
-          </a:p>
-          <a:p>
-            <a:r>
-              <a:rPr kumimoji="1" lang="en-US" altLang="ja-JP" sz="4000" b="1" dirty="0" smtClean="0">
-                <a:solidFill>
-                  <a:schemeClr val="bg1"/>
-                </a:solidFill>
-              </a:rPr>
-              <a:t>	</a:t>
-            </a:r>
-            <a:r>
-              <a:rPr kumimoji="1" lang="ja-JP" altLang="en-US" sz="4000" b="1" dirty="0" smtClean="0">
-                <a:solidFill>
-                  <a:schemeClr val="bg1"/>
-                </a:solidFill>
-              </a:rPr>
-              <a:t>の</a:t>
-            </a:r>
-            <a:r>
-              <a:rPr kumimoji="1" lang="en-US" altLang="ja-JP" sz="4000" b="1" dirty="0" smtClean="0">
-                <a:solidFill>
-                  <a:schemeClr val="bg1"/>
-                </a:solidFill>
-              </a:rPr>
-              <a:t>4</a:t>
-            </a:r>
-            <a:r>
-              <a:rPr kumimoji="1" lang="ja-JP" altLang="en-US" sz="4000" b="1" dirty="0" smtClean="0">
-                <a:solidFill>
-                  <a:schemeClr val="bg1"/>
-                </a:solidFill>
-              </a:rPr>
-              <a:t>種類あります。</a:t>
-            </a:r>
-            <a:endParaRPr kumimoji="1" lang="ja-JP" altLang="en-US" sz="4000" b="1" dirty="0">
-              <a:solidFill>
-                <a:schemeClr val="bg1"/>
-              </a:solidFill>
-            </a:endParaRPr>
-          </a:p>
-        </p:txBody>
-      </p:sp>
-      <p:sp>
-        <p:nvSpPr>
-          <p:cNvPr id="6" name="テキスト ボックス 5"/>
-          <p:cNvSpPr txBox="1"/>
-          <p:nvPr/>
-        </p:nvSpPr>
-        <p:spPr>
-          <a:xfrm>
-            <a:off x="5917223" y="1536174"/>
-            <a:ext cx="3139001" cy="707886"/>
-          </a:xfrm>
-          <a:prstGeom prst="rect">
-            <a:avLst/>
-          </a:prstGeom>
-          <a:noFill/>
-        </p:spPr>
-        <p:txBody>
-          <a:bodyPr wrap="none" rtlCol="0">
-            <a:spAutoFit/>
-          </a:bodyPr>
-          <a:lstStyle/>
-          <a:p>
-            <a:r>
-              <a:rPr lang="en-US" altLang="ja-JP" sz="4000" b="1" dirty="0" smtClean="0">
-                <a:solidFill>
-                  <a:srgbClr val="0070C0"/>
-                </a:solidFill>
-              </a:rPr>
-              <a:t>C</a:t>
-            </a:r>
-            <a:r>
-              <a:rPr kumimoji="1" lang="en-US" altLang="ja-JP" sz="4000" b="1" dirty="0" smtClean="0">
-                <a:solidFill>
-                  <a:srgbClr val="0070C0"/>
-                </a:solidFill>
-              </a:rPr>
-              <a:t>ustom</a:t>
-            </a:r>
-            <a:r>
-              <a:rPr lang="ja-JP" altLang="en-US" sz="4000" b="1" dirty="0" smtClean="0">
-                <a:solidFill>
-                  <a:schemeClr val="bg1"/>
-                </a:solidFill>
-              </a:rPr>
-              <a:t>と</a:t>
-            </a:r>
-            <a:r>
-              <a:rPr lang="ja-JP" altLang="en-US" sz="4000" b="1" dirty="0">
-                <a:solidFill>
-                  <a:schemeClr val="bg1"/>
-                </a:solidFill>
-              </a:rPr>
-              <a:t>は</a:t>
-            </a:r>
-            <a:endParaRPr kumimoji="1" lang="ja-JP" altLang="en-US" sz="4000" b="1" dirty="0">
-              <a:solidFill>
-                <a:schemeClr val="bg1"/>
-              </a:solidFill>
-            </a:endParaRPr>
-          </a:p>
-        </p:txBody>
-      </p:sp>
-      <p:sp>
-        <p:nvSpPr>
-          <p:cNvPr id="7" name="テキスト ボックス 6"/>
-          <p:cNvSpPr txBox="1"/>
-          <p:nvPr/>
-        </p:nvSpPr>
-        <p:spPr>
-          <a:xfrm>
-            <a:off x="6216252" y="2329832"/>
-            <a:ext cx="5827236" cy="2554545"/>
-          </a:xfrm>
-          <a:prstGeom prst="rect">
-            <a:avLst/>
-          </a:prstGeom>
-          <a:noFill/>
-        </p:spPr>
-        <p:txBody>
-          <a:bodyPr wrap="none" rtlCol="0">
-            <a:spAutoFit/>
-          </a:bodyPr>
-          <a:lstStyle/>
-          <a:p>
-            <a:r>
-              <a:rPr kumimoji="1" lang="ja-JP" altLang="en-US" sz="4000" b="1" dirty="0" smtClean="0">
-                <a:solidFill>
-                  <a:schemeClr val="bg1"/>
-                </a:solidFill>
-              </a:rPr>
-              <a:t>自分で</a:t>
-            </a:r>
-            <a:r>
-              <a:rPr lang="ja-JP" altLang="en-US" sz="4000" b="1" dirty="0" smtClean="0">
-                <a:solidFill>
-                  <a:schemeClr val="bg1"/>
-                </a:solidFill>
-              </a:rPr>
-              <a:t>マップを作って</a:t>
-            </a:r>
-            <a:endParaRPr lang="en-US" altLang="ja-JP" sz="4000" b="1" dirty="0" smtClean="0">
-              <a:solidFill>
-                <a:schemeClr val="bg1"/>
-              </a:solidFill>
-            </a:endParaRPr>
-          </a:p>
-          <a:p>
-            <a:r>
-              <a:rPr lang="ja-JP" altLang="en-US" sz="4000" b="1" dirty="0" smtClean="0">
-                <a:solidFill>
-                  <a:schemeClr val="bg1"/>
-                </a:solidFill>
-              </a:rPr>
-              <a:t>遊べたり、</a:t>
-            </a:r>
-            <a:endParaRPr lang="en-US" altLang="ja-JP" sz="4000" b="1" dirty="0" smtClean="0">
-              <a:solidFill>
-                <a:schemeClr val="bg1"/>
-              </a:solidFill>
-            </a:endParaRPr>
-          </a:p>
-          <a:p>
-            <a:r>
-              <a:rPr kumimoji="1" lang="ja-JP" altLang="en-US" sz="4000" b="1" dirty="0">
-                <a:solidFill>
-                  <a:schemeClr val="bg1"/>
-                </a:solidFill>
-              </a:rPr>
-              <a:t>他</a:t>
-            </a:r>
-            <a:r>
-              <a:rPr kumimoji="1" lang="ja-JP" altLang="en-US" sz="4000" b="1" dirty="0" smtClean="0">
-                <a:solidFill>
-                  <a:schemeClr val="bg1"/>
-                </a:solidFill>
-              </a:rPr>
-              <a:t>の</a:t>
-            </a:r>
-            <a:r>
-              <a:rPr kumimoji="1" lang="ja-JP" altLang="en-US" sz="4000" b="1" dirty="0">
-                <a:solidFill>
-                  <a:schemeClr val="bg1"/>
-                </a:solidFill>
-              </a:rPr>
-              <a:t>人</a:t>
-            </a:r>
-            <a:r>
-              <a:rPr kumimoji="1" lang="ja-JP" altLang="en-US" sz="4000" b="1" dirty="0" smtClean="0">
-                <a:solidFill>
-                  <a:schemeClr val="bg1"/>
-                </a:solidFill>
-              </a:rPr>
-              <a:t>が作ったマップを</a:t>
-            </a:r>
-            <a:endParaRPr kumimoji="1" lang="en-US" altLang="ja-JP" sz="4000" b="1" dirty="0" smtClean="0">
-              <a:solidFill>
-                <a:schemeClr val="bg1"/>
-              </a:solidFill>
-            </a:endParaRPr>
-          </a:p>
-          <a:p>
-            <a:r>
-              <a:rPr kumimoji="1" lang="ja-JP" altLang="en-US" sz="4000" b="1" dirty="0" smtClean="0">
-                <a:solidFill>
-                  <a:schemeClr val="bg1"/>
-                </a:solidFill>
-              </a:rPr>
-              <a:t>遊べるものになります。</a:t>
-            </a:r>
-            <a:endParaRPr kumimoji="1" lang="ja-JP" altLang="en-US" sz="4000" b="1" dirty="0">
-              <a:solidFill>
-                <a:schemeClr val="bg1"/>
-              </a:solidFill>
-            </a:endParaRPr>
-          </a:p>
-        </p:txBody>
-      </p:sp>
     </p:spTree>
     <p:extLst>
       <p:ext uri="{BB962C8B-B14F-4D97-AF65-F5344CB8AC3E}">
@@ -9348,41 +9666,6 @@
           </a:p>
         </p:txBody>
       </p:sp>
-      <p:cxnSp>
-        <p:nvCxnSpPr>
-          <p:cNvPr id="5" name="直線コネクタ 4"/>
-          <p:cNvCxnSpPr/>
-          <p:nvPr/>
-        </p:nvCxnSpPr>
-        <p:spPr>
-          <a:xfrm flipV="1">
-            <a:off x="0" y="1195754"/>
-            <a:ext cx="10673862" cy="2"/>
-          </a:xfrm>
-          <a:prstGeom prst="line">
-            <a:avLst/>
-          </a:prstGeom>
-          <a:ln w="38100">
-            <a:solidFill>
-              <a:srgbClr val="FFFF00"/>
-            </a:solidFill>
-          </a:ln>
-        </p:spPr>
-        <p:style>
-          <a:lnRef idx="1">
-            <a:schemeClr val="accent1"/>
-          </a:lnRef>
-          <a:fillRef idx="0">
-            <a:schemeClr val="accent1"/>
-          </a:fillRef>
-          <a:effectRef idx="0">
-            <a:schemeClr val="accent1"/>
-          </a:effectRef>
-          <a:fontRef idx="minor">
-            <a:schemeClr val="tx1"/>
-          </a:fontRef>
-        </p:style>
-      </p:cxnSp>
       <p:pic>
         <p:nvPicPr>
           <p:cNvPr id="4" name="図 3"/>
@@ -9827,6 +10110,71 @@
           </a:p>
         </p:txBody>
       </p:sp>
+      <p:pic>
+        <p:nvPicPr>
+          <p:cNvPr id="17" name="図 16"/>
+          <p:cNvPicPr>
+            <a:picLocks noChangeAspect="1"/>
+          </p:cNvPicPr>
+          <p:nvPr/>
+        </p:nvPicPr>
+        <p:blipFill>
+          <a:blip r:embed="rId3" cstate="print">
+            <a:extLst>
+              <a:ext uri="{28A0092B-C50C-407E-A947-70E740481C1C}">
+                <a14:useLocalDpi xmlns:a14="http://schemas.microsoft.com/office/drawing/2010/main" val="0"/>
+              </a:ext>
+            </a:extLst>
+          </a:blip>
+          <a:stretch>
+            <a:fillRect/>
+          </a:stretch>
+        </p:blipFill>
+        <p:spPr>
+          <a:xfrm>
+            <a:off x="10573829" y="802009"/>
+            <a:ext cx="1101583" cy="787489"/>
+          </a:xfrm>
+          <a:prstGeom prst="rect">
+            <a:avLst/>
+          </a:prstGeom>
+        </p:spPr>
+      </p:pic>
+      <p:cxnSp>
+        <p:nvCxnSpPr>
+          <p:cNvPr id="5" name="直線コネクタ 4"/>
+          <p:cNvCxnSpPr/>
+          <p:nvPr/>
+        </p:nvCxnSpPr>
+        <p:spPr>
+          <a:xfrm flipV="1">
+            <a:off x="0" y="1195754"/>
+            <a:ext cx="10673862" cy="2"/>
+          </a:xfrm>
+          <a:prstGeom prst="line">
+            <a:avLst/>
+          </a:prstGeom>
+          <a:ln w="38100">
+            <a:solidFill>
+              <a:srgbClr val="FFFF00"/>
+            </a:solidFill>
+          </a:ln>
+        </p:spPr>
+        <p:style>
+          <a:lnRef idx="1">
+            <a:schemeClr val="accent1"/>
+          </a:lnRef>
+          <a:fillRef idx="0">
+            <a:schemeClr val="accent1"/>
+          </a:fillRef>
+          <a:effectRef idx="0">
+            <a:schemeClr val="accent1"/>
+          </a:effectRef>
+          <a:fontRef idx="minor">
+            <a:schemeClr val="tx1"/>
+          </a:fontRef>
+        </p:style>
+      </p:cxnSp>
     </p:spTree>
     <p:extLst>
       <p:ext uri="{BB962C8B-B14F-4D97-AF65-F5344CB8AC3E}">
@@ -9930,27 +10278,7 @@
                 <a:latin typeface="HGS明朝E" panose="02020900000000000000" pitchFamily="18" charset="-128"/>
                 <a:ea typeface="HGS明朝E" panose="02020900000000000000" pitchFamily="18" charset="-128"/>
               </a:rPr>
-              <a:t>ゲーム説明～</a:t>
-            </a:r>
-            <a:r>
-              <a:rPr kumimoji="1" lang="ja-JP" altLang="en-US" sz="5400" b="1" dirty="0" smtClean="0">
-                <a:solidFill>
-                  <a:schemeClr val="bg1"/>
-                </a:solidFill>
-                <a:latin typeface="HGS明朝E" panose="02020900000000000000" pitchFamily="18" charset="-128"/>
-                <a:ea typeface="HGS明朝E" panose="02020900000000000000" pitchFamily="18" charset="-128"/>
-              </a:rPr>
-              <a:t>勝利・敗北条件</a:t>
-            </a:r>
-            <a:r>
-              <a:rPr kumimoji="1" lang="ja-JP" altLang="en-US" sz="5400" b="1" dirty="0" smtClean="0">
-                <a:solidFill>
-                  <a:schemeClr val="bg1"/>
-                </a:solidFill>
-                <a:latin typeface="HGS明朝E" panose="02020900000000000000" pitchFamily="18" charset="-128"/>
-                <a:ea typeface="HGS明朝E" panose="02020900000000000000" pitchFamily="18" charset="-128"/>
-              </a:rPr>
-              <a:t>～</a:t>
+              <a:t>ゲーム説明～勝利・敗北条件～</a:t>
             </a:r>
             <a:endParaRPr kumimoji="1" lang="ja-JP" altLang="en-US" sz="5400" b="1" dirty="0">
               <a:solidFill>
@@ -9962,6 +10290,237 @@
           </a:p>
         </p:txBody>
       </p:sp>
+      <p:sp>
+        <p:nvSpPr>
+          <p:cNvPr id="4" name="テキスト ボックス 3"/>
+          <p:cNvSpPr txBox="1"/>
+          <p:nvPr/>
+        </p:nvSpPr>
+        <p:spPr>
+          <a:xfrm>
+            <a:off x="386862" y="1459526"/>
+            <a:ext cx="5262979" cy="2026965"/>
+          </a:xfrm>
+          <a:prstGeom prst="rect">
+            <a:avLst/>
+          </a:prstGeom>
+          <a:noFill/>
+        </p:spPr>
+        <p:txBody>
+          <a:bodyPr wrap="none" rtlCol="0">
+            <a:spAutoFit/>
+          </a:bodyPr>
+          <a:lstStyle/>
+          <a:p>
+            <a:pPr>
+              <a:lnSpc>
+                <a:spcPct val="150000"/>
+              </a:lnSpc>
+            </a:pPr>
+            <a:r>
+              <a:rPr kumimoji="1" lang="ja-JP" altLang="en-US" sz="4400" b="1" dirty="0" smtClean="0">
+                <a:solidFill>
+                  <a:schemeClr val="bg1"/>
+                </a:solidFill>
+              </a:rPr>
+              <a:t>・敵ユニットの殲滅</a:t>
+            </a:r>
+            <a:endParaRPr kumimoji="1" lang="en-US" altLang="ja-JP" sz="4400" b="1" dirty="0" smtClean="0">
+              <a:solidFill>
+                <a:schemeClr val="bg1"/>
+              </a:solidFill>
+            </a:endParaRPr>
+          </a:p>
+          <a:p>
+            <a:pPr>
+              <a:lnSpc>
+                <a:spcPct val="150000"/>
+              </a:lnSpc>
+            </a:pPr>
+            <a:r>
+              <a:rPr kumimoji="1" lang="ja-JP" altLang="en-US" sz="4400" b="1" dirty="0" smtClean="0">
+                <a:solidFill>
+                  <a:schemeClr val="bg1"/>
+                </a:solidFill>
+              </a:rPr>
+              <a:t>・制限時間内の防衛</a:t>
+            </a:r>
+            <a:endParaRPr kumimoji="1" lang="ja-JP" altLang="en-US" sz="4400" b="1" dirty="0">
+              <a:solidFill>
+                <a:schemeClr val="bg1"/>
+              </a:solidFill>
+            </a:endParaRPr>
+          </a:p>
+        </p:txBody>
+      </p:sp>
+      <p:sp>
+        <p:nvSpPr>
+          <p:cNvPr id="6" name="テキスト ボックス 5"/>
+          <p:cNvSpPr txBox="1"/>
+          <p:nvPr/>
+        </p:nvSpPr>
+        <p:spPr>
+          <a:xfrm>
+            <a:off x="5336931" y="3642157"/>
+            <a:ext cx="6391493" cy="769441"/>
+          </a:xfrm>
+          <a:prstGeom prst="rect">
+            <a:avLst/>
+          </a:prstGeom>
+          <a:noFill/>
+        </p:spPr>
+        <p:txBody>
+          <a:bodyPr wrap="none" rtlCol="0">
+            <a:spAutoFit/>
+          </a:bodyPr>
+          <a:lstStyle/>
+          <a:p>
+            <a:r>
+              <a:rPr kumimoji="1" lang="ja-JP" altLang="en-US" sz="4400" b="1" dirty="0" smtClean="0">
+                <a:solidFill>
+                  <a:schemeClr val="bg1"/>
+                </a:solidFill>
+              </a:rPr>
+              <a:t>で自陣営の勝利です！！</a:t>
+            </a:r>
+            <a:endParaRPr kumimoji="1" lang="ja-JP" altLang="en-US" sz="4400" b="1" dirty="0">
+              <a:solidFill>
+                <a:schemeClr val="bg1"/>
+              </a:solidFill>
+            </a:endParaRPr>
+          </a:p>
+        </p:txBody>
+      </p:sp>
+      <p:sp>
+        <p:nvSpPr>
+          <p:cNvPr id="7" name="テキスト ボックス 6"/>
+          <p:cNvSpPr txBox="1"/>
+          <p:nvPr/>
+        </p:nvSpPr>
+        <p:spPr>
+          <a:xfrm>
+            <a:off x="386862" y="4567264"/>
+            <a:ext cx="7520007" cy="769441"/>
+          </a:xfrm>
+          <a:prstGeom prst="rect">
+            <a:avLst/>
+          </a:prstGeom>
+          <a:noFill/>
+        </p:spPr>
+        <p:txBody>
+          <a:bodyPr wrap="none" rtlCol="0">
+            <a:spAutoFit/>
+          </a:bodyPr>
+          <a:lstStyle/>
+          <a:p>
+            <a:r>
+              <a:rPr kumimoji="1" lang="ja-JP" altLang="en-US" sz="4400" b="1" dirty="0" smtClean="0">
+                <a:solidFill>
+                  <a:schemeClr val="bg1"/>
+                </a:solidFill>
+              </a:rPr>
+              <a:t>・自陣営の耐久値が</a:t>
+            </a:r>
+            <a:r>
+              <a:rPr lang="ja-JP" altLang="en-US" sz="4400" b="1" dirty="0" smtClean="0">
+                <a:solidFill>
+                  <a:schemeClr val="bg1"/>
+                </a:solidFill>
+              </a:rPr>
+              <a:t>なくな</a:t>
+            </a:r>
+            <a:r>
+              <a:rPr lang="ja-JP" altLang="en-US" sz="4400" b="1" dirty="0">
+                <a:solidFill>
+                  <a:schemeClr val="bg1"/>
+                </a:solidFill>
+              </a:rPr>
+              <a:t>る</a:t>
+            </a:r>
+            <a:endParaRPr kumimoji="1" lang="ja-JP" altLang="en-US" sz="4400" b="1" dirty="0">
+              <a:solidFill>
+                <a:schemeClr val="bg1"/>
+              </a:solidFill>
+            </a:endParaRPr>
+          </a:p>
+        </p:txBody>
+      </p:sp>
+      <p:sp>
+        <p:nvSpPr>
+          <p:cNvPr id="8" name="テキスト ボックス 7"/>
+          <p:cNvSpPr txBox="1"/>
+          <p:nvPr/>
+        </p:nvSpPr>
+        <p:spPr>
+          <a:xfrm>
+            <a:off x="7746024" y="5492371"/>
+            <a:ext cx="3570208" cy="769441"/>
+          </a:xfrm>
+          <a:prstGeom prst="rect">
+            <a:avLst/>
+          </a:prstGeom>
+          <a:noFill/>
+        </p:spPr>
+        <p:txBody>
+          <a:bodyPr wrap="none" rtlCol="0">
+            <a:spAutoFit/>
+          </a:bodyPr>
+          <a:lstStyle/>
+          <a:p>
+            <a:r>
+              <a:rPr lang="ja-JP" altLang="en-US" sz="4400" b="1" dirty="0" smtClean="0">
+                <a:solidFill>
+                  <a:schemeClr val="bg1"/>
+                </a:solidFill>
+              </a:rPr>
+              <a:t>と敗北です</a:t>
+            </a:r>
+            <a:r>
+              <a:rPr lang="en-US" altLang="ja-JP" sz="4400" b="1" dirty="0" smtClean="0">
+                <a:solidFill>
+                  <a:schemeClr val="bg1"/>
+                </a:solidFill>
+              </a:rPr>
+              <a:t>…</a:t>
+            </a:r>
+            <a:endParaRPr kumimoji="1" lang="ja-JP" altLang="en-US" sz="4400" b="1" dirty="0">
+              <a:solidFill>
+                <a:schemeClr val="bg1"/>
+              </a:solidFill>
+            </a:endParaRPr>
+          </a:p>
+        </p:txBody>
+      </p:sp>
+      <p:pic>
+        <p:nvPicPr>
+          <p:cNvPr id="9" name="図 8"/>
+          <p:cNvPicPr>
+            <a:picLocks noChangeAspect="1"/>
+          </p:cNvPicPr>
+          <p:nvPr/>
+        </p:nvPicPr>
+        <p:blipFill>
+          <a:blip r:embed="rId2" cstate="print">
+            <a:extLst>
+              <a:ext uri="{28A0092B-C50C-407E-A947-70E740481C1C}">
+                <a14:useLocalDpi xmlns:a14="http://schemas.microsoft.com/office/drawing/2010/main" val="0"/>
+              </a:ext>
+            </a:extLst>
+          </a:blip>
+          <a:stretch>
+            <a:fillRect/>
+          </a:stretch>
+        </p:blipFill>
+        <p:spPr>
+          <a:xfrm>
+            <a:off x="10573829" y="802009"/>
+            <a:ext cx="1101583" cy="787489"/>
+          </a:xfrm>
+          <a:prstGeom prst="rect">
+            <a:avLst/>
+          </a:prstGeom>
+        </p:spPr>
+      </p:pic>
       <p:cxnSp>
         <p:nvCxnSpPr>
           <p:cNvPr id="5" name="直線コネクタ 4"/>
@@ -9997,207 +10556,6 @@
           </a:fontRef>
         </p:style>
       </p:cxnSp>
-      <p:sp>
-        <p:nvSpPr>
-          <p:cNvPr id="4" name="テキスト ボックス 3"/>
-          <p:cNvSpPr txBox="1"/>
-          <p:nvPr/>
-        </p:nvSpPr>
-        <p:spPr>
-          <a:xfrm>
-            <a:off x="386862" y="1459526"/>
-            <a:ext cx="5262979" cy="2026965"/>
-          </a:xfrm>
-          <a:prstGeom prst="rect">
-            <a:avLst/>
-          </a:prstGeom>
-          <a:noFill/>
-        </p:spPr>
-        <p:txBody>
-          <a:bodyPr wrap="none" rtlCol="0">
-            <a:spAutoFit/>
-          </a:bodyPr>
-          <a:lstStyle/>
-          <a:p>
-            <a:pPr>
-              <a:lnSpc>
-                <a:spcPct val="150000"/>
-              </a:lnSpc>
-            </a:pPr>
-            <a:r>
-              <a:rPr kumimoji="1" lang="ja-JP" altLang="en-US" sz="4400" b="1" dirty="0" smtClean="0">
-                <a:solidFill>
-                  <a:schemeClr val="bg1"/>
-                </a:solidFill>
-              </a:rPr>
-              <a:t>・敵ユニットの殲滅</a:t>
-            </a:r>
-            <a:endParaRPr kumimoji="1" lang="en-US" altLang="ja-JP" sz="4400" b="1" dirty="0" smtClean="0">
-              <a:solidFill>
-                <a:schemeClr val="bg1"/>
-              </a:solidFill>
-            </a:endParaRPr>
-          </a:p>
-          <a:p>
-            <a:pPr>
-              <a:lnSpc>
-                <a:spcPct val="150000"/>
-              </a:lnSpc>
-            </a:pPr>
-            <a:r>
-              <a:rPr kumimoji="1" lang="ja-JP" altLang="en-US" sz="4400" b="1" dirty="0" smtClean="0">
-                <a:solidFill>
-                  <a:schemeClr val="bg1"/>
-                </a:solidFill>
-              </a:rPr>
-              <a:t>・制限時間内の防衛</a:t>
-            </a:r>
-            <a:endParaRPr kumimoji="1" lang="ja-JP" altLang="en-US" sz="4400" b="1" dirty="0">
-              <a:solidFill>
-                <a:schemeClr val="bg1"/>
-              </a:solidFill>
-            </a:endParaRPr>
-          </a:p>
-        </p:txBody>
-      </p:sp>
-      <p:sp>
-        <p:nvSpPr>
-          <p:cNvPr id="6" name="テキスト ボックス 5"/>
-          <p:cNvSpPr txBox="1"/>
-          <p:nvPr/>
-        </p:nvSpPr>
-        <p:spPr>
-          <a:xfrm>
-            <a:off x="5336931" y="3642157"/>
-            <a:ext cx="6391493" cy="769441"/>
-          </a:xfrm>
-          <a:prstGeom prst="rect">
-            <a:avLst/>
-          </a:prstGeom>
-          <a:noFill/>
-        </p:spPr>
-        <p:txBody>
-          <a:bodyPr wrap="none" rtlCol="0">
-            <a:spAutoFit/>
-          </a:bodyPr>
-          <a:lstStyle/>
-          <a:p>
-            <a:r>
-              <a:rPr kumimoji="1" lang="ja-JP" altLang="en-US" sz="4400" b="1" dirty="0" smtClean="0">
-                <a:solidFill>
-                  <a:schemeClr val="bg1"/>
-                </a:solidFill>
-              </a:rPr>
-              <a:t>で自陣営の勝利です！！</a:t>
-            </a:r>
-            <a:endParaRPr kumimoji="1" lang="ja-JP" altLang="en-US" sz="4400" b="1" dirty="0">
-              <a:solidFill>
-                <a:schemeClr val="bg1"/>
-              </a:solidFill>
-            </a:endParaRPr>
-          </a:p>
-        </p:txBody>
-      </p:sp>
-      <p:sp>
-        <p:nvSpPr>
-          <p:cNvPr id="7" name="テキスト ボックス 6"/>
-          <p:cNvSpPr txBox="1"/>
-          <p:nvPr/>
-        </p:nvSpPr>
-        <p:spPr>
-          <a:xfrm>
-            <a:off x="386862" y="4567264"/>
-            <a:ext cx="7520007" cy="769441"/>
-          </a:xfrm>
-          <a:prstGeom prst="rect">
-            <a:avLst/>
-          </a:prstGeom>
-          <a:noFill/>
-        </p:spPr>
-        <p:txBody>
-          <a:bodyPr wrap="none" rtlCol="0">
-            <a:spAutoFit/>
-          </a:bodyPr>
-          <a:lstStyle/>
-          <a:p>
-            <a:r>
-              <a:rPr kumimoji="1" lang="ja-JP" altLang="en-US" sz="4400" b="1" dirty="0" smtClean="0">
-                <a:solidFill>
-                  <a:schemeClr val="bg1"/>
-                </a:solidFill>
-              </a:rPr>
-              <a:t>・自陣営の耐久値が</a:t>
-            </a:r>
-            <a:r>
-              <a:rPr lang="ja-JP" altLang="en-US" sz="4400" b="1" dirty="0" smtClean="0">
-                <a:solidFill>
-                  <a:schemeClr val="bg1"/>
-                </a:solidFill>
-              </a:rPr>
-              <a:t>なくな</a:t>
-            </a:r>
-            <a:r>
-              <a:rPr lang="ja-JP" altLang="en-US" sz="4400" b="1" dirty="0">
-                <a:solidFill>
-                  <a:schemeClr val="bg1"/>
-                </a:solidFill>
-              </a:rPr>
-              <a:t>る</a:t>
-            </a:r>
-            <a:endParaRPr kumimoji="1" lang="ja-JP" altLang="en-US" sz="4400" b="1" dirty="0">
-              <a:solidFill>
-                <a:schemeClr val="bg1"/>
-              </a:solidFill>
-            </a:endParaRPr>
-          </a:p>
-        </p:txBody>
-      </p:sp>
-      <p:sp>
-        <p:nvSpPr>
-          <p:cNvPr id="8" name="テキスト ボックス 7"/>
-          <p:cNvSpPr txBox="1"/>
-          <p:nvPr/>
-        </p:nvSpPr>
-        <p:spPr>
-          <a:xfrm>
-            <a:off x="7746024" y="5492371"/>
-            <a:ext cx="3570208" cy="769441"/>
-          </a:xfrm>
-          <a:prstGeom prst="rect">
-            <a:avLst/>
-          </a:prstGeom>
-          <a:noFill/>
-        </p:spPr>
-        <p:txBody>
-          <a:bodyPr wrap="none" rtlCol="0">
-            <a:spAutoFit/>
-          </a:bodyPr>
-          <a:lstStyle/>
-          <a:p>
-            <a:r>
-              <a:rPr lang="ja-JP" altLang="en-US" sz="4400" b="1" dirty="0" smtClean="0">
-                <a:solidFill>
-                  <a:schemeClr val="bg1"/>
-                </a:solidFill>
-              </a:rPr>
-              <a:t>と敗北です</a:t>
-            </a:r>
-            <a:r>
-              <a:rPr lang="en-US" altLang="ja-JP" sz="4400" b="1" dirty="0" smtClean="0">
-                <a:solidFill>
-                  <a:schemeClr val="bg1"/>
-                </a:solidFill>
-              </a:rPr>
-              <a:t>…</a:t>
-            </a:r>
-            <a:endParaRPr kumimoji="1" lang="ja-JP" altLang="en-US" sz="4400" b="1" dirty="0">
-              <a:solidFill>
-                <a:schemeClr val="bg1"/>
-              </a:solidFill>
-            </a:endParaRPr>
-          </a:p>
-        </p:txBody>
-      </p:sp>
     </p:spTree>
     <p:extLst>
       <p:ext uri="{BB962C8B-B14F-4D97-AF65-F5344CB8AC3E}">
@@ -10323,6 +10681,235 @@
           </a:p>
         </p:txBody>
       </p:sp>
+      <p:sp>
+        <p:nvSpPr>
+          <p:cNvPr id="7" name="テキスト ボックス 6"/>
+          <p:cNvSpPr txBox="1"/>
+          <p:nvPr/>
+        </p:nvSpPr>
+        <p:spPr>
+          <a:xfrm>
+            <a:off x="226524" y="1949386"/>
+            <a:ext cx="12034064" cy="4154984"/>
+          </a:xfrm>
+          <a:prstGeom prst="rect">
+            <a:avLst/>
+          </a:prstGeom>
+          <a:noFill/>
+        </p:spPr>
+        <p:txBody>
+          <a:bodyPr wrap="none" rtlCol="0">
+            <a:spAutoFit/>
+          </a:bodyPr>
+          <a:lstStyle/>
+          <a:p>
+            <a:pPr>
+              <a:lnSpc>
+                <a:spcPct val="150000"/>
+              </a:lnSpc>
+            </a:pPr>
+            <a:r>
+              <a:rPr lang="ja-JP" altLang="en-US" sz="4400" b="1" dirty="0">
+                <a:solidFill>
+                  <a:schemeClr val="bg1"/>
+                </a:solidFill>
+              </a:rPr>
+              <a:t>ユニットはそれぞれ</a:t>
+            </a:r>
+            <a:r>
+              <a:rPr lang="ja-JP" altLang="en-US" sz="4400" b="1" dirty="0" smtClean="0">
+                <a:solidFill>
+                  <a:srgbClr val="FFFF00"/>
+                </a:solidFill>
+              </a:rPr>
+              <a:t>色</a:t>
+            </a:r>
+            <a:r>
+              <a:rPr lang="ja-JP" altLang="en-US" sz="4400" b="1" dirty="0" smtClean="0">
+                <a:solidFill>
+                  <a:schemeClr val="bg1"/>
+                </a:solidFill>
+              </a:rPr>
+              <a:t>・</a:t>
+            </a:r>
+            <a:r>
+              <a:rPr lang="ja-JP" altLang="en-US" sz="4400" b="1" dirty="0" smtClean="0">
+                <a:solidFill>
+                  <a:srgbClr val="C00000"/>
+                </a:solidFill>
+              </a:rPr>
+              <a:t>形</a:t>
+            </a:r>
+            <a:r>
+              <a:rPr lang="ja-JP" altLang="en-US" sz="4400" b="1" dirty="0">
+                <a:solidFill>
+                  <a:schemeClr val="bg1"/>
+                </a:solidFill>
+              </a:rPr>
+              <a:t>で分かれているぞ</a:t>
+            </a:r>
+            <a:r>
+              <a:rPr lang="ja-JP" altLang="en-US" sz="4400" b="1" dirty="0" smtClean="0">
+                <a:solidFill>
+                  <a:schemeClr val="bg1"/>
+                </a:solidFill>
+              </a:rPr>
+              <a:t>！</a:t>
+            </a:r>
+            <a:endParaRPr kumimoji="1" lang="en-US" altLang="ja-JP" sz="4400" b="1" dirty="0" smtClean="0">
+              <a:solidFill>
+                <a:schemeClr val="bg1"/>
+              </a:solidFill>
+            </a:endParaRPr>
+          </a:p>
+          <a:p>
+            <a:pPr>
+              <a:lnSpc>
+                <a:spcPct val="150000"/>
+              </a:lnSpc>
+            </a:pPr>
+            <a:r>
+              <a:rPr kumimoji="1" lang="ja-JP" altLang="en-US" sz="4400" b="1" dirty="0" smtClean="0">
+                <a:solidFill>
+                  <a:srgbClr val="FFFF00"/>
+                </a:solidFill>
+              </a:rPr>
+              <a:t>自陣</a:t>
+            </a:r>
+            <a:r>
+              <a:rPr kumimoji="1" lang="ja-JP" altLang="en-US" sz="4400" b="1" dirty="0" smtClean="0">
+                <a:solidFill>
+                  <a:schemeClr val="bg1"/>
+                </a:solidFill>
+              </a:rPr>
+              <a:t>は</a:t>
+            </a:r>
+            <a:r>
+              <a:rPr kumimoji="1" lang="ja-JP" altLang="en-US" sz="4400" b="1" dirty="0" smtClean="0">
+                <a:solidFill>
+                  <a:srgbClr val="FFFF00"/>
+                </a:solidFill>
+              </a:rPr>
+              <a:t>色</a:t>
+            </a:r>
+            <a:r>
+              <a:rPr kumimoji="1" lang="ja-JP" altLang="en-US" sz="4400" b="1" dirty="0" smtClean="0">
+                <a:solidFill>
+                  <a:schemeClr val="bg1"/>
+                </a:solidFill>
+              </a:rPr>
+              <a:t>、</a:t>
+            </a:r>
+            <a:r>
+              <a:rPr kumimoji="1" lang="ja-JP" altLang="en-US" sz="4400" b="1" dirty="0" smtClean="0">
+                <a:solidFill>
+                  <a:srgbClr val="C00000"/>
+                </a:solidFill>
+              </a:rPr>
+              <a:t>敵</a:t>
+            </a:r>
+            <a:r>
+              <a:rPr kumimoji="1" lang="ja-JP" altLang="en-US" sz="4400" b="1" dirty="0" smtClean="0">
+                <a:solidFill>
+                  <a:schemeClr val="bg1"/>
+                </a:solidFill>
+              </a:rPr>
+              <a:t>は</a:t>
+            </a:r>
+            <a:r>
+              <a:rPr kumimoji="1" lang="ja-JP" altLang="en-US" sz="4400" b="1" dirty="0" smtClean="0">
+                <a:solidFill>
+                  <a:srgbClr val="C00000"/>
+                </a:solidFill>
+              </a:rPr>
+              <a:t>形</a:t>
+            </a:r>
+            <a:r>
+              <a:rPr kumimoji="1" lang="ja-JP" altLang="en-US" sz="4400" b="1" dirty="0" smtClean="0">
+                <a:solidFill>
+                  <a:schemeClr val="bg1"/>
+                </a:solidFill>
+              </a:rPr>
+              <a:t>で分かれており</a:t>
+            </a:r>
+            <a:endParaRPr lang="en-US" altLang="ja-JP" sz="4400" b="1" dirty="0">
+              <a:solidFill>
+                <a:schemeClr val="bg1"/>
+              </a:solidFill>
+            </a:endParaRPr>
+          </a:p>
+          <a:p>
+            <a:pPr>
+              <a:lnSpc>
+                <a:spcPct val="150000"/>
+              </a:lnSpc>
+            </a:pPr>
+            <a:r>
+              <a:rPr kumimoji="1" lang="ja-JP" altLang="en-US" sz="4400" b="1" dirty="0" smtClean="0">
+                <a:solidFill>
+                  <a:schemeClr val="bg1"/>
+                </a:solidFill>
+              </a:rPr>
+              <a:t>それぞれで特徴が違うので</a:t>
+            </a:r>
+            <a:endParaRPr kumimoji="1" lang="en-US" altLang="ja-JP" sz="4400" b="1" dirty="0" smtClean="0">
+              <a:solidFill>
+                <a:schemeClr val="bg1"/>
+              </a:solidFill>
+            </a:endParaRPr>
+          </a:p>
+          <a:p>
+            <a:pPr>
+              <a:lnSpc>
+                <a:spcPct val="150000"/>
+              </a:lnSpc>
+            </a:pPr>
+            <a:r>
+              <a:rPr kumimoji="1" lang="ja-JP" altLang="en-US" sz="4400" b="1" dirty="0" smtClean="0">
+                <a:solidFill>
+                  <a:schemeClr val="bg1"/>
+                </a:solidFill>
+              </a:rPr>
+              <a:t>その特徴を駆使して敵を殲滅しよう！！</a:t>
+            </a:r>
+            <a:endParaRPr kumimoji="1" lang="ja-JP" altLang="en-US" sz="4400" b="1" dirty="0">
+              <a:solidFill>
+                <a:schemeClr val="bg1"/>
+              </a:solidFill>
+            </a:endParaRPr>
+          </a:p>
+        </p:txBody>
+      </p:sp>
+      <p:pic>
+        <p:nvPicPr>
+          <p:cNvPr id="6" name="図 5"/>
+          <p:cNvPicPr>
+            <a:picLocks noChangeAspect="1"/>
+          </p:cNvPicPr>
+          <p:nvPr/>
+        </p:nvPicPr>
+        <p:blipFill>
+          <a:blip r:embed="rId2" cstate="print">
+            <a:extLst>
+              <a:ext uri="{28A0092B-C50C-407E-A947-70E740481C1C}">
+                <a14:useLocalDpi xmlns:a14="http://schemas.microsoft.com/office/drawing/2010/main" val="0"/>
+              </a:ext>
+            </a:extLst>
+          </a:blip>
+          <a:stretch>
+            <a:fillRect/>
+          </a:stretch>
+        </p:blipFill>
+        <p:spPr>
+          <a:xfrm>
+            <a:off x="10573829" y="802009"/>
+            <a:ext cx="1101583" cy="787489"/>
+          </a:xfrm>
+          <a:prstGeom prst="rect">
+            <a:avLst/>
+          </a:prstGeom>
+        </p:spPr>
+      </p:pic>
       <p:cxnSp>
         <p:nvCxnSpPr>
           <p:cNvPr id="5" name="直線コネクタ 4"/>
@@ -10358,205 +10945,6 @@
           </a:fontRef>
         </p:style>
       </p:cxnSp>
-      <p:sp>
-        <p:nvSpPr>
-          <p:cNvPr id="7" name="テキスト ボックス 6"/>
-          <p:cNvSpPr txBox="1"/>
-          <p:nvPr/>
-        </p:nvSpPr>
-        <p:spPr>
-          <a:xfrm>
-            <a:off x="226524" y="1949386"/>
-            <a:ext cx="12034064" cy="4154984"/>
-          </a:xfrm>
-          <a:prstGeom prst="rect">
-            <a:avLst/>
-          </a:prstGeom>
-          <a:noFill/>
-        </p:spPr>
-        <p:txBody>
-          <a:bodyPr wrap="none" rtlCol="0">
-            <a:spAutoFit/>
-          </a:bodyPr>
-          <a:lstStyle/>
-          <a:p>
-            <a:pPr>
-              <a:lnSpc>
-                <a:spcPct val="150000"/>
-              </a:lnSpc>
-            </a:pPr>
-            <a:r>
-              <a:rPr lang="ja-JP" altLang="en-US" sz="4400" b="1" dirty="0">
-                <a:solidFill>
-                  <a:schemeClr val="bg1"/>
-                </a:solidFill>
-              </a:rPr>
-              <a:t>ユニットはそれぞれ</a:t>
-            </a:r>
-            <a:r>
-              <a:rPr lang="ja-JP" altLang="en-US" sz="4400" b="1" dirty="0" smtClean="0">
-                <a:solidFill>
-                  <a:srgbClr val="FFFF00"/>
-                </a:solidFill>
-              </a:rPr>
-              <a:t>色</a:t>
-            </a:r>
-            <a:r>
-              <a:rPr lang="ja-JP" altLang="en-US" sz="4400" b="1" dirty="0" smtClean="0">
-                <a:solidFill>
-                  <a:schemeClr val="bg1"/>
-                </a:solidFill>
-              </a:rPr>
-              <a:t>・</a:t>
-            </a:r>
-            <a:r>
-              <a:rPr lang="ja-JP" altLang="en-US" sz="4400" b="1" dirty="0" smtClean="0">
-                <a:solidFill>
-                  <a:srgbClr val="C00000"/>
-                </a:solidFill>
-              </a:rPr>
-              <a:t>形</a:t>
-            </a:r>
-            <a:r>
-              <a:rPr lang="ja-JP" altLang="en-US" sz="4400" b="1" dirty="0">
-                <a:solidFill>
-                  <a:schemeClr val="bg1"/>
-                </a:solidFill>
-              </a:rPr>
-              <a:t>で分かれているぞ</a:t>
-            </a:r>
-            <a:r>
-              <a:rPr lang="ja-JP" altLang="en-US" sz="4400" b="1" dirty="0" smtClean="0">
-                <a:solidFill>
-                  <a:schemeClr val="bg1"/>
-                </a:solidFill>
-              </a:rPr>
-              <a:t>！</a:t>
-            </a:r>
-            <a:endParaRPr kumimoji="1" lang="en-US" altLang="ja-JP" sz="4400" b="1" dirty="0" smtClean="0">
-              <a:solidFill>
-                <a:schemeClr val="bg1"/>
-              </a:solidFill>
-            </a:endParaRPr>
-          </a:p>
-          <a:p>
-            <a:pPr>
-              <a:lnSpc>
-                <a:spcPct val="150000"/>
-              </a:lnSpc>
-            </a:pPr>
-            <a:r>
-              <a:rPr kumimoji="1" lang="ja-JP" altLang="en-US" sz="4400" b="1" dirty="0" smtClean="0">
-                <a:solidFill>
-                  <a:srgbClr val="FFFF00"/>
-                </a:solidFill>
-              </a:rPr>
-              <a:t>自陣</a:t>
-            </a:r>
-            <a:r>
-              <a:rPr kumimoji="1" lang="ja-JP" altLang="en-US" sz="4400" b="1" dirty="0" smtClean="0">
-                <a:solidFill>
-                  <a:schemeClr val="bg1"/>
-                </a:solidFill>
-              </a:rPr>
-              <a:t>は</a:t>
-            </a:r>
-            <a:r>
-              <a:rPr kumimoji="1" lang="ja-JP" altLang="en-US" sz="4400" b="1" dirty="0" smtClean="0">
-                <a:solidFill>
-                  <a:srgbClr val="FFFF00"/>
-                </a:solidFill>
-              </a:rPr>
-              <a:t>色</a:t>
-            </a:r>
-            <a:r>
-              <a:rPr kumimoji="1" lang="ja-JP" altLang="en-US" sz="4400" b="1" dirty="0" smtClean="0">
-                <a:solidFill>
-                  <a:schemeClr val="bg1"/>
-                </a:solidFill>
-              </a:rPr>
-              <a:t>、</a:t>
-            </a:r>
-            <a:r>
-              <a:rPr kumimoji="1" lang="ja-JP" altLang="en-US" sz="4400" b="1" dirty="0" smtClean="0">
-                <a:solidFill>
-                  <a:srgbClr val="C00000"/>
-                </a:solidFill>
-              </a:rPr>
-              <a:t>敵</a:t>
-            </a:r>
-            <a:r>
-              <a:rPr kumimoji="1" lang="ja-JP" altLang="en-US" sz="4400" b="1" dirty="0" smtClean="0">
-                <a:solidFill>
-                  <a:schemeClr val="bg1"/>
-                </a:solidFill>
-              </a:rPr>
-              <a:t>は</a:t>
-            </a:r>
-            <a:r>
-              <a:rPr kumimoji="1" lang="ja-JP" altLang="en-US" sz="4400" b="1" dirty="0" smtClean="0">
-                <a:solidFill>
-                  <a:srgbClr val="C00000"/>
-                </a:solidFill>
-              </a:rPr>
-              <a:t>形</a:t>
-            </a:r>
-            <a:r>
-              <a:rPr kumimoji="1" lang="ja-JP" altLang="en-US" sz="4400" b="1" dirty="0" smtClean="0">
-                <a:solidFill>
-                  <a:schemeClr val="bg1"/>
-                </a:solidFill>
-              </a:rPr>
-              <a:t>で分かれており</a:t>
-            </a:r>
-            <a:endParaRPr lang="en-US" altLang="ja-JP" sz="4400" b="1" dirty="0">
-              <a:solidFill>
-                <a:schemeClr val="bg1"/>
-              </a:solidFill>
-            </a:endParaRPr>
-          </a:p>
-          <a:p>
-            <a:pPr>
-              <a:lnSpc>
-                <a:spcPct val="150000"/>
-              </a:lnSpc>
-            </a:pPr>
-            <a:r>
-              <a:rPr kumimoji="1" lang="ja-JP" altLang="en-US" sz="4400" b="1" dirty="0" smtClean="0">
-                <a:solidFill>
-                  <a:schemeClr val="bg1"/>
-                </a:solidFill>
-              </a:rPr>
-              <a:t>それぞれで特徴が違うので</a:t>
-            </a:r>
-            <a:endParaRPr kumimoji="1" lang="en-US" altLang="ja-JP" sz="4400" b="1" dirty="0" smtClean="0">
-              <a:solidFill>
-                <a:schemeClr val="bg1"/>
-              </a:solidFill>
-            </a:endParaRPr>
-          </a:p>
-          <a:p>
-            <a:pPr>
-              <a:lnSpc>
-                <a:spcPct val="150000"/>
-              </a:lnSpc>
-            </a:pPr>
-            <a:r>
-              <a:rPr kumimoji="1" lang="ja-JP" altLang="en-US" sz="4400" b="1" dirty="0" smtClean="0">
-                <a:solidFill>
-                  <a:schemeClr val="bg1"/>
-                </a:solidFill>
-              </a:rPr>
-              <a:t>その特徴を駆使して敵を殲滅しよう！！</a:t>
-            </a:r>
-            <a:endParaRPr kumimoji="1" lang="ja-JP" altLang="en-US" sz="4400" b="1" dirty="0">
-              <a:solidFill>
-                <a:schemeClr val="bg1"/>
-              </a:solidFill>
-            </a:endParaRPr>
-          </a:p>
-        </p:txBody>
-      </p:sp>
     </p:spTree>
     <p:extLst>
       <p:ext uri="{BB962C8B-B14F-4D97-AF65-F5344CB8AC3E}">
@@ -10682,41 +11070,6 @@
           </a:p>
         </p:txBody>
       </p:sp>
-      <p:cxnSp>
-        <p:nvCxnSpPr>
-          <p:cNvPr id="5" name="直線コネクタ 4"/>
-          <p:cNvCxnSpPr/>
-          <p:nvPr/>
-        </p:nvCxnSpPr>
-        <p:spPr>
-          <a:xfrm flipV="1">
-            <a:off x="0" y="1195754"/>
-            <a:ext cx="10673862" cy="2"/>
-          </a:xfrm>
-          <a:prstGeom prst="line">
-            <a:avLst/>
-          </a:prstGeom>
-          <a:ln w="38100">
-            <a:solidFill>
-              <a:srgbClr val="FFFF00"/>
-            </a:solidFill>
-          </a:ln>
-        </p:spPr>
-        <p:style>
-          <a:lnRef idx="1">
-            <a:schemeClr val="accent1"/>
-          </a:lnRef>
-          <a:fillRef idx="0">
-            <a:schemeClr val="accent1"/>
-          </a:fillRef>
-          <a:effectRef idx="0">
-            <a:schemeClr val="accent1"/>
-          </a:effectRef>
-          <a:fontRef idx="minor">
-            <a:schemeClr val="tx1"/>
-          </a:fontRef>
-        </p:style>
-      </p:cxnSp>
       <p:sp>
         <p:nvSpPr>
           <p:cNvPr id="4" name="六角形 3"/>
@@ -10984,6 +11337,71 @@
           </a:p>
         </p:txBody>
       </p:sp>
+      <p:pic>
+        <p:nvPicPr>
+          <p:cNvPr id="9" name="図 8"/>
+          <p:cNvPicPr>
+            <a:picLocks noChangeAspect="1"/>
+          </p:cNvPicPr>
+          <p:nvPr/>
+        </p:nvPicPr>
+        <p:blipFill>
+          <a:blip r:embed="rId2" cstate="print">
+            <a:extLst>
+              <a:ext uri="{28A0092B-C50C-407E-A947-70E740481C1C}">
+                <a14:useLocalDpi xmlns:a14="http://schemas.microsoft.com/office/drawing/2010/main" val="0"/>
+              </a:ext>
+            </a:extLst>
+          </a:blip>
+          <a:stretch>
+            <a:fillRect/>
+          </a:stretch>
+        </p:blipFill>
+        <p:spPr>
+          <a:xfrm>
+            <a:off x="10573829" y="802009"/>
+            <a:ext cx="1101583" cy="787489"/>
+          </a:xfrm>
+          <a:prstGeom prst="rect">
+            <a:avLst/>
+          </a:prstGeom>
+        </p:spPr>
+      </p:pic>
+      <p:cxnSp>
+        <p:nvCxnSpPr>
+          <p:cNvPr id="5" name="直線コネクタ 4"/>
+          <p:cNvCxnSpPr/>
+          <p:nvPr/>
+        </p:nvCxnSpPr>
+        <p:spPr>
+          <a:xfrm flipV="1">
+            <a:off x="0" y="1195754"/>
+            <a:ext cx="10673862" cy="2"/>
+          </a:xfrm>
+          <a:prstGeom prst="line">
+            <a:avLst/>
+          </a:prstGeom>
+          <a:ln w="38100">
+            <a:solidFill>
+              <a:srgbClr val="FFFF00"/>
+            </a:solidFill>
+          </a:ln>
+        </p:spPr>
+        <p:style>
+          <a:lnRef idx="1">
+            <a:schemeClr val="accent1"/>
+          </a:lnRef>
+          <a:fillRef idx="0">
+            <a:schemeClr val="accent1"/>
+          </a:fillRef>
+          <a:effectRef idx="0">
+            <a:schemeClr val="accent1"/>
+          </a:effectRef>
+          <a:fontRef idx="minor">
+            <a:schemeClr val="tx1"/>
+          </a:fontRef>
+        </p:style>
+      </p:cxnSp>
     </p:spTree>
     <p:extLst>
       <p:ext uri="{BB962C8B-B14F-4D97-AF65-F5344CB8AC3E}">
@@ -11109,41 +11527,6 @@
           </a:p>
         </p:txBody>
       </p:sp>
-      <p:cxnSp>
-        <p:nvCxnSpPr>
-          <p:cNvPr id="5" name="直線コネクタ 4"/>
-          <p:cNvCxnSpPr/>
-          <p:nvPr/>
-        </p:nvCxnSpPr>
-        <p:spPr>
-          <a:xfrm flipV="1">
-            <a:off x="0" y="1195754"/>
-            <a:ext cx="10673862" cy="2"/>
-          </a:xfrm>
-          <a:prstGeom prst="line">
-            <a:avLst/>
-          </a:prstGeom>
-          <a:ln w="38100">
-            <a:solidFill>
-              <a:srgbClr val="FFFF00"/>
-            </a:solidFill>
-          </a:ln>
-        </p:spPr>
-        <p:style>
-          <a:lnRef idx="1">
-            <a:schemeClr val="accent1"/>
-          </a:lnRef>
-          <a:fillRef idx="0">
-            <a:schemeClr val="accent1"/>
-          </a:fillRef>
-          <a:effectRef idx="0">
-            <a:schemeClr val="accent1"/>
-          </a:effectRef>
-          <a:fontRef idx="minor">
-            <a:schemeClr val="tx1"/>
-          </a:fontRef>
-        </p:style>
-      </p:cxnSp>
       <p:sp>
         <p:nvSpPr>
           <p:cNvPr id="4" name="六角形 3"/>
@@ -11459,6 +11842,71 @@
           </a:p>
         </p:txBody>
       </p:sp>
+      <p:pic>
+        <p:nvPicPr>
+          <p:cNvPr id="10" name="図 9"/>
+          <p:cNvPicPr>
+            <a:picLocks noChangeAspect="1"/>
+          </p:cNvPicPr>
+          <p:nvPr/>
+        </p:nvPicPr>
+        <p:blipFill>
+          <a:blip r:embed="rId2" cstate="print">
+            <a:extLst>
+              <a:ext uri="{28A0092B-C50C-407E-A947-70E740481C1C}">
+                <a14:useLocalDpi xmlns:a14="http://schemas.microsoft.com/office/drawing/2010/main" val="0"/>
+              </a:ext>
+            </a:extLst>
+          </a:blip>
+          <a:stretch>
+            <a:fillRect/>
+          </a:stretch>
+        </p:blipFill>
+        <p:spPr>
+          <a:xfrm>
+            <a:off x="10573829" y="802009"/>
+            <a:ext cx="1101583" cy="787489"/>
+          </a:xfrm>
+          <a:prstGeom prst="rect">
+            <a:avLst/>
+          </a:prstGeom>
+        </p:spPr>
+      </p:pic>
+      <p:cxnSp>
+        <p:nvCxnSpPr>
+          <p:cNvPr id="5" name="直線コネクタ 4"/>
+          <p:cNvCxnSpPr/>
+          <p:nvPr/>
+        </p:nvCxnSpPr>
+        <p:spPr>
+          <a:xfrm flipV="1">
+            <a:off x="0" y="1195754"/>
+            <a:ext cx="10673862" cy="2"/>
+          </a:xfrm>
+          <a:prstGeom prst="line">
+            <a:avLst/>
+          </a:prstGeom>
+          <a:ln w="38100">
+            <a:solidFill>
+              <a:srgbClr val="FFFF00"/>
+            </a:solidFill>
+          </a:ln>
+        </p:spPr>
+        <p:style>
+          <a:lnRef idx="1">
+            <a:schemeClr val="accent1"/>
+          </a:lnRef>
+          <a:fillRef idx="0">
+            <a:schemeClr val="accent1"/>
+          </a:fillRef>
+          <a:effectRef idx="0">
+            <a:schemeClr val="accent1"/>
+          </a:effectRef>
+          <a:fontRef idx="minor">
+            <a:schemeClr val="tx1"/>
+          </a:fontRef>
+        </p:style>
+      </p:cxnSp>
     </p:spTree>
     <p:extLst>
       <p:ext uri="{BB962C8B-B14F-4D97-AF65-F5344CB8AC3E}">
